--- a/ppt/소프트웨어 응용설계 발표자료.pptx
+++ b/ppt/소프트웨어 응용설계 발표자료.pptx
@@ -1,12 +1,36 @@
 
 <file path=ppt/presentation.xml><?xml version="1.0" encoding="utf-8"?>
-<p:presentation xmlns:a="http://schemas.openxmlformats.org/drawingml/2006/main" xmlns:r="http://schemas.openxmlformats.org/officeDocument/2006/relationships" xmlns:p="http://schemas.openxmlformats.org/presentationml/2006/main" saveSubsetFonts="1">
+<p:presentation xmlns:r="http://schemas.openxmlformats.org/officeDocument/2006/relationships" xmlns:c="http://schemas.openxmlformats.org/drawingml/2006/chart" xmlns:a="http://schemas.openxmlformats.org/drawingml/2006/main" xmlns:dgm="http://schemas.openxmlformats.org/drawingml/2006/diagram" xmlns:dsp="http://schemas.microsoft.com/office/drawing/2008/diagram" xmlns:p="http://schemas.openxmlformats.org/presentationml/2006/main">
   <p:sldMasterIdLst>
     <p:sldMasterId id="2147483648" r:id="rId1"/>
   </p:sldMasterIdLst>
   <p:sldIdLst>
     <p:sldId id="256" r:id="rId2"/>
     <p:sldId id="257" r:id="rId3"/>
+    <p:sldId id="258" r:id="rId4"/>
+    <p:sldId id="259" r:id="rId5"/>
+    <p:sldId id="260" r:id="rId6"/>
+    <p:sldId id="261" r:id="rId7"/>
+    <p:sldId id="262" r:id="rId8"/>
+    <p:sldId id="263" r:id="rId9"/>
+    <p:sldId id="264" r:id="rId10"/>
+    <p:sldId id="265" r:id="rId11"/>
+    <p:sldId id="266" r:id="rId12"/>
+    <p:sldId id="267" r:id="rId13"/>
+    <p:sldId id="282" r:id="rId14"/>
+    <p:sldId id="268" r:id="rId15"/>
+    <p:sldId id="269" r:id="rId16"/>
+    <p:sldId id="270" r:id="rId17"/>
+    <p:sldId id="276" r:id="rId18"/>
+    <p:sldId id="277" r:id="rId19"/>
+    <p:sldId id="271" r:id="rId20"/>
+    <p:sldId id="272" r:id="rId21"/>
+    <p:sldId id="278" r:id="rId22"/>
+    <p:sldId id="279" r:id="rId23"/>
+    <p:sldId id="280" r:id="rId24"/>
+    <p:sldId id="273" r:id="rId25"/>
+    <p:sldId id="275" r:id="rId26"/>
+    <p:sldId id="281" r:id="rId27"/>
   </p:sldIdLst>
   <p:sldSz cx="12192000" cy="6858000"/>
   <p:notesSz cx="6858000" cy="9144000"/>
@@ -3453,8 +3477,8 @@
 </p:sld>
 </file>
 
-<file path=ppt/slides/slide2.xml><?xml version="1.0" encoding="utf-8"?>
-<p:sld xmlns:a="http://schemas.openxmlformats.org/drawingml/2006/main" xmlns:r="http://schemas.openxmlformats.org/officeDocument/2006/relationships" xmlns:p="http://schemas.openxmlformats.org/presentationml/2006/main">
+<file path=ppt/slides/slide10.xml><?xml version="1.0" encoding="utf-8"?>
+<p:sld xmlns:r="http://schemas.openxmlformats.org/officeDocument/2006/relationships" xmlns:c="http://schemas.openxmlformats.org/drawingml/2006/chart" xmlns:a="http://schemas.openxmlformats.org/drawingml/2006/main" xmlns:dgm="http://schemas.openxmlformats.org/drawingml/2006/diagram" xmlns:dsp="http://schemas.microsoft.com/office/drawing/2008/diagram" xmlns:p="http://schemas.openxmlformats.org/presentationml/2006/main">
   <p:cSld>
     <p:spTree>
       <p:nvGrpSpPr>
@@ -3472,18 +3496,1044 @@
       </p:grpSpPr>
       <p:sp>
         <p:nvSpPr>
-          <p:cNvPr id="2" name="Title 1">
-            <a:extLst>
-              <a:ext uri="{FF2B5EF4-FFF2-40B4-BE49-F238E27FC236}">
-                <a16:creationId xmlns:a16="http://schemas.microsoft.com/office/drawing/2014/main" id="{BCC23124-4C0D-9ADA-2CF6-3C27A2666291}"/>
-              </a:ext>
-            </a:extLst>
-          </p:cNvPr>
-          <p:cNvSpPr>
-            <a:spLocks noGrp="1"/>
-          </p:cNvSpPr>
-          <p:nvPr>
-            <p:ph type="title"/>
+          <p:cNvPr id="2" name="Title 1"/>
+          <p:cNvSpPr>
+            <a:spLocks noGrp="1"/>
+          </p:cNvSpPr>
+          <p:nvPr>
+            <p:ph type="title" idx="0"/>
+          </p:nvPr>
+        </p:nvSpPr>
+        <p:spPr/>
+        <p:txBody>
+          <a:bodyPr/>
+          <a:p>
+            <a:pPr>
+              <a:defRPr/>
+            </a:pPr>
+            <a:r>
+              <a:rPr lang="ko-KR" altLang="en-US"/>
+              <a:t>과제 </a:t>
+            </a:r>
+            <a:r>
+              <a:rPr lang="en-US" altLang="ko-KR"/>
+              <a:t>4</a:t>
+            </a:r>
+            <a:endParaRPr lang="en-US" altLang="ko-KR"/>
+          </a:p>
+        </p:txBody>
+      </p:sp>
+      <p:sp>
+        <p:nvSpPr>
+          <p:cNvPr id="3" name="Content Placeholder 2"/>
+          <p:cNvSpPr>
+            <a:spLocks noGrp="1"/>
+          </p:cNvSpPr>
+          <p:nvPr>
+            <p:ph idx="1"/>
+          </p:nvPr>
+        </p:nvSpPr>
+        <p:spPr/>
+        <p:txBody>
+          <a:bodyPr/>
+          <a:p>
+            <a:pPr>
+              <a:defRPr/>
+            </a:pPr>
+            <a:r>
+              <a:rPr lang="ko-KR" altLang="en-US"/>
+              <a:t/>
+            </a:r>
+            <a:endParaRPr lang="ko-KR" altLang="en-US"/>
+          </a:p>
+        </p:txBody>
+      </p:sp>
+    </p:spTree>
+    <p:extLst>
+      <p:ext uri="{BB962C8B-B14F-4D97-AF65-F5344CB8AC3E}">
+        <p14:creationId xmlns:p14="http://schemas.microsoft.com/office/powerpoint/2010/main" val="1221419630"/>
+      </p:ext>
+    </p:extLst>
+  </p:cSld>
+  <p:clrMapOvr>
+    <a:masterClrMapping/>
+  </p:clrMapOvr>
+  <mc:AlternateContent xmlns:mc="http://schemas.openxmlformats.org/markup-compatibility/2006">
+    <mc:Choice xmlns:p14="http://schemas.microsoft.com/office/powerpoint/2010/main" Requires="p14">
+      <p:transition xmlns:mc="http://schemas.openxmlformats.org/markup-compatibility/2006" xmlns:p14="http://schemas.microsoft.com/office/powerpoint/2010/main" mc:Ignorable="p14" p14:dur="500"/>
+    </mc:Choice>
+    <mc:Fallback>
+      <p:transition/>
+    </mc:Fallback>
+  </mc:AlternateContent>
+</p:sld>
+</file>
+
+<file path=ppt/slides/slide11.xml><?xml version="1.0" encoding="utf-8"?>
+<p:sld xmlns:r="http://schemas.openxmlformats.org/officeDocument/2006/relationships" xmlns:c="http://schemas.openxmlformats.org/drawingml/2006/chart" xmlns:a="http://schemas.openxmlformats.org/drawingml/2006/main" xmlns:dgm="http://schemas.openxmlformats.org/drawingml/2006/diagram" xmlns:dsp="http://schemas.microsoft.com/office/drawing/2008/diagram" xmlns:p="http://schemas.openxmlformats.org/presentationml/2006/main">
+  <p:cSld>
+    <p:spTree>
+      <p:nvGrpSpPr>
+        <p:cNvPr id="1" name=""/>
+        <p:cNvGrpSpPr/>
+        <p:nvPr/>
+      </p:nvGrpSpPr>
+      <p:grpSpPr>
+        <a:xfrm>
+          <a:off x="0" y="0"/>
+          <a:ext cx="0" cy="0"/>
+          <a:chOff x="0" y="0"/>
+          <a:chExt cx="0" cy="0"/>
+        </a:xfrm>
+      </p:grpSpPr>
+      <p:sp>
+        <p:nvSpPr>
+          <p:cNvPr id="2" name="Title 1"/>
+          <p:cNvSpPr>
+            <a:spLocks noGrp="1"/>
+          </p:cNvSpPr>
+          <p:nvPr>
+            <p:ph type="title" idx="0"/>
+          </p:nvPr>
+        </p:nvSpPr>
+        <p:spPr/>
+        <p:txBody>
+          <a:bodyPr/>
+          <a:p>
+            <a:pPr>
+              <a:defRPr/>
+            </a:pPr>
+            <a:r>
+              <a:rPr lang="ko-KR" altLang="en-US"/>
+              <a:t>과제 </a:t>
+            </a:r>
+            <a:r>
+              <a:rPr lang="en-US" altLang="ko-KR"/>
+              <a:t>5</a:t>
+            </a:r>
+            <a:endParaRPr lang="en-US" altLang="ko-KR"/>
+          </a:p>
+        </p:txBody>
+      </p:sp>
+      <p:sp>
+        <p:nvSpPr>
+          <p:cNvPr id="3" name="Content Placeholder 2"/>
+          <p:cNvSpPr>
+            <a:spLocks noGrp="1"/>
+          </p:cNvSpPr>
+          <p:nvPr>
+            <p:ph idx="1"/>
+          </p:nvPr>
+        </p:nvSpPr>
+        <p:spPr/>
+        <p:txBody>
+          <a:bodyPr/>
+          <a:p>
+            <a:pPr>
+              <a:defRPr/>
+            </a:pPr>
+            <a:r>
+              <a:rPr lang="en-US" altLang="ko-KR"/>
+              <a:t>Risk Management</a:t>
+            </a:r>
+            <a:endParaRPr lang="en-US" altLang="ko-KR"/>
+          </a:p>
+        </p:txBody>
+      </p:sp>
+    </p:spTree>
+    <p:extLst>
+      <p:ext uri="{BB962C8B-B14F-4D97-AF65-F5344CB8AC3E}">
+        <p14:creationId xmlns:p14="http://schemas.microsoft.com/office/powerpoint/2010/main" val="2702592267"/>
+      </p:ext>
+    </p:extLst>
+  </p:cSld>
+  <p:clrMapOvr>
+    <a:masterClrMapping/>
+  </p:clrMapOvr>
+  <mc:AlternateContent xmlns:mc="http://schemas.openxmlformats.org/markup-compatibility/2006">
+    <mc:Choice xmlns:p14="http://schemas.microsoft.com/office/powerpoint/2010/main" Requires="p14">
+      <p:transition xmlns:mc="http://schemas.openxmlformats.org/markup-compatibility/2006" xmlns:p14="http://schemas.microsoft.com/office/powerpoint/2010/main" mc:Ignorable="p14" p14:dur="500"/>
+    </mc:Choice>
+    <mc:Fallback>
+      <p:transition/>
+    </mc:Fallback>
+  </mc:AlternateContent>
+</p:sld>
+</file>
+
+<file path=ppt/slides/slide12.xml><?xml version="1.0" encoding="utf-8"?>
+<p:sld xmlns:r="http://schemas.openxmlformats.org/officeDocument/2006/relationships" xmlns:c="http://schemas.openxmlformats.org/drawingml/2006/chart" xmlns:a="http://schemas.openxmlformats.org/drawingml/2006/main" xmlns:dgm="http://schemas.openxmlformats.org/drawingml/2006/diagram" xmlns:dsp="http://schemas.microsoft.com/office/drawing/2008/diagram" xmlns:p="http://schemas.openxmlformats.org/presentationml/2006/main">
+  <p:cSld>
+    <p:spTree>
+      <p:nvGrpSpPr>
+        <p:cNvPr id="1" name=""/>
+        <p:cNvGrpSpPr/>
+        <p:nvPr/>
+      </p:nvGrpSpPr>
+      <p:grpSpPr>
+        <a:xfrm>
+          <a:off x="0" y="0"/>
+          <a:ext cx="0" cy="0"/>
+          <a:chOff x="0" y="0"/>
+          <a:chExt cx="0" cy="0"/>
+        </a:xfrm>
+      </p:grpSpPr>
+      <p:sp>
+        <p:nvSpPr>
+          <p:cNvPr id="2" name="Title 1"/>
+          <p:cNvSpPr>
+            <a:spLocks noGrp="1"/>
+          </p:cNvSpPr>
+          <p:nvPr>
+            <p:ph type="title" idx="0"/>
+          </p:nvPr>
+        </p:nvSpPr>
+        <p:spPr/>
+        <p:txBody>
+          <a:bodyPr/>
+          <a:p>
+            <a:pPr>
+              <a:defRPr/>
+            </a:pPr>
+            <a:r>
+              <a:rPr lang="ko-KR" altLang="en-US"/>
+              <a:t>과제 </a:t>
+            </a:r>
+            <a:r>
+              <a:rPr lang="en-US" altLang="ko-KR"/>
+              <a:t>5</a:t>
+            </a:r>
+            <a:endParaRPr lang="en-US" altLang="ko-KR"/>
+          </a:p>
+        </p:txBody>
+      </p:sp>
+      <p:sp>
+        <p:nvSpPr>
+          <p:cNvPr id="3" name="Content Placeholder 2"/>
+          <p:cNvSpPr>
+            <a:spLocks noGrp="1"/>
+          </p:cNvSpPr>
+          <p:nvPr>
+            <p:ph idx="1"/>
+          </p:nvPr>
+        </p:nvSpPr>
+        <p:spPr/>
+        <p:txBody>
+          <a:bodyPr/>
+          <a:p>
+            <a:pPr>
+              <a:defRPr/>
+            </a:pPr>
+            <a:r>
+              <a:rPr lang="ko-KR" altLang="en-US"/>
+              <a:t/>
+            </a:r>
+            <a:endParaRPr lang="ko-KR" altLang="en-US"/>
+          </a:p>
+        </p:txBody>
+      </p:sp>
+    </p:spTree>
+    <p:extLst>
+      <p:ext uri="{BB962C8B-B14F-4D97-AF65-F5344CB8AC3E}">
+        <p14:creationId xmlns:p14="http://schemas.microsoft.com/office/powerpoint/2010/main" val="1125589132"/>
+      </p:ext>
+    </p:extLst>
+  </p:cSld>
+  <p:clrMapOvr>
+    <a:masterClrMapping/>
+  </p:clrMapOvr>
+  <mc:AlternateContent xmlns:mc="http://schemas.openxmlformats.org/markup-compatibility/2006">
+    <mc:Choice xmlns:p14="http://schemas.microsoft.com/office/powerpoint/2010/main" Requires="p14">
+      <p:transition xmlns:mc="http://schemas.openxmlformats.org/markup-compatibility/2006" xmlns:p14="http://schemas.microsoft.com/office/powerpoint/2010/main" mc:Ignorable="p14" p14:dur="500"/>
+    </mc:Choice>
+    <mc:Fallback>
+      <p:transition/>
+    </mc:Fallback>
+  </mc:AlternateContent>
+</p:sld>
+</file>
+
+<file path=ppt/slides/slide13.xml><?xml version="1.0" encoding="utf-8"?>
+<p:sld xmlns:r="http://schemas.openxmlformats.org/officeDocument/2006/relationships" xmlns:c="http://schemas.openxmlformats.org/drawingml/2006/chart" xmlns:a="http://schemas.openxmlformats.org/drawingml/2006/main" xmlns:dgm="http://schemas.openxmlformats.org/drawingml/2006/diagram" xmlns:dsp="http://schemas.microsoft.com/office/drawing/2008/diagram" xmlns:p="http://schemas.openxmlformats.org/presentationml/2006/main">
+  <p:cSld>
+    <p:spTree>
+      <p:nvGrpSpPr>
+        <p:cNvPr id="1" name=""/>
+        <p:cNvGrpSpPr/>
+        <p:nvPr/>
+      </p:nvGrpSpPr>
+      <p:grpSpPr>
+        <a:xfrm>
+          <a:off x="0" y="0"/>
+          <a:ext cx="0" cy="0"/>
+          <a:chOff x="0" y="0"/>
+          <a:chExt cx="0" cy="0"/>
+        </a:xfrm>
+      </p:grpSpPr>
+      <p:sp>
+        <p:nvSpPr>
+          <p:cNvPr id="2" name="Title 1"/>
+          <p:cNvSpPr>
+            <a:spLocks noGrp="1"/>
+          </p:cNvSpPr>
+          <p:nvPr>
+            <p:ph type="title" idx="0"/>
+          </p:nvPr>
+        </p:nvSpPr>
+        <p:spPr/>
+        <p:txBody>
+          <a:bodyPr/>
+          <a:p>
+            <a:pPr>
+              <a:defRPr/>
+            </a:pPr>
+            <a:r>
+              <a:rPr lang="ko-KR" altLang="en-US"/>
+              <a:t>과제 </a:t>
+            </a:r>
+            <a:r>
+              <a:rPr lang="en-US" altLang="ko-KR"/>
+              <a:t>5</a:t>
+            </a:r>
+            <a:r>
+              <a:rPr lang="ko-KR" altLang="en-US"/>
+              <a:t> </a:t>
+            </a:r>
+            <a:r>
+              <a:rPr lang="en-US" altLang="ko-KR"/>
+              <a:t>-</a:t>
+            </a:r>
+            <a:r>
+              <a:rPr lang="ko-KR" altLang="en-US"/>
+              <a:t> 그 외 배운 것들</a:t>
+            </a:r>
+            <a:endParaRPr lang="ko-KR" altLang="en-US"/>
+          </a:p>
+        </p:txBody>
+      </p:sp>
+      <p:sp>
+        <p:nvSpPr>
+          <p:cNvPr id="3" name="Content Placeholder 2"/>
+          <p:cNvSpPr>
+            <a:spLocks noGrp="1"/>
+          </p:cNvSpPr>
+          <p:nvPr>
+            <p:ph idx="1"/>
+          </p:nvPr>
+        </p:nvSpPr>
+        <p:spPr/>
+        <p:txBody>
+          <a:bodyPr/>
+          <a:p>
+            <a:pPr>
+              <a:defRPr/>
+            </a:pPr>
+            <a:r>
+              <a:rPr lang="ko-KR" altLang="en-US"/>
+              <a:t>논문 작성법</a:t>
+            </a:r>
+            <a:endParaRPr lang="ko-KR" altLang="en-US"/>
+          </a:p>
+          <a:p>
+            <a:pPr>
+              <a:defRPr/>
+            </a:pPr>
+            <a:r>
+              <a:rPr lang="ko-KR" altLang="en-US"/>
+              <a:t>기능적 요구사항 </a:t>
+            </a:r>
+            <a:r>
+              <a:rPr lang="en-US" altLang="ko-KR"/>
+              <a:t>&amp;</a:t>
+            </a:r>
+            <a:r>
+              <a:rPr lang="ko-KR" altLang="en-US"/>
+              <a:t> 비기능적 요구사항</a:t>
+            </a:r>
+            <a:endParaRPr lang="ko-KR" altLang="en-US"/>
+          </a:p>
+          <a:p>
+            <a:pPr>
+              <a:defRPr/>
+            </a:pPr>
+            <a:r>
+              <a:rPr lang="ko-KR" altLang="en-US"/>
+              <a:t>형상관리</a:t>
+            </a:r>
+            <a:endParaRPr lang="ko-KR" altLang="en-US"/>
+          </a:p>
+        </p:txBody>
+      </p:sp>
+    </p:spTree>
+    <p:extLst>
+      <p:ext uri="{BB962C8B-B14F-4D97-AF65-F5344CB8AC3E}">
+        <p14:creationId xmlns:p14="http://schemas.microsoft.com/office/powerpoint/2010/main" val="4003314342"/>
+      </p:ext>
+    </p:extLst>
+  </p:cSld>
+  <p:clrMapOvr>
+    <a:masterClrMapping/>
+  </p:clrMapOvr>
+  <mc:AlternateContent xmlns:mc="http://schemas.openxmlformats.org/markup-compatibility/2006">
+    <mc:Choice xmlns:p14="http://schemas.microsoft.com/office/powerpoint/2010/main" Requires="p14">
+      <p:transition xmlns:mc="http://schemas.openxmlformats.org/markup-compatibility/2006" xmlns:p14="http://schemas.microsoft.com/office/powerpoint/2010/main" mc:Ignorable="p14" p14:dur="500"/>
+    </mc:Choice>
+    <mc:Fallback>
+      <p:transition/>
+    </mc:Fallback>
+  </mc:AlternateContent>
+</p:sld>
+</file>
+
+<file path=ppt/slides/slide14.xml><?xml version="1.0" encoding="utf-8"?>
+<p:sld xmlns:r="http://schemas.openxmlformats.org/officeDocument/2006/relationships" xmlns:c="http://schemas.openxmlformats.org/drawingml/2006/chart" xmlns:a="http://schemas.openxmlformats.org/drawingml/2006/main" xmlns:dgm="http://schemas.openxmlformats.org/drawingml/2006/diagram" xmlns:dsp="http://schemas.microsoft.com/office/drawing/2008/diagram" xmlns:p="http://schemas.openxmlformats.org/presentationml/2006/main">
+  <p:cSld>
+    <p:spTree>
+      <p:nvGrpSpPr>
+        <p:cNvPr id="1" name=""/>
+        <p:cNvGrpSpPr/>
+        <p:nvPr/>
+      </p:nvGrpSpPr>
+      <p:grpSpPr>
+        <a:xfrm>
+          <a:off x="0" y="0"/>
+          <a:ext cx="0" cy="0"/>
+          <a:chOff x="0" y="0"/>
+          <a:chExt cx="0" cy="0"/>
+        </a:xfrm>
+      </p:grpSpPr>
+      <p:sp>
+        <p:nvSpPr>
+          <p:cNvPr id="2" name="Title 1"/>
+          <p:cNvSpPr>
+            <a:spLocks noGrp="1"/>
+          </p:cNvSpPr>
+          <p:nvPr>
+            <p:ph type="title" idx="0"/>
+          </p:nvPr>
+        </p:nvSpPr>
+        <p:spPr/>
+        <p:txBody>
+          <a:bodyPr/>
+          <a:p>
+            <a:pPr>
+              <a:defRPr/>
+            </a:pPr>
+            <a:r>
+              <a:rPr lang="ko-KR" altLang="en-US"/>
+              <a:t>과제 </a:t>
+            </a:r>
+            <a:r>
+              <a:rPr lang="en-US" altLang="ko-KR"/>
+              <a:t>6</a:t>
+            </a:r>
+            <a:r>
+              <a:rPr lang="ko-KR" altLang="en-US"/>
+              <a:t> </a:t>
+            </a:r>
+            <a:r>
+              <a:rPr lang="en-US" altLang="ko-KR"/>
+              <a:t>-</a:t>
+            </a:r>
+            <a:r>
+              <a:rPr lang="ko-KR" altLang="en-US"/>
+              <a:t> 최종 주제</a:t>
+            </a:r>
+            <a:endParaRPr lang="ko-KR" altLang="en-US"/>
+          </a:p>
+        </p:txBody>
+      </p:sp>
+      <p:sp>
+        <p:nvSpPr>
+          <p:cNvPr id="3" name="Content Placeholder 2"/>
+          <p:cNvSpPr>
+            <a:spLocks noGrp="1"/>
+          </p:cNvSpPr>
+          <p:nvPr>
+            <p:ph idx="1"/>
+          </p:nvPr>
+        </p:nvSpPr>
+        <p:spPr/>
+        <p:txBody>
+          <a:bodyPr/>
+          <a:p>
+            <a:pPr>
+              <a:defRPr/>
+            </a:pPr>
+            <a:r>
+              <a:rPr lang="ko-KR" altLang="en-US"/>
+              <a:t>교내 보행자 안전 시스템에 대한 간단한 설명</a:t>
+            </a:r>
+            <a:endParaRPr lang="ko-KR" altLang="en-US"/>
+          </a:p>
+        </p:txBody>
+      </p:sp>
+    </p:spTree>
+    <p:extLst>
+      <p:ext uri="{BB962C8B-B14F-4D97-AF65-F5344CB8AC3E}">
+        <p14:creationId xmlns:p14="http://schemas.microsoft.com/office/powerpoint/2010/main" val="3766277748"/>
+      </p:ext>
+    </p:extLst>
+  </p:cSld>
+  <p:clrMapOvr>
+    <a:masterClrMapping/>
+  </p:clrMapOvr>
+  <mc:AlternateContent xmlns:mc="http://schemas.openxmlformats.org/markup-compatibility/2006">
+    <mc:Choice xmlns:p14="http://schemas.microsoft.com/office/powerpoint/2010/main" Requires="p14">
+      <p:transition xmlns:mc="http://schemas.openxmlformats.org/markup-compatibility/2006" xmlns:p14="http://schemas.microsoft.com/office/powerpoint/2010/main" mc:Ignorable="p14" p14:dur="500"/>
+    </mc:Choice>
+    <mc:Fallback>
+      <p:transition/>
+    </mc:Fallback>
+  </mc:AlternateContent>
+</p:sld>
+</file>
+
+<file path=ppt/slides/slide15.xml><?xml version="1.0" encoding="utf-8"?>
+<p:sld xmlns:r="http://schemas.openxmlformats.org/officeDocument/2006/relationships" xmlns:c="http://schemas.openxmlformats.org/drawingml/2006/chart" xmlns:a="http://schemas.openxmlformats.org/drawingml/2006/main" xmlns:dgm="http://schemas.openxmlformats.org/drawingml/2006/diagram" xmlns:dsp="http://schemas.microsoft.com/office/drawing/2008/diagram" xmlns:p="http://schemas.openxmlformats.org/presentationml/2006/main">
+  <p:cSld>
+    <p:spTree>
+      <p:nvGrpSpPr>
+        <p:cNvPr id="1" name=""/>
+        <p:cNvGrpSpPr/>
+        <p:nvPr/>
+      </p:nvGrpSpPr>
+      <p:grpSpPr>
+        <a:xfrm>
+          <a:off x="0" y="0"/>
+          <a:ext cx="0" cy="0"/>
+          <a:chOff x="0" y="0"/>
+          <a:chExt cx="0" cy="0"/>
+        </a:xfrm>
+      </p:grpSpPr>
+      <p:sp>
+        <p:nvSpPr>
+          <p:cNvPr id="2" name="Title 1"/>
+          <p:cNvSpPr>
+            <a:spLocks noGrp="1"/>
+          </p:cNvSpPr>
+          <p:nvPr>
+            <p:ph type="title" idx="0"/>
+          </p:nvPr>
+        </p:nvSpPr>
+        <p:spPr/>
+        <p:txBody>
+          <a:bodyPr/>
+          <a:p>
+            <a:pPr>
+              <a:defRPr/>
+            </a:pPr>
+            <a:r>
+              <a:rPr lang="ko-KR" altLang="en-US"/>
+              <a:t>과제 </a:t>
+            </a:r>
+            <a:r>
+              <a:rPr lang="en-US" altLang="ko-KR"/>
+              <a:t>6</a:t>
+            </a:r>
+            <a:r>
+              <a:rPr lang="ko-KR" altLang="en-US"/>
+              <a:t> </a:t>
+            </a:r>
+            <a:r>
+              <a:rPr lang="en-US" altLang="ko-KR"/>
+              <a:t>-</a:t>
+            </a:r>
+            <a:r>
+              <a:rPr lang="ko-KR" altLang="en-US"/>
+              <a:t> 설계과정</a:t>
+            </a:r>
+            <a:endParaRPr lang="ko-KR" altLang="en-US"/>
+          </a:p>
+        </p:txBody>
+      </p:sp>
+      <p:sp>
+        <p:nvSpPr>
+          <p:cNvPr id="3" name="Content Placeholder 2"/>
+          <p:cNvSpPr>
+            <a:spLocks noGrp="1"/>
+          </p:cNvSpPr>
+          <p:nvPr>
+            <p:ph idx="1"/>
+          </p:nvPr>
+        </p:nvSpPr>
+        <p:spPr/>
+        <p:txBody>
+          <a:bodyPr/>
+          <a:p>
+            <a:pPr>
+              <a:defRPr/>
+            </a:pPr>
+            <a:r>
+              <a:rPr lang="ko-KR" altLang="en-US"/>
+              <a:t>설계 단계에서 논의 된 내용을 간략히 설명</a:t>
+            </a:r>
+            <a:endParaRPr lang="ko-KR" altLang="en-US"/>
+          </a:p>
+        </p:txBody>
+      </p:sp>
+    </p:spTree>
+    <p:extLst>
+      <p:ext uri="{BB962C8B-B14F-4D97-AF65-F5344CB8AC3E}">
+        <p14:creationId xmlns:p14="http://schemas.microsoft.com/office/powerpoint/2010/main" val="3617708352"/>
+      </p:ext>
+    </p:extLst>
+  </p:cSld>
+  <p:clrMapOvr>
+    <a:masterClrMapping/>
+  </p:clrMapOvr>
+  <mc:AlternateContent xmlns:mc="http://schemas.openxmlformats.org/markup-compatibility/2006">
+    <mc:Choice xmlns:p14="http://schemas.microsoft.com/office/powerpoint/2010/main" Requires="p14">
+      <p:transition xmlns:mc="http://schemas.openxmlformats.org/markup-compatibility/2006" xmlns:p14="http://schemas.microsoft.com/office/powerpoint/2010/main" mc:Ignorable="p14" p14:dur="500"/>
+    </mc:Choice>
+    <mc:Fallback>
+      <p:transition/>
+    </mc:Fallback>
+  </mc:AlternateContent>
+</p:sld>
+</file>
+
+<file path=ppt/slides/slide16.xml><?xml version="1.0" encoding="utf-8"?>
+<p:sld xmlns:r="http://schemas.openxmlformats.org/officeDocument/2006/relationships" xmlns:c="http://schemas.openxmlformats.org/drawingml/2006/chart" xmlns:a="http://schemas.openxmlformats.org/drawingml/2006/main" xmlns:dgm="http://schemas.openxmlformats.org/drawingml/2006/diagram" xmlns:dsp="http://schemas.microsoft.com/office/drawing/2008/diagram" xmlns:p="http://schemas.openxmlformats.org/presentationml/2006/main">
+  <p:cSld>
+    <p:spTree>
+      <p:nvGrpSpPr>
+        <p:cNvPr id="1" name=""/>
+        <p:cNvGrpSpPr/>
+        <p:nvPr/>
+      </p:nvGrpSpPr>
+      <p:grpSpPr>
+        <a:xfrm>
+          <a:off x="0" y="0"/>
+          <a:ext cx="0" cy="0"/>
+          <a:chOff x="0" y="0"/>
+          <a:chExt cx="0" cy="0"/>
+        </a:xfrm>
+      </p:grpSpPr>
+      <p:sp>
+        <p:nvSpPr>
+          <p:cNvPr id="2" name="Title 1"/>
+          <p:cNvSpPr>
+            <a:spLocks noGrp="1"/>
+          </p:cNvSpPr>
+          <p:nvPr>
+            <p:ph type="title" idx="0"/>
+          </p:nvPr>
+        </p:nvSpPr>
+        <p:spPr/>
+        <p:txBody>
+          <a:bodyPr/>
+          <a:p>
+            <a:pPr>
+              <a:defRPr/>
+            </a:pPr>
+            <a:r>
+              <a:rPr lang="ko-KR" altLang="en-US"/>
+              <a:t>과제 </a:t>
+            </a:r>
+            <a:r>
+              <a:rPr lang="en-US" altLang="ko-KR"/>
+              <a:t>6</a:t>
+            </a:r>
+            <a:r>
+              <a:rPr lang="ko-KR" altLang="en-US"/>
+              <a:t> </a:t>
+            </a:r>
+            <a:r>
+              <a:rPr lang="en-US" altLang="ko-KR"/>
+              <a:t>-</a:t>
+            </a:r>
+            <a:r>
+              <a:rPr lang="ko-KR" altLang="en-US"/>
+              <a:t> 설계과정</a:t>
+            </a:r>
+            <a:endParaRPr lang="en-US" altLang="ko-KR"/>
+          </a:p>
+        </p:txBody>
+      </p:sp>
+      <p:sp>
+        <p:nvSpPr>
+          <p:cNvPr id="3" name="Content Placeholder 2"/>
+          <p:cNvSpPr>
+            <a:spLocks noGrp="1"/>
+          </p:cNvSpPr>
+          <p:nvPr>
+            <p:ph idx="1"/>
+          </p:nvPr>
+        </p:nvSpPr>
+        <p:spPr/>
+        <p:txBody>
+          <a:bodyPr/>
+          <a:p>
+            <a:pPr>
+              <a:defRPr/>
+            </a:pPr>
+            <a:r>
+              <a:rPr lang="ko-KR" altLang="en-US"/>
+              <a:t>최종적으로 설계된 구체적인 내용 설명</a:t>
+            </a:r>
+            <a:endParaRPr lang="ko-KR" altLang="en-US"/>
+          </a:p>
+        </p:txBody>
+      </p:sp>
+    </p:spTree>
+    <p:extLst>
+      <p:ext uri="{BB962C8B-B14F-4D97-AF65-F5344CB8AC3E}">
+        <p14:creationId xmlns:p14="http://schemas.microsoft.com/office/powerpoint/2010/main" val="3477890555"/>
+      </p:ext>
+    </p:extLst>
+  </p:cSld>
+  <p:clrMapOvr>
+    <a:masterClrMapping/>
+  </p:clrMapOvr>
+  <mc:AlternateContent xmlns:mc="http://schemas.openxmlformats.org/markup-compatibility/2006">
+    <mc:Choice xmlns:p14="http://schemas.microsoft.com/office/powerpoint/2010/main" Requires="p14">
+      <p:transition xmlns:mc="http://schemas.openxmlformats.org/markup-compatibility/2006" xmlns:p14="http://schemas.microsoft.com/office/powerpoint/2010/main" mc:Ignorable="p14" p14:dur="500"/>
+    </mc:Choice>
+    <mc:Fallback>
+      <p:transition/>
+    </mc:Fallback>
+  </mc:AlternateContent>
+</p:sld>
+</file>
+
+<file path=ppt/slides/slide17.xml><?xml version="1.0" encoding="utf-8"?>
+<p:sld xmlns:r="http://schemas.openxmlformats.org/officeDocument/2006/relationships" xmlns:c="http://schemas.openxmlformats.org/drawingml/2006/chart" xmlns:a="http://schemas.openxmlformats.org/drawingml/2006/main" xmlns:dgm="http://schemas.openxmlformats.org/drawingml/2006/diagram" xmlns:dsp="http://schemas.microsoft.com/office/drawing/2008/diagram" xmlns:p="http://schemas.openxmlformats.org/presentationml/2006/main">
+  <p:cSld>
+    <p:spTree>
+      <p:nvGrpSpPr>
+        <p:cNvPr id="1" name=""/>
+        <p:cNvGrpSpPr/>
+        <p:nvPr/>
+      </p:nvGrpSpPr>
+      <p:grpSpPr>
+        <a:xfrm>
+          <a:off x="0" y="0"/>
+          <a:ext cx="0" cy="0"/>
+          <a:chOff x="0" y="0"/>
+          <a:chExt cx="0" cy="0"/>
+        </a:xfrm>
+      </p:grpSpPr>
+      <p:sp>
+        <p:nvSpPr>
+          <p:cNvPr id="2" name="Title 1"/>
+          <p:cNvSpPr>
+            <a:spLocks noGrp="1"/>
+          </p:cNvSpPr>
+          <p:nvPr>
+            <p:ph type="title" idx="0"/>
+          </p:nvPr>
+        </p:nvSpPr>
+        <p:spPr/>
+        <p:txBody>
+          <a:bodyPr/>
+          <a:p>
+            <a:pPr>
+              <a:defRPr/>
+            </a:pPr>
+            <a:r>
+              <a:rPr lang="ko-KR" altLang="en-US"/>
+              <a:t>과제 </a:t>
+            </a:r>
+            <a:r>
+              <a:rPr lang="en-US" altLang="ko-KR"/>
+              <a:t>6</a:t>
+            </a:r>
+            <a:r>
+              <a:rPr lang="ko-KR" altLang="en-US"/>
+              <a:t> </a:t>
+            </a:r>
+            <a:r>
+              <a:rPr lang="en-US" altLang="ko-KR"/>
+              <a:t>-</a:t>
+            </a:r>
+            <a:r>
+              <a:rPr lang="ko-KR" altLang="en-US"/>
+              <a:t> 설계과정</a:t>
+            </a:r>
+            <a:endParaRPr lang="en-US" altLang="ko-KR"/>
+          </a:p>
+        </p:txBody>
+      </p:sp>
+      <p:sp>
+        <p:nvSpPr>
+          <p:cNvPr id="3" name="Content Placeholder 2"/>
+          <p:cNvSpPr>
+            <a:spLocks noGrp="1"/>
+          </p:cNvSpPr>
+          <p:nvPr>
+            <p:ph idx="1"/>
+          </p:nvPr>
+        </p:nvSpPr>
+        <p:spPr/>
+        <p:txBody>
+          <a:bodyPr/>
+          <a:p>
+            <a:pPr>
+              <a:defRPr/>
+            </a:pPr>
+            <a:r>
+              <a:rPr lang="ko-KR" altLang="en-US"/>
+              <a:t>최종적으로 설계된 구체적인 내용 설명</a:t>
+            </a:r>
+            <a:endParaRPr lang="ko-KR" altLang="en-US"/>
+          </a:p>
+        </p:txBody>
+      </p:sp>
+    </p:spTree>
+    <p:extLst>
+      <p:ext uri="{BB962C8B-B14F-4D97-AF65-F5344CB8AC3E}">
+        <p14:creationId xmlns:p14="http://schemas.microsoft.com/office/powerpoint/2010/main" val="3528041393"/>
+      </p:ext>
+    </p:extLst>
+  </p:cSld>
+  <p:clrMapOvr>
+    <a:masterClrMapping/>
+  </p:clrMapOvr>
+  <mc:AlternateContent xmlns:mc="http://schemas.openxmlformats.org/markup-compatibility/2006">
+    <mc:Choice xmlns:p14="http://schemas.microsoft.com/office/powerpoint/2010/main" Requires="p14">
+      <p:transition xmlns:mc="http://schemas.openxmlformats.org/markup-compatibility/2006" xmlns:p14="http://schemas.microsoft.com/office/powerpoint/2010/main" mc:Ignorable="p14" p14:dur="500"/>
+    </mc:Choice>
+    <mc:Fallback>
+      <p:transition/>
+    </mc:Fallback>
+  </mc:AlternateContent>
+</p:sld>
+</file>
+
+<file path=ppt/slides/slide18.xml><?xml version="1.0" encoding="utf-8"?>
+<p:sld xmlns:r="http://schemas.openxmlformats.org/officeDocument/2006/relationships" xmlns:c="http://schemas.openxmlformats.org/drawingml/2006/chart" xmlns:a="http://schemas.openxmlformats.org/drawingml/2006/main" xmlns:dgm="http://schemas.openxmlformats.org/drawingml/2006/diagram" xmlns:dsp="http://schemas.microsoft.com/office/drawing/2008/diagram" xmlns:p="http://schemas.openxmlformats.org/presentationml/2006/main">
+  <p:cSld>
+    <p:spTree>
+      <p:nvGrpSpPr>
+        <p:cNvPr id="1" name=""/>
+        <p:cNvGrpSpPr/>
+        <p:nvPr/>
+      </p:nvGrpSpPr>
+      <p:grpSpPr>
+        <a:xfrm>
+          <a:off x="0" y="0"/>
+          <a:ext cx="0" cy="0"/>
+          <a:chOff x="0" y="0"/>
+          <a:chExt cx="0" cy="0"/>
+        </a:xfrm>
+      </p:grpSpPr>
+      <p:sp>
+        <p:nvSpPr>
+          <p:cNvPr id="2" name="Title 1"/>
+          <p:cNvSpPr>
+            <a:spLocks noGrp="1"/>
+          </p:cNvSpPr>
+          <p:nvPr>
+            <p:ph type="title" idx="0"/>
+          </p:nvPr>
+        </p:nvSpPr>
+        <p:spPr/>
+        <p:txBody>
+          <a:bodyPr/>
+          <a:p>
+            <a:pPr>
+              <a:defRPr/>
+            </a:pPr>
+            <a:r>
+              <a:rPr lang="ko-KR" altLang="en-US"/>
+              <a:t>과제 </a:t>
+            </a:r>
+            <a:r>
+              <a:rPr lang="en-US" altLang="ko-KR"/>
+              <a:t>6</a:t>
+            </a:r>
+            <a:r>
+              <a:rPr lang="ko-KR" altLang="en-US"/>
+              <a:t> </a:t>
+            </a:r>
+            <a:r>
+              <a:rPr lang="en-US" altLang="ko-KR"/>
+              <a:t>-</a:t>
+            </a:r>
+            <a:r>
+              <a:rPr lang="ko-KR" altLang="en-US"/>
+              <a:t> 설계과정</a:t>
+            </a:r>
+            <a:endParaRPr lang="en-US" altLang="ko-KR"/>
+          </a:p>
+        </p:txBody>
+      </p:sp>
+      <p:sp>
+        <p:nvSpPr>
+          <p:cNvPr id="3" name="Content Placeholder 2"/>
+          <p:cNvSpPr>
+            <a:spLocks noGrp="1"/>
+          </p:cNvSpPr>
+          <p:nvPr>
+            <p:ph idx="1"/>
+          </p:nvPr>
+        </p:nvSpPr>
+        <p:spPr/>
+        <p:txBody>
+          <a:bodyPr/>
+          <a:p>
+            <a:pPr>
+              <a:defRPr/>
+            </a:pPr>
+            <a:r>
+              <a:rPr lang="ko-KR" altLang="en-US"/>
+              <a:t>최종적으로 설계된 구체적인 내용 설명</a:t>
+            </a:r>
+            <a:endParaRPr lang="ko-KR" altLang="en-US"/>
+          </a:p>
+        </p:txBody>
+      </p:sp>
+    </p:spTree>
+    <p:extLst>
+      <p:ext uri="{BB962C8B-B14F-4D97-AF65-F5344CB8AC3E}">
+        <p14:creationId xmlns:p14="http://schemas.microsoft.com/office/powerpoint/2010/main" val="351644191"/>
+      </p:ext>
+    </p:extLst>
+  </p:cSld>
+  <p:clrMapOvr>
+    <a:masterClrMapping/>
+  </p:clrMapOvr>
+  <mc:AlternateContent xmlns:mc="http://schemas.openxmlformats.org/markup-compatibility/2006">
+    <mc:Choice xmlns:p14="http://schemas.microsoft.com/office/powerpoint/2010/main" Requires="p14">
+      <p:transition xmlns:mc="http://schemas.openxmlformats.org/markup-compatibility/2006" xmlns:p14="http://schemas.microsoft.com/office/powerpoint/2010/main" mc:Ignorable="p14" p14:dur="500"/>
+    </mc:Choice>
+    <mc:Fallback>
+      <p:transition/>
+    </mc:Fallback>
+  </mc:AlternateContent>
+</p:sld>
+</file>
+
+<file path=ppt/slides/slide19.xml><?xml version="1.0" encoding="utf-8"?>
+<p:sld xmlns:r="http://schemas.openxmlformats.org/officeDocument/2006/relationships" xmlns:c="http://schemas.openxmlformats.org/drawingml/2006/chart" xmlns:a="http://schemas.openxmlformats.org/drawingml/2006/main" xmlns:dgm="http://schemas.openxmlformats.org/drawingml/2006/diagram" xmlns:dsp="http://schemas.microsoft.com/office/drawing/2008/diagram" xmlns:p="http://schemas.openxmlformats.org/presentationml/2006/main">
+  <p:cSld>
+    <p:spTree>
+      <p:nvGrpSpPr>
+        <p:cNvPr id="1" name=""/>
+        <p:cNvGrpSpPr/>
+        <p:nvPr/>
+      </p:nvGrpSpPr>
+      <p:grpSpPr>
+        <a:xfrm>
+          <a:off x="0" y="0"/>
+          <a:ext cx="0" cy="0"/>
+          <a:chOff x="0" y="0"/>
+          <a:chExt cx="0" cy="0"/>
+        </a:xfrm>
+      </p:grpSpPr>
+      <p:sp>
+        <p:nvSpPr>
+          <p:cNvPr id="2" name="Title 1"/>
+          <p:cNvSpPr>
+            <a:spLocks noGrp="1"/>
+          </p:cNvSpPr>
+          <p:nvPr>
+            <p:ph type="title" idx="0"/>
+          </p:nvPr>
+        </p:nvSpPr>
+        <p:spPr/>
+        <p:txBody>
+          <a:bodyPr/>
+          <a:p>
+            <a:pPr>
+              <a:defRPr/>
+            </a:pPr>
+            <a:r>
+              <a:rPr lang="ko-KR" altLang="en-US"/>
+              <a:t>과제 </a:t>
+            </a:r>
+            <a:r>
+              <a:rPr lang="en-US" altLang="ko-KR"/>
+              <a:t>6</a:t>
+            </a:r>
+            <a:r>
+              <a:rPr lang="ko-KR" altLang="en-US"/>
+              <a:t> </a:t>
+            </a:r>
+            <a:r>
+              <a:rPr lang="en-US" altLang="ko-KR"/>
+              <a:t>-</a:t>
+            </a:r>
+            <a:r>
+              <a:rPr lang="ko-KR" altLang="en-US"/>
+              <a:t> 개발과정</a:t>
+            </a:r>
+            <a:endParaRPr lang="ko-KR" altLang="en-US"/>
+          </a:p>
+        </p:txBody>
+      </p:sp>
+      <p:sp>
+        <p:nvSpPr>
+          <p:cNvPr id="3" name="Content Placeholder 2"/>
+          <p:cNvSpPr>
+            <a:spLocks noGrp="1"/>
+          </p:cNvSpPr>
+          <p:nvPr>
+            <p:ph idx="1"/>
+          </p:nvPr>
+        </p:nvSpPr>
+        <p:spPr/>
+        <p:txBody>
+          <a:bodyPr/>
+          <a:p>
+            <a:pPr>
+              <a:defRPr/>
+            </a:pPr>
+            <a:r>
+              <a:rPr lang="ko-KR" altLang="en-US"/>
+              <a:t>업무분담</a:t>
+            </a:r>
+            <a:endParaRPr lang="ko-KR" altLang="en-US"/>
+          </a:p>
+        </p:txBody>
+      </p:sp>
+    </p:spTree>
+    <p:extLst>
+      <p:ext uri="{BB962C8B-B14F-4D97-AF65-F5344CB8AC3E}">
+        <p14:creationId xmlns:p14="http://schemas.microsoft.com/office/powerpoint/2010/main" val="772644700"/>
+      </p:ext>
+    </p:extLst>
+  </p:cSld>
+  <p:clrMapOvr>
+    <a:masterClrMapping/>
+  </p:clrMapOvr>
+  <mc:AlternateContent xmlns:mc="http://schemas.openxmlformats.org/markup-compatibility/2006">
+    <mc:Choice xmlns:p14="http://schemas.microsoft.com/office/powerpoint/2010/main" Requires="p14">
+      <p:transition xmlns:mc="http://schemas.openxmlformats.org/markup-compatibility/2006" xmlns:p14="http://schemas.microsoft.com/office/powerpoint/2010/main" mc:Ignorable="p14" p14:dur="500"/>
+    </mc:Choice>
+    <mc:Fallback>
+      <p:transition/>
+    </mc:Fallback>
+  </mc:AlternateContent>
+</p:sld>
+</file>
+
+<file path=ppt/slides/slide2.xml><?xml version="1.0" encoding="utf-8"?>
+<p:sld xmlns:r="http://schemas.openxmlformats.org/officeDocument/2006/relationships" xmlns:c="http://schemas.openxmlformats.org/drawingml/2006/chart" xmlns:a="http://schemas.openxmlformats.org/drawingml/2006/main" xmlns:dgm="http://schemas.openxmlformats.org/drawingml/2006/diagram" xmlns:dsp="http://schemas.microsoft.com/office/drawing/2008/diagram" xmlns:p="http://schemas.openxmlformats.org/presentationml/2006/main">
+  <p:cSld>
+    <p:spTree>
+      <p:nvGrpSpPr>
+        <p:cNvPr id="1" name=""/>
+        <p:cNvGrpSpPr/>
+        <p:nvPr/>
+      </p:nvGrpSpPr>
+      <p:grpSpPr>
+        <a:xfrm>
+          <a:off x="0" y="0"/>
+          <a:ext cx="0" cy="0"/>
+          <a:chOff x="0" y="0"/>
+          <a:chExt cx="0" cy="0"/>
+        </a:xfrm>
+      </p:grpSpPr>
+      <p:sp>
+        <p:nvSpPr>
+          <p:cNvPr id="2" name="Title 1"/>
+          <p:cNvSpPr>
+            <a:spLocks noGrp="1"/>
+          </p:cNvSpPr>
+          <p:nvPr>
+            <p:ph type="title" idx="0"/>
           </p:nvPr>
         </p:nvSpPr>
         <p:spPr/>
@@ -3491,19 +4541,20 @@
           <a:bodyPr/>
           <a:lstStyle/>
           <a:p>
-            <a:endParaRPr lang="ko-KR" altLang="en-US" dirty="0"/>
-          </a:p>
-        </p:txBody>
-      </p:sp>
-      <p:sp>
-        <p:nvSpPr>
-          <p:cNvPr id="3" name="Content Placeholder 2">
-            <a:extLst>
-              <a:ext uri="{FF2B5EF4-FFF2-40B4-BE49-F238E27FC236}">
-                <a16:creationId xmlns:a16="http://schemas.microsoft.com/office/drawing/2014/main" id="{05391F2E-B491-9553-63F7-EB0D6B7D3506}"/>
-              </a:ext>
-            </a:extLst>
-          </p:cNvPr>
+            <a:pPr lvl="0">
+              <a:defRPr/>
+            </a:pPr>
+            <a:r>
+              <a:rPr lang="ko-KR" altLang="en-US"/>
+              <a:t>목차</a:t>
+            </a:r>
+            <a:endParaRPr lang="ko-KR" altLang="en-US"/>
+          </a:p>
+        </p:txBody>
+      </p:sp>
+      <p:sp>
+        <p:nvSpPr>
+          <p:cNvPr id="3" name="Content Placeholder 2"/>
           <p:cNvSpPr>
             <a:spLocks noGrp="1"/>
           </p:cNvSpPr>
@@ -3516,6 +4567,111 @@
           <a:bodyPr/>
           <a:lstStyle/>
           <a:p>
+            <a:pPr marL="399840" lvl="0" indent="-399840">
+              <a:buFont typeface="Wingdings"/>
+              <a:buChar char="§"/>
+              <a:defRPr/>
+            </a:pPr>
+            <a:r>
+              <a:rPr lang="ko-KR" altLang="en-US"/>
+              <a:t>과제 </a:t>
+            </a:r>
+            <a:r>
+              <a:rPr lang="en-US" altLang="ko-KR"/>
+              <a:t>1</a:t>
+            </a:r>
+            <a:endParaRPr lang="en-US" altLang="ko-KR"/>
+          </a:p>
+          <a:p>
+            <a:pPr marL="399840" lvl="0" indent="-399840">
+              <a:buFont typeface="Wingdings"/>
+              <a:buChar char="§"/>
+              <a:defRPr/>
+            </a:pPr>
+            <a:r>
+              <a:rPr lang="ko-KR" altLang="en-US"/>
+              <a:t>과제 </a:t>
+            </a:r>
+            <a:r>
+              <a:rPr lang="en-US" altLang="ko-KR"/>
+              <a:t>2</a:t>
+            </a:r>
+            <a:endParaRPr lang="en-US" altLang="ko-KR"/>
+          </a:p>
+          <a:p>
+            <a:pPr marL="399840" lvl="0" indent="-399840">
+              <a:buFont typeface="Wingdings"/>
+              <a:buChar char="§"/>
+              <a:defRPr/>
+            </a:pPr>
+            <a:r>
+              <a:rPr lang="ko-KR" altLang="en-US"/>
+              <a:t>과제 </a:t>
+            </a:r>
+            <a:r>
+              <a:rPr lang="en-US" altLang="ko-KR"/>
+              <a:t>3</a:t>
+            </a:r>
+            <a:endParaRPr lang="en-US" altLang="ko-KR"/>
+          </a:p>
+          <a:p>
+            <a:pPr marL="399840" lvl="0" indent="-399840">
+              <a:buFont typeface="Wingdings"/>
+              <a:buChar char="§"/>
+              <a:defRPr/>
+            </a:pPr>
+            <a:r>
+              <a:rPr lang="ko-KR" altLang="en-US"/>
+              <a:t>과제 </a:t>
+            </a:r>
+            <a:r>
+              <a:rPr lang="en-US" altLang="ko-KR"/>
+              <a:t>4</a:t>
+            </a:r>
+            <a:endParaRPr lang="en-US" altLang="ko-KR"/>
+          </a:p>
+          <a:p>
+            <a:pPr marL="399840" lvl="0" indent="-399840">
+              <a:buFont typeface="Wingdings"/>
+              <a:buChar char="§"/>
+              <a:defRPr/>
+            </a:pPr>
+            <a:r>
+              <a:rPr lang="ko-KR" altLang="en-US"/>
+              <a:t>과제 </a:t>
+            </a:r>
+            <a:r>
+              <a:rPr lang="en-US" altLang="ko-KR"/>
+              <a:t>5</a:t>
+            </a:r>
+            <a:endParaRPr lang="ko-KR" altLang="en-US"/>
+          </a:p>
+          <a:p>
+            <a:pPr marL="399840" lvl="0" indent="-399840">
+              <a:buFont typeface="Wingdings"/>
+              <a:buChar char="§"/>
+              <a:defRPr/>
+            </a:pPr>
+            <a:r>
+              <a:rPr lang="ko-KR" altLang="en-US"/>
+              <a:t>과제 </a:t>
+            </a:r>
+            <a:r>
+              <a:rPr lang="en-US" altLang="ko-KR"/>
+              <a:t>6</a:t>
+            </a:r>
+            <a:endParaRPr lang="en-US" altLang="ko-KR"/>
+          </a:p>
+          <a:p>
+            <a:pPr marL="399840" lvl="0" indent="-399840">
+              <a:buFont typeface="Wingdings"/>
+              <a:buChar char="§"/>
+              <a:defRPr/>
+            </a:pPr>
+            <a:r>
+              <a:rPr lang="ko-KR" altLang="en-US"/>
+              <a:t>마무리</a:t>
+            </a:r>
             <a:endParaRPr lang="ko-KR" altLang="en-US"/>
           </a:p>
         </p:txBody>
@@ -3530,48 +4686,1454 @@
   <p:clrMapOvr>
     <a:masterClrMapping/>
   </p:clrMapOvr>
+  <mc:AlternateContent xmlns:mc="http://schemas.openxmlformats.org/markup-compatibility/2006">
+    <mc:Choice xmlns:p14="http://schemas.microsoft.com/office/powerpoint/2010/main" Requires="p14">
+      <p:transition xmlns:mc="http://schemas.openxmlformats.org/markup-compatibility/2006" xmlns:p14="http://schemas.microsoft.com/office/powerpoint/2010/main" mc:Ignorable="p14" p14:dur="500"/>
+    </mc:Choice>
+    <mc:Fallback>
+      <p:transition/>
+    </mc:Fallback>
+  </mc:AlternateContent>
+</p:sld>
+</file>
+
+<file path=ppt/slides/slide20.xml><?xml version="1.0" encoding="utf-8"?>
+<p:sld xmlns:r="http://schemas.openxmlformats.org/officeDocument/2006/relationships" xmlns:c="http://schemas.openxmlformats.org/drawingml/2006/chart" xmlns:a="http://schemas.openxmlformats.org/drawingml/2006/main" xmlns:dgm="http://schemas.openxmlformats.org/drawingml/2006/diagram" xmlns:dsp="http://schemas.microsoft.com/office/drawing/2008/diagram" xmlns:p="http://schemas.openxmlformats.org/presentationml/2006/main">
+  <p:cSld>
+    <p:spTree>
+      <p:nvGrpSpPr>
+        <p:cNvPr id="1" name=""/>
+        <p:cNvGrpSpPr/>
+        <p:nvPr/>
+      </p:nvGrpSpPr>
+      <p:grpSpPr>
+        <a:xfrm>
+          <a:off x="0" y="0"/>
+          <a:ext cx="0" cy="0"/>
+          <a:chOff x="0" y="0"/>
+          <a:chExt cx="0" cy="0"/>
+        </a:xfrm>
+      </p:grpSpPr>
+      <p:sp>
+        <p:nvSpPr>
+          <p:cNvPr id="2" name="Title 1"/>
+          <p:cNvSpPr>
+            <a:spLocks noGrp="1"/>
+          </p:cNvSpPr>
+          <p:nvPr>
+            <p:ph type="title" idx="0"/>
+          </p:nvPr>
+        </p:nvSpPr>
+        <p:spPr/>
+        <p:txBody>
+          <a:bodyPr/>
+          <a:p>
+            <a:pPr>
+              <a:defRPr/>
+            </a:pPr>
+            <a:r>
+              <a:rPr lang="ko-KR" altLang="en-US"/>
+              <a:t>과제 </a:t>
+            </a:r>
+            <a:r>
+              <a:rPr lang="en-US" altLang="ko-KR"/>
+              <a:t>6</a:t>
+            </a:r>
+            <a:endParaRPr lang="en-US" altLang="ko-KR"/>
+          </a:p>
+        </p:txBody>
+      </p:sp>
+      <p:sp>
+        <p:nvSpPr>
+          <p:cNvPr id="3" name="Content Placeholder 2"/>
+          <p:cNvSpPr>
+            <a:spLocks noGrp="1"/>
+          </p:cNvSpPr>
+          <p:nvPr>
+            <p:ph idx="1"/>
+          </p:nvPr>
+        </p:nvSpPr>
+        <p:spPr/>
+        <p:txBody>
+          <a:bodyPr/>
+          <a:p>
+            <a:pPr>
+              <a:defRPr/>
+            </a:pPr>
+            <a:r>
+              <a:rPr lang="ko-KR" altLang="en-US"/>
+              <a:t>실제 개발 과정</a:t>
+            </a:r>
+            <a:r>
+              <a:rPr lang="en-US" altLang="ko-KR"/>
+              <a:t>(</a:t>
+            </a:r>
+            <a:r>
+              <a:rPr lang="ko-KR" altLang="en-US"/>
+              <a:t>형상관리 이미지 포함</a:t>
+            </a:r>
+            <a:r>
+              <a:rPr lang="en-US" altLang="ko-KR"/>
+              <a:t>)</a:t>
+            </a:r>
+            <a:endParaRPr lang="en-US" altLang="ko-KR"/>
+          </a:p>
+        </p:txBody>
+      </p:sp>
+    </p:spTree>
+    <p:extLst>
+      <p:ext uri="{BB962C8B-B14F-4D97-AF65-F5344CB8AC3E}">
+        <p14:creationId xmlns:p14="http://schemas.microsoft.com/office/powerpoint/2010/main" val="3472285578"/>
+      </p:ext>
+    </p:extLst>
+  </p:cSld>
+  <p:clrMapOvr>
+    <a:masterClrMapping/>
+  </p:clrMapOvr>
+  <mc:AlternateContent xmlns:mc="http://schemas.openxmlformats.org/markup-compatibility/2006">
+    <mc:Choice xmlns:p14="http://schemas.microsoft.com/office/powerpoint/2010/main" Requires="p14">
+      <p:transition xmlns:mc="http://schemas.openxmlformats.org/markup-compatibility/2006" xmlns:p14="http://schemas.microsoft.com/office/powerpoint/2010/main" mc:Ignorable="p14" p14:dur="500"/>
+    </mc:Choice>
+    <mc:Fallback>
+      <p:transition/>
+    </mc:Fallback>
+  </mc:AlternateContent>
+</p:sld>
+</file>
+
+<file path=ppt/slides/slide21.xml><?xml version="1.0" encoding="utf-8"?>
+<p:sld xmlns:r="http://schemas.openxmlformats.org/officeDocument/2006/relationships" xmlns:c="http://schemas.openxmlformats.org/drawingml/2006/chart" xmlns:a="http://schemas.openxmlformats.org/drawingml/2006/main" xmlns:dgm="http://schemas.openxmlformats.org/drawingml/2006/diagram" xmlns:dsp="http://schemas.microsoft.com/office/drawing/2008/diagram" xmlns:p="http://schemas.openxmlformats.org/presentationml/2006/main">
+  <p:cSld>
+    <p:spTree>
+      <p:nvGrpSpPr>
+        <p:cNvPr id="1" name=""/>
+        <p:cNvGrpSpPr/>
+        <p:nvPr/>
+      </p:nvGrpSpPr>
+      <p:grpSpPr>
+        <a:xfrm>
+          <a:off x="0" y="0"/>
+          <a:ext cx="0" cy="0"/>
+          <a:chOff x="0" y="0"/>
+          <a:chExt cx="0" cy="0"/>
+        </a:xfrm>
+      </p:grpSpPr>
+      <p:sp>
+        <p:nvSpPr>
+          <p:cNvPr id="2" name="Title 1"/>
+          <p:cNvSpPr>
+            <a:spLocks noGrp="1"/>
+          </p:cNvSpPr>
+          <p:nvPr>
+            <p:ph type="title" idx="0"/>
+          </p:nvPr>
+        </p:nvSpPr>
+        <p:spPr/>
+        <p:txBody>
+          <a:bodyPr/>
+          <a:p>
+            <a:pPr>
+              <a:defRPr/>
+            </a:pPr>
+            <a:r>
+              <a:rPr lang="ko-KR" altLang="en-US"/>
+              <a:t>과제 </a:t>
+            </a:r>
+            <a:r>
+              <a:rPr lang="en-US" altLang="ko-KR"/>
+              <a:t>6</a:t>
+            </a:r>
+            <a:endParaRPr lang="en-US" altLang="ko-KR"/>
+          </a:p>
+        </p:txBody>
+      </p:sp>
+      <p:sp>
+        <p:nvSpPr>
+          <p:cNvPr id="3" name="Content Placeholder 2"/>
+          <p:cNvSpPr>
+            <a:spLocks noGrp="1"/>
+          </p:cNvSpPr>
+          <p:nvPr>
+            <p:ph idx="1"/>
+          </p:nvPr>
+        </p:nvSpPr>
+        <p:spPr/>
+        <p:txBody>
+          <a:bodyPr/>
+          <a:p>
+            <a:pPr>
+              <a:defRPr/>
+            </a:pPr>
+            <a:r>
+              <a:rPr lang="ko-KR" altLang="en-US"/>
+              <a:t>실제 개발 과정</a:t>
+            </a:r>
+            <a:r>
+              <a:rPr lang="en-US" altLang="ko-KR"/>
+              <a:t>(</a:t>
+            </a:r>
+            <a:r>
+              <a:rPr lang="ko-KR" altLang="en-US"/>
+              <a:t>형상관리 이미지 포함</a:t>
+            </a:r>
+            <a:r>
+              <a:rPr lang="en-US" altLang="ko-KR"/>
+              <a:t>)</a:t>
+            </a:r>
+            <a:endParaRPr lang="en-US" altLang="ko-KR"/>
+          </a:p>
+        </p:txBody>
+      </p:sp>
+    </p:spTree>
+    <p:extLst>
+      <p:ext uri="{BB962C8B-B14F-4D97-AF65-F5344CB8AC3E}">
+        <p14:creationId xmlns:p14="http://schemas.microsoft.com/office/powerpoint/2010/main" val="1974054042"/>
+      </p:ext>
+    </p:extLst>
+  </p:cSld>
+  <p:clrMapOvr>
+    <a:masterClrMapping/>
+  </p:clrMapOvr>
+  <mc:AlternateContent xmlns:mc="http://schemas.openxmlformats.org/markup-compatibility/2006">
+    <mc:Choice xmlns:p14="http://schemas.microsoft.com/office/powerpoint/2010/main" Requires="p14">
+      <p:transition xmlns:mc="http://schemas.openxmlformats.org/markup-compatibility/2006" xmlns:p14="http://schemas.microsoft.com/office/powerpoint/2010/main" mc:Ignorable="p14" p14:dur="500"/>
+    </mc:Choice>
+    <mc:Fallback>
+      <p:transition/>
+    </mc:Fallback>
+  </mc:AlternateContent>
+</p:sld>
+</file>
+
+<file path=ppt/slides/slide22.xml><?xml version="1.0" encoding="utf-8"?>
+<p:sld xmlns:r="http://schemas.openxmlformats.org/officeDocument/2006/relationships" xmlns:c="http://schemas.openxmlformats.org/drawingml/2006/chart" xmlns:a="http://schemas.openxmlformats.org/drawingml/2006/main" xmlns:dgm="http://schemas.openxmlformats.org/drawingml/2006/diagram" xmlns:dsp="http://schemas.microsoft.com/office/drawing/2008/diagram" xmlns:p="http://schemas.openxmlformats.org/presentationml/2006/main">
+  <p:cSld>
+    <p:spTree>
+      <p:nvGrpSpPr>
+        <p:cNvPr id="1" name=""/>
+        <p:cNvGrpSpPr/>
+        <p:nvPr/>
+      </p:nvGrpSpPr>
+      <p:grpSpPr>
+        <a:xfrm>
+          <a:off x="0" y="0"/>
+          <a:ext cx="0" cy="0"/>
+          <a:chOff x="0" y="0"/>
+          <a:chExt cx="0" cy="0"/>
+        </a:xfrm>
+      </p:grpSpPr>
+      <p:sp>
+        <p:nvSpPr>
+          <p:cNvPr id="2" name="Title 1"/>
+          <p:cNvSpPr>
+            <a:spLocks noGrp="1"/>
+          </p:cNvSpPr>
+          <p:nvPr>
+            <p:ph type="title" idx="0"/>
+          </p:nvPr>
+        </p:nvSpPr>
+        <p:spPr/>
+        <p:txBody>
+          <a:bodyPr/>
+          <a:p>
+            <a:pPr>
+              <a:defRPr/>
+            </a:pPr>
+            <a:r>
+              <a:rPr lang="ko-KR" altLang="en-US"/>
+              <a:t>과제 </a:t>
+            </a:r>
+            <a:r>
+              <a:rPr lang="en-US" altLang="ko-KR"/>
+              <a:t>6</a:t>
+            </a:r>
+            <a:endParaRPr lang="en-US" altLang="ko-KR"/>
+          </a:p>
+        </p:txBody>
+      </p:sp>
+      <p:sp>
+        <p:nvSpPr>
+          <p:cNvPr id="3" name="Content Placeholder 2"/>
+          <p:cNvSpPr>
+            <a:spLocks noGrp="1"/>
+          </p:cNvSpPr>
+          <p:nvPr>
+            <p:ph idx="1"/>
+          </p:nvPr>
+        </p:nvSpPr>
+        <p:spPr/>
+        <p:txBody>
+          <a:bodyPr/>
+          <a:p>
+            <a:pPr>
+              <a:defRPr/>
+            </a:pPr>
+            <a:r>
+              <a:rPr lang="ko-KR" altLang="en-US"/>
+              <a:t>실제 개발 과정</a:t>
+            </a:r>
+            <a:r>
+              <a:rPr lang="en-US" altLang="ko-KR"/>
+              <a:t>(</a:t>
+            </a:r>
+            <a:r>
+              <a:rPr lang="ko-KR" altLang="en-US"/>
+              <a:t>형상관리 이미지 포함</a:t>
+            </a:r>
+            <a:r>
+              <a:rPr lang="en-US" altLang="ko-KR"/>
+              <a:t>)</a:t>
+            </a:r>
+            <a:endParaRPr lang="en-US" altLang="ko-KR"/>
+          </a:p>
+        </p:txBody>
+      </p:sp>
+    </p:spTree>
+    <p:extLst>
+      <p:ext uri="{BB962C8B-B14F-4D97-AF65-F5344CB8AC3E}">
+        <p14:creationId xmlns:p14="http://schemas.microsoft.com/office/powerpoint/2010/main" val="2702122447"/>
+      </p:ext>
+    </p:extLst>
+  </p:cSld>
+  <p:clrMapOvr>
+    <a:masterClrMapping/>
+  </p:clrMapOvr>
+  <mc:AlternateContent xmlns:mc="http://schemas.openxmlformats.org/markup-compatibility/2006">
+    <mc:Choice xmlns:p14="http://schemas.microsoft.com/office/powerpoint/2010/main" Requires="p14">
+      <p:transition xmlns:mc="http://schemas.openxmlformats.org/markup-compatibility/2006" xmlns:p14="http://schemas.microsoft.com/office/powerpoint/2010/main" mc:Ignorable="p14" p14:dur="500"/>
+    </mc:Choice>
+    <mc:Fallback>
+      <p:transition/>
+    </mc:Fallback>
+  </mc:AlternateContent>
+</p:sld>
+</file>
+
+<file path=ppt/slides/slide23.xml><?xml version="1.0" encoding="utf-8"?>
+<p:sld xmlns:r="http://schemas.openxmlformats.org/officeDocument/2006/relationships" xmlns:c="http://schemas.openxmlformats.org/drawingml/2006/chart" xmlns:a="http://schemas.openxmlformats.org/drawingml/2006/main" xmlns:dgm="http://schemas.openxmlformats.org/drawingml/2006/diagram" xmlns:dsp="http://schemas.microsoft.com/office/drawing/2008/diagram" xmlns:p="http://schemas.openxmlformats.org/presentationml/2006/main">
+  <p:cSld>
+    <p:spTree>
+      <p:nvGrpSpPr>
+        <p:cNvPr id="1" name=""/>
+        <p:cNvGrpSpPr/>
+        <p:nvPr/>
+      </p:nvGrpSpPr>
+      <p:grpSpPr>
+        <a:xfrm>
+          <a:off x="0" y="0"/>
+          <a:ext cx="0" cy="0"/>
+          <a:chOff x="0" y="0"/>
+          <a:chExt cx="0" cy="0"/>
+        </a:xfrm>
+      </p:grpSpPr>
+      <p:sp>
+        <p:nvSpPr>
+          <p:cNvPr id="2" name="Title 1"/>
+          <p:cNvSpPr>
+            <a:spLocks noGrp="1"/>
+          </p:cNvSpPr>
+          <p:nvPr>
+            <p:ph type="title" idx="0"/>
+          </p:nvPr>
+        </p:nvSpPr>
+        <p:spPr/>
+        <p:txBody>
+          <a:bodyPr/>
+          <a:p>
+            <a:pPr>
+              <a:defRPr/>
+            </a:pPr>
+            <a:r>
+              <a:rPr lang="ko-KR" altLang="en-US"/>
+              <a:t>과제 </a:t>
+            </a:r>
+            <a:r>
+              <a:rPr lang="en-US" altLang="ko-KR"/>
+              <a:t>6</a:t>
+            </a:r>
+            <a:endParaRPr lang="en-US" altLang="ko-KR"/>
+          </a:p>
+        </p:txBody>
+      </p:sp>
+      <p:sp>
+        <p:nvSpPr>
+          <p:cNvPr id="3" name="Content Placeholder 2"/>
+          <p:cNvSpPr>
+            <a:spLocks noGrp="1"/>
+          </p:cNvSpPr>
+          <p:nvPr>
+            <p:ph idx="1"/>
+          </p:nvPr>
+        </p:nvSpPr>
+        <p:spPr/>
+        <p:txBody>
+          <a:bodyPr/>
+          <a:p>
+            <a:pPr>
+              <a:defRPr/>
+            </a:pPr>
+            <a:r>
+              <a:rPr lang="ko-KR" altLang="en-US"/>
+              <a:t>실제 개발 과정</a:t>
+            </a:r>
+            <a:r>
+              <a:rPr lang="en-US" altLang="ko-KR"/>
+              <a:t>(</a:t>
+            </a:r>
+            <a:r>
+              <a:rPr lang="ko-KR" altLang="en-US"/>
+              <a:t>형상관리 이미지 포함</a:t>
+            </a:r>
+            <a:r>
+              <a:rPr lang="en-US" altLang="ko-KR"/>
+              <a:t>)</a:t>
+            </a:r>
+            <a:endParaRPr lang="en-US" altLang="ko-KR"/>
+          </a:p>
+        </p:txBody>
+      </p:sp>
+    </p:spTree>
+    <p:extLst>
+      <p:ext uri="{BB962C8B-B14F-4D97-AF65-F5344CB8AC3E}">
+        <p14:creationId xmlns:p14="http://schemas.microsoft.com/office/powerpoint/2010/main" val="1937611099"/>
+      </p:ext>
+    </p:extLst>
+  </p:cSld>
+  <p:clrMapOvr>
+    <a:masterClrMapping/>
+  </p:clrMapOvr>
+  <mc:AlternateContent xmlns:mc="http://schemas.openxmlformats.org/markup-compatibility/2006">
+    <mc:Choice xmlns:p14="http://schemas.microsoft.com/office/powerpoint/2010/main" Requires="p14">
+      <p:transition xmlns:mc="http://schemas.openxmlformats.org/markup-compatibility/2006" xmlns:p14="http://schemas.microsoft.com/office/powerpoint/2010/main" mc:Ignorable="p14" p14:dur="500"/>
+    </mc:Choice>
+    <mc:Fallback>
+      <p:transition/>
+    </mc:Fallback>
+  </mc:AlternateContent>
+</p:sld>
+</file>
+
+<file path=ppt/slides/slide24.xml><?xml version="1.0" encoding="utf-8"?>
+<p:sld xmlns:r="http://schemas.openxmlformats.org/officeDocument/2006/relationships" xmlns:c="http://schemas.openxmlformats.org/drawingml/2006/chart" xmlns:a="http://schemas.openxmlformats.org/drawingml/2006/main" xmlns:dgm="http://schemas.openxmlformats.org/drawingml/2006/diagram" xmlns:dsp="http://schemas.microsoft.com/office/drawing/2008/diagram" xmlns:p="http://schemas.openxmlformats.org/presentationml/2006/main">
+  <p:cSld>
+    <p:spTree>
+      <p:nvGrpSpPr>
+        <p:cNvPr id="1" name=""/>
+        <p:cNvGrpSpPr/>
+        <p:nvPr/>
+      </p:nvGrpSpPr>
+      <p:grpSpPr>
+        <a:xfrm>
+          <a:off x="0" y="0"/>
+          <a:ext cx="0" cy="0"/>
+          <a:chOff x="0" y="0"/>
+          <a:chExt cx="0" cy="0"/>
+        </a:xfrm>
+      </p:grpSpPr>
+      <p:sp>
+        <p:nvSpPr>
+          <p:cNvPr id="2" name="Title 1"/>
+          <p:cNvSpPr>
+            <a:spLocks noGrp="1"/>
+          </p:cNvSpPr>
+          <p:nvPr>
+            <p:ph type="title" idx="0"/>
+          </p:nvPr>
+        </p:nvSpPr>
+        <p:spPr/>
+        <p:txBody>
+          <a:bodyPr/>
+          <a:p>
+            <a:pPr>
+              <a:defRPr/>
+            </a:pPr>
+            <a:r>
+              <a:rPr lang="ko-KR" altLang="en-US"/>
+              <a:t>과제 </a:t>
+            </a:r>
+            <a:r>
+              <a:rPr lang="en-US" altLang="ko-KR"/>
+              <a:t>6</a:t>
+            </a:r>
+            <a:r>
+              <a:rPr lang="ko-KR" altLang="en-US"/>
+              <a:t> </a:t>
+            </a:r>
+            <a:r>
+              <a:rPr lang="en-US" altLang="ko-KR"/>
+              <a:t>-</a:t>
+            </a:r>
+            <a:r>
+              <a:rPr lang="ko-KR" altLang="en-US"/>
+              <a:t> </a:t>
+            </a:r>
+            <a:r>
+              <a:rPr lang="en-US" altLang="ko-KR"/>
+              <a:t>DEMO</a:t>
+            </a:r>
+            <a:endParaRPr lang="en-US" altLang="ko-KR"/>
+          </a:p>
+        </p:txBody>
+      </p:sp>
+      <p:sp>
+        <p:nvSpPr>
+          <p:cNvPr id="3" name="Content Placeholder 2"/>
+          <p:cNvSpPr>
+            <a:spLocks noGrp="1"/>
+          </p:cNvSpPr>
+          <p:nvPr>
+            <p:ph idx="1"/>
+          </p:nvPr>
+        </p:nvSpPr>
+        <p:spPr/>
+        <p:txBody>
+          <a:bodyPr/>
+          <a:p>
+            <a:pPr>
+              <a:defRPr/>
+            </a:pPr>
+            <a:r>
+              <a:rPr lang="ko-KR" altLang="en-US"/>
+              <a:t/>
+            </a:r>
+            <a:endParaRPr lang="ko-KR" altLang="en-US"/>
+          </a:p>
+        </p:txBody>
+      </p:sp>
+    </p:spTree>
+    <p:extLst>
+      <p:ext uri="{BB962C8B-B14F-4D97-AF65-F5344CB8AC3E}">
+        <p14:creationId xmlns:p14="http://schemas.microsoft.com/office/powerpoint/2010/main" val="4259749821"/>
+      </p:ext>
+    </p:extLst>
+  </p:cSld>
+  <p:clrMapOvr>
+    <a:masterClrMapping/>
+  </p:clrMapOvr>
+  <mc:AlternateContent xmlns:mc="http://schemas.openxmlformats.org/markup-compatibility/2006">
+    <mc:Choice xmlns:p14="http://schemas.microsoft.com/office/powerpoint/2010/main" Requires="p14">
+      <p:transition xmlns:mc="http://schemas.openxmlformats.org/markup-compatibility/2006" xmlns:p14="http://schemas.microsoft.com/office/powerpoint/2010/main" mc:Ignorable="p14" p14:dur="500"/>
+    </mc:Choice>
+    <mc:Fallback>
+      <p:transition/>
+    </mc:Fallback>
+  </mc:AlternateContent>
+</p:sld>
+</file>
+
+<file path=ppt/slides/slide25.xml><?xml version="1.0" encoding="utf-8"?>
+<p:sld xmlns:r="http://schemas.openxmlformats.org/officeDocument/2006/relationships" xmlns:c="http://schemas.openxmlformats.org/drawingml/2006/chart" xmlns:a="http://schemas.openxmlformats.org/drawingml/2006/main" xmlns:dgm="http://schemas.openxmlformats.org/drawingml/2006/diagram" xmlns:dsp="http://schemas.microsoft.com/office/drawing/2008/diagram" xmlns:p="http://schemas.openxmlformats.org/presentationml/2006/main">
+  <p:cSld>
+    <p:spTree>
+      <p:nvGrpSpPr>
+        <p:cNvPr id="1" name=""/>
+        <p:cNvGrpSpPr/>
+        <p:nvPr/>
+      </p:nvGrpSpPr>
+      <p:grpSpPr>
+        <a:xfrm>
+          <a:off x="0" y="0"/>
+          <a:ext cx="0" cy="0"/>
+          <a:chOff x="0" y="0"/>
+          <a:chExt cx="0" cy="0"/>
+        </a:xfrm>
+      </p:grpSpPr>
+      <p:sp>
+        <p:nvSpPr>
+          <p:cNvPr id="2" name="Title 1"/>
+          <p:cNvSpPr>
+            <a:spLocks noGrp="1"/>
+          </p:cNvSpPr>
+          <p:nvPr>
+            <p:ph type="title" idx="0"/>
+          </p:nvPr>
+        </p:nvSpPr>
+        <p:spPr/>
+        <p:txBody>
+          <a:bodyPr/>
+          <a:p>
+            <a:pPr>
+              <a:defRPr/>
+            </a:pPr>
+            <a:r>
+              <a:rPr lang="ko-KR" altLang="en-US"/>
+              <a:t>마무리</a:t>
+            </a:r>
+            <a:endParaRPr lang="ko-KR" altLang="en-US"/>
+          </a:p>
+        </p:txBody>
+      </p:sp>
+      <p:sp>
+        <p:nvSpPr>
+          <p:cNvPr id="3" name="Content Placeholder 2"/>
+          <p:cNvSpPr>
+            <a:spLocks noGrp="1"/>
+          </p:cNvSpPr>
+          <p:nvPr>
+            <p:ph idx="1"/>
+          </p:nvPr>
+        </p:nvSpPr>
+        <p:spPr/>
+        <p:txBody>
+          <a:bodyPr/>
+          <a:p>
+            <a:pPr>
+              <a:defRPr/>
+            </a:pPr>
+            <a:r>
+              <a:rPr lang="ko-KR" altLang="en-US"/>
+              <a:t>한 학기 마무리 감상</a:t>
+            </a:r>
+            <a:endParaRPr lang="ko-KR" altLang="en-US"/>
+          </a:p>
+        </p:txBody>
+      </p:sp>
+    </p:spTree>
+    <p:extLst>
+      <p:ext uri="{BB962C8B-B14F-4D97-AF65-F5344CB8AC3E}">
+        <p14:creationId xmlns:p14="http://schemas.microsoft.com/office/powerpoint/2010/main" val="1606031116"/>
+      </p:ext>
+    </p:extLst>
+  </p:cSld>
+  <p:clrMapOvr>
+    <a:masterClrMapping/>
+  </p:clrMapOvr>
+  <mc:AlternateContent xmlns:mc="http://schemas.openxmlformats.org/markup-compatibility/2006">
+    <mc:Choice xmlns:p14="http://schemas.microsoft.com/office/powerpoint/2010/main" Requires="p14">
+      <p:transition xmlns:mc="http://schemas.openxmlformats.org/markup-compatibility/2006" xmlns:p14="http://schemas.microsoft.com/office/powerpoint/2010/main" mc:Ignorable="p14" p14:dur="500"/>
+    </mc:Choice>
+    <mc:Fallback>
+      <p:transition/>
+    </mc:Fallback>
+  </mc:AlternateContent>
+</p:sld>
+</file>
+
+<file path=ppt/slides/slide26.xml><?xml version="1.0" encoding="utf-8"?>
+<p:sld xmlns:r="http://schemas.openxmlformats.org/officeDocument/2006/relationships" xmlns:c="http://schemas.openxmlformats.org/drawingml/2006/chart" xmlns:a="http://schemas.openxmlformats.org/drawingml/2006/main" xmlns:dgm="http://schemas.openxmlformats.org/drawingml/2006/diagram" xmlns:dsp="http://schemas.microsoft.com/office/drawing/2008/diagram" xmlns:p="http://schemas.openxmlformats.org/presentationml/2006/main">
+  <p:cSld>
+    <p:spTree>
+      <p:nvGrpSpPr>
+        <p:cNvPr id="1" name=""/>
+        <p:cNvGrpSpPr/>
+        <p:nvPr/>
+      </p:nvGrpSpPr>
+      <p:grpSpPr>
+        <a:xfrm>
+          <a:off x="0" y="0"/>
+          <a:ext cx="0" cy="0"/>
+          <a:chOff x="0" y="0"/>
+          <a:chExt cx="0" cy="0"/>
+        </a:xfrm>
+      </p:grpSpPr>
+      <p:sp>
+        <p:nvSpPr>
+          <p:cNvPr id="2" name="Title 1"/>
+          <p:cNvSpPr>
+            <a:spLocks noGrp="1"/>
+          </p:cNvSpPr>
+          <p:nvPr>
+            <p:ph type="title" idx="0"/>
+          </p:nvPr>
+        </p:nvSpPr>
+        <p:spPr/>
+        <p:txBody>
+          <a:bodyPr/>
+          <a:p>
+            <a:pPr>
+              <a:defRPr/>
+            </a:pPr>
+            <a:r>
+              <a:rPr lang="ko-KR" altLang="en-US"/>
+              <a:t/>
+            </a:r>
+            <a:endParaRPr lang="ko-KR" altLang="en-US"/>
+          </a:p>
+        </p:txBody>
+      </p:sp>
+      <p:sp>
+        <p:nvSpPr>
+          <p:cNvPr id="3" name="Content Placeholder 2"/>
+          <p:cNvSpPr>
+            <a:spLocks noGrp="1"/>
+          </p:cNvSpPr>
+          <p:nvPr>
+            <p:ph idx="1"/>
+          </p:nvPr>
+        </p:nvSpPr>
+        <p:spPr/>
+        <p:txBody>
+          <a:bodyPr/>
+          <a:p>
+            <a:pPr>
+              <a:defRPr/>
+            </a:pPr>
+            <a:r>
+              <a:rPr lang="ko-KR" altLang="en-US"/>
+              <a:t>감사합니다</a:t>
+            </a:r>
+            <a:endParaRPr lang="ko-KR" altLang="en-US"/>
+          </a:p>
+        </p:txBody>
+      </p:sp>
+    </p:spTree>
+    <p:extLst>
+      <p:ext uri="{BB962C8B-B14F-4D97-AF65-F5344CB8AC3E}">
+        <p14:creationId xmlns:p14="http://schemas.microsoft.com/office/powerpoint/2010/main" val="1216268954"/>
+      </p:ext>
+    </p:extLst>
+  </p:cSld>
+  <p:clrMapOvr>
+    <a:masterClrMapping/>
+  </p:clrMapOvr>
+  <mc:AlternateContent xmlns:mc="http://schemas.openxmlformats.org/markup-compatibility/2006">
+    <mc:Choice xmlns:p14="http://schemas.microsoft.com/office/powerpoint/2010/main" Requires="p14">
+      <p:transition xmlns:mc="http://schemas.openxmlformats.org/markup-compatibility/2006" xmlns:p14="http://schemas.microsoft.com/office/powerpoint/2010/main" mc:Ignorable="p14" p14:dur="500"/>
+    </mc:Choice>
+    <mc:Fallback>
+      <p:transition/>
+    </mc:Fallback>
+  </mc:AlternateContent>
+</p:sld>
+</file>
+
+<file path=ppt/slides/slide3.xml><?xml version="1.0" encoding="utf-8"?>
+<p:sld xmlns:r="http://schemas.openxmlformats.org/officeDocument/2006/relationships" xmlns:c="http://schemas.openxmlformats.org/drawingml/2006/chart" xmlns:a="http://schemas.openxmlformats.org/drawingml/2006/main" xmlns:dgm="http://schemas.openxmlformats.org/drawingml/2006/diagram" xmlns:dsp="http://schemas.microsoft.com/office/drawing/2008/diagram" xmlns:p="http://schemas.openxmlformats.org/presentationml/2006/main">
+  <p:cSld>
+    <p:spTree>
+      <p:nvGrpSpPr>
+        <p:cNvPr id="1" name=""/>
+        <p:cNvGrpSpPr/>
+        <p:nvPr/>
+      </p:nvGrpSpPr>
+      <p:grpSpPr>
+        <a:xfrm>
+          <a:off x="0" y="0"/>
+          <a:ext cx="0" cy="0"/>
+          <a:chOff x="0" y="0"/>
+          <a:chExt cx="0" cy="0"/>
+        </a:xfrm>
+      </p:grpSpPr>
+      <p:sp>
+        <p:nvSpPr>
+          <p:cNvPr id="2" name="Title 1"/>
+          <p:cNvSpPr>
+            <a:spLocks noGrp="1"/>
+          </p:cNvSpPr>
+          <p:nvPr>
+            <p:ph type="title" idx="0"/>
+          </p:nvPr>
+        </p:nvSpPr>
+        <p:spPr/>
+        <p:txBody>
+          <a:bodyPr/>
+          <a:p>
+            <a:pPr>
+              <a:defRPr/>
+            </a:pPr>
+            <a:r>
+              <a:rPr lang="ko-KR" altLang="en-US"/>
+              <a:t>과제 </a:t>
+            </a:r>
+            <a:r>
+              <a:rPr lang="en-US" altLang="ko-KR"/>
+              <a:t>1</a:t>
+            </a:r>
+            <a:endParaRPr lang="en-US" altLang="ko-KR"/>
+          </a:p>
+        </p:txBody>
+      </p:sp>
+      <p:sp>
+        <p:nvSpPr>
+          <p:cNvPr id="3" name="Content Placeholder 2"/>
+          <p:cNvSpPr>
+            <a:spLocks noGrp="1"/>
+          </p:cNvSpPr>
+          <p:nvPr>
+            <p:ph idx="1"/>
+          </p:nvPr>
+        </p:nvSpPr>
+        <p:spPr/>
+        <p:txBody>
+          <a:bodyPr/>
+          <a:p>
+            <a:pPr>
+              <a:defRPr/>
+            </a:pPr>
+            <a:r>
+              <a:rPr lang="en-US" altLang="ko-KR"/>
+              <a:t>Reliability</a:t>
+            </a:r>
+            <a:endParaRPr lang="en-US" altLang="ko-KR"/>
+          </a:p>
+          <a:p>
+            <a:pPr>
+              <a:defRPr/>
+            </a:pPr>
+            <a:r>
+              <a:rPr lang="en-US" altLang="ko-KR"/>
+              <a:t>Autonomic Computing</a:t>
+            </a:r>
+            <a:endParaRPr lang="en-US" altLang="ko-KR"/>
+          </a:p>
+          <a:p>
+            <a:pPr>
+              <a:defRPr/>
+            </a:pPr>
+            <a:r>
+              <a:rPr lang="en-US" altLang="ko-KR"/>
+              <a:t>4-SELF</a:t>
+            </a:r>
+            <a:endParaRPr lang="en-US" altLang="ko-KR"/>
+          </a:p>
+        </p:txBody>
+      </p:sp>
+    </p:spTree>
+    <p:extLst>
+      <p:ext uri="{BB962C8B-B14F-4D97-AF65-F5344CB8AC3E}">
+        <p14:creationId xmlns:p14="http://schemas.microsoft.com/office/powerpoint/2010/main" val="3131922428"/>
+      </p:ext>
+    </p:extLst>
+  </p:cSld>
+  <p:clrMapOvr>
+    <a:masterClrMapping/>
+  </p:clrMapOvr>
+  <mc:AlternateContent xmlns:mc="http://schemas.openxmlformats.org/markup-compatibility/2006">
+    <mc:Choice xmlns:p14="http://schemas.microsoft.com/office/powerpoint/2010/main" Requires="p14">
+      <p:transition xmlns:mc="http://schemas.openxmlformats.org/markup-compatibility/2006" xmlns:p14="http://schemas.microsoft.com/office/powerpoint/2010/main" mc:Ignorable="p14" p14:dur="500"/>
+    </mc:Choice>
+    <mc:Fallback>
+      <p:transition/>
+    </mc:Fallback>
+  </mc:AlternateContent>
+</p:sld>
+</file>
+
+<file path=ppt/slides/slide4.xml><?xml version="1.0" encoding="utf-8"?>
+<p:sld xmlns:r="http://schemas.openxmlformats.org/officeDocument/2006/relationships" xmlns:c="http://schemas.openxmlformats.org/drawingml/2006/chart" xmlns:a="http://schemas.openxmlformats.org/drawingml/2006/main" xmlns:dgm="http://schemas.openxmlformats.org/drawingml/2006/diagram" xmlns:dsp="http://schemas.microsoft.com/office/drawing/2008/diagram" xmlns:p="http://schemas.openxmlformats.org/presentationml/2006/main">
+  <p:cSld>
+    <p:spTree>
+      <p:nvGrpSpPr>
+        <p:cNvPr id="1" name=""/>
+        <p:cNvGrpSpPr/>
+        <p:nvPr/>
+      </p:nvGrpSpPr>
+      <p:grpSpPr>
+        <a:xfrm>
+          <a:off x="0" y="0"/>
+          <a:ext cx="0" cy="0"/>
+          <a:chOff x="0" y="0"/>
+          <a:chExt cx="0" cy="0"/>
+        </a:xfrm>
+      </p:grpSpPr>
+      <p:sp>
+        <p:nvSpPr>
+          <p:cNvPr id="2" name="Title 1"/>
+          <p:cNvSpPr>
+            <a:spLocks noGrp="1"/>
+          </p:cNvSpPr>
+          <p:nvPr>
+            <p:ph type="title" idx="0"/>
+          </p:nvPr>
+        </p:nvSpPr>
+        <p:spPr/>
+        <p:txBody>
+          <a:bodyPr/>
+          <a:p>
+            <a:pPr>
+              <a:defRPr/>
+            </a:pPr>
+            <a:r>
+              <a:rPr lang="ko-KR" altLang="en-US"/>
+              <a:t>과제 </a:t>
+            </a:r>
+            <a:r>
+              <a:rPr lang="en-US" altLang="ko-KR"/>
+              <a:t>1</a:t>
+            </a:r>
+            <a:endParaRPr lang="en-US" altLang="ko-KR"/>
+          </a:p>
+        </p:txBody>
+      </p:sp>
+      <p:sp>
+        <p:nvSpPr>
+          <p:cNvPr id="3" name="Content Placeholder 2"/>
+          <p:cNvSpPr>
+            <a:spLocks noGrp="1"/>
+          </p:cNvSpPr>
+          <p:nvPr>
+            <p:ph idx="1"/>
+          </p:nvPr>
+        </p:nvSpPr>
+        <p:spPr/>
+        <p:txBody>
+          <a:bodyPr/>
+          <a:p>
+            <a:pPr>
+              <a:defRPr/>
+            </a:pPr>
+            <a:r>
+              <a:rPr lang="ko-KR" altLang="en-US"/>
+              <a:t/>
+            </a:r>
+            <a:endParaRPr lang="ko-KR" altLang="en-US"/>
+          </a:p>
+        </p:txBody>
+      </p:sp>
+    </p:spTree>
+    <p:extLst>
+      <p:ext uri="{BB962C8B-B14F-4D97-AF65-F5344CB8AC3E}">
+        <p14:creationId xmlns:p14="http://schemas.microsoft.com/office/powerpoint/2010/main" val="46954630"/>
+      </p:ext>
+    </p:extLst>
+  </p:cSld>
+  <p:clrMapOvr>
+    <a:masterClrMapping/>
+  </p:clrMapOvr>
+  <mc:AlternateContent xmlns:mc="http://schemas.openxmlformats.org/markup-compatibility/2006">
+    <mc:Choice xmlns:p14="http://schemas.microsoft.com/office/powerpoint/2010/main" Requires="p14">
+      <p:transition xmlns:mc="http://schemas.openxmlformats.org/markup-compatibility/2006" xmlns:p14="http://schemas.microsoft.com/office/powerpoint/2010/main" mc:Ignorable="p14" p14:dur="500"/>
+    </mc:Choice>
+    <mc:Fallback>
+      <p:transition/>
+    </mc:Fallback>
+  </mc:AlternateContent>
+</p:sld>
+</file>
+
+<file path=ppt/slides/slide5.xml><?xml version="1.0" encoding="utf-8"?>
+<p:sld xmlns:r="http://schemas.openxmlformats.org/officeDocument/2006/relationships" xmlns:c="http://schemas.openxmlformats.org/drawingml/2006/chart" xmlns:a="http://schemas.openxmlformats.org/drawingml/2006/main" xmlns:dgm="http://schemas.openxmlformats.org/drawingml/2006/diagram" xmlns:dsp="http://schemas.microsoft.com/office/drawing/2008/diagram" xmlns:p="http://schemas.openxmlformats.org/presentationml/2006/main">
+  <p:cSld>
+    <p:spTree>
+      <p:nvGrpSpPr>
+        <p:cNvPr id="1" name=""/>
+        <p:cNvGrpSpPr/>
+        <p:nvPr/>
+      </p:nvGrpSpPr>
+      <p:grpSpPr>
+        <a:xfrm>
+          <a:off x="0" y="0"/>
+          <a:ext cx="0" cy="0"/>
+          <a:chOff x="0" y="0"/>
+          <a:chExt cx="0" cy="0"/>
+        </a:xfrm>
+      </p:grpSpPr>
+      <p:sp>
+        <p:nvSpPr>
+          <p:cNvPr id="2" name="Title 1"/>
+          <p:cNvSpPr>
+            <a:spLocks noGrp="1"/>
+          </p:cNvSpPr>
+          <p:nvPr>
+            <p:ph type="title" idx="0"/>
+          </p:nvPr>
+        </p:nvSpPr>
+        <p:spPr/>
+        <p:txBody>
+          <a:bodyPr/>
+          <a:p>
+            <a:pPr>
+              <a:defRPr/>
+            </a:pPr>
+            <a:r>
+              <a:rPr lang="ko-KR" altLang="en-US"/>
+              <a:t>과제 </a:t>
+            </a:r>
+            <a:r>
+              <a:rPr lang="en-US" altLang="ko-KR"/>
+              <a:t>2</a:t>
+            </a:r>
+            <a:endParaRPr lang="en-US" altLang="ko-KR"/>
+          </a:p>
+        </p:txBody>
+      </p:sp>
+      <p:sp>
+        <p:nvSpPr>
+          <p:cNvPr id="3" name="Content Placeholder 2"/>
+          <p:cNvSpPr>
+            <a:spLocks noGrp="1"/>
+          </p:cNvSpPr>
+          <p:nvPr>
+            <p:ph idx="1"/>
+          </p:nvPr>
+        </p:nvSpPr>
+        <p:spPr/>
+        <p:txBody>
+          <a:bodyPr/>
+          <a:p>
+            <a:pPr>
+              <a:defRPr/>
+            </a:pPr>
+            <a:r>
+              <a:rPr lang="en-US" altLang="ko-KR"/>
+              <a:t>MAPE</a:t>
+            </a:r>
+            <a:endParaRPr lang="en-US" altLang="ko-KR"/>
+          </a:p>
+          <a:p>
+            <a:pPr>
+              <a:defRPr/>
+            </a:pPr>
+            <a:r>
+              <a:rPr lang="ko-KR" altLang="en-US"/>
+              <a:t>필드와 레코드</a:t>
+            </a:r>
+            <a:endParaRPr lang="ko-KR" altLang="en-US"/>
+          </a:p>
+          <a:p>
+            <a:pPr>
+              <a:defRPr/>
+            </a:pPr>
+            <a:r>
+              <a:rPr lang="en-US" altLang="ko-KR"/>
+              <a:t>CASE</a:t>
+            </a:r>
+            <a:r>
+              <a:rPr lang="ko-KR" altLang="en-US"/>
+              <a:t> 도구</a:t>
+            </a:r>
+            <a:endParaRPr lang="ko-KR" altLang="en-US"/>
+          </a:p>
+        </p:txBody>
+      </p:sp>
+    </p:spTree>
+    <p:extLst>
+      <p:ext uri="{BB962C8B-B14F-4D97-AF65-F5344CB8AC3E}">
+        <p14:creationId xmlns:p14="http://schemas.microsoft.com/office/powerpoint/2010/main" val="1289967885"/>
+      </p:ext>
+    </p:extLst>
+  </p:cSld>
+  <p:clrMapOvr>
+    <a:masterClrMapping/>
+  </p:clrMapOvr>
+  <mc:AlternateContent xmlns:mc="http://schemas.openxmlformats.org/markup-compatibility/2006">
+    <mc:Choice xmlns:p14="http://schemas.microsoft.com/office/powerpoint/2010/main" Requires="p14">
+      <p:transition xmlns:mc="http://schemas.openxmlformats.org/markup-compatibility/2006" xmlns:p14="http://schemas.microsoft.com/office/powerpoint/2010/main" mc:Ignorable="p14" p14:dur="500"/>
+    </mc:Choice>
+    <mc:Fallback>
+      <p:transition/>
+    </mc:Fallback>
+  </mc:AlternateContent>
+</p:sld>
+</file>
+
+<file path=ppt/slides/slide6.xml><?xml version="1.0" encoding="utf-8"?>
+<p:sld xmlns:r="http://schemas.openxmlformats.org/officeDocument/2006/relationships" xmlns:c="http://schemas.openxmlformats.org/drawingml/2006/chart" xmlns:a="http://schemas.openxmlformats.org/drawingml/2006/main" xmlns:dgm="http://schemas.openxmlformats.org/drawingml/2006/diagram" xmlns:dsp="http://schemas.microsoft.com/office/drawing/2008/diagram" xmlns:p="http://schemas.openxmlformats.org/presentationml/2006/main">
+  <p:cSld>
+    <p:spTree>
+      <p:nvGrpSpPr>
+        <p:cNvPr id="1" name=""/>
+        <p:cNvGrpSpPr/>
+        <p:nvPr/>
+      </p:nvGrpSpPr>
+      <p:grpSpPr>
+        <a:xfrm>
+          <a:off x="0" y="0"/>
+          <a:ext cx="0" cy="0"/>
+          <a:chOff x="0" y="0"/>
+          <a:chExt cx="0" cy="0"/>
+        </a:xfrm>
+      </p:grpSpPr>
+      <p:sp>
+        <p:nvSpPr>
+          <p:cNvPr id="2" name="Title 1"/>
+          <p:cNvSpPr>
+            <a:spLocks noGrp="1"/>
+          </p:cNvSpPr>
+          <p:nvPr>
+            <p:ph type="title" idx="0"/>
+          </p:nvPr>
+        </p:nvSpPr>
+        <p:spPr/>
+        <p:txBody>
+          <a:bodyPr/>
+          <a:p>
+            <a:pPr>
+              <a:defRPr/>
+            </a:pPr>
+            <a:r>
+              <a:rPr lang="ko-KR" altLang="en-US"/>
+              <a:t>과제 </a:t>
+            </a:r>
+            <a:r>
+              <a:rPr lang="en-US" altLang="ko-KR"/>
+              <a:t>2</a:t>
+            </a:r>
+            <a:endParaRPr lang="ko-KR" altLang="en-US"/>
+          </a:p>
+        </p:txBody>
+      </p:sp>
+      <p:sp>
+        <p:nvSpPr>
+          <p:cNvPr id="3" name="Content Placeholder 2"/>
+          <p:cNvSpPr>
+            <a:spLocks noGrp="1"/>
+          </p:cNvSpPr>
+          <p:nvPr>
+            <p:ph idx="1"/>
+          </p:nvPr>
+        </p:nvSpPr>
+        <p:spPr/>
+        <p:txBody>
+          <a:bodyPr/>
+          <a:p>
+            <a:pPr>
+              <a:defRPr/>
+            </a:pPr>
+            <a:r>
+              <a:rPr lang="ko-KR" altLang="en-US"/>
+              <a:t/>
+            </a:r>
+            <a:endParaRPr lang="ko-KR" altLang="en-US"/>
+          </a:p>
+        </p:txBody>
+      </p:sp>
+    </p:spTree>
+    <p:extLst>
+      <p:ext uri="{BB962C8B-B14F-4D97-AF65-F5344CB8AC3E}">
+        <p14:creationId xmlns:p14="http://schemas.microsoft.com/office/powerpoint/2010/main" val="1805315102"/>
+      </p:ext>
+    </p:extLst>
+  </p:cSld>
+  <p:clrMapOvr>
+    <a:masterClrMapping/>
+  </p:clrMapOvr>
+  <mc:AlternateContent xmlns:mc="http://schemas.openxmlformats.org/markup-compatibility/2006">
+    <mc:Choice xmlns:p14="http://schemas.microsoft.com/office/powerpoint/2010/main" Requires="p14">
+      <p:transition xmlns:mc="http://schemas.openxmlformats.org/markup-compatibility/2006" xmlns:p14="http://schemas.microsoft.com/office/powerpoint/2010/main" mc:Ignorable="p14" p14:dur="500"/>
+    </mc:Choice>
+    <mc:Fallback>
+      <p:transition/>
+    </mc:Fallback>
+  </mc:AlternateContent>
+</p:sld>
+</file>
+
+<file path=ppt/slides/slide7.xml><?xml version="1.0" encoding="utf-8"?>
+<p:sld xmlns:r="http://schemas.openxmlformats.org/officeDocument/2006/relationships" xmlns:c="http://schemas.openxmlformats.org/drawingml/2006/chart" xmlns:a="http://schemas.openxmlformats.org/drawingml/2006/main" xmlns:dgm="http://schemas.openxmlformats.org/drawingml/2006/diagram" xmlns:dsp="http://schemas.microsoft.com/office/drawing/2008/diagram" xmlns:p="http://schemas.openxmlformats.org/presentationml/2006/main">
+  <p:cSld>
+    <p:spTree>
+      <p:nvGrpSpPr>
+        <p:cNvPr id="1" name=""/>
+        <p:cNvGrpSpPr/>
+        <p:nvPr/>
+      </p:nvGrpSpPr>
+      <p:grpSpPr>
+        <a:xfrm>
+          <a:off x="0" y="0"/>
+          <a:ext cx="0" cy="0"/>
+          <a:chOff x="0" y="0"/>
+          <a:chExt cx="0" cy="0"/>
+        </a:xfrm>
+      </p:grpSpPr>
+      <p:sp>
+        <p:nvSpPr>
+          <p:cNvPr id="2" name="Title 1"/>
+          <p:cNvSpPr>
+            <a:spLocks noGrp="1"/>
+          </p:cNvSpPr>
+          <p:nvPr>
+            <p:ph type="title" idx="0"/>
+          </p:nvPr>
+        </p:nvSpPr>
+        <p:spPr/>
+        <p:txBody>
+          <a:bodyPr/>
+          <a:p>
+            <a:pPr>
+              <a:defRPr/>
+            </a:pPr>
+            <a:r>
+              <a:rPr lang="ko-KR" altLang="en-US"/>
+              <a:t>과제 </a:t>
+            </a:r>
+            <a:r>
+              <a:rPr lang="en-US" altLang="ko-KR"/>
+              <a:t>3</a:t>
+            </a:r>
+            <a:endParaRPr lang="ko-KR" altLang="en-US"/>
+          </a:p>
+        </p:txBody>
+      </p:sp>
+      <p:sp>
+        <p:nvSpPr>
+          <p:cNvPr id="3" name="Content Placeholder 2"/>
+          <p:cNvSpPr>
+            <a:spLocks noGrp="1"/>
+          </p:cNvSpPr>
+          <p:nvPr>
+            <p:ph idx="1"/>
+          </p:nvPr>
+        </p:nvSpPr>
+        <p:spPr/>
+        <p:txBody>
+          <a:bodyPr/>
+          <a:p>
+            <a:pPr>
+              <a:defRPr/>
+            </a:pPr>
+            <a:r>
+              <a:rPr lang="ko-KR" altLang="en-US"/>
+              <a:t>시퀀스 다이어그램</a:t>
+            </a:r>
+            <a:endParaRPr lang="ko-KR" altLang="en-US"/>
+          </a:p>
+          <a:p>
+            <a:pPr>
+              <a:defRPr/>
+            </a:pPr>
+            <a:r>
+              <a:rPr lang="ko-KR" altLang="en-US"/>
+              <a:t>상태 다이어그램</a:t>
+            </a:r>
+            <a:endParaRPr lang="ko-KR" altLang="en-US"/>
+          </a:p>
+        </p:txBody>
+      </p:sp>
+    </p:spTree>
+    <p:extLst>
+      <p:ext uri="{BB962C8B-B14F-4D97-AF65-F5344CB8AC3E}">
+        <p14:creationId xmlns:p14="http://schemas.microsoft.com/office/powerpoint/2010/main" val="72068593"/>
+      </p:ext>
+    </p:extLst>
+  </p:cSld>
+  <p:clrMapOvr>
+    <a:masterClrMapping/>
+  </p:clrMapOvr>
+  <mc:AlternateContent xmlns:mc="http://schemas.openxmlformats.org/markup-compatibility/2006">
+    <mc:Choice xmlns:p14="http://schemas.microsoft.com/office/powerpoint/2010/main" Requires="p14">
+      <p:transition xmlns:mc="http://schemas.openxmlformats.org/markup-compatibility/2006" xmlns:p14="http://schemas.microsoft.com/office/powerpoint/2010/main" mc:Ignorable="p14" p14:dur="500"/>
+    </mc:Choice>
+    <mc:Fallback>
+      <p:transition/>
+    </mc:Fallback>
+  </mc:AlternateContent>
+</p:sld>
+</file>
+
+<file path=ppt/slides/slide8.xml><?xml version="1.0" encoding="utf-8"?>
+<p:sld xmlns:r="http://schemas.openxmlformats.org/officeDocument/2006/relationships" xmlns:c="http://schemas.openxmlformats.org/drawingml/2006/chart" xmlns:a="http://schemas.openxmlformats.org/drawingml/2006/main" xmlns:dgm="http://schemas.openxmlformats.org/drawingml/2006/diagram" xmlns:dsp="http://schemas.microsoft.com/office/drawing/2008/diagram" xmlns:p="http://schemas.openxmlformats.org/presentationml/2006/main">
+  <p:cSld>
+    <p:spTree>
+      <p:nvGrpSpPr>
+        <p:cNvPr id="1" name=""/>
+        <p:cNvGrpSpPr/>
+        <p:nvPr/>
+      </p:nvGrpSpPr>
+      <p:grpSpPr>
+        <a:xfrm>
+          <a:off x="0" y="0"/>
+          <a:ext cx="0" cy="0"/>
+          <a:chOff x="0" y="0"/>
+          <a:chExt cx="0" cy="0"/>
+        </a:xfrm>
+      </p:grpSpPr>
+      <p:sp>
+        <p:nvSpPr>
+          <p:cNvPr id="2" name="Title 1"/>
+          <p:cNvSpPr>
+            <a:spLocks noGrp="1"/>
+          </p:cNvSpPr>
+          <p:nvPr>
+            <p:ph type="title" idx="0"/>
+          </p:nvPr>
+        </p:nvSpPr>
+        <p:spPr/>
+        <p:txBody>
+          <a:bodyPr/>
+          <a:p>
+            <a:pPr>
+              <a:defRPr/>
+            </a:pPr>
+            <a:r>
+              <a:rPr lang="ko-KR" altLang="en-US"/>
+              <a:t>과제 </a:t>
+            </a:r>
+            <a:r>
+              <a:rPr lang="en-US" altLang="ko-KR"/>
+              <a:t>3</a:t>
+            </a:r>
+            <a:endParaRPr lang="en-US" altLang="ko-KR"/>
+          </a:p>
+        </p:txBody>
+      </p:sp>
+      <p:sp>
+        <p:nvSpPr>
+          <p:cNvPr id="3" name="Content Placeholder 2"/>
+          <p:cNvSpPr>
+            <a:spLocks noGrp="1"/>
+          </p:cNvSpPr>
+          <p:nvPr>
+            <p:ph idx="1"/>
+          </p:nvPr>
+        </p:nvSpPr>
+        <p:spPr/>
+        <p:txBody>
+          <a:bodyPr/>
+          <a:p>
+            <a:pPr>
+              <a:defRPr/>
+            </a:pPr>
+            <a:r>
+              <a:rPr lang="ko-KR" altLang="en-US"/>
+              <a:t/>
+            </a:r>
+            <a:endParaRPr lang="ko-KR" altLang="en-US"/>
+          </a:p>
+        </p:txBody>
+      </p:sp>
+    </p:spTree>
+    <p:extLst>
+      <p:ext uri="{BB962C8B-B14F-4D97-AF65-F5344CB8AC3E}">
+        <p14:creationId xmlns:p14="http://schemas.microsoft.com/office/powerpoint/2010/main" val="326881829"/>
+      </p:ext>
+    </p:extLst>
+  </p:cSld>
+  <p:clrMapOvr>
+    <a:masterClrMapping/>
+  </p:clrMapOvr>
+  <mc:AlternateContent xmlns:mc="http://schemas.openxmlformats.org/markup-compatibility/2006">
+    <mc:Choice xmlns:p14="http://schemas.microsoft.com/office/powerpoint/2010/main" Requires="p14">
+      <p:transition xmlns:mc="http://schemas.openxmlformats.org/markup-compatibility/2006" xmlns:p14="http://schemas.microsoft.com/office/powerpoint/2010/main" mc:Ignorable="p14" p14:dur="500"/>
+    </mc:Choice>
+    <mc:Fallback>
+      <p:transition/>
+    </mc:Fallback>
+  </mc:AlternateContent>
+</p:sld>
+</file>
+
+<file path=ppt/slides/slide9.xml><?xml version="1.0" encoding="utf-8"?>
+<p:sld xmlns:r="http://schemas.openxmlformats.org/officeDocument/2006/relationships" xmlns:c="http://schemas.openxmlformats.org/drawingml/2006/chart" xmlns:a="http://schemas.openxmlformats.org/drawingml/2006/main" xmlns:dgm="http://schemas.openxmlformats.org/drawingml/2006/diagram" xmlns:dsp="http://schemas.microsoft.com/office/drawing/2008/diagram" xmlns:p="http://schemas.openxmlformats.org/presentationml/2006/main">
+  <p:cSld>
+    <p:spTree>
+      <p:nvGrpSpPr>
+        <p:cNvPr id="1" name=""/>
+        <p:cNvGrpSpPr/>
+        <p:nvPr/>
+      </p:nvGrpSpPr>
+      <p:grpSpPr>
+        <a:xfrm>
+          <a:off x="0" y="0"/>
+          <a:ext cx="0" cy="0"/>
+          <a:chOff x="0" y="0"/>
+          <a:chExt cx="0" cy="0"/>
+        </a:xfrm>
+      </p:grpSpPr>
+      <p:sp>
+        <p:nvSpPr>
+          <p:cNvPr id="2" name="Title 1"/>
+          <p:cNvSpPr>
+            <a:spLocks noGrp="1"/>
+          </p:cNvSpPr>
+          <p:nvPr>
+            <p:ph type="title" idx="0"/>
+          </p:nvPr>
+        </p:nvSpPr>
+        <p:spPr/>
+        <p:txBody>
+          <a:bodyPr/>
+          <a:p>
+            <a:pPr>
+              <a:defRPr/>
+            </a:pPr>
+            <a:r>
+              <a:rPr lang="ko-KR" altLang="en-US"/>
+              <a:t>과제 </a:t>
+            </a:r>
+            <a:r>
+              <a:rPr lang="en-US" altLang="ko-KR"/>
+              <a:t>4</a:t>
+            </a:r>
+            <a:endParaRPr lang="en-US" altLang="ko-KR"/>
+          </a:p>
+        </p:txBody>
+      </p:sp>
+      <p:sp>
+        <p:nvSpPr>
+          <p:cNvPr id="3" name="Content Placeholder 2"/>
+          <p:cNvSpPr>
+            <a:spLocks noGrp="1"/>
+          </p:cNvSpPr>
+          <p:nvPr>
+            <p:ph idx="1"/>
+          </p:nvPr>
+        </p:nvSpPr>
+        <p:spPr/>
+        <p:txBody>
+          <a:bodyPr/>
+          <a:p>
+            <a:pPr>
+              <a:defRPr/>
+            </a:pPr>
+            <a:r>
+              <a:rPr lang="en-US" altLang="ko-KR"/>
+              <a:t>Critical System</a:t>
+            </a:r>
+            <a:endParaRPr lang="en-US" altLang="ko-KR"/>
+          </a:p>
+        </p:txBody>
+      </p:sp>
+    </p:spTree>
+    <p:extLst>
+      <p:ext uri="{BB962C8B-B14F-4D97-AF65-F5344CB8AC3E}">
+        <p14:creationId xmlns:p14="http://schemas.microsoft.com/office/powerpoint/2010/main" val="2833622667"/>
+      </p:ext>
+    </p:extLst>
+  </p:cSld>
+  <p:clrMapOvr>
+    <a:masterClrMapping/>
+  </p:clrMapOvr>
+  <mc:AlternateContent xmlns:mc="http://schemas.openxmlformats.org/markup-compatibility/2006">
+    <mc:Choice xmlns:p14="http://schemas.microsoft.com/office/powerpoint/2010/main" Requires="p14">
+      <p:transition xmlns:mc="http://schemas.openxmlformats.org/markup-compatibility/2006" xmlns:p14="http://schemas.microsoft.com/office/powerpoint/2010/main" mc:Ignorable="p14" p14:dur="500"/>
+    </mc:Choice>
+    <mc:Fallback>
+      <p:transition/>
+    </mc:Fallback>
+  </mc:AlternateContent>
 </p:sld>
 </file>
 
 <file path=ppt/theme/theme1.xml><?xml version="1.0" encoding="utf-8"?>
-<a:theme xmlns:a="http://schemas.openxmlformats.org/drawingml/2006/main" name="Office Theme">
+<a:theme xmlns:r="http://schemas.openxmlformats.org/officeDocument/2006/relationships" xmlns:c="http://schemas.openxmlformats.org/drawingml/2006/chart" xmlns:dgm="http://schemas.openxmlformats.org/drawingml/2006/diagram" xmlns:dsp="http://schemas.microsoft.com/office/drawing/2008/diagram" xmlns:a="http://schemas.openxmlformats.org/drawingml/2006/main" xmlns:pic="http://schemas.openxmlformats.org/drawingml/2006/picture" xmlns:wp="http://schemas.openxmlformats.org/drawingml/2006/wordprocessingDrawing" xmlns:xdr="http://schemas.openxmlformats.org/drawingml/2006/spreadsheetDrawing" xmlns:lc="http://schemas.openxmlformats.org/drawingml/2006/lockedCanvas" xmlns:p="http://schemas.openxmlformats.org/presentationml/2006/main" name="Office Theme">
   <a:themeElements>
     <a:clrScheme name="Office">
       <a:dk1>
         <a:sysClr val="windowText" lastClr="000000"/>
       </a:dk1>
       <a:lt1>
-        <a:sysClr val="window" lastClr="FFFFFF"/>
+        <a:sysClr val="window" lastClr="ffffff"/>
       </a:lt1>
       <a:dk2>
-        <a:srgbClr val="0E2841"/>
+        <a:srgbClr val="0e2841"/>
       </a:dk2>
       <a:lt2>
-        <a:srgbClr val="E8E8E8"/>
+        <a:srgbClr val="e8e8e8"/>
       </a:lt2>
       <a:accent1>
         <a:srgbClr val="156082"/>
       </a:accent1>
       <a:accent2>
-        <a:srgbClr val="E97132"/>
+        <a:srgbClr val="e97132"/>
       </a:accent2>
       <a:accent3>
-        <a:srgbClr val="196B24"/>
+        <a:srgbClr val="196b24"/>
       </a:accent3>
       <a:accent4>
-        <a:srgbClr val="0F9ED5"/>
+        <a:srgbClr val="0f9ed5"/>
       </a:accent4>
       <a:accent5>
-        <a:srgbClr val="A02B93"/>
+        <a:srgbClr val="a02b93"/>
       </a:accent5>
       <a:accent6>
-        <a:srgbClr val="4EA72E"/>
+        <a:srgbClr val="4ea72e"/>
       </a:accent6>
       <a:hlink>
         <a:srgbClr val="467886"/>
       </a:hlink>
       <a:folHlink>
-        <a:srgbClr val="96607D"/>
+        <a:srgbClr val="96607d"/>
       </a:folHlink>
     </a:clrScheme>
     <a:fontScheme name="Office">
@@ -3579,7 +6141,7 @@
         <a:latin typeface="맑은 고딕" panose="02110004020202020204"/>
         <a:ea typeface=""/>
         <a:cs typeface=""/>
-        <a:font script="Jpan" typeface="游ゴシック Light"/>
+        <a:font script="Jpan" typeface="Yu Gothic Light"/>
         <a:font script="Hang" typeface="맑은 고딕"/>
         <a:font script="Hans" typeface="等线 Light"/>
         <a:font script="Hant" typeface="新細明體"/>
@@ -3631,7 +6193,7 @@
         <a:latin typeface="맑은 고딕" panose="02110004020202020204"/>
         <a:ea typeface=""/>
         <a:cs typeface=""/>
-        <a:font script="Jpan" typeface="游ゴシック"/>
+        <a:font script="Jpan" typeface="Yu Gothic"/>
         <a:font script="Hang" typeface="맑은 고딕"/>
         <a:font script="Hans" typeface="等线"/>
         <a:font script="Hant" typeface="新細明體"/>
@@ -3744,21 +6306,21 @@
             <a:schemeClr val="phClr"/>
           </a:solidFill>
           <a:prstDash val="solid"/>
-          <a:miter lim="800000"/>
+          <a:miter/>
         </a:ln>
         <a:ln w="19050" cap="flat" cmpd="sng" algn="ctr">
           <a:solidFill>
             <a:schemeClr val="phClr"/>
           </a:solidFill>
           <a:prstDash val="solid"/>
-          <a:miter lim="800000"/>
+          <a:miter/>
         </a:ln>
         <a:ln w="25400" cap="flat" cmpd="sng" algn="ctr">
           <a:solidFill>
             <a:schemeClr val="phClr"/>
           </a:solidFill>
           <a:prstDash val="solid"/>
-          <a:miter lim="800000"/>
+          <a:miter/>
         </a:ln>
       </a:lnStyleLst>
       <a:effectStyleLst>
@@ -3819,6 +6381,27 @@
     </a:fmtScheme>
   </a:themeElements>
   <a:objectDefaults>
+    <a:spDef>
+      <a:spPr/>
+      <a:bodyPr/>
+      <a:lstStyle/>
+      <a:style>
+        <a:lnRef idx="2">
+          <a:schemeClr val="accent1">
+            <a:shade val="20000"/>
+          </a:schemeClr>
+        </a:lnRef>
+        <a:fillRef idx="1">
+          <a:schemeClr val="accent1"/>
+        </a:fillRef>
+        <a:effectRef idx="0">
+          <a:schemeClr val="accent1"/>
+        </a:effectRef>
+        <a:fontRef idx="minor">
+          <a:schemeClr val="lt1"/>
+        </a:fontRef>
+      </a:style>
+    </a:spDef>
     <a:lnDef>
       <a:spPr/>
       <a:bodyPr/>
@@ -3838,12 +6421,11 @@
         </a:fontRef>
       </a:style>
     </a:lnDef>
+    <a:txDef>
+      <a:spPr/>
+      <a:bodyPr/>
+      <a:lstStyle/>
+    </a:txDef>
   </a:objectDefaults>
-  <a:extraClrSchemeLst/>
-  <a:extLst>
-    <a:ext uri="{05A4C25C-085E-4340-85A3-A5531E510DB2}">
-      <thm15:themeFamily xmlns:thm15="http://schemas.microsoft.com/office/thememl/2012/main" name="Office Theme" id="{2E142A2C-CD16-42D6-873A-C26D2A0506FA}" vid="{1BDDFF52-6CD6-40A5-AB3C-68EB2F1E4D0A}"/>
-    </a:ext>
-  </a:extLst>
 </a:theme>
 </file>
--- a/ppt/소프트웨어 응용설계 발표자료.pptx
+++ b/ppt/소프트웨어 응용설계 발표자료.pptx
@@ -5,7 +5,7 @@
     <p:sldMasterId id="2147483648" r:id="rId1"/>
   </p:sldMasterIdLst>
   <p:notesMasterIdLst>
-    <p:notesMasterId r:id="rId60"/>
+    <p:notesMasterId r:id="rId57"/>
   </p:notesMasterIdLst>
   <p:sldIdLst>
     <p:sldId id="256" r:id="rId2"/>
@@ -50,22 +50,19 @@
     <p:sldId id="311" r:id="rId41"/>
     <p:sldId id="312" r:id="rId42"/>
     <p:sldId id="313" r:id="rId43"/>
-    <p:sldId id="282" r:id="rId44"/>
-    <p:sldId id="314" r:id="rId45"/>
-    <p:sldId id="315" r:id="rId46"/>
-    <p:sldId id="268" r:id="rId47"/>
-    <p:sldId id="269" r:id="rId48"/>
-    <p:sldId id="270" r:id="rId49"/>
-    <p:sldId id="276" r:id="rId50"/>
-    <p:sldId id="277" r:id="rId51"/>
-    <p:sldId id="271" r:id="rId52"/>
-    <p:sldId id="272" r:id="rId53"/>
-    <p:sldId id="278" r:id="rId54"/>
-    <p:sldId id="279" r:id="rId55"/>
-    <p:sldId id="280" r:id="rId56"/>
-    <p:sldId id="273" r:id="rId57"/>
-    <p:sldId id="275" r:id="rId58"/>
-    <p:sldId id="281" r:id="rId59"/>
+    <p:sldId id="268" r:id="rId44"/>
+    <p:sldId id="269" r:id="rId45"/>
+    <p:sldId id="270" r:id="rId46"/>
+    <p:sldId id="276" r:id="rId47"/>
+    <p:sldId id="277" r:id="rId48"/>
+    <p:sldId id="271" r:id="rId49"/>
+    <p:sldId id="272" r:id="rId50"/>
+    <p:sldId id="278" r:id="rId51"/>
+    <p:sldId id="279" r:id="rId52"/>
+    <p:sldId id="280" r:id="rId53"/>
+    <p:sldId id="273" r:id="rId54"/>
+    <p:sldId id="275" r:id="rId55"/>
+    <p:sldId id="281" r:id="rId56"/>
   </p:sldIdLst>
   <p:sldSz cx="12192000" cy="6858000"/>
   <p:notesSz cx="6858000" cy="9144000"/>
@@ -6529,7 +6526,7 @@
     <mc:Choice Requires="p14">
       <p:transition/>
     </mc:Choice>
-    <mc:Fallback xmlns:dsp="http://schemas.microsoft.com/office/drawing/2008/diagram" xmlns:dgm="http://schemas.openxmlformats.org/drawingml/2006/diagram" xmlns:c="http://schemas.openxmlformats.org/drawingml/2006/chart" xmlns="">
+    <mc:Fallback xmlns="" xmlns:c="http://schemas.openxmlformats.org/drawingml/2006/chart" xmlns:dgm="http://schemas.openxmlformats.org/drawingml/2006/diagram" xmlns:dsp="http://schemas.microsoft.com/office/drawing/2008/diagram">
       <p:transition/>
     </mc:Fallback>
   </mc:AlternateContent>
@@ -6696,7 +6693,7 @@
     <mc:Choice Requires="p14">
       <p:transition/>
     </mc:Choice>
-    <mc:Fallback xmlns:dsp="http://schemas.microsoft.com/office/drawing/2008/diagram" xmlns:dgm="http://schemas.openxmlformats.org/drawingml/2006/diagram" xmlns:c="http://schemas.openxmlformats.org/drawingml/2006/chart" xmlns="">
+    <mc:Fallback xmlns="" xmlns:c="http://schemas.openxmlformats.org/drawingml/2006/chart" xmlns:dgm="http://schemas.openxmlformats.org/drawingml/2006/diagram" xmlns:dsp="http://schemas.microsoft.com/office/drawing/2008/diagram">
       <p:transition/>
     </mc:Fallback>
   </mc:AlternateContent>
@@ -7134,7 +7131,7 @@
     <mc:Choice Requires="p14">
       <p:transition/>
     </mc:Choice>
-    <mc:Fallback xmlns:dsp="http://schemas.microsoft.com/office/drawing/2008/diagram" xmlns:dgm="http://schemas.openxmlformats.org/drawingml/2006/diagram" xmlns:c="http://schemas.openxmlformats.org/drawingml/2006/chart" xmlns="">
+    <mc:Fallback xmlns="" xmlns:c="http://schemas.openxmlformats.org/drawingml/2006/chart" xmlns:dgm="http://schemas.openxmlformats.org/drawingml/2006/diagram" xmlns:dsp="http://schemas.microsoft.com/office/drawing/2008/diagram">
       <p:transition/>
     </mc:Fallback>
   </mc:AlternateContent>
@@ -7245,7 +7242,7 @@
     <mc:Choice Requires="p14">
       <p:transition/>
     </mc:Choice>
-    <mc:Fallback xmlns:dsp="http://schemas.microsoft.com/office/drawing/2008/diagram" xmlns:dgm="http://schemas.openxmlformats.org/drawingml/2006/diagram" xmlns:c="http://schemas.openxmlformats.org/drawingml/2006/chart" xmlns="">
+    <mc:Fallback xmlns="" xmlns:c="http://schemas.openxmlformats.org/drawingml/2006/chart" xmlns:dgm="http://schemas.openxmlformats.org/drawingml/2006/diagram" xmlns:dsp="http://schemas.microsoft.com/office/drawing/2008/diagram">
       <p:transition/>
     </mc:Fallback>
   </mc:AlternateContent>
@@ -7730,7 +7727,7 @@
     <mc:Choice Requires="p14">
       <p:transition/>
     </mc:Choice>
-    <mc:Fallback xmlns:dsp="http://schemas.microsoft.com/office/drawing/2008/diagram" xmlns:dgm="http://schemas.openxmlformats.org/drawingml/2006/diagram" xmlns:c="http://schemas.openxmlformats.org/drawingml/2006/chart" xmlns="">
+    <mc:Fallback xmlns="" xmlns:c="http://schemas.openxmlformats.org/drawingml/2006/chart" xmlns:dgm="http://schemas.openxmlformats.org/drawingml/2006/diagram" xmlns:dsp="http://schemas.microsoft.com/office/drawing/2008/diagram">
       <p:transition/>
     </mc:Fallback>
   </mc:AlternateContent>
@@ -8283,7 +8280,7 @@
     <mc:Choice Requires="p14">
       <p:transition/>
     </mc:Choice>
-    <mc:Fallback xmlns:dsp="http://schemas.microsoft.com/office/drawing/2008/diagram" xmlns:dgm="http://schemas.openxmlformats.org/drawingml/2006/diagram" xmlns:c="http://schemas.openxmlformats.org/drawingml/2006/chart" xmlns="">
+    <mc:Fallback xmlns="" xmlns:c="http://schemas.openxmlformats.org/drawingml/2006/chart" xmlns:dgm="http://schemas.openxmlformats.org/drawingml/2006/diagram" xmlns:dsp="http://schemas.microsoft.com/office/drawing/2008/diagram">
       <p:transition/>
     </mc:Fallback>
   </mc:AlternateContent>
@@ -8717,7 +8714,7 @@
     <mc:Choice Requires="p14">
       <p:transition/>
     </mc:Choice>
-    <mc:Fallback xmlns:dsp="http://schemas.microsoft.com/office/drawing/2008/diagram" xmlns:dgm="http://schemas.openxmlformats.org/drawingml/2006/diagram" xmlns:c="http://schemas.openxmlformats.org/drawingml/2006/chart" xmlns="">
+    <mc:Fallback xmlns="" xmlns:c="http://schemas.openxmlformats.org/drawingml/2006/chart" xmlns:dgm="http://schemas.openxmlformats.org/drawingml/2006/diagram" xmlns:dsp="http://schemas.microsoft.com/office/drawing/2008/diagram">
       <p:transition/>
     </mc:Fallback>
   </mc:AlternateContent>
@@ -9205,7 +9202,7 @@
     <mc:Choice Requires="p14">
       <p:transition/>
     </mc:Choice>
-    <mc:Fallback xmlns:dsp="http://schemas.microsoft.com/office/drawing/2008/diagram" xmlns:dgm="http://schemas.openxmlformats.org/drawingml/2006/diagram" xmlns:c="http://schemas.openxmlformats.org/drawingml/2006/chart" xmlns="">
+    <mc:Fallback xmlns="" xmlns:c="http://schemas.openxmlformats.org/drawingml/2006/chart" xmlns:dgm="http://schemas.openxmlformats.org/drawingml/2006/diagram" xmlns:dsp="http://schemas.microsoft.com/office/drawing/2008/diagram">
       <p:transition/>
     </mc:Fallback>
   </mc:AlternateContent>
@@ -9418,7 +9415,7 @@
     <mc:Choice Requires="p14">
       <p:transition/>
     </mc:Choice>
-    <mc:Fallback xmlns:dsp="http://schemas.microsoft.com/office/drawing/2008/diagram" xmlns:dgm="http://schemas.openxmlformats.org/drawingml/2006/diagram" xmlns:c="http://schemas.openxmlformats.org/drawingml/2006/chart" xmlns="">
+    <mc:Fallback xmlns="" xmlns:c="http://schemas.openxmlformats.org/drawingml/2006/chart" xmlns:dgm="http://schemas.openxmlformats.org/drawingml/2006/diagram" xmlns:dsp="http://schemas.microsoft.com/office/drawing/2008/diagram">
       <p:transition/>
     </mc:Fallback>
   </mc:AlternateContent>
@@ -9654,7 +9651,7 @@
     <mc:Choice Requires="p14">
       <p:transition/>
     </mc:Choice>
-    <mc:Fallback xmlns:dsp="http://schemas.microsoft.com/office/drawing/2008/diagram" xmlns:dgm="http://schemas.openxmlformats.org/drawingml/2006/diagram" xmlns:c="http://schemas.openxmlformats.org/drawingml/2006/chart" xmlns="">
+    <mc:Fallback xmlns="" xmlns:c="http://schemas.openxmlformats.org/drawingml/2006/chart" xmlns:dgm="http://schemas.openxmlformats.org/drawingml/2006/diagram" xmlns:dsp="http://schemas.microsoft.com/office/drawing/2008/diagram">
       <p:transition/>
     </mc:Fallback>
   </mc:AlternateContent>
@@ -9769,7 +9766,7 @@
     <mc:Choice Requires="p14">
       <p:transition/>
     </mc:Choice>
-    <mc:Fallback xmlns:dsp="http://schemas.microsoft.com/office/drawing/2008/diagram" xmlns:dgm="http://schemas.openxmlformats.org/drawingml/2006/diagram" xmlns:c="http://schemas.openxmlformats.org/drawingml/2006/chart" xmlns="">
+    <mc:Fallback xmlns="" xmlns:c="http://schemas.openxmlformats.org/drawingml/2006/chart" xmlns:dgm="http://schemas.openxmlformats.org/drawingml/2006/diagram" xmlns:dsp="http://schemas.microsoft.com/office/drawing/2008/diagram">
       <p:transition/>
     </mc:Fallback>
   </mc:AlternateContent>
@@ -9885,7 +9882,7 @@
     <mc:Choice Requires="p14">
       <p:transition/>
     </mc:Choice>
-    <mc:Fallback xmlns:dsp="http://schemas.microsoft.com/office/drawing/2008/diagram" xmlns:dgm="http://schemas.openxmlformats.org/drawingml/2006/diagram" xmlns:c="http://schemas.openxmlformats.org/drawingml/2006/chart" xmlns="">
+    <mc:Fallback xmlns="" xmlns:c="http://schemas.openxmlformats.org/drawingml/2006/chart" xmlns:dgm="http://schemas.openxmlformats.org/drawingml/2006/diagram" xmlns:dsp="http://schemas.microsoft.com/office/drawing/2008/diagram">
       <p:transition/>
     </mc:Fallback>
   </mc:AlternateContent>
@@ -9995,7 +9992,7 @@
     <mc:Choice Requires="p14">
       <p:transition/>
     </mc:Choice>
-    <mc:Fallback xmlns:dsp="http://schemas.microsoft.com/office/drawing/2008/diagram" xmlns:dgm="http://schemas.openxmlformats.org/drawingml/2006/diagram" xmlns:c="http://schemas.openxmlformats.org/drawingml/2006/chart" xmlns="">
+    <mc:Fallback xmlns="" xmlns:c="http://schemas.openxmlformats.org/drawingml/2006/chart" xmlns:dgm="http://schemas.openxmlformats.org/drawingml/2006/diagram" xmlns:dsp="http://schemas.microsoft.com/office/drawing/2008/diagram">
       <p:transition/>
     </mc:Fallback>
   </mc:AlternateContent>
@@ -10105,7 +10102,7 @@
     <mc:Choice Requires="p14">
       <p:transition/>
     </mc:Choice>
-    <mc:Fallback xmlns:dsp="http://schemas.microsoft.com/office/drawing/2008/diagram" xmlns:dgm="http://schemas.openxmlformats.org/drawingml/2006/diagram" xmlns:c="http://schemas.openxmlformats.org/drawingml/2006/chart" xmlns="">
+    <mc:Fallback xmlns="" xmlns:c="http://schemas.openxmlformats.org/drawingml/2006/chart" xmlns:dgm="http://schemas.openxmlformats.org/drawingml/2006/diagram" xmlns:dsp="http://schemas.microsoft.com/office/drawing/2008/diagram">
       <p:transition/>
     </mc:Fallback>
   </mc:AlternateContent>
@@ -10225,7 +10222,7 @@
     <mc:Choice Requires="p14">
       <p:transition/>
     </mc:Choice>
-    <mc:Fallback xmlns:dsp="http://schemas.microsoft.com/office/drawing/2008/diagram" xmlns:dgm="http://schemas.openxmlformats.org/drawingml/2006/diagram" xmlns:c="http://schemas.openxmlformats.org/drawingml/2006/chart" xmlns="">
+    <mc:Fallback xmlns="" xmlns:c="http://schemas.openxmlformats.org/drawingml/2006/chart" xmlns:dgm="http://schemas.openxmlformats.org/drawingml/2006/diagram" xmlns:dsp="http://schemas.microsoft.com/office/drawing/2008/diagram">
       <p:transition/>
     </mc:Fallback>
   </mc:AlternateContent>
@@ -10335,7 +10332,7 @@
     <mc:Choice Requires="p14">
       <p:transition/>
     </mc:Choice>
-    <mc:Fallback xmlns:dsp="http://schemas.microsoft.com/office/drawing/2008/diagram" xmlns:dgm="http://schemas.openxmlformats.org/drawingml/2006/diagram" xmlns:c="http://schemas.openxmlformats.org/drawingml/2006/chart" xmlns="">
+    <mc:Fallback xmlns="" xmlns:c="http://schemas.openxmlformats.org/drawingml/2006/chart" xmlns:dgm="http://schemas.openxmlformats.org/drawingml/2006/diagram" xmlns:dsp="http://schemas.microsoft.com/office/drawing/2008/diagram">
       <p:transition/>
     </mc:Fallback>
   </mc:AlternateContent>
@@ -10517,7 +10514,7 @@
     <mc:Choice Requires="p14">
       <p:transition/>
     </mc:Choice>
-    <mc:Fallback xmlns:dsp="http://schemas.microsoft.com/office/drawing/2008/diagram" xmlns:dgm="http://schemas.openxmlformats.org/drawingml/2006/diagram" xmlns:c="http://schemas.openxmlformats.org/drawingml/2006/chart" xmlns="">
+    <mc:Fallback xmlns="" xmlns:c="http://schemas.openxmlformats.org/drawingml/2006/chart" xmlns:dgm="http://schemas.openxmlformats.org/drawingml/2006/diagram" xmlns:dsp="http://schemas.microsoft.com/office/drawing/2008/diagram">
       <p:transition/>
     </mc:Fallback>
   </mc:AlternateContent>
@@ -10627,7 +10624,7 @@
     <mc:Choice Requires="p14">
       <p:transition/>
     </mc:Choice>
-    <mc:Fallback xmlns:dsp="http://schemas.microsoft.com/office/drawing/2008/diagram" xmlns:dgm="http://schemas.openxmlformats.org/drawingml/2006/diagram" xmlns:c="http://schemas.openxmlformats.org/drawingml/2006/chart" xmlns="">
+    <mc:Fallback xmlns="" xmlns:c="http://schemas.openxmlformats.org/drawingml/2006/chart" xmlns:dgm="http://schemas.openxmlformats.org/drawingml/2006/diagram" xmlns:dsp="http://schemas.microsoft.com/office/drawing/2008/diagram">
       <p:transition/>
     </mc:Fallback>
   </mc:AlternateContent>
@@ -10737,7 +10734,7 @@
     <mc:Choice Requires="p14">
       <p:transition/>
     </mc:Choice>
-    <mc:Fallback xmlns:dsp="http://schemas.microsoft.com/office/drawing/2008/diagram" xmlns:dgm="http://schemas.openxmlformats.org/drawingml/2006/diagram" xmlns:c="http://schemas.openxmlformats.org/drawingml/2006/chart" xmlns="">
+    <mc:Fallback xmlns="" xmlns:c="http://schemas.openxmlformats.org/drawingml/2006/chart" xmlns:dgm="http://schemas.openxmlformats.org/drawingml/2006/diagram" xmlns:dsp="http://schemas.microsoft.com/office/drawing/2008/diagram">
       <p:transition/>
     </mc:Fallback>
   </mc:AlternateContent>
@@ -10852,7 +10849,7 @@
     <mc:Choice Requires="p14">
       <p:transition/>
     </mc:Choice>
-    <mc:Fallback xmlns:dsp="http://schemas.microsoft.com/office/drawing/2008/diagram" xmlns:dgm="http://schemas.openxmlformats.org/drawingml/2006/diagram" xmlns:c="http://schemas.openxmlformats.org/drawingml/2006/chart" xmlns="">
+    <mc:Fallback xmlns="" xmlns:c="http://schemas.openxmlformats.org/drawingml/2006/chart" xmlns:dgm="http://schemas.openxmlformats.org/drawingml/2006/diagram" xmlns:dsp="http://schemas.microsoft.com/office/drawing/2008/diagram">
       <p:transition/>
     </mc:Fallback>
   </mc:AlternateContent>
@@ -10962,7 +10959,7 @@
     <mc:Choice Requires="p14">
       <p:transition/>
     </mc:Choice>
-    <mc:Fallback xmlns:dsp="http://schemas.microsoft.com/office/drawing/2008/diagram" xmlns:dgm="http://schemas.openxmlformats.org/drawingml/2006/diagram" xmlns:c="http://schemas.openxmlformats.org/drawingml/2006/chart" xmlns="">
+    <mc:Fallback xmlns="" xmlns:c="http://schemas.openxmlformats.org/drawingml/2006/chart" xmlns:dgm="http://schemas.openxmlformats.org/drawingml/2006/diagram" xmlns:dsp="http://schemas.microsoft.com/office/drawing/2008/diagram">
       <p:transition/>
     </mc:Fallback>
   </mc:AlternateContent>
@@ -11072,7 +11069,7 @@
     <mc:Choice Requires="p14">
       <p:transition/>
     </mc:Choice>
-    <mc:Fallback xmlns:dsp="http://schemas.microsoft.com/office/drawing/2008/diagram" xmlns:dgm="http://schemas.openxmlformats.org/drawingml/2006/diagram" xmlns:c="http://schemas.openxmlformats.org/drawingml/2006/chart" xmlns="">
+    <mc:Fallback xmlns="" xmlns:c="http://schemas.openxmlformats.org/drawingml/2006/chart" xmlns:dgm="http://schemas.openxmlformats.org/drawingml/2006/diagram" xmlns:dsp="http://schemas.microsoft.com/office/drawing/2008/diagram">
       <p:transition/>
     </mc:Fallback>
   </mc:AlternateContent>
@@ -11199,7 +11196,7 @@
     <mc:Choice Requires="p14">
       <p:transition/>
     </mc:Choice>
-    <mc:Fallback xmlns:dsp="http://schemas.microsoft.com/office/drawing/2008/diagram" xmlns:dgm="http://schemas.openxmlformats.org/drawingml/2006/diagram" xmlns:c="http://schemas.openxmlformats.org/drawingml/2006/chart" xmlns="">
+    <mc:Fallback xmlns="" xmlns:c="http://schemas.openxmlformats.org/drawingml/2006/chart" xmlns:dgm="http://schemas.openxmlformats.org/drawingml/2006/diagram" xmlns:dsp="http://schemas.microsoft.com/office/drawing/2008/diagram">
       <p:transition/>
     </mc:Fallback>
   </mc:AlternateContent>
@@ -11331,7 +11328,7 @@
     <mc:Choice Requires="p14">
       <p:transition/>
     </mc:Choice>
-    <mc:Fallback xmlns:dsp="http://schemas.microsoft.com/office/drawing/2008/diagram" xmlns:dgm="http://schemas.openxmlformats.org/drawingml/2006/diagram" xmlns:c="http://schemas.openxmlformats.org/drawingml/2006/chart" xmlns="">
+    <mc:Fallback xmlns="" xmlns:c="http://schemas.openxmlformats.org/drawingml/2006/chart" xmlns:dgm="http://schemas.openxmlformats.org/drawingml/2006/diagram" xmlns:dsp="http://schemas.microsoft.com/office/drawing/2008/diagram">
       <p:transition/>
     </mc:Fallback>
   </mc:AlternateContent>
@@ -11546,7 +11543,7 @@
     <mc:Choice Requires="p14">
       <p:transition/>
     </mc:Choice>
-    <mc:Fallback xmlns:dsp="http://schemas.microsoft.com/office/drawing/2008/diagram" xmlns:dgm="http://schemas.openxmlformats.org/drawingml/2006/diagram" xmlns:c="http://schemas.openxmlformats.org/drawingml/2006/chart" xmlns="">
+    <mc:Fallback xmlns="" xmlns:c="http://schemas.openxmlformats.org/drawingml/2006/chart" xmlns:dgm="http://schemas.openxmlformats.org/drawingml/2006/diagram" xmlns:dsp="http://schemas.microsoft.com/office/drawing/2008/diagram">
       <p:transition/>
     </mc:Fallback>
   </mc:AlternateContent>
@@ -11646,7 +11643,7 @@
     <mc:Choice Requires="p14">
       <p:transition/>
     </mc:Choice>
-    <mc:Fallback xmlns:dsp="http://schemas.microsoft.com/office/drawing/2008/diagram" xmlns:dgm="http://schemas.openxmlformats.org/drawingml/2006/diagram" xmlns:c="http://schemas.openxmlformats.org/drawingml/2006/chart" xmlns="">
+    <mc:Fallback xmlns="" xmlns:c="http://schemas.openxmlformats.org/drawingml/2006/chart" xmlns:dgm="http://schemas.openxmlformats.org/drawingml/2006/diagram" xmlns:dsp="http://schemas.microsoft.com/office/drawing/2008/diagram">
       <p:transition/>
     </mc:Fallback>
   </mc:AlternateContent>
@@ -11764,7 +11761,7 @@
     <mc:Choice Requires="p14">
       <p:transition/>
     </mc:Choice>
-    <mc:Fallback xmlns:dsp="http://schemas.microsoft.com/office/drawing/2008/diagram" xmlns:dgm="http://schemas.openxmlformats.org/drawingml/2006/diagram" xmlns:c="http://schemas.openxmlformats.org/drawingml/2006/chart" xmlns="">
+    <mc:Fallback xmlns="" xmlns:c="http://schemas.openxmlformats.org/drawingml/2006/chart" xmlns:dgm="http://schemas.openxmlformats.org/drawingml/2006/diagram" xmlns:dsp="http://schemas.microsoft.com/office/drawing/2008/diagram">
       <p:transition/>
     </mc:Fallback>
   </mc:AlternateContent>
@@ -11982,7 +11979,7 @@
     <mc:Choice Requires="p14">
       <p:transition/>
     </mc:Choice>
-    <mc:Fallback xmlns:dsp="http://schemas.microsoft.com/office/drawing/2008/diagram" xmlns:dgm="http://schemas.openxmlformats.org/drawingml/2006/diagram" xmlns:c="http://schemas.openxmlformats.org/drawingml/2006/chart" xmlns="">
+    <mc:Fallback xmlns="" xmlns:c="http://schemas.openxmlformats.org/drawingml/2006/chart" xmlns:dgm="http://schemas.openxmlformats.org/drawingml/2006/diagram" xmlns:dsp="http://schemas.microsoft.com/office/drawing/2008/diagram">
       <p:transition/>
     </mc:Fallback>
   </mc:AlternateContent>
@@ -12100,7 +12097,7 @@
     <mc:Choice Requires="p14">
       <p:transition/>
     </mc:Choice>
-    <mc:Fallback xmlns:dsp="http://schemas.microsoft.com/office/drawing/2008/diagram" xmlns:dgm="http://schemas.openxmlformats.org/drawingml/2006/diagram" xmlns:c="http://schemas.openxmlformats.org/drawingml/2006/chart" xmlns="">
+    <mc:Fallback xmlns="" xmlns:c="http://schemas.openxmlformats.org/drawingml/2006/chart" xmlns:dgm="http://schemas.openxmlformats.org/drawingml/2006/diagram" xmlns:dsp="http://schemas.microsoft.com/office/drawing/2008/diagram">
       <p:transition/>
     </mc:Fallback>
   </mc:AlternateContent>
@@ -12218,7 +12215,7 @@
     <mc:Choice Requires="p14">
       <p:transition/>
     </mc:Choice>
-    <mc:Fallback xmlns:dsp="http://schemas.microsoft.com/office/drawing/2008/diagram" xmlns:dgm="http://schemas.openxmlformats.org/drawingml/2006/diagram" xmlns:c="http://schemas.openxmlformats.org/drawingml/2006/chart" xmlns="">
+    <mc:Fallback xmlns="" xmlns:c="http://schemas.openxmlformats.org/drawingml/2006/chart" xmlns:dgm="http://schemas.openxmlformats.org/drawingml/2006/diagram" xmlns:dsp="http://schemas.microsoft.com/office/drawing/2008/diagram">
       <p:transition/>
     </mc:Fallback>
   </mc:AlternateContent>
@@ -12336,7 +12333,7 @@
     <mc:Choice Requires="p14">
       <p:transition/>
     </mc:Choice>
-    <mc:Fallback xmlns:dsp="http://schemas.microsoft.com/office/drawing/2008/diagram" xmlns:dgm="http://schemas.openxmlformats.org/drawingml/2006/diagram" xmlns:c="http://schemas.openxmlformats.org/drawingml/2006/chart" xmlns="">
+    <mc:Fallback xmlns="" xmlns:c="http://schemas.openxmlformats.org/drawingml/2006/chart" xmlns:dgm="http://schemas.openxmlformats.org/drawingml/2006/diagram" xmlns:dsp="http://schemas.microsoft.com/office/drawing/2008/diagram">
       <p:transition/>
     </mc:Fallback>
   </mc:AlternateContent>
@@ -12384,7 +12381,7 @@
             </a:r>
             <a:r>
               <a:rPr lang="en-US" altLang="ko-KR"/>
-              <a:t>5</a:t>
+              <a:t>6</a:t>
             </a:r>
             <a:r>
               <a:rPr lang="ko-KR" altLang="en-US"/>
@@ -12396,7 +12393,7 @@
             </a:r>
             <a:r>
               <a:rPr lang="ko-KR" altLang="en-US"/>
-              <a:t> 그 외 배운 것들</a:t>
+              <a:t> 최종 주제</a:t>
             </a:r>
           </a:p>
         </p:txBody>
@@ -12420,8 +12417,8 @@
               <a:defRPr/>
             </a:pPr>
             <a:r>
-              <a:rPr lang="ko-KR" altLang="en-US" dirty="0"/>
-              <a:t>논문 작성법</a:t>
+              <a:rPr lang="ko-KR" altLang="en-US"/>
+              <a:t>교내 보행자 안전 시스템에 대한 간단한 설명</a:t>
             </a:r>
           </a:p>
         </p:txBody>
@@ -12429,7 +12426,7 @@
     </p:spTree>
     <p:extLst>
       <p:ext uri="{BB962C8B-B14F-4D97-AF65-F5344CB8AC3E}">
-        <p14:creationId xmlns:p14="http://schemas.microsoft.com/office/powerpoint/2010/main" val="4003314342"/>
+        <p14:creationId xmlns:p14="http://schemas.microsoft.com/office/powerpoint/2010/main" val="3766277748"/>
       </p:ext>
     </p:extLst>
   </p:cSld>
@@ -12440,7 +12437,7 @@
     <mc:Choice Requires="p14">
       <p:transition/>
     </mc:Choice>
-    <mc:Fallback xmlns:dsp="http://schemas.microsoft.com/office/drawing/2008/diagram" xmlns:dgm="http://schemas.openxmlformats.org/drawingml/2006/diagram" xmlns:c="http://schemas.openxmlformats.org/drawingml/2006/chart" xmlns="">
+    <mc:Fallback xmlns="" xmlns:c="http://schemas.openxmlformats.org/drawingml/2006/chart" xmlns:dgm="http://schemas.openxmlformats.org/drawingml/2006/diagram" xmlns:dsp="http://schemas.microsoft.com/office/drawing/2008/diagram">
       <p:transition/>
     </mc:Fallback>
   </mc:AlternateContent>
@@ -12452,13 +12449,7 @@
   <p:cSld>
     <p:spTree>
       <p:nvGrpSpPr>
-        <p:cNvPr id="1" name="">
-          <a:extLst>
-            <a:ext uri="{FF2B5EF4-FFF2-40B4-BE49-F238E27FC236}">
-              <a16:creationId xmlns:a16="http://schemas.microsoft.com/office/drawing/2014/main" id="{660B0620-86AD-DEF6-E876-A54C095F3710}"/>
-            </a:ext>
-          </a:extLst>
-        </p:cNvPr>
+        <p:cNvPr id="1" name=""/>
         <p:cNvGrpSpPr/>
         <p:nvPr/>
       </p:nvGrpSpPr>
@@ -12472,13 +12463,7 @@
       </p:grpSpPr>
       <p:sp>
         <p:nvSpPr>
-          <p:cNvPr id="2" name="Title 1">
-            <a:extLst>
-              <a:ext uri="{FF2B5EF4-FFF2-40B4-BE49-F238E27FC236}">
-                <a16:creationId xmlns:a16="http://schemas.microsoft.com/office/drawing/2014/main" id="{501D3175-959B-558D-7CF1-0B3E51EF9015}"/>
-              </a:ext>
-            </a:extLst>
-          </p:cNvPr>
+          <p:cNvPr id="2" name="Title 1"/>
           <p:cNvSpPr>
             <a:spLocks noGrp="1"/>
           </p:cNvSpPr>
@@ -12500,7 +12485,7 @@
             </a:r>
             <a:r>
               <a:rPr lang="en-US" altLang="ko-KR"/>
-              <a:t>5</a:t>
+              <a:t>6</a:t>
             </a:r>
             <a:r>
               <a:rPr lang="ko-KR" altLang="en-US"/>
@@ -12512,20 +12497,14 @@
             </a:r>
             <a:r>
               <a:rPr lang="ko-KR" altLang="en-US"/>
-              <a:t> 그 외 배운 것들</a:t>
-            </a:r>
-          </a:p>
-        </p:txBody>
-      </p:sp>
-      <p:sp>
-        <p:nvSpPr>
-          <p:cNvPr id="3" name="Content Placeholder 2">
-            <a:extLst>
-              <a:ext uri="{FF2B5EF4-FFF2-40B4-BE49-F238E27FC236}">
-                <a16:creationId xmlns:a16="http://schemas.microsoft.com/office/drawing/2014/main" id="{8133C11C-C3BB-A6B3-2364-25B42C22A8F4}"/>
-              </a:ext>
-            </a:extLst>
-          </p:cNvPr>
+              <a:t> 설계과정</a:t>
+            </a:r>
+          </a:p>
+        </p:txBody>
+      </p:sp>
+      <p:sp>
+        <p:nvSpPr>
+          <p:cNvPr id="3" name="Content Placeholder 2"/>
           <p:cNvSpPr>
             <a:spLocks noGrp="1"/>
           </p:cNvSpPr>
@@ -12542,16 +12521,8 @@
               <a:defRPr/>
             </a:pPr>
             <a:r>
-              <a:rPr lang="ko-KR" altLang="en-US" dirty="0"/>
-              <a:t>기능적 요구사항 </a:t>
-            </a:r>
-            <a:r>
-              <a:rPr lang="en-US" altLang="ko-KR" dirty="0"/>
-              <a:t>&amp;</a:t>
-            </a:r>
-            <a:r>
-              <a:rPr lang="ko-KR" altLang="en-US" dirty="0"/>
-              <a:t> 비기능적 요구사항</a:t>
+              <a:rPr lang="ko-KR" altLang="en-US"/>
+              <a:t>설계 단계에서 논의 된 내용을 간략히 설명</a:t>
             </a:r>
           </a:p>
         </p:txBody>
@@ -12559,7 +12530,7 @@
     </p:spTree>
     <p:extLst>
       <p:ext uri="{BB962C8B-B14F-4D97-AF65-F5344CB8AC3E}">
-        <p14:creationId xmlns:p14="http://schemas.microsoft.com/office/powerpoint/2010/main" val="492803598"/>
+        <p14:creationId xmlns:p14="http://schemas.microsoft.com/office/powerpoint/2010/main" val="3617708352"/>
       </p:ext>
     </p:extLst>
   </p:cSld>
@@ -12570,7 +12541,7 @@
     <mc:Choice Requires="p14">
       <p:transition/>
     </mc:Choice>
-    <mc:Fallback xmlns:dsp="http://schemas.microsoft.com/office/drawing/2008/diagram" xmlns:dgm="http://schemas.openxmlformats.org/drawingml/2006/diagram" xmlns:c="http://schemas.openxmlformats.org/drawingml/2006/chart" xmlns="">
+    <mc:Fallback xmlns="" xmlns:c="http://schemas.openxmlformats.org/drawingml/2006/chart" xmlns:dgm="http://schemas.openxmlformats.org/drawingml/2006/diagram" xmlns:dsp="http://schemas.microsoft.com/office/drawing/2008/diagram">
       <p:transition/>
     </mc:Fallback>
   </mc:AlternateContent>
@@ -12582,13 +12553,7 @@
   <p:cSld>
     <p:spTree>
       <p:nvGrpSpPr>
-        <p:cNvPr id="1" name="">
-          <a:extLst>
-            <a:ext uri="{FF2B5EF4-FFF2-40B4-BE49-F238E27FC236}">
-              <a16:creationId xmlns:a16="http://schemas.microsoft.com/office/drawing/2014/main" id="{D36BABD4-9732-5070-3259-70A40B68B151}"/>
-            </a:ext>
-          </a:extLst>
-        </p:cNvPr>
+        <p:cNvPr id="1" name=""/>
         <p:cNvGrpSpPr/>
         <p:nvPr/>
       </p:nvGrpSpPr>
@@ -12602,13 +12567,7 @@
       </p:grpSpPr>
       <p:sp>
         <p:nvSpPr>
-          <p:cNvPr id="2" name="Title 1">
-            <a:extLst>
-              <a:ext uri="{FF2B5EF4-FFF2-40B4-BE49-F238E27FC236}">
-                <a16:creationId xmlns:a16="http://schemas.microsoft.com/office/drawing/2014/main" id="{AF113E46-F2F4-8823-F073-97A16BD1508A}"/>
-              </a:ext>
-            </a:extLst>
-          </p:cNvPr>
+          <p:cNvPr id="2" name="Title 1"/>
           <p:cNvSpPr>
             <a:spLocks noGrp="1"/>
           </p:cNvSpPr>
@@ -12630,7 +12589,7 @@
             </a:r>
             <a:r>
               <a:rPr lang="en-US" altLang="ko-KR"/>
-              <a:t>5</a:t>
+              <a:t>6</a:t>
             </a:r>
             <a:r>
               <a:rPr lang="ko-KR" altLang="en-US"/>
@@ -12642,20 +12601,15 @@
             </a:r>
             <a:r>
               <a:rPr lang="ko-KR" altLang="en-US"/>
-              <a:t> 그 외 배운 것들</a:t>
-            </a:r>
-          </a:p>
-        </p:txBody>
-      </p:sp>
-      <p:sp>
-        <p:nvSpPr>
-          <p:cNvPr id="3" name="Content Placeholder 2">
-            <a:extLst>
-              <a:ext uri="{FF2B5EF4-FFF2-40B4-BE49-F238E27FC236}">
-                <a16:creationId xmlns:a16="http://schemas.microsoft.com/office/drawing/2014/main" id="{0F7C87AB-56F9-ED0E-F260-E36F25A1A479}"/>
-              </a:ext>
-            </a:extLst>
-          </p:cNvPr>
+              <a:t> 설계과정</a:t>
+            </a:r>
+            <a:endParaRPr lang="en-US" altLang="ko-KR"/>
+          </a:p>
+        </p:txBody>
+      </p:sp>
+      <p:sp>
+        <p:nvSpPr>
+          <p:cNvPr id="3" name="Content Placeholder 2"/>
           <p:cNvSpPr>
             <a:spLocks noGrp="1"/>
           </p:cNvSpPr>
@@ -12672,8 +12626,8 @@
               <a:defRPr/>
             </a:pPr>
             <a:r>
-              <a:rPr lang="ko-KR" altLang="en-US" dirty="0"/>
-              <a:t>형상관리</a:t>
+              <a:rPr lang="ko-KR" altLang="en-US"/>
+              <a:t>최종적으로 설계된 구체적인 내용 설명</a:t>
             </a:r>
           </a:p>
         </p:txBody>
@@ -12681,7 +12635,7 @@
     </p:spTree>
     <p:extLst>
       <p:ext uri="{BB962C8B-B14F-4D97-AF65-F5344CB8AC3E}">
-        <p14:creationId xmlns:p14="http://schemas.microsoft.com/office/powerpoint/2010/main" val="2878361397"/>
+        <p14:creationId xmlns:p14="http://schemas.microsoft.com/office/powerpoint/2010/main" val="3477890555"/>
       </p:ext>
     </p:extLst>
   </p:cSld>
@@ -12692,7 +12646,7 @@
     <mc:Choice Requires="p14">
       <p:transition/>
     </mc:Choice>
-    <mc:Fallback xmlns:dsp="http://schemas.microsoft.com/office/drawing/2008/diagram" xmlns:dgm="http://schemas.openxmlformats.org/drawingml/2006/diagram" xmlns:c="http://schemas.openxmlformats.org/drawingml/2006/chart" xmlns="">
+    <mc:Fallback xmlns="" xmlns:c="http://schemas.openxmlformats.org/drawingml/2006/chart" xmlns:dgm="http://schemas.openxmlformats.org/drawingml/2006/diagram" xmlns:dsp="http://schemas.microsoft.com/office/drawing/2008/diagram">
       <p:transition/>
     </mc:Fallback>
   </mc:AlternateContent>
@@ -12752,8 +12706,9 @@
             </a:r>
             <a:r>
               <a:rPr lang="ko-KR" altLang="en-US"/>
-              <a:t> 최종 주제</a:t>
-            </a:r>
+              <a:t> 설계과정</a:t>
+            </a:r>
+            <a:endParaRPr lang="en-US" altLang="ko-KR"/>
           </a:p>
         </p:txBody>
       </p:sp>
@@ -12777,7 +12732,7 @@
             </a:pPr>
             <a:r>
               <a:rPr lang="ko-KR" altLang="en-US"/>
-              <a:t>교내 보행자 안전 시스템에 대한 간단한 설명</a:t>
+              <a:t>최종적으로 설계된 구체적인 내용 설명</a:t>
             </a:r>
           </a:p>
         </p:txBody>
@@ -12785,7 +12740,7 @@
     </p:spTree>
     <p:extLst>
       <p:ext uri="{BB962C8B-B14F-4D97-AF65-F5344CB8AC3E}">
-        <p14:creationId xmlns:p14="http://schemas.microsoft.com/office/powerpoint/2010/main" val="3766277748"/>
+        <p14:creationId xmlns:p14="http://schemas.microsoft.com/office/powerpoint/2010/main" val="3528041393"/>
       </p:ext>
     </p:extLst>
   </p:cSld>
@@ -12796,7 +12751,7 @@
     <mc:Choice Requires="p14">
       <p:transition/>
     </mc:Choice>
-    <mc:Fallback xmlns:dsp="http://schemas.microsoft.com/office/drawing/2008/diagram" xmlns:dgm="http://schemas.openxmlformats.org/drawingml/2006/diagram" xmlns:c="http://schemas.openxmlformats.org/drawingml/2006/chart" xmlns="">
+    <mc:Fallback xmlns="" xmlns:c="http://schemas.openxmlformats.org/drawingml/2006/chart" xmlns:dgm="http://schemas.openxmlformats.org/drawingml/2006/diagram" xmlns:dsp="http://schemas.microsoft.com/office/drawing/2008/diagram">
       <p:transition/>
     </mc:Fallback>
   </mc:AlternateContent>
@@ -12858,6 +12813,7 @@
               <a:rPr lang="ko-KR" altLang="en-US"/>
               <a:t> 설계과정</a:t>
             </a:r>
+            <a:endParaRPr lang="en-US" altLang="ko-KR"/>
           </a:p>
         </p:txBody>
       </p:sp>
@@ -12881,7 +12837,7 @@
             </a:pPr>
             <a:r>
               <a:rPr lang="ko-KR" altLang="en-US"/>
-              <a:t>설계 단계에서 논의 된 내용을 간략히 설명</a:t>
+              <a:t>최종적으로 설계된 구체적인 내용 설명</a:t>
             </a:r>
           </a:p>
         </p:txBody>
@@ -12889,7 +12845,7 @@
     </p:spTree>
     <p:extLst>
       <p:ext uri="{BB962C8B-B14F-4D97-AF65-F5344CB8AC3E}">
-        <p14:creationId xmlns:p14="http://schemas.microsoft.com/office/powerpoint/2010/main" val="3617708352"/>
+        <p14:creationId xmlns:p14="http://schemas.microsoft.com/office/powerpoint/2010/main" val="351644191"/>
       </p:ext>
     </p:extLst>
   </p:cSld>
@@ -12900,7 +12856,7 @@
     <mc:Choice Requires="p14">
       <p:transition/>
     </mc:Choice>
-    <mc:Fallback xmlns:dsp="http://schemas.microsoft.com/office/drawing/2008/diagram" xmlns:dgm="http://schemas.openxmlformats.org/drawingml/2006/diagram" xmlns:c="http://schemas.openxmlformats.org/drawingml/2006/chart" xmlns="">
+    <mc:Fallback xmlns="" xmlns:c="http://schemas.openxmlformats.org/drawingml/2006/chart" xmlns:dgm="http://schemas.openxmlformats.org/drawingml/2006/diagram" xmlns:dsp="http://schemas.microsoft.com/office/drawing/2008/diagram">
       <p:transition/>
     </mc:Fallback>
   </mc:AlternateContent>
@@ -12960,9 +12916,8 @@
             </a:r>
             <a:r>
               <a:rPr lang="ko-KR" altLang="en-US"/>
-              <a:t> 설계과정</a:t>
-            </a:r>
-            <a:endParaRPr lang="en-US" altLang="ko-KR"/>
+              <a:t> 개발과정</a:t>
+            </a:r>
           </a:p>
         </p:txBody>
       </p:sp>
@@ -12986,7 +12941,7 @@
             </a:pPr>
             <a:r>
               <a:rPr lang="ko-KR" altLang="en-US"/>
-              <a:t>최종적으로 설계된 구체적인 내용 설명</a:t>
+              <a:t>업무분담</a:t>
             </a:r>
           </a:p>
         </p:txBody>
@@ -12994,7 +12949,7 @@
     </p:spTree>
     <p:extLst>
       <p:ext uri="{BB962C8B-B14F-4D97-AF65-F5344CB8AC3E}">
-        <p14:creationId xmlns:p14="http://schemas.microsoft.com/office/powerpoint/2010/main" val="3477890555"/>
+        <p14:creationId xmlns:p14="http://schemas.microsoft.com/office/powerpoint/2010/main" val="772644700"/>
       </p:ext>
     </p:extLst>
   </p:cSld>
@@ -13005,7 +12960,7 @@
     <mc:Choice Requires="p14">
       <p:transition/>
     </mc:Choice>
-    <mc:Fallback xmlns:dsp="http://schemas.microsoft.com/office/drawing/2008/diagram" xmlns:dgm="http://schemas.openxmlformats.org/drawingml/2006/diagram" xmlns:c="http://schemas.openxmlformats.org/drawingml/2006/chart" xmlns="">
+    <mc:Fallback xmlns="" xmlns:c="http://schemas.openxmlformats.org/drawingml/2006/chart" xmlns:dgm="http://schemas.openxmlformats.org/drawingml/2006/diagram" xmlns:dsp="http://schemas.microsoft.com/office/drawing/2008/diagram">
       <p:transition/>
     </mc:Fallback>
   </mc:AlternateContent>
@@ -13055,19 +13010,6 @@
               <a:rPr lang="en-US" altLang="ko-KR"/>
               <a:t>6</a:t>
             </a:r>
-            <a:r>
-              <a:rPr lang="ko-KR" altLang="en-US"/>
-              <a:t> </a:t>
-            </a:r>
-            <a:r>
-              <a:rPr lang="en-US" altLang="ko-KR"/>
-              <a:t>-</a:t>
-            </a:r>
-            <a:r>
-              <a:rPr lang="ko-KR" altLang="en-US"/>
-              <a:t> 설계과정</a:t>
-            </a:r>
-            <a:endParaRPr lang="en-US" altLang="ko-KR"/>
           </a:p>
         </p:txBody>
       </p:sp>
@@ -13091,7 +13033,19 @@
             </a:pPr>
             <a:r>
               <a:rPr lang="ko-KR" altLang="en-US"/>
-              <a:t>최종적으로 설계된 구체적인 내용 설명</a:t>
+              <a:t>실제 개발 과정</a:t>
+            </a:r>
+            <a:r>
+              <a:rPr lang="en-US" altLang="ko-KR"/>
+              <a:t>(</a:t>
+            </a:r>
+            <a:r>
+              <a:rPr lang="ko-KR" altLang="en-US"/>
+              <a:t>형상관리 이미지 포함</a:t>
+            </a:r>
+            <a:r>
+              <a:rPr lang="en-US" altLang="ko-KR"/>
+              <a:t>)</a:t>
             </a:r>
           </a:p>
         </p:txBody>
@@ -13099,7 +13053,7 @@
     </p:spTree>
     <p:extLst>
       <p:ext uri="{BB962C8B-B14F-4D97-AF65-F5344CB8AC3E}">
-        <p14:creationId xmlns:p14="http://schemas.microsoft.com/office/powerpoint/2010/main" val="3528041393"/>
+        <p14:creationId xmlns:p14="http://schemas.microsoft.com/office/powerpoint/2010/main" val="3472285578"/>
       </p:ext>
     </p:extLst>
   </p:cSld>
@@ -13110,7 +13064,7 @@
     <mc:Choice Requires="p14">
       <p:transition/>
     </mc:Choice>
-    <mc:Fallback xmlns:dsp="http://schemas.microsoft.com/office/drawing/2008/diagram" xmlns:dgm="http://schemas.openxmlformats.org/drawingml/2006/diagram" xmlns:c="http://schemas.openxmlformats.org/drawingml/2006/chart" xmlns="">
+    <mc:Fallback xmlns="" xmlns:c="http://schemas.openxmlformats.org/drawingml/2006/chart" xmlns:dgm="http://schemas.openxmlformats.org/drawingml/2006/diagram" xmlns:dsp="http://schemas.microsoft.com/office/drawing/2008/diagram">
       <p:transition/>
     </mc:Fallback>
   </mc:AlternateContent>
@@ -13305,19 +13259,6 @@
               <a:rPr lang="en-US" altLang="ko-KR"/>
               <a:t>6</a:t>
             </a:r>
-            <a:r>
-              <a:rPr lang="ko-KR" altLang="en-US"/>
-              <a:t> </a:t>
-            </a:r>
-            <a:r>
-              <a:rPr lang="en-US" altLang="ko-KR"/>
-              <a:t>-</a:t>
-            </a:r>
-            <a:r>
-              <a:rPr lang="ko-KR" altLang="en-US"/>
-              <a:t> 설계과정</a:t>
-            </a:r>
-            <a:endParaRPr lang="en-US" altLang="ko-KR"/>
           </a:p>
         </p:txBody>
       </p:sp>
@@ -13341,7 +13282,19 @@
             </a:pPr>
             <a:r>
               <a:rPr lang="ko-KR" altLang="en-US"/>
-              <a:t>최종적으로 설계된 구체적인 내용 설명</a:t>
+              <a:t>실제 개발 과정</a:t>
+            </a:r>
+            <a:r>
+              <a:rPr lang="en-US" altLang="ko-KR"/>
+              <a:t>(</a:t>
+            </a:r>
+            <a:r>
+              <a:rPr lang="ko-KR" altLang="en-US"/>
+              <a:t>형상관리 이미지 포함</a:t>
+            </a:r>
+            <a:r>
+              <a:rPr lang="en-US" altLang="ko-KR"/>
+              <a:t>)</a:t>
             </a:r>
           </a:p>
         </p:txBody>
@@ -13349,7 +13302,7 @@
     </p:spTree>
     <p:extLst>
       <p:ext uri="{BB962C8B-B14F-4D97-AF65-F5344CB8AC3E}">
-        <p14:creationId xmlns:p14="http://schemas.microsoft.com/office/powerpoint/2010/main" val="351644191"/>
+        <p14:creationId xmlns:p14="http://schemas.microsoft.com/office/powerpoint/2010/main" val="1974054042"/>
       </p:ext>
     </p:extLst>
   </p:cSld>
@@ -13360,7 +13313,7 @@
     <mc:Choice Requires="p14">
       <p:transition/>
     </mc:Choice>
-    <mc:Fallback xmlns:dsp="http://schemas.microsoft.com/office/drawing/2008/diagram" xmlns:dgm="http://schemas.openxmlformats.org/drawingml/2006/diagram" xmlns:c="http://schemas.openxmlformats.org/drawingml/2006/chart" xmlns="">
+    <mc:Fallback xmlns="" xmlns:c="http://schemas.openxmlformats.org/drawingml/2006/chart" xmlns:dgm="http://schemas.openxmlformats.org/drawingml/2006/diagram" xmlns:dsp="http://schemas.microsoft.com/office/drawing/2008/diagram">
       <p:transition/>
     </mc:Fallback>
   </mc:AlternateContent>
@@ -13410,18 +13363,6 @@
               <a:rPr lang="en-US" altLang="ko-KR"/>
               <a:t>6</a:t>
             </a:r>
-            <a:r>
-              <a:rPr lang="ko-KR" altLang="en-US"/>
-              <a:t> </a:t>
-            </a:r>
-            <a:r>
-              <a:rPr lang="en-US" altLang="ko-KR"/>
-              <a:t>-</a:t>
-            </a:r>
-            <a:r>
-              <a:rPr lang="ko-KR" altLang="en-US"/>
-              <a:t> 개발과정</a:t>
-            </a:r>
           </a:p>
         </p:txBody>
       </p:sp>
@@ -13445,7 +13386,19 @@
             </a:pPr>
             <a:r>
               <a:rPr lang="ko-KR" altLang="en-US"/>
-              <a:t>업무분담</a:t>
+              <a:t>실제 개발 과정</a:t>
+            </a:r>
+            <a:r>
+              <a:rPr lang="en-US" altLang="ko-KR"/>
+              <a:t>(</a:t>
+            </a:r>
+            <a:r>
+              <a:rPr lang="ko-KR" altLang="en-US"/>
+              <a:t>형상관리 이미지 포함</a:t>
+            </a:r>
+            <a:r>
+              <a:rPr lang="en-US" altLang="ko-KR"/>
+              <a:t>)</a:t>
             </a:r>
           </a:p>
         </p:txBody>
@@ -13453,7 +13406,7 @@
     </p:spTree>
     <p:extLst>
       <p:ext uri="{BB962C8B-B14F-4D97-AF65-F5344CB8AC3E}">
-        <p14:creationId xmlns:p14="http://schemas.microsoft.com/office/powerpoint/2010/main" val="772644700"/>
+        <p14:creationId xmlns:p14="http://schemas.microsoft.com/office/powerpoint/2010/main" val="2702122447"/>
       </p:ext>
     </p:extLst>
   </p:cSld>
@@ -13464,7 +13417,7 @@
     <mc:Choice Requires="p14">
       <p:transition/>
     </mc:Choice>
-    <mc:Fallback xmlns:dsp="http://schemas.microsoft.com/office/drawing/2008/diagram" xmlns:dgm="http://schemas.openxmlformats.org/drawingml/2006/diagram" xmlns:c="http://schemas.openxmlformats.org/drawingml/2006/chart" xmlns="">
+    <mc:Fallback xmlns="" xmlns:c="http://schemas.openxmlformats.org/drawingml/2006/chart" xmlns:dgm="http://schemas.openxmlformats.org/drawingml/2006/diagram" xmlns:dsp="http://schemas.microsoft.com/office/drawing/2008/diagram">
       <p:transition/>
     </mc:Fallback>
   </mc:AlternateContent>
@@ -13557,7 +13510,7 @@
     </p:spTree>
     <p:extLst>
       <p:ext uri="{BB962C8B-B14F-4D97-AF65-F5344CB8AC3E}">
-        <p14:creationId xmlns:p14="http://schemas.microsoft.com/office/powerpoint/2010/main" val="3472285578"/>
+        <p14:creationId xmlns:p14="http://schemas.microsoft.com/office/powerpoint/2010/main" val="1937611099"/>
       </p:ext>
     </p:extLst>
   </p:cSld>
@@ -13568,7 +13521,7 @@
     <mc:Choice Requires="p14">
       <p:transition/>
     </mc:Choice>
-    <mc:Fallback xmlns:dsp="http://schemas.microsoft.com/office/drawing/2008/diagram" xmlns:dgm="http://schemas.openxmlformats.org/drawingml/2006/diagram" xmlns:c="http://schemas.openxmlformats.org/drawingml/2006/chart" xmlns="">
+    <mc:Fallback xmlns="" xmlns:c="http://schemas.openxmlformats.org/drawingml/2006/chart" xmlns:dgm="http://schemas.openxmlformats.org/drawingml/2006/diagram" xmlns:dsp="http://schemas.microsoft.com/office/drawing/2008/diagram">
       <p:transition/>
     </mc:Fallback>
   </mc:AlternateContent>
@@ -13618,6 +13571,22 @@
               <a:rPr lang="en-US" altLang="ko-KR"/>
               <a:t>6</a:t>
             </a:r>
+            <a:r>
+              <a:rPr lang="ko-KR" altLang="en-US"/>
+              <a:t> </a:t>
+            </a:r>
+            <a:r>
+              <a:rPr lang="en-US" altLang="ko-KR"/>
+              <a:t>-</a:t>
+            </a:r>
+            <a:r>
+              <a:rPr lang="ko-KR" altLang="en-US"/>
+              <a:t> </a:t>
+            </a:r>
+            <a:r>
+              <a:rPr lang="en-US" altLang="ko-KR"/>
+              <a:t>DEMO</a:t>
+            </a:r>
           </a:p>
         </p:txBody>
       </p:sp>
@@ -13639,29 +13608,14 @@
             <a:pPr>
               <a:defRPr/>
             </a:pPr>
-            <a:r>
-              <a:rPr lang="ko-KR" altLang="en-US"/>
-              <a:t>실제 개발 과정</a:t>
-            </a:r>
-            <a:r>
-              <a:rPr lang="en-US" altLang="ko-KR"/>
-              <a:t>(</a:t>
-            </a:r>
-            <a:r>
-              <a:rPr lang="ko-KR" altLang="en-US"/>
-              <a:t>형상관리 이미지 포함</a:t>
-            </a:r>
-            <a:r>
-              <a:rPr lang="en-US" altLang="ko-KR"/>
-              <a:t>)</a:t>
-            </a:r>
+            <a:endParaRPr lang="ko-KR" altLang="en-US"/>
           </a:p>
         </p:txBody>
       </p:sp>
     </p:spTree>
     <p:extLst>
       <p:ext uri="{BB962C8B-B14F-4D97-AF65-F5344CB8AC3E}">
-        <p14:creationId xmlns:p14="http://schemas.microsoft.com/office/powerpoint/2010/main" val="1974054042"/>
+        <p14:creationId xmlns:p14="http://schemas.microsoft.com/office/powerpoint/2010/main" val="4259749821"/>
       </p:ext>
     </p:extLst>
   </p:cSld>
@@ -13672,7 +13626,7 @@
     <mc:Choice Requires="p14">
       <p:transition/>
     </mc:Choice>
-    <mc:Fallback xmlns:dsp="http://schemas.microsoft.com/office/drawing/2008/diagram" xmlns:dgm="http://schemas.openxmlformats.org/drawingml/2006/diagram" xmlns:c="http://schemas.openxmlformats.org/drawingml/2006/chart" xmlns="">
+    <mc:Fallback xmlns="" xmlns:c="http://schemas.openxmlformats.org/drawingml/2006/chart" xmlns:dgm="http://schemas.openxmlformats.org/drawingml/2006/diagram" xmlns:dsp="http://schemas.microsoft.com/office/drawing/2008/diagram">
       <p:transition/>
     </mc:Fallback>
   </mc:AlternateContent>
@@ -13716,11 +13670,7 @@
             </a:pPr>
             <a:r>
               <a:rPr lang="ko-KR" altLang="en-US"/>
-              <a:t>과제 </a:t>
-            </a:r>
-            <a:r>
-              <a:rPr lang="en-US" altLang="ko-KR"/>
-              <a:t>6</a:t>
+              <a:t>마무리</a:t>
             </a:r>
           </a:p>
         </p:txBody>
@@ -13745,19 +13695,7 @@
             </a:pPr>
             <a:r>
               <a:rPr lang="ko-KR" altLang="en-US"/>
-              <a:t>실제 개발 과정</a:t>
-            </a:r>
-            <a:r>
-              <a:rPr lang="en-US" altLang="ko-KR"/>
-              <a:t>(</a:t>
-            </a:r>
-            <a:r>
-              <a:rPr lang="ko-KR" altLang="en-US"/>
-              <a:t>형상관리 이미지 포함</a:t>
-            </a:r>
-            <a:r>
-              <a:rPr lang="en-US" altLang="ko-KR"/>
-              <a:t>)</a:t>
+              <a:t>한 학기 마무리 감상</a:t>
             </a:r>
           </a:p>
         </p:txBody>
@@ -13765,7 +13703,7 @@
     </p:spTree>
     <p:extLst>
       <p:ext uri="{BB962C8B-B14F-4D97-AF65-F5344CB8AC3E}">
-        <p14:creationId xmlns:p14="http://schemas.microsoft.com/office/powerpoint/2010/main" val="2702122447"/>
+        <p14:creationId xmlns:p14="http://schemas.microsoft.com/office/powerpoint/2010/main" val="1606031116"/>
       </p:ext>
     </p:extLst>
   </p:cSld>
@@ -13776,7 +13714,7 @@
     <mc:Choice Requires="p14">
       <p:transition/>
     </mc:Choice>
-    <mc:Fallback xmlns:dsp="http://schemas.microsoft.com/office/drawing/2008/diagram" xmlns:dgm="http://schemas.openxmlformats.org/drawingml/2006/diagram" xmlns:c="http://schemas.openxmlformats.org/drawingml/2006/chart" xmlns="">
+    <mc:Fallback xmlns="" xmlns:c="http://schemas.openxmlformats.org/drawingml/2006/chart" xmlns:dgm="http://schemas.openxmlformats.org/drawingml/2006/diagram" xmlns:dsp="http://schemas.microsoft.com/office/drawing/2008/diagram">
       <p:transition/>
     </mc:Fallback>
   </mc:AlternateContent>
@@ -13818,303 +13756,6 @@
             <a:pPr>
               <a:defRPr/>
             </a:pPr>
-            <a:r>
-              <a:rPr lang="ko-KR" altLang="en-US"/>
-              <a:t>과제 </a:t>
-            </a:r>
-            <a:r>
-              <a:rPr lang="en-US" altLang="ko-KR"/>
-              <a:t>6</a:t>
-            </a:r>
-          </a:p>
-        </p:txBody>
-      </p:sp>
-      <p:sp>
-        <p:nvSpPr>
-          <p:cNvPr id="3" name="Content Placeholder 2"/>
-          <p:cNvSpPr>
-            <a:spLocks noGrp="1"/>
-          </p:cNvSpPr>
-          <p:nvPr>
-            <p:ph idx="1"/>
-          </p:nvPr>
-        </p:nvSpPr>
-        <p:spPr/>
-        <p:txBody>
-          <a:bodyPr/>
-          <a:lstStyle/>
-          <a:p>
-            <a:pPr>
-              <a:defRPr/>
-            </a:pPr>
-            <a:r>
-              <a:rPr lang="ko-KR" altLang="en-US"/>
-              <a:t>실제 개발 과정</a:t>
-            </a:r>
-            <a:r>
-              <a:rPr lang="en-US" altLang="ko-KR"/>
-              <a:t>(</a:t>
-            </a:r>
-            <a:r>
-              <a:rPr lang="ko-KR" altLang="en-US"/>
-              <a:t>형상관리 이미지 포함</a:t>
-            </a:r>
-            <a:r>
-              <a:rPr lang="en-US" altLang="ko-KR"/>
-              <a:t>)</a:t>
-            </a:r>
-          </a:p>
-        </p:txBody>
-      </p:sp>
-    </p:spTree>
-    <p:extLst>
-      <p:ext uri="{BB962C8B-B14F-4D97-AF65-F5344CB8AC3E}">
-        <p14:creationId xmlns:p14="http://schemas.microsoft.com/office/powerpoint/2010/main" val="1937611099"/>
-      </p:ext>
-    </p:extLst>
-  </p:cSld>
-  <p:clrMapOvr>
-    <a:masterClrMapping/>
-  </p:clrMapOvr>
-  <mc:AlternateContent xmlns:mc="http://schemas.openxmlformats.org/markup-compatibility/2006" xmlns:p14="http://schemas.microsoft.com/office/powerpoint/2010/main">
-    <mc:Choice Requires="p14">
-      <p:transition/>
-    </mc:Choice>
-    <mc:Fallback xmlns:dsp="http://schemas.microsoft.com/office/drawing/2008/diagram" xmlns:dgm="http://schemas.openxmlformats.org/drawingml/2006/diagram" xmlns:c="http://schemas.openxmlformats.org/drawingml/2006/chart" xmlns="">
-      <p:transition/>
-    </mc:Fallback>
-  </mc:AlternateContent>
-</p:sld>
-</file>
-
-<file path=ppt/slides/slide56.xml><?xml version="1.0" encoding="utf-8"?>
-<p:sld xmlns:a="http://schemas.openxmlformats.org/drawingml/2006/main" xmlns:r="http://schemas.openxmlformats.org/officeDocument/2006/relationships" xmlns:p="http://schemas.openxmlformats.org/presentationml/2006/main">
-  <p:cSld>
-    <p:spTree>
-      <p:nvGrpSpPr>
-        <p:cNvPr id="1" name=""/>
-        <p:cNvGrpSpPr/>
-        <p:nvPr/>
-      </p:nvGrpSpPr>
-      <p:grpSpPr>
-        <a:xfrm>
-          <a:off x="0" y="0"/>
-          <a:ext cx="0" cy="0"/>
-          <a:chOff x="0" y="0"/>
-          <a:chExt cx="0" cy="0"/>
-        </a:xfrm>
-      </p:grpSpPr>
-      <p:sp>
-        <p:nvSpPr>
-          <p:cNvPr id="2" name="Title 1"/>
-          <p:cNvSpPr>
-            <a:spLocks noGrp="1"/>
-          </p:cNvSpPr>
-          <p:nvPr>
-            <p:ph type="title"/>
-          </p:nvPr>
-        </p:nvSpPr>
-        <p:spPr/>
-        <p:txBody>
-          <a:bodyPr/>
-          <a:lstStyle/>
-          <a:p>
-            <a:pPr>
-              <a:defRPr/>
-            </a:pPr>
-            <a:r>
-              <a:rPr lang="ko-KR" altLang="en-US"/>
-              <a:t>과제 </a:t>
-            </a:r>
-            <a:r>
-              <a:rPr lang="en-US" altLang="ko-KR"/>
-              <a:t>6</a:t>
-            </a:r>
-            <a:r>
-              <a:rPr lang="ko-KR" altLang="en-US"/>
-              <a:t> </a:t>
-            </a:r>
-            <a:r>
-              <a:rPr lang="en-US" altLang="ko-KR"/>
-              <a:t>-</a:t>
-            </a:r>
-            <a:r>
-              <a:rPr lang="ko-KR" altLang="en-US"/>
-              <a:t> </a:t>
-            </a:r>
-            <a:r>
-              <a:rPr lang="en-US" altLang="ko-KR"/>
-              <a:t>DEMO</a:t>
-            </a:r>
-          </a:p>
-        </p:txBody>
-      </p:sp>
-      <p:sp>
-        <p:nvSpPr>
-          <p:cNvPr id="3" name="Content Placeholder 2"/>
-          <p:cNvSpPr>
-            <a:spLocks noGrp="1"/>
-          </p:cNvSpPr>
-          <p:nvPr>
-            <p:ph idx="1"/>
-          </p:nvPr>
-        </p:nvSpPr>
-        <p:spPr/>
-        <p:txBody>
-          <a:bodyPr/>
-          <a:lstStyle/>
-          <a:p>
-            <a:pPr>
-              <a:defRPr/>
-            </a:pPr>
-            <a:endParaRPr lang="ko-KR" altLang="en-US"/>
-          </a:p>
-        </p:txBody>
-      </p:sp>
-    </p:spTree>
-    <p:extLst>
-      <p:ext uri="{BB962C8B-B14F-4D97-AF65-F5344CB8AC3E}">
-        <p14:creationId xmlns:p14="http://schemas.microsoft.com/office/powerpoint/2010/main" val="4259749821"/>
-      </p:ext>
-    </p:extLst>
-  </p:cSld>
-  <p:clrMapOvr>
-    <a:masterClrMapping/>
-  </p:clrMapOvr>
-  <mc:AlternateContent xmlns:mc="http://schemas.openxmlformats.org/markup-compatibility/2006" xmlns:p14="http://schemas.microsoft.com/office/powerpoint/2010/main">
-    <mc:Choice Requires="p14">
-      <p:transition/>
-    </mc:Choice>
-    <mc:Fallback xmlns:dsp="http://schemas.microsoft.com/office/drawing/2008/diagram" xmlns:dgm="http://schemas.openxmlformats.org/drawingml/2006/diagram" xmlns:c="http://schemas.openxmlformats.org/drawingml/2006/chart" xmlns="">
-      <p:transition/>
-    </mc:Fallback>
-  </mc:AlternateContent>
-</p:sld>
-</file>
-
-<file path=ppt/slides/slide57.xml><?xml version="1.0" encoding="utf-8"?>
-<p:sld xmlns:a="http://schemas.openxmlformats.org/drawingml/2006/main" xmlns:r="http://schemas.openxmlformats.org/officeDocument/2006/relationships" xmlns:p="http://schemas.openxmlformats.org/presentationml/2006/main">
-  <p:cSld>
-    <p:spTree>
-      <p:nvGrpSpPr>
-        <p:cNvPr id="1" name=""/>
-        <p:cNvGrpSpPr/>
-        <p:nvPr/>
-      </p:nvGrpSpPr>
-      <p:grpSpPr>
-        <a:xfrm>
-          <a:off x="0" y="0"/>
-          <a:ext cx="0" cy="0"/>
-          <a:chOff x="0" y="0"/>
-          <a:chExt cx="0" cy="0"/>
-        </a:xfrm>
-      </p:grpSpPr>
-      <p:sp>
-        <p:nvSpPr>
-          <p:cNvPr id="2" name="Title 1"/>
-          <p:cNvSpPr>
-            <a:spLocks noGrp="1"/>
-          </p:cNvSpPr>
-          <p:nvPr>
-            <p:ph type="title"/>
-          </p:nvPr>
-        </p:nvSpPr>
-        <p:spPr/>
-        <p:txBody>
-          <a:bodyPr/>
-          <a:lstStyle/>
-          <a:p>
-            <a:pPr>
-              <a:defRPr/>
-            </a:pPr>
-            <a:r>
-              <a:rPr lang="ko-KR" altLang="en-US"/>
-              <a:t>마무리</a:t>
-            </a:r>
-          </a:p>
-        </p:txBody>
-      </p:sp>
-      <p:sp>
-        <p:nvSpPr>
-          <p:cNvPr id="3" name="Content Placeholder 2"/>
-          <p:cNvSpPr>
-            <a:spLocks noGrp="1"/>
-          </p:cNvSpPr>
-          <p:nvPr>
-            <p:ph idx="1"/>
-          </p:nvPr>
-        </p:nvSpPr>
-        <p:spPr/>
-        <p:txBody>
-          <a:bodyPr/>
-          <a:lstStyle/>
-          <a:p>
-            <a:pPr>
-              <a:defRPr/>
-            </a:pPr>
-            <a:r>
-              <a:rPr lang="ko-KR" altLang="en-US"/>
-              <a:t>한 학기 마무리 감상</a:t>
-            </a:r>
-          </a:p>
-        </p:txBody>
-      </p:sp>
-    </p:spTree>
-    <p:extLst>
-      <p:ext uri="{BB962C8B-B14F-4D97-AF65-F5344CB8AC3E}">
-        <p14:creationId xmlns:p14="http://schemas.microsoft.com/office/powerpoint/2010/main" val="1606031116"/>
-      </p:ext>
-    </p:extLst>
-  </p:cSld>
-  <p:clrMapOvr>
-    <a:masterClrMapping/>
-  </p:clrMapOvr>
-  <mc:AlternateContent xmlns:mc="http://schemas.openxmlformats.org/markup-compatibility/2006" xmlns:p14="http://schemas.microsoft.com/office/powerpoint/2010/main">
-    <mc:Choice Requires="p14">
-      <p:transition/>
-    </mc:Choice>
-    <mc:Fallback xmlns:dsp="http://schemas.microsoft.com/office/drawing/2008/diagram" xmlns:dgm="http://schemas.openxmlformats.org/drawingml/2006/diagram" xmlns:c="http://schemas.openxmlformats.org/drawingml/2006/chart" xmlns="">
-      <p:transition/>
-    </mc:Fallback>
-  </mc:AlternateContent>
-</p:sld>
-</file>
-
-<file path=ppt/slides/slide58.xml><?xml version="1.0" encoding="utf-8"?>
-<p:sld xmlns:a="http://schemas.openxmlformats.org/drawingml/2006/main" xmlns:r="http://schemas.openxmlformats.org/officeDocument/2006/relationships" xmlns:p="http://schemas.openxmlformats.org/presentationml/2006/main">
-  <p:cSld>
-    <p:spTree>
-      <p:nvGrpSpPr>
-        <p:cNvPr id="1" name=""/>
-        <p:cNvGrpSpPr/>
-        <p:nvPr/>
-      </p:nvGrpSpPr>
-      <p:grpSpPr>
-        <a:xfrm>
-          <a:off x="0" y="0"/>
-          <a:ext cx="0" cy="0"/>
-          <a:chOff x="0" y="0"/>
-          <a:chExt cx="0" cy="0"/>
-        </a:xfrm>
-      </p:grpSpPr>
-      <p:sp>
-        <p:nvSpPr>
-          <p:cNvPr id="2" name="Title 1"/>
-          <p:cNvSpPr>
-            <a:spLocks noGrp="1"/>
-          </p:cNvSpPr>
-          <p:nvPr>
-            <p:ph type="title"/>
-          </p:nvPr>
-        </p:nvSpPr>
-        <p:spPr/>
-        <p:txBody>
-          <a:bodyPr/>
-          <a:lstStyle/>
-          <a:p>
-            <a:pPr>
-              <a:defRPr/>
-            </a:pPr>
             <a:endParaRPr lang="ko-KR" altLang="en-US"/>
           </a:p>
         </p:txBody>
@@ -14158,7 +13799,7 @@
     <mc:Choice Requires="p14">
       <p:transition/>
     </mc:Choice>
-    <mc:Fallback xmlns:dsp="http://schemas.microsoft.com/office/drawing/2008/diagram" xmlns:dgm="http://schemas.openxmlformats.org/drawingml/2006/diagram" xmlns:c="http://schemas.openxmlformats.org/drawingml/2006/chart" xmlns="">
+    <mc:Fallback xmlns="" xmlns:c="http://schemas.openxmlformats.org/drawingml/2006/chart" xmlns:dgm="http://schemas.openxmlformats.org/drawingml/2006/diagram" xmlns:dsp="http://schemas.microsoft.com/office/drawing/2008/diagram">
       <p:transition/>
     </mc:Fallback>
   </mc:AlternateContent>

--- a/ppt/소프트웨어 응용설계 발표자료.pptx
+++ b/ppt/소프트웨어 응용설계 발표자료.pptx
@@ -1,68 +1,68 @@
 
 <file path=ppt/presentation.xml><?xml version="1.0" encoding="utf-8"?>
-<p:presentation xmlns:a="http://schemas.openxmlformats.org/drawingml/2006/main" xmlns:r="http://schemas.openxmlformats.org/officeDocument/2006/relationships" xmlns:p="http://schemas.openxmlformats.org/presentationml/2006/main">
+<p:presentation xmlns:r="http://schemas.openxmlformats.org/officeDocument/2006/relationships" xmlns:c="http://schemas.openxmlformats.org/drawingml/2006/chart" xmlns:a="http://schemas.openxmlformats.org/drawingml/2006/main" xmlns:dgm="http://schemas.openxmlformats.org/drawingml/2006/diagram" xmlns:dsp="http://schemas.microsoft.com/office/drawing/2008/diagram" xmlns:p="http://schemas.openxmlformats.org/presentationml/2006/main">
   <p:sldMasterIdLst>
     <p:sldMasterId id="2147483648" r:id="rId1"/>
   </p:sldMasterIdLst>
   <p:notesMasterIdLst>
-    <p:notesMasterId r:id="rId57"/>
+    <p:notesMasterId r:id="rId2"/>
   </p:notesMasterIdLst>
   <p:sldIdLst>
-    <p:sldId id="256" r:id="rId2"/>
-    <p:sldId id="257" r:id="rId3"/>
-    <p:sldId id="258" r:id="rId4"/>
-    <p:sldId id="259" r:id="rId5"/>
-    <p:sldId id="283" r:id="rId6"/>
-    <p:sldId id="285" r:id="rId7"/>
-    <p:sldId id="286" r:id="rId8"/>
-    <p:sldId id="287" r:id="rId9"/>
-    <p:sldId id="288" r:id="rId10"/>
-    <p:sldId id="289" r:id="rId11"/>
-    <p:sldId id="261" r:id="rId12"/>
-    <p:sldId id="260" r:id="rId13"/>
-    <p:sldId id="290" r:id="rId14"/>
-    <p:sldId id="291" r:id="rId15"/>
-    <p:sldId id="262" r:id="rId16"/>
-    <p:sldId id="295" r:id="rId17"/>
-    <p:sldId id="263" r:id="rId18"/>
-    <p:sldId id="292" r:id="rId19"/>
-    <p:sldId id="293" r:id="rId20"/>
-    <p:sldId id="294" r:id="rId21"/>
-    <p:sldId id="264" r:id="rId22"/>
-    <p:sldId id="265" r:id="rId23"/>
-    <p:sldId id="296" r:id="rId24"/>
-    <p:sldId id="297" r:id="rId25"/>
-    <p:sldId id="298" r:id="rId26"/>
-    <p:sldId id="299" r:id="rId27"/>
-    <p:sldId id="300" r:id="rId28"/>
-    <p:sldId id="301" r:id="rId29"/>
-    <p:sldId id="302" r:id="rId30"/>
-    <p:sldId id="305" r:id="rId31"/>
-    <p:sldId id="303" r:id="rId32"/>
-    <p:sldId id="304" r:id="rId33"/>
-    <p:sldId id="306" r:id="rId34"/>
-    <p:sldId id="307" r:id="rId35"/>
-    <p:sldId id="308" r:id="rId36"/>
-    <p:sldId id="266" r:id="rId37"/>
-    <p:sldId id="309" r:id="rId38"/>
-    <p:sldId id="267" r:id="rId39"/>
-    <p:sldId id="310" r:id="rId40"/>
-    <p:sldId id="311" r:id="rId41"/>
-    <p:sldId id="312" r:id="rId42"/>
-    <p:sldId id="313" r:id="rId43"/>
-    <p:sldId id="268" r:id="rId44"/>
-    <p:sldId id="269" r:id="rId45"/>
-    <p:sldId id="270" r:id="rId46"/>
-    <p:sldId id="276" r:id="rId47"/>
-    <p:sldId id="277" r:id="rId48"/>
-    <p:sldId id="271" r:id="rId49"/>
-    <p:sldId id="272" r:id="rId50"/>
-    <p:sldId id="278" r:id="rId51"/>
-    <p:sldId id="279" r:id="rId52"/>
-    <p:sldId id="280" r:id="rId53"/>
-    <p:sldId id="273" r:id="rId54"/>
-    <p:sldId id="275" r:id="rId55"/>
-    <p:sldId id="281" r:id="rId56"/>
+    <p:sldId id="256" r:id="rId3"/>
+    <p:sldId id="257" r:id="rId4"/>
+    <p:sldId id="258" r:id="rId5"/>
+    <p:sldId id="259" r:id="rId6"/>
+    <p:sldId id="283" r:id="rId7"/>
+    <p:sldId id="285" r:id="rId8"/>
+    <p:sldId id="286" r:id="rId9"/>
+    <p:sldId id="287" r:id="rId10"/>
+    <p:sldId id="288" r:id="rId11"/>
+    <p:sldId id="289" r:id="rId12"/>
+    <p:sldId id="261" r:id="rId13"/>
+    <p:sldId id="260" r:id="rId14"/>
+    <p:sldId id="290" r:id="rId15"/>
+    <p:sldId id="291" r:id="rId16"/>
+    <p:sldId id="262" r:id="rId17"/>
+    <p:sldId id="295" r:id="rId18"/>
+    <p:sldId id="263" r:id="rId19"/>
+    <p:sldId id="292" r:id="rId20"/>
+    <p:sldId id="293" r:id="rId21"/>
+    <p:sldId id="294" r:id="rId22"/>
+    <p:sldId id="264" r:id="rId23"/>
+    <p:sldId id="265" r:id="rId24"/>
+    <p:sldId id="296" r:id="rId25"/>
+    <p:sldId id="297" r:id="rId26"/>
+    <p:sldId id="298" r:id="rId27"/>
+    <p:sldId id="299" r:id="rId28"/>
+    <p:sldId id="300" r:id="rId29"/>
+    <p:sldId id="301" r:id="rId30"/>
+    <p:sldId id="302" r:id="rId31"/>
+    <p:sldId id="305" r:id="rId32"/>
+    <p:sldId id="303" r:id="rId33"/>
+    <p:sldId id="304" r:id="rId34"/>
+    <p:sldId id="306" r:id="rId35"/>
+    <p:sldId id="307" r:id="rId36"/>
+    <p:sldId id="308" r:id="rId37"/>
+    <p:sldId id="266" r:id="rId38"/>
+    <p:sldId id="309" r:id="rId39"/>
+    <p:sldId id="267" r:id="rId40"/>
+    <p:sldId id="310" r:id="rId41"/>
+    <p:sldId id="311" r:id="rId42"/>
+    <p:sldId id="312" r:id="rId43"/>
+    <p:sldId id="313" r:id="rId44"/>
+    <p:sldId id="268" r:id="rId45"/>
+    <p:sldId id="269" r:id="rId46"/>
+    <p:sldId id="270" r:id="rId47"/>
+    <p:sldId id="276" r:id="rId48"/>
+    <p:sldId id="277" r:id="rId49"/>
+    <p:sldId id="271" r:id="rId50"/>
+    <p:sldId id="272" r:id="rId51"/>
+    <p:sldId id="278" r:id="rId52"/>
+    <p:sldId id="279" r:id="rId53"/>
+    <p:sldId id="280" r:id="rId54"/>
+    <p:sldId id="273" r:id="rId55"/>
+    <p:sldId id="275" r:id="rId56"/>
+    <p:sldId id="281" r:id="rId57"/>
   </p:sldIdLst>
   <p:sldSz cx="12192000" cy="6858000"/>
   <p:notesSz cx="6858000" cy="9144000"/>
@@ -161,16 +161,11 @@
       </a:defRPr>
     </a:lvl9pPr>
   </p:defaultTextStyle>
-  <p:extLst>
-    <p:ext uri="{EFAFB233-063F-42B5-8137-9DF3F51BA10A}">
-      <p15:sldGuideLst xmlns:p15="http://schemas.microsoft.com/office/powerpoint/2012/main"/>
-    </p:ext>
-  </p:extLst>
 </p:presentation>
 </file>
 
 <file path=ppt/notesMasters/notesMaster1.xml><?xml version="1.0" encoding="utf-8"?>
-<p:notesMaster xmlns:a="http://schemas.openxmlformats.org/drawingml/2006/main" xmlns:r="http://schemas.openxmlformats.org/officeDocument/2006/relationships" xmlns:p="http://schemas.openxmlformats.org/presentationml/2006/main">
+<p:notesMaster xmlns:r="http://schemas.openxmlformats.org/officeDocument/2006/relationships" xmlns:c="http://schemas.openxmlformats.org/drawingml/2006/chart" xmlns:a="http://schemas.openxmlformats.org/drawingml/2006/main" xmlns:dgm="http://schemas.openxmlformats.org/drawingml/2006/diagram" xmlns:dsp="http://schemas.microsoft.com/office/drawing/2008/diagram" xmlns:p="http://schemas.openxmlformats.org/presentationml/2006/main">
   <p:cSld>
     <p:bg>
       <p:bgRef idx="1001">
@@ -198,7 +193,7 @@
             <a:spLocks noGrp="1"/>
           </p:cNvSpPr>
           <p:nvPr>
-            <p:ph type="hdr" sz="quarter"/>
+            <p:ph type="hdr" sz="quarter" idx="0"/>
           </p:nvPr>
         </p:nvSpPr>
         <p:spPr>
@@ -218,6 +213,7 @@
             </a:lvl1pPr>
           </a:lstStyle>
           <a:p>
+            <a:pPr lvl="0"/>
             <a:endParaRPr lang="ko-KR" altLang="en-US"/>
           </a:p>
         </p:txBody>
@@ -249,7 +245,8 @@
             </a:lvl1pPr>
           </a:lstStyle>
           <a:p>
-            <a:fld id="{16668465-D334-4657-879C-DD8741229252}" type="datetimeFigureOut">
+            <a:pPr lvl="0"/>
+            <a:fld id="{16668465-D334-4657-879C-DD8741229252}" type="datetime1">
               <a:rPr lang="ko-KR" altLang="en-US" smtClean="0"/>
               <a:t>2025-11-21</a:t>
             </a:fld>
@@ -261,7 +258,7 @@
         <p:nvSpPr>
           <p:cNvPr id="4" name="Slide Image Placeholder 3"/>
           <p:cNvSpPr>
-            <a:spLocks noGrp="1" noRot="1" noChangeAspect="1"/>
+            <a:spLocks noGrp="1" noRot="1" noChangeAspect="1" noTextEdit="1"/>
           </p:cNvSpPr>
           <p:nvPr>
             <p:ph type="sldImg" idx="2"/>
@@ -286,6 +283,7 @@
           <a:bodyPr vert="horz" lIns="91440" tIns="45720" rIns="91440" bIns="45720" rtlCol="0" anchor="ctr"/>
           <a:lstStyle/>
           <a:p>
+            <a:pPr lvl="0"/>
             <a:endParaRPr lang="ko-KR" altLang="en-US"/>
           </a:p>
         </p:txBody>
@@ -310,38 +308,52 @@
           </a:prstGeom>
         </p:spPr>
         <p:txBody>
-          <a:bodyPr vert="horz" lIns="91440" tIns="45720" rIns="91440" bIns="45720" rtlCol="0"/>
+          <a:bodyPr vert="horz" lIns="91440" tIns="45720" rIns="91440" bIns="45720"/>
           <a:lstStyle/>
           <a:p>
-            <a:pPr lvl="0"/>
+            <a:pPr lvl="0">
+              <a:defRPr/>
+            </a:pPr>
             <a:r>
               <a:rPr lang="en-US" altLang="ko-KR"/>
               <a:t>Click to edit Master text styles</a:t>
             </a:r>
-          </a:p>
-          <a:p>
-            <a:pPr lvl="1"/>
+            <a:endParaRPr lang="en-US" altLang="ko-KR"/>
+          </a:p>
+          <a:p>
+            <a:pPr lvl="1">
+              <a:defRPr/>
+            </a:pPr>
             <a:r>
               <a:rPr lang="en-US" altLang="ko-KR"/>
               <a:t>Second level</a:t>
             </a:r>
-          </a:p>
-          <a:p>
-            <a:pPr lvl="2"/>
+            <a:endParaRPr lang="en-US" altLang="ko-KR"/>
+          </a:p>
+          <a:p>
+            <a:pPr lvl="2">
+              <a:defRPr/>
+            </a:pPr>
             <a:r>
               <a:rPr lang="en-US" altLang="ko-KR"/>
               <a:t>Third level</a:t>
             </a:r>
-          </a:p>
-          <a:p>
-            <a:pPr lvl="3"/>
+            <a:endParaRPr lang="en-US" altLang="ko-KR"/>
+          </a:p>
+          <a:p>
+            <a:pPr lvl="3">
+              <a:defRPr/>
+            </a:pPr>
             <a:r>
               <a:rPr lang="en-US" altLang="ko-KR"/>
               <a:t>Fourth level</a:t>
             </a:r>
-          </a:p>
-          <a:p>
-            <a:pPr lvl="4"/>
+            <a:endParaRPr lang="en-US" altLang="ko-KR"/>
+          </a:p>
+          <a:p>
+            <a:pPr lvl="4">
+              <a:defRPr/>
+            </a:pPr>
             <a:r>
               <a:rPr lang="en-US" altLang="ko-KR"/>
               <a:t>Fifth level</a:t>
@@ -377,6 +389,7 @@
             </a:lvl1pPr>
           </a:lstStyle>
           <a:p>
+            <a:pPr lvl="0"/>
             <a:endParaRPr lang="ko-KR" altLang="en-US"/>
           </a:p>
         </p:txBody>
@@ -408,6 +421,7 @@
             </a:lvl1pPr>
           </a:lstStyle>
           <a:p>
+            <a:pPr lvl="0"/>
             <a:fld id="{9A4BA605-15B5-4CAD-807D-CD3DB072E041}" type="slidenum">
               <a:rPr lang="ko-KR" altLang="en-US" smtClean="0"/>
               <a:t>‹#›</a:t>
@@ -424,6 +438,7 @@
     </p:extLst>
   </p:cSld>
   <p:clrMap bg1="lt1" tx1="dk1" bg2="lt2" tx2="dk2" accent1="accent1" accent2="accent2" accent3="accent3" accent4="accent4" accent5="accent5" accent6="accent6" hlink="hlink" folHlink="folHlink"/>
+  <p:hf hdr="0" ftr="0" dt="0"/>
   <p:notesStyle>
     <a:lvl1pPr marL="0" algn="l" defTabSz="914400" rtl="0" eaLnBrk="1" latinLnBrk="1" hangingPunct="1">
       <a:defRPr sz="1200" kern="1200">
@@ -3822,7 +3837,7 @@
 </file>
 
 <file path=ppt/slides/slide1.xml><?xml version="1.0" encoding="utf-8"?>
-<p:sld xmlns:a="http://schemas.openxmlformats.org/drawingml/2006/main" xmlns:r="http://schemas.openxmlformats.org/officeDocument/2006/relationships" xmlns:p="http://schemas.openxmlformats.org/presentationml/2006/main">
+<p:sld xmlns:r="http://schemas.openxmlformats.org/officeDocument/2006/relationships" xmlns:c="http://schemas.openxmlformats.org/drawingml/2006/chart" xmlns:a="http://schemas.openxmlformats.org/drawingml/2006/main" xmlns:dgm="http://schemas.openxmlformats.org/drawingml/2006/diagram" xmlns:dsp="http://schemas.microsoft.com/office/drawing/2008/diagram" xmlns:p="http://schemas.openxmlformats.org/presentationml/2006/main">
   <p:cSld>
     <p:spTree>
       <p:nvGrpSpPr>
@@ -3840,18 +3855,12 @@
       </p:grpSpPr>
       <p:sp>
         <p:nvSpPr>
-          <p:cNvPr id="2" name="Title 1">
-            <a:extLst>
-              <a:ext uri="{FF2B5EF4-FFF2-40B4-BE49-F238E27FC236}">
-                <a16:creationId xmlns:a16="http://schemas.microsoft.com/office/drawing/2014/main" id="{5F8A4769-67B9-5BCF-009A-10146AEFDE7C}"/>
-              </a:ext>
-            </a:extLst>
-          </p:cNvPr>
+          <p:cNvPr id="2" name="Title 1"/>
           <p:cNvSpPr>
             <a:spLocks noGrp="1"/>
           </p:cNvSpPr>
           <p:nvPr>
-            <p:ph type="ctrTitle"/>
+            <p:ph type="ctrTitle" idx="0"/>
           </p:nvPr>
         </p:nvSpPr>
         <p:spPr/>
@@ -3859,10 +3868,14 @@
           <a:bodyPr/>
           <a:lstStyle/>
           <a:p>
-            <a:r>
-              <a:rPr lang="ko-KR" altLang="en-US" dirty="0"/>
+            <a:pPr lvl="0">
+              <a:defRPr/>
+            </a:pPr>
+            <a:r>
+              <a:rPr lang="ko-KR" altLang="en-US" b="1"/>
               <a:t>소프트웨어 응용설계</a:t>
             </a:r>
+            <a:endParaRPr lang="ko-KR" altLang="en-US" b="1"/>
           </a:p>
         </p:txBody>
       </p:sp>
@@ -3945,6 +3958,14 @@
   <p:clrMapOvr>
     <a:masterClrMapping/>
   </p:clrMapOvr>
+  <mc:AlternateContent xmlns:mc="http://schemas.openxmlformats.org/markup-compatibility/2006">
+    <mc:Choice xmlns:p14="http://schemas.microsoft.com/office/powerpoint/2010/main" Requires="p14">
+      <p:transition xmlns:mc="http://schemas.openxmlformats.org/markup-compatibility/2006" xmlns:p14="http://schemas.microsoft.com/office/powerpoint/2010/main" mc:Ignorable="p14" p14:dur="500"/>
+    </mc:Choice>
+    <mc:Fallback>
+      <p:transition/>
+    </mc:Fallback>
+  </mc:AlternateContent>
 </p:sld>
 </file>
 
@@ -8533,7 +8554,7 @@
 </file>
 
 <file path=ppt/slides/slide2.xml><?xml version="1.0" encoding="utf-8"?>
-<p:sld xmlns:a="http://schemas.openxmlformats.org/drawingml/2006/main" xmlns:r="http://schemas.openxmlformats.org/officeDocument/2006/relationships" xmlns:p="http://schemas.openxmlformats.org/presentationml/2006/main">
+<p:sld xmlns:r="http://schemas.openxmlformats.org/officeDocument/2006/relationships" xmlns:c="http://schemas.openxmlformats.org/drawingml/2006/chart" xmlns:a="http://schemas.openxmlformats.org/drawingml/2006/main" xmlns:dgm="http://schemas.openxmlformats.org/drawingml/2006/diagram" xmlns:dsp="http://schemas.microsoft.com/office/drawing/2008/diagram" xmlns:p="http://schemas.openxmlformats.org/presentationml/2006/main">
   <p:cSld>
     <p:spTree>
       <p:nvGrpSpPr>
@@ -8556,7 +8577,7 @@
             <a:spLocks noGrp="1"/>
           </p:cNvSpPr>
           <p:nvPr>
-            <p:ph type="title"/>
+            <p:ph type="title" idx="0"/>
           </p:nvPr>
         </p:nvSpPr>
         <p:spPr/>
@@ -8568,9 +8589,10 @@
               <a:defRPr/>
             </a:pPr>
             <a:r>
-              <a:rPr lang="ko-KR" altLang="en-US"/>
+              <a:rPr lang="ko-KR" altLang="en-US" b="1"/>
               <a:t>목차</a:t>
             </a:r>
+            <a:endParaRPr lang="ko-KR" altLang="en-US" b="1"/>
           </a:p>
         </p:txBody>
       </p:sp>
@@ -8586,117 +8608,170 @@
         </p:nvSpPr>
         <p:spPr/>
         <p:txBody>
-          <a:bodyPr/>
+          <a:bodyPr>
+            <a:normAutofit fontScale="92500" lnSpcReduction="10000"/>
+          </a:bodyPr>
           <a:lstStyle/>
           <a:p>
             <a:pPr marL="399840" lvl="0" indent="-399840">
+              <a:lnSpc>
+                <a:spcPct val="130000"/>
+              </a:lnSpc>
               <a:buFont typeface="Wingdings"/>
               <a:buChar char="§"/>
               <a:defRPr/>
             </a:pPr>
             <a:r>
-              <a:rPr lang="ko-KR" altLang="en-US" dirty="0"/>
+              <a:rPr lang="ko-KR" altLang="en-US"/>
               <a:t>과제 </a:t>
             </a:r>
             <a:r>
-              <a:rPr lang="en-US" altLang="ko-KR" dirty="0"/>
-              <a:t>1 - Autonomic Computing Evaluation</a:t>
-            </a:r>
+              <a:rPr lang="en-US" altLang="ko-KR"/>
+              <a:t>1 - </a:t>
+            </a:r>
+            <a:r>
+              <a:rPr lang="en-US" altLang="ko-KR" b="1"/>
+              <a:t>Autonomic Computing Evaluation</a:t>
+            </a:r>
+            <a:endParaRPr lang="en-US" altLang="ko-KR"/>
           </a:p>
           <a:p>
             <a:pPr marL="399840" lvl="0" indent="-399840">
+              <a:lnSpc>
+                <a:spcPct val="130000"/>
+              </a:lnSpc>
               <a:buFont typeface="Wingdings"/>
               <a:buChar char="§"/>
               <a:defRPr/>
             </a:pPr>
             <a:r>
-              <a:rPr lang="ko-KR" altLang="en-US" dirty="0"/>
+              <a:rPr lang="ko-KR" altLang="en-US"/>
               <a:t>과제 </a:t>
             </a:r>
             <a:r>
-              <a:rPr lang="en-US" altLang="ko-KR" dirty="0"/>
-              <a:t>2 - System</a:t>
-            </a:r>
-            <a:r>
-              <a:rPr lang="ko-KR" altLang="en-US" dirty="0"/>
+              <a:rPr lang="en-US" altLang="ko-KR"/>
+              <a:t>2 - </a:t>
+            </a:r>
+            <a:r>
+              <a:rPr lang="en-US" altLang="ko-KR" b="1"/>
+              <a:t>System</a:t>
+            </a:r>
+            <a:r>
+              <a:rPr lang="ko-KR" altLang="en-US" b="1"/>
               <a:t> </a:t>
             </a:r>
             <a:r>
-              <a:rPr lang="en-US" altLang="ko-KR" dirty="0"/>
+              <a:rPr lang="en-US" altLang="ko-KR" b="1"/>
               <a:t>Design</a:t>
             </a:r>
+            <a:endParaRPr lang="en-US" altLang="ko-KR"/>
           </a:p>
           <a:p>
             <a:pPr marL="399840" lvl="0" indent="-399840">
+              <a:lnSpc>
+                <a:spcPct val="130000"/>
+              </a:lnSpc>
               <a:buFont typeface="Wingdings"/>
               <a:buChar char="§"/>
               <a:defRPr/>
             </a:pPr>
             <a:r>
-              <a:rPr lang="ko-KR" altLang="en-US" dirty="0"/>
+              <a:rPr lang="ko-KR" altLang="en-US"/>
               <a:t>과제 </a:t>
             </a:r>
             <a:r>
-              <a:rPr lang="en-US" altLang="ko-KR" dirty="0"/>
-              <a:t>3 - System Status Analysis</a:t>
-            </a:r>
+              <a:rPr lang="en-US" altLang="ko-KR"/>
+              <a:t>3 - </a:t>
+            </a:r>
+            <a:r>
+              <a:rPr lang="en-US" altLang="ko-KR" b="1"/>
+              <a:t>System Status Analysis</a:t>
+            </a:r>
+            <a:endParaRPr lang="en-US" altLang="ko-KR"/>
           </a:p>
           <a:p>
             <a:pPr marL="399840" lvl="0" indent="-399840">
+              <a:lnSpc>
+                <a:spcPct val="130000"/>
+              </a:lnSpc>
               <a:buFont typeface="Wingdings"/>
               <a:buChar char="§"/>
               <a:defRPr/>
             </a:pPr>
             <a:r>
-              <a:rPr lang="ko-KR" altLang="en-US" dirty="0"/>
+              <a:rPr lang="ko-KR" altLang="en-US"/>
               <a:t>과제 </a:t>
             </a:r>
             <a:r>
-              <a:rPr lang="en-US" altLang="ko-KR" dirty="0"/>
-              <a:t>4 - Critical System</a:t>
-            </a:r>
+              <a:rPr lang="en-US" altLang="ko-KR"/>
+              <a:t>4 - </a:t>
+            </a:r>
+            <a:r>
+              <a:rPr lang="en-US" altLang="ko-KR" b="1"/>
+              <a:t>Critical System</a:t>
+            </a:r>
+            <a:endParaRPr lang="en-US" altLang="ko-KR"/>
           </a:p>
           <a:p>
             <a:pPr marL="399840" lvl="0" indent="-399840">
+              <a:lnSpc>
+                <a:spcPct val="130000"/>
+              </a:lnSpc>
               <a:buFont typeface="Wingdings"/>
               <a:buChar char="§"/>
               <a:defRPr/>
             </a:pPr>
             <a:r>
-              <a:rPr lang="ko-KR" altLang="en-US" dirty="0"/>
+              <a:rPr lang="ko-KR" altLang="en-US"/>
               <a:t>과제 </a:t>
             </a:r>
             <a:r>
-              <a:rPr lang="en-US" altLang="ko-KR" dirty="0"/>
-              <a:t>5 - Critical System for Risk Management</a:t>
-            </a:r>
-            <a:endParaRPr lang="ko-KR" altLang="en-US" dirty="0"/>
+              <a:rPr lang="en-US" altLang="ko-KR"/>
+              <a:t>5 - </a:t>
+            </a:r>
+            <a:r>
+              <a:rPr lang="en-US" altLang="ko-KR" b="1"/>
+              <a:t>Critical System for Risk Management</a:t>
+            </a:r>
+            <a:endParaRPr lang="en-US" altLang="ko-KR"/>
           </a:p>
           <a:p>
             <a:pPr marL="399840" lvl="0" indent="-399840">
+              <a:lnSpc>
+                <a:spcPct val="130000"/>
+              </a:lnSpc>
               <a:buFont typeface="Wingdings"/>
               <a:buChar char="§"/>
               <a:defRPr/>
             </a:pPr>
             <a:r>
-              <a:rPr lang="ko-KR" altLang="en-US" dirty="0"/>
+              <a:rPr lang="ko-KR" altLang="en-US"/>
               <a:t>과제 </a:t>
             </a:r>
             <a:r>
-              <a:rPr lang="en-US" altLang="ko-KR" dirty="0"/>
-              <a:t>6 - Final Presentation and Demo</a:t>
-            </a:r>
+              <a:rPr lang="en-US" altLang="ko-KR"/>
+              <a:t>6 - </a:t>
+            </a:r>
+            <a:r>
+              <a:rPr lang="en-US" altLang="ko-KR" b="1"/>
+              <a:t>Final Presentation and Demo</a:t>
+            </a:r>
+            <a:endParaRPr lang="en-US" altLang="ko-KR"/>
           </a:p>
           <a:p>
             <a:pPr marL="399840" lvl="0" indent="-399840">
+              <a:lnSpc>
+                <a:spcPct val="130000"/>
+              </a:lnSpc>
               <a:buFont typeface="Wingdings"/>
               <a:buChar char="§"/>
               <a:defRPr/>
             </a:pPr>
             <a:r>
-              <a:rPr lang="ko-KR" altLang="en-US" dirty="0"/>
+              <a:rPr lang="ko-KR" altLang="en-US"/>
               <a:t>마무리</a:t>
             </a:r>
+            <a:endParaRPr lang="ko-KR" altLang="en-US"/>
           </a:p>
         </p:txBody>
       </p:sp>
@@ -8710,11 +8785,11 @@
   <p:clrMapOvr>
     <a:masterClrMapping/>
   </p:clrMapOvr>
-  <mc:AlternateContent xmlns:mc="http://schemas.openxmlformats.org/markup-compatibility/2006" xmlns:p14="http://schemas.microsoft.com/office/powerpoint/2010/main">
-    <mc:Choice Requires="p14">
-      <p:transition/>
+  <mc:AlternateContent xmlns:mc="http://schemas.openxmlformats.org/markup-compatibility/2006">
+    <mc:Choice xmlns:p14="http://schemas.microsoft.com/office/powerpoint/2010/main" Requires="p14">
+      <p:transition xmlns:mc="http://schemas.openxmlformats.org/markup-compatibility/2006" xmlns:p14="http://schemas.microsoft.com/office/powerpoint/2010/main" mc:Ignorable="p14" p14:dur="500"/>
     </mc:Choice>
-    <mc:Fallback xmlns="" xmlns:c="http://schemas.openxmlformats.org/drawingml/2006/chart" xmlns:dgm="http://schemas.openxmlformats.org/drawingml/2006/diagram" xmlns:dsp="http://schemas.microsoft.com/office/drawing/2008/diagram">
+    <mc:Fallback>
       <p:transition/>
     </mc:Fallback>
   </mc:AlternateContent>
@@ -10340,7 +10415,7 @@
 </file>
 
 <file path=ppt/slides/slide3.xml><?xml version="1.0" encoding="utf-8"?>
-<p:sld xmlns:a="http://schemas.openxmlformats.org/drawingml/2006/main" xmlns:r="http://schemas.openxmlformats.org/officeDocument/2006/relationships" xmlns:p="http://schemas.openxmlformats.org/presentationml/2006/main">
+<p:sld xmlns:r="http://schemas.openxmlformats.org/officeDocument/2006/relationships" xmlns:c="http://schemas.openxmlformats.org/drawingml/2006/chart" xmlns:a="http://schemas.openxmlformats.org/drawingml/2006/main" xmlns:dgm="http://schemas.openxmlformats.org/drawingml/2006/diagram" xmlns:dsp="http://schemas.microsoft.com/office/drawing/2008/diagram" xmlns:p="http://schemas.openxmlformats.org/presentationml/2006/main">
   <p:cSld>
     <p:spTree>
       <p:nvGrpSpPr>
@@ -10363,10 +10438,15 @@
             <a:spLocks noGrp="1"/>
           </p:cNvSpPr>
           <p:nvPr>
-            <p:ph type="title"/>
+            <p:ph type="title" idx="0"/>
           </p:nvPr>
         </p:nvSpPr>
-        <p:spPr/>
+        <p:spPr>
+          <a:xfrm>
+            <a:off x="449679" y="365125"/>
+            <a:ext cx="7958890" cy="1003272"/>
+          </a:xfrm>
+        </p:spPr>
         <p:txBody>
           <a:bodyPr>
             <a:normAutofit/>
@@ -10377,13 +10457,18 @@
               <a:defRPr/>
             </a:pPr>
             <a:r>
-              <a:rPr lang="ko-KR" altLang="en-US" sz="4000" dirty="0"/>
+              <a:rPr lang="ko-KR" altLang="en-US" sz="3000"/>
               <a:t>과제 </a:t>
             </a:r>
             <a:r>
-              <a:rPr lang="en-US" altLang="ko-KR" sz="4000" dirty="0"/>
-              <a:t>1 - Autonomic Computing Evaluation</a:t>
-            </a:r>
+              <a:rPr lang="en-US" altLang="ko-KR" sz="3000"/>
+              <a:t>1 - </a:t>
+            </a:r>
+            <a:r>
+              <a:rPr lang="en-US" altLang="ko-KR" sz="3000" b="1"/>
+              <a:t>Autonomic Computing Evaluation</a:t>
+            </a:r>
+            <a:endParaRPr lang="en-US" altLang="ko-KR" sz="3000" b="1"/>
           </a:p>
         </p:txBody>
       </p:sp>
@@ -10397,7 +10482,12 @@
             <p:ph idx="1"/>
           </p:nvPr>
         </p:nvSpPr>
-        <p:spPr/>
+        <p:spPr>
+          <a:xfrm>
+            <a:off x="771525" y="1825625"/>
+            <a:ext cx="10515600" cy="4351338"/>
+          </a:xfrm>
+        </p:spPr>
         <p:txBody>
           <a:bodyPr>
             <a:normAutofit/>
@@ -10405,98 +10495,176 @@
           <a:lstStyle/>
           <a:p>
             <a:pPr>
-              <a:defRPr/>
-            </a:pPr>
-            <a:r>
-              <a:rPr lang="en-US" altLang="ko-KR" dirty="0"/>
+              <a:lnSpc>
+                <a:spcPct val="130000"/>
+              </a:lnSpc>
+              <a:defRPr/>
+            </a:pPr>
+            <a:r>
+              <a:rPr lang="en-US" altLang="ko-KR" b="1"/>
               <a:t>Reliability</a:t>
             </a:r>
+            <a:r>
+              <a:rPr lang="ko-KR" altLang="en-US" b="1"/>
+              <a:t> </a:t>
+            </a:r>
+            <a:r>
+              <a:rPr lang="en-US" altLang="ko-KR" b="1"/>
+              <a:t>(</a:t>
+            </a:r>
+            <a:r>
+              <a:rPr lang="ko-KR" altLang="en-US" b="1"/>
+              <a:t>신뢰성</a:t>
+            </a:r>
+            <a:r>
+              <a:rPr lang="en-US" altLang="ko-KR" b="1"/>
+              <a:t>)</a:t>
+            </a:r>
+            <a:endParaRPr lang="en-US" altLang="ko-KR"/>
           </a:p>
           <a:p>
             <a:pPr lvl="1">
-              <a:defRPr/>
-            </a:pPr>
-            <a:r>
-              <a:rPr lang="ko-KR" altLang="en-US" dirty="0"/>
+              <a:lnSpc>
+                <a:spcPct val="130000"/>
+              </a:lnSpc>
+              <a:defRPr/>
+            </a:pPr>
+            <a:r>
+              <a:rPr lang="ko-KR" altLang="en-US"/>
               <a:t>구성 요소</a:t>
             </a:r>
             <a:r>
-              <a:rPr lang="en-US" altLang="ko-KR" dirty="0"/>
+              <a:rPr lang="en-US" altLang="ko-KR"/>
               <a:t>, </a:t>
             </a:r>
             <a:r>
-              <a:rPr lang="ko-KR" altLang="en-US" dirty="0"/>
+              <a:rPr lang="ko-KR" altLang="en-US"/>
               <a:t>통신</a:t>
             </a:r>
             <a:r>
-              <a:rPr lang="en-US" altLang="ko-KR" dirty="0"/>
+              <a:rPr lang="en-US" altLang="ko-KR"/>
               <a:t>, </a:t>
             </a:r>
             <a:r>
-              <a:rPr lang="ko-KR" altLang="en-US" dirty="0"/>
-              <a:t>서비스 또는 시스템이 목적을 성공적으로 달성할 확률</a:t>
-            </a:r>
-            <a:endParaRPr lang="en-US" altLang="ko-KR" dirty="0"/>
+              <a:rPr lang="ko-KR" altLang="en-US"/>
+              <a:t>서비스 또는 시스템이 목적을 성공적으로 달성할 </a:t>
+            </a:r>
+            <a:r>
+              <a:rPr lang="ko-KR" altLang="en-US" b="1">
+                <a:solidFill>
+                  <a:srgbClr val="ff0000"/>
+                </a:solidFill>
+              </a:rPr>
+              <a:t>확률</a:t>
+            </a:r>
+            <a:endParaRPr lang="ko-KR" altLang="en-US"/>
           </a:p>
           <a:p>
             <a:pPr lvl="1">
-              <a:defRPr/>
-            </a:pPr>
-            <a:endParaRPr lang="en-US" altLang="ko-KR" dirty="0"/>
+              <a:lnSpc>
+                <a:spcPct val="130000"/>
+              </a:lnSpc>
+              <a:defRPr/>
+            </a:pPr>
+            <a:endParaRPr lang="en-US" altLang="ko-KR"/>
           </a:p>
           <a:p>
             <a:pPr>
-              <a:defRPr/>
-            </a:pPr>
-            <a:r>
-              <a:rPr lang="en-US" altLang="ko-KR" dirty="0"/>
+              <a:lnSpc>
+                <a:spcPct val="130000"/>
+              </a:lnSpc>
+              <a:defRPr/>
+            </a:pPr>
+            <a:r>
+              <a:rPr lang="en-US" altLang="ko-KR" b="1"/>
               <a:t>Autonomic</a:t>
             </a:r>
             <a:r>
-              <a:rPr lang="ko-KR" altLang="en-US" dirty="0"/>
+              <a:rPr lang="ko-KR" altLang="en-US" b="1"/>
               <a:t> </a:t>
             </a:r>
             <a:r>
-              <a:rPr lang="en-US" altLang="ko-KR" dirty="0"/>
+              <a:rPr lang="en-US" altLang="ko-KR" b="1"/>
               <a:t>Computing</a:t>
             </a:r>
             <a:r>
-              <a:rPr lang="ko-KR" altLang="en-US" dirty="0"/>
+              <a:rPr lang="ko-KR" altLang="en-US" b="1"/>
+              <a:t> </a:t>
+            </a:r>
+            <a:r>
+              <a:rPr lang="en-US" altLang="ko-KR" b="1"/>
+              <a:t>(</a:t>
+            </a:r>
+            <a:r>
+              <a:rPr lang="ko-KR" altLang="en-US" b="1"/>
+              <a:t>자율 컴퓨팅</a:t>
+            </a:r>
+            <a:r>
+              <a:rPr lang="en-US" altLang="ko-KR" b="1"/>
+              <a:t>)</a:t>
+            </a:r>
+            <a:r>
+              <a:rPr lang="ko-KR" altLang="en-US"/>
               <a:t>의 필요성</a:t>
             </a:r>
-            <a:endParaRPr lang="en-US" altLang="ko-KR" dirty="0"/>
+            <a:endParaRPr lang="ko-KR" altLang="en-US"/>
           </a:p>
           <a:p>
             <a:pPr lvl="1">
-              <a:defRPr/>
-            </a:pPr>
-            <a:r>
-              <a:rPr lang="ko-KR" altLang="en-US" dirty="0"/>
+              <a:lnSpc>
+                <a:spcPct val="130000"/>
+              </a:lnSpc>
+              <a:defRPr/>
+            </a:pPr>
+            <a:r>
+              <a:rPr lang="ko-KR" altLang="en-US"/>
               <a:t>인간의 개입만으로 관리되는 시스템의 복잡성이 급격히 증가함 </a:t>
             </a:r>
-            <a:endParaRPr lang="en-US" altLang="ko-KR" dirty="0"/>
+            <a:endParaRPr lang="ko-KR" altLang="en-US"/>
           </a:p>
           <a:p>
             <a:pPr lvl="2">
-              <a:buFont typeface="Wingdings" panose="05000000000000000000" pitchFamily="2" charset="2"/>
+              <a:lnSpc>
+                <a:spcPct val="130000"/>
+              </a:lnSpc>
+              <a:buFont typeface="Wingdings"/>
               <a:buChar char="è"/>
               <a:defRPr/>
             </a:pPr>
             <a:r>
-              <a:rPr lang="ko-KR" altLang="en-US" dirty="0"/>
-              <a:t>신뢰성 저하 추세가 가속화</a:t>
-            </a:r>
-            <a:endParaRPr lang="en-US" altLang="ko-KR" dirty="0"/>
+              <a:rPr lang="ko-KR" altLang="en-US" b="1"/>
+              <a:t>신뢰성 저하 추세</a:t>
+            </a:r>
+            <a:r>
+              <a:rPr lang="ko-KR" altLang="en-US"/>
+              <a:t>가 가속화</a:t>
+            </a:r>
+            <a:endParaRPr lang="ko-KR" altLang="en-US"/>
           </a:p>
           <a:p>
             <a:pPr lvl="1">
-              <a:defRPr/>
-            </a:pPr>
-            <a:r>
-              <a:rPr lang="ko-KR" altLang="en-US" dirty="0"/>
-              <a:t>신뢰성 향상을 위해 인간의 개입을 줄이고 자율 시스템으로 전환</a:t>
-            </a:r>
-            <a:endParaRPr lang="en-US" altLang="ko-KR" dirty="0"/>
+              <a:lnSpc>
+                <a:spcPct val="130000"/>
+              </a:lnSpc>
+              <a:defRPr/>
+            </a:pPr>
+            <a:r>
+              <a:rPr lang="ko-KR" altLang="en-US" b="1"/>
+              <a:t>신뢰성 향상을 위해 </a:t>
+            </a:r>
+            <a:r>
+              <a:rPr lang="ko-KR" altLang="en-US" b="1">
+                <a:solidFill>
+                  <a:srgbClr val="ff0000"/>
+                </a:solidFill>
+              </a:rPr>
+              <a:t>인간의 개입을 줄이고</a:t>
+            </a:r>
+            <a:r>
+              <a:rPr lang="ko-KR" altLang="en-US" b="1"/>
+              <a:t> 자율 시스템으로 전환</a:t>
+            </a:r>
+            <a:endParaRPr lang="en-US" altLang="ko-KR" b="1"/>
           </a:p>
         </p:txBody>
       </p:sp>
@@ -10510,11 +10678,11 @@
   <p:clrMapOvr>
     <a:masterClrMapping/>
   </p:clrMapOvr>
-  <mc:AlternateContent xmlns:mc="http://schemas.openxmlformats.org/markup-compatibility/2006" xmlns:p14="http://schemas.microsoft.com/office/powerpoint/2010/main">
-    <mc:Choice Requires="p14">
-      <p:transition/>
+  <mc:AlternateContent xmlns:mc="http://schemas.openxmlformats.org/markup-compatibility/2006">
+    <mc:Choice xmlns:p14="http://schemas.microsoft.com/office/powerpoint/2010/main" Requires="p14">
+      <p:transition xmlns:mc="http://schemas.openxmlformats.org/markup-compatibility/2006" xmlns:p14="http://schemas.microsoft.com/office/powerpoint/2010/main" mc:Ignorable="p14" p14:dur="500"/>
     </mc:Choice>
-    <mc:Fallback xmlns="" xmlns:c="http://schemas.openxmlformats.org/drawingml/2006/chart" xmlns:dgm="http://schemas.openxmlformats.org/drawingml/2006/diagram" xmlns:dsp="http://schemas.microsoft.com/office/drawing/2008/diagram">
+    <mc:Fallback>
       <p:transition/>
     </mc:Fallback>
   </mc:AlternateContent>
@@ -11769,7 +11937,7 @@
 </file>
 
 <file path=ppt/slides/slide4.xml><?xml version="1.0" encoding="utf-8"?>
-<p:sld xmlns:a="http://schemas.openxmlformats.org/drawingml/2006/main" xmlns:r="http://schemas.openxmlformats.org/officeDocument/2006/relationships" xmlns:p="http://schemas.openxmlformats.org/presentationml/2006/main">
+<p:sld xmlns:r="http://schemas.openxmlformats.org/officeDocument/2006/relationships" xmlns:c="http://schemas.openxmlformats.org/drawingml/2006/chart" xmlns:a="http://schemas.openxmlformats.org/drawingml/2006/main" xmlns:dgm="http://schemas.openxmlformats.org/drawingml/2006/diagram" xmlns:dsp="http://schemas.microsoft.com/office/drawing/2008/diagram" xmlns:p="http://schemas.openxmlformats.org/presentationml/2006/main">
   <p:cSld>
     <p:spTree>
       <p:nvGrpSpPr>
@@ -11787,37 +11955,6 @@
       </p:grpSpPr>
       <p:sp>
         <p:nvSpPr>
-          <p:cNvPr id="2" name="Title 1"/>
-          <p:cNvSpPr>
-            <a:spLocks noGrp="1"/>
-          </p:cNvSpPr>
-          <p:nvPr>
-            <p:ph type="title"/>
-          </p:nvPr>
-        </p:nvSpPr>
-        <p:spPr/>
-        <p:txBody>
-          <a:bodyPr>
-            <a:normAutofit/>
-          </a:bodyPr>
-          <a:lstStyle/>
-          <a:p>
-            <a:pPr>
-              <a:defRPr/>
-            </a:pPr>
-            <a:r>
-              <a:rPr lang="ko-KR" altLang="en-US" sz="4000" dirty="0"/>
-              <a:t>과제 </a:t>
-            </a:r>
-            <a:r>
-              <a:rPr lang="en-US" altLang="ko-KR" sz="4000" dirty="0"/>
-              <a:t>1 - Autonomic Computing Evaluation</a:t>
-            </a:r>
-          </a:p>
-        </p:txBody>
-      </p:sp>
-      <p:sp>
-        <p:nvSpPr>
           <p:cNvPr id="3" name="Content Placeholder 2"/>
           <p:cNvSpPr>
             <a:spLocks noGrp="1"/>
@@ -11826,142 +11963,248 @@
             <p:ph idx="1"/>
           </p:nvPr>
         </p:nvSpPr>
-        <p:spPr/>
+        <p:spPr>
+          <a:xfrm>
+            <a:off x="790575" y="1825625"/>
+            <a:ext cx="10515600" cy="4351338"/>
+          </a:xfrm>
+        </p:spPr>
         <p:txBody>
           <a:bodyPr>
-            <a:normAutofit fontScale="92500" lnSpcReduction="10000"/>
+            <a:normAutofit lnSpcReduction="10000"/>
           </a:bodyPr>
           <a:lstStyle/>
           <a:p>
             <a:pPr>
-              <a:defRPr/>
-            </a:pPr>
-            <a:r>
-              <a:rPr lang="en-US" altLang="ko-KR" dirty="0"/>
+              <a:lnSpc>
+                <a:spcPct val="130000"/>
+              </a:lnSpc>
+              <a:defRPr/>
+            </a:pPr>
+            <a:r>
+              <a:rPr lang="en-US" altLang="ko-KR" b="1"/>
               <a:t>Autonomic Computing</a:t>
             </a:r>
+            <a:endParaRPr lang="en-US" altLang="ko-KR"/>
           </a:p>
           <a:p>
             <a:pPr lvl="1">
-              <a:defRPr/>
-            </a:pPr>
-            <a:r>
-              <a:rPr lang="ko-KR" altLang="en-US" dirty="0"/>
+              <a:lnSpc>
+                <a:spcPct val="130000"/>
+              </a:lnSpc>
+              <a:defRPr/>
+            </a:pPr>
+            <a:r>
+              <a:rPr lang="ko-KR" altLang="en-US"/>
               <a:t>자율 신경계가 우리 몸을 조절하고 보호하는 것과 같은 방식으로 스스로를 조절할 수 있는 컴퓨터 시스템 </a:t>
             </a:r>
             <a:r>
-              <a:rPr lang="en-US" altLang="ko-KR" dirty="0"/>
+              <a:rPr lang="en-US" altLang="ko-KR"/>
               <a:t>(by</a:t>
             </a:r>
             <a:r>
-              <a:rPr lang="ko-KR" altLang="en-US" dirty="0"/>
+              <a:rPr lang="ko-KR" altLang="en-US"/>
               <a:t> </a:t>
             </a:r>
             <a:r>
-              <a:rPr lang="en-US" altLang="ko-KR" dirty="0"/>
+              <a:rPr lang="en-US" altLang="ko-KR"/>
               <a:t>Paul Horn, IBM)</a:t>
             </a:r>
+            <a:endParaRPr lang="en-US" altLang="ko-KR"/>
           </a:p>
           <a:p>
             <a:pPr>
-              <a:defRPr/>
-            </a:pPr>
-            <a:r>
-              <a:rPr lang="en-US" altLang="ko-KR" dirty="0"/>
+              <a:lnSpc>
+                <a:spcPct val="130000"/>
+              </a:lnSpc>
+              <a:defRPr/>
+            </a:pPr>
+            <a:r>
+              <a:rPr lang="en-US" altLang="ko-KR" b="1"/>
               <a:t>Principle Characteristics</a:t>
             </a:r>
+            <a:endParaRPr lang="en-US" altLang="ko-KR"/>
           </a:p>
           <a:p>
             <a:pPr lvl="1">
-              <a:defRPr/>
-            </a:pPr>
-            <a:r>
-              <a:rPr lang="ko-KR" altLang="en-US" dirty="0"/>
-              <a:t>자기 인식</a:t>
-            </a:r>
-            <a:endParaRPr lang="en-US" altLang="ko-KR" dirty="0"/>
-          </a:p>
-          <a:p>
-            <a:pPr lvl="2">
-              <a:defRPr/>
-            </a:pPr>
-            <a:r>
-              <a:rPr lang="ko-KR" altLang="en-US" dirty="0"/>
-              <a:t>감각을 갖추고 성능을 향상시키기 위해 노력</a:t>
-            </a:r>
-            <a:endParaRPr lang="en-US" altLang="ko-KR" dirty="0"/>
+              <a:lnSpc>
+                <a:spcPct val="130000"/>
+              </a:lnSpc>
+              <a:defRPr/>
+            </a:pPr>
+            <a:r>
+              <a:rPr lang="ko-KR" altLang="en-US"/>
+              <a:t>자기 인식 </a:t>
+            </a:r>
+            <a:r>
+              <a:rPr lang="en-US" altLang="ko-KR"/>
+              <a:t>-</a:t>
+            </a:r>
+            <a:r>
+              <a:rPr lang="ko-KR" altLang="en-US"/>
+              <a:t> 감각을 갖추고 성능을 향상시키기 위해 노력</a:t>
+            </a:r>
+            <a:endParaRPr lang="ko-KR" altLang="en-US"/>
           </a:p>
           <a:p>
             <a:pPr lvl="1">
-              <a:defRPr/>
-            </a:pPr>
-            <a:r>
-              <a:rPr lang="ko-KR" altLang="en-US" dirty="0"/>
-              <a:t>자율 규제</a:t>
-            </a:r>
-            <a:endParaRPr lang="en-US" altLang="ko-KR" dirty="0"/>
-          </a:p>
-          <a:p>
-            <a:pPr lvl="2">
-              <a:defRPr/>
-            </a:pPr>
-            <a:r>
-              <a:rPr lang="ko-KR" altLang="en-US" dirty="0"/>
-              <a:t>규율 의식을 가지고 있으며 환경 변화에 따라 행동을 조절</a:t>
-            </a:r>
-            <a:endParaRPr lang="en-US" altLang="ko-KR" dirty="0"/>
+              <a:lnSpc>
+                <a:spcPct val="130000"/>
+              </a:lnSpc>
+              <a:defRPr/>
+            </a:pPr>
+            <a:r>
+              <a:rPr lang="ko-KR" altLang="en-US"/>
+              <a:t>자율 규제 </a:t>
+            </a:r>
+            <a:r>
+              <a:rPr lang="en-US" altLang="ko-KR"/>
+              <a:t>-</a:t>
+            </a:r>
+            <a:r>
+              <a:rPr lang="ko-KR" altLang="en-US"/>
+              <a:t> 규율 의식을 가지고 있으며 환경 변화에 따라 행동을 조절</a:t>
+            </a:r>
+            <a:endParaRPr lang="ko-KR" altLang="en-US"/>
           </a:p>
           <a:p>
             <a:pPr lvl="1">
-              <a:defRPr/>
-            </a:pPr>
-            <a:r>
-              <a:rPr lang="ko-KR" altLang="en-US" dirty="0"/>
-              <a:t>개방성</a:t>
-            </a:r>
-            <a:endParaRPr lang="en-US" altLang="ko-KR" dirty="0"/>
-          </a:p>
-          <a:p>
-            <a:pPr lvl="2">
-              <a:defRPr/>
-            </a:pPr>
-            <a:r>
-              <a:rPr lang="ko-KR" altLang="en-US" dirty="0"/>
-              <a:t>개방형 표준을 통해 소통하고 이기종 시스템과 리소스를 교환</a:t>
-            </a:r>
-            <a:endParaRPr lang="en-US" altLang="ko-KR" dirty="0"/>
+              <a:lnSpc>
+                <a:spcPct val="130000"/>
+              </a:lnSpc>
+              <a:defRPr/>
+            </a:pPr>
+            <a:r>
+              <a:rPr lang="ko-KR" altLang="en-US"/>
+              <a:t>개방성 </a:t>
+            </a:r>
+            <a:r>
+              <a:rPr lang="en-US" altLang="ko-KR"/>
+              <a:t>-</a:t>
+            </a:r>
+            <a:r>
+              <a:rPr lang="ko-KR" altLang="en-US"/>
+              <a:t> 개방형 표준을 통해 소통하고 이기종 시스템과 리소스를 교환</a:t>
+            </a:r>
+            <a:endParaRPr lang="ko-KR" altLang="en-US"/>
           </a:p>
           <a:p>
             <a:pPr lvl="1">
-              <a:defRPr/>
-            </a:pPr>
-            <a:r>
-              <a:rPr lang="ko-KR" altLang="en-US" dirty="0"/>
-              <a:t>문맥 인식</a:t>
-            </a:r>
-            <a:endParaRPr lang="en-US" altLang="ko-KR" dirty="0"/>
-          </a:p>
-          <a:p>
-            <a:pPr lvl="2">
-              <a:defRPr/>
-            </a:pPr>
-            <a:r>
-              <a:rPr lang="ko-KR" altLang="en-US" dirty="0"/>
-              <a:t>환경과 사용자의 행동을 포함한 활동의 주변 맥락을 고려</a:t>
-            </a:r>
-            <a:endParaRPr lang="en-US" altLang="ko-KR" dirty="0"/>
+              <a:lnSpc>
+                <a:spcPct val="130000"/>
+              </a:lnSpc>
+              <a:defRPr/>
+            </a:pPr>
+            <a:r>
+              <a:rPr lang="ko-KR" altLang="en-US"/>
+              <a:t>문맥 인식 </a:t>
+            </a:r>
+            <a:r>
+              <a:rPr lang="en-US" altLang="ko-KR"/>
+              <a:t>-</a:t>
+            </a:r>
+            <a:r>
+              <a:rPr lang="ko-KR" altLang="en-US"/>
+              <a:t> 환경과 사용자의 행동을 포함한 활동의 주변 맥락을 고려</a:t>
+            </a:r>
+            <a:endParaRPr lang="ko-KR" altLang="en-US"/>
           </a:p>
           <a:p>
             <a:pPr>
-              <a:defRPr/>
-            </a:pPr>
-            <a:endParaRPr lang="en-US" altLang="ko-KR" dirty="0"/>
+              <a:lnSpc>
+                <a:spcPct val="130000"/>
+              </a:lnSpc>
+              <a:defRPr/>
+            </a:pPr>
+            <a:endParaRPr lang="en-US" altLang="ko-KR"/>
           </a:p>
           <a:p>
             <a:pPr>
-              <a:defRPr/>
-            </a:pPr>
-            <a:endParaRPr lang="ko-KR" altLang="en-US" dirty="0"/>
+              <a:lnSpc>
+                <a:spcPct val="130000"/>
+              </a:lnSpc>
+              <a:defRPr/>
+            </a:pPr>
+            <a:endParaRPr lang="ko-KR" altLang="en-US"/>
+          </a:p>
+        </p:txBody>
+      </p:sp>
+      <p:sp>
+        <p:nvSpPr>
+          <p:cNvPr id="5" name="Title 1"/>
+          <p:cNvSpPr>
+            <a:spLocks noGrp="1"/>
+          </p:cNvSpPr>
+          <p:nvPr/>
+        </p:nvSpPr>
+        <p:spPr>
+          <a:xfrm>
+            <a:off x="449679" y="365125"/>
+            <a:ext cx="7958890" cy="1003272"/>
+          </a:xfrm>
+          <a:prstGeom prst="rect">
+            <a:avLst/>
+          </a:prstGeom>
+        </p:spPr>
+        <p:txBody>
+          <a:bodyPr vert="horz" lIns="91440" tIns="45720" rIns="91440" bIns="45720" anchor="ctr">
+            <a:normAutofit/>
+          </a:bodyPr>
+          <a:p>
+            <a:pPr marL="0" indent="0" algn="l" defTabSz="914400" rtl="0" eaLnBrk="1" latinLnBrk="1" hangingPunct="1">
+              <a:lnSpc>
+                <a:spcPct val="90000"/>
+              </a:lnSpc>
+              <a:spcBef>
+                <a:spcPct val="0"/>
+              </a:spcBef>
+              <a:spcAft>
+                <a:spcPts val="0"/>
+              </a:spcAft>
+              <a:buNone/>
+              <a:defRPr/>
+            </a:pPr>
+            <a:r>
+              <a:rPr xmlns:mc="http://schemas.openxmlformats.org/markup-compatibility/2006" xmlns:hp="http://schemas.haansoft.com/office/presentation/8.0" kumimoji="0" lang="ko-KR" altLang="en-US" sz="3000" b="0" i="0" u="none" strike="noStrike" kern="1200" cap="none" spc="0" normalizeH="0" baseline="0" mc:Ignorable="hp" hp:hslEmbossed="0">
+                <a:solidFill>
+                  <a:srgbClr val="000000"/>
+                </a:solidFill>
+                <a:latin typeface="맑은 고딕"/>
+                <a:ea typeface="맑은 고딕"/>
+                <a:cs typeface="맑은 고딕"/>
+              </a:rPr>
+              <a:t>과제 </a:t>
+            </a:r>
+            <a:r>
+              <a:rPr xmlns:mc="http://schemas.openxmlformats.org/markup-compatibility/2006" xmlns:hp="http://schemas.haansoft.com/office/presentation/8.0" kumimoji="0" lang="en-US" altLang="ko-KR" sz="3000" b="0" i="0" u="none" strike="noStrike" kern="1200" cap="none" spc="0" normalizeH="0" baseline="0" mc:Ignorable="hp" hp:hslEmbossed="0">
+                <a:solidFill>
+                  <a:srgbClr val="000000"/>
+                </a:solidFill>
+                <a:latin typeface="맑은 고딕"/>
+                <a:ea typeface="맑은 고딕"/>
+                <a:cs typeface="맑은 고딕"/>
+              </a:rPr>
+              <a:t>1 - </a:t>
+            </a:r>
+            <a:r>
+              <a:rPr xmlns:mc="http://schemas.openxmlformats.org/markup-compatibility/2006" xmlns:hp="http://schemas.haansoft.com/office/presentation/8.0" kumimoji="0" lang="en-US" altLang="ko-KR" sz="3000" b="1" i="0" u="none" strike="noStrike" kern="1200" cap="none" spc="0" normalizeH="0" baseline="0" mc:Ignorable="hp" hp:hslEmbossed="0">
+                <a:solidFill>
+                  <a:srgbClr val="000000"/>
+                </a:solidFill>
+                <a:latin typeface="맑은 고딕"/>
+                <a:ea typeface="맑은 고딕"/>
+                <a:cs typeface="맑은 고딕"/>
+              </a:rPr>
+              <a:t>Autonomic Computing Evaluation</a:t>
+            </a:r>
+            <a:endParaRPr xmlns:mc="http://schemas.openxmlformats.org/markup-compatibility/2006" xmlns:hp="http://schemas.haansoft.com/office/presentation/8.0" kumimoji="0" lang="en-US" altLang="ko-KR" sz="3000" b="1" i="0" u="none" strike="noStrike" kern="1200" cap="none" spc="0" normalizeH="0" baseline="0" mc:Ignorable="hp" hp:hslEmbossed="0">
+              <a:solidFill>
+                <a:srgbClr val="000000"/>
+              </a:solidFill>
+              <a:latin typeface="맑은 고딕"/>
+              <a:ea typeface="맑은 고딕"/>
+              <a:cs typeface="맑은 고딕"/>
+            </a:endParaRPr>
           </a:p>
         </p:txBody>
       </p:sp>
@@ -11975,11 +12218,11 @@
   <p:clrMapOvr>
     <a:masterClrMapping/>
   </p:clrMapOvr>
-  <mc:AlternateContent xmlns:mc="http://schemas.openxmlformats.org/markup-compatibility/2006" xmlns:p14="http://schemas.microsoft.com/office/powerpoint/2010/main">
-    <mc:Choice Requires="p14">
-      <p:transition/>
+  <mc:AlternateContent xmlns:mc="http://schemas.openxmlformats.org/markup-compatibility/2006">
+    <mc:Choice xmlns:p14="http://schemas.microsoft.com/office/powerpoint/2010/main" Requires="p14">
+      <p:transition xmlns:mc="http://schemas.openxmlformats.org/markup-compatibility/2006" xmlns:p14="http://schemas.microsoft.com/office/powerpoint/2010/main" mc:Ignorable="p14" p14:dur="500"/>
     </mc:Choice>
-    <mc:Fallback xmlns="" xmlns:c="http://schemas.openxmlformats.org/drawingml/2006/chart" xmlns:dgm="http://schemas.openxmlformats.org/drawingml/2006/diagram" xmlns:dsp="http://schemas.microsoft.com/office/drawing/2008/diagram">
+    <mc:Fallback>
       <p:transition/>
     </mc:Fallback>
   </mc:AlternateContent>
@@ -13072,7 +13315,7 @@
 </file>
 
 <file path=ppt/slides/slide5.xml><?xml version="1.0" encoding="utf-8"?>
-<p:sld xmlns:a="http://schemas.openxmlformats.org/drawingml/2006/main" xmlns:r="http://schemas.openxmlformats.org/officeDocument/2006/relationships" xmlns:p="http://schemas.openxmlformats.org/presentationml/2006/main">
+<p:sld xmlns:r="http://schemas.openxmlformats.org/officeDocument/2006/relationships" xmlns:c="http://schemas.openxmlformats.org/drawingml/2006/chart" xmlns:a="http://schemas.openxmlformats.org/drawingml/2006/main" xmlns:dgm="http://schemas.openxmlformats.org/drawingml/2006/diagram" xmlns:dsp="http://schemas.microsoft.com/office/drawing/2008/diagram" xmlns:p="http://schemas.openxmlformats.org/presentationml/2006/main">
   <p:cSld>
     <p:spTree>
       <p:nvGrpSpPr>
@@ -13090,48 +13333,7 @@
       </p:grpSpPr>
       <p:sp>
         <p:nvSpPr>
-          <p:cNvPr id="2" name="Title 1">
-            <a:extLst>
-              <a:ext uri="{FF2B5EF4-FFF2-40B4-BE49-F238E27FC236}">
-                <a16:creationId xmlns:a16="http://schemas.microsoft.com/office/drawing/2014/main" id="{786AC027-74B7-7B0B-C862-D50B04315622}"/>
-              </a:ext>
-            </a:extLst>
-          </p:cNvPr>
-          <p:cNvSpPr>
-            <a:spLocks noGrp="1"/>
-          </p:cNvSpPr>
-          <p:nvPr>
-            <p:ph type="title"/>
-          </p:nvPr>
-        </p:nvSpPr>
-        <p:spPr/>
-        <p:txBody>
-          <a:bodyPr>
-            <a:normAutofit/>
-          </a:bodyPr>
-          <a:lstStyle/>
-          <a:p>
-            <a:r>
-              <a:rPr lang="ko-KR" altLang="en-US" sz="4000" dirty="0"/>
-              <a:t>과제 </a:t>
-            </a:r>
-            <a:r>
-              <a:rPr lang="en-US" altLang="ko-KR" sz="4000" dirty="0"/>
-              <a:t>1 - Autonomic Computing Evaluation</a:t>
-            </a:r>
-            <a:endParaRPr lang="ko-KR" altLang="en-US" sz="4000" dirty="0"/>
-          </a:p>
-        </p:txBody>
-      </p:sp>
-      <p:sp>
-        <p:nvSpPr>
-          <p:cNvPr id="3" name="Content Placeholder 2">
-            <a:extLst>
-              <a:ext uri="{FF2B5EF4-FFF2-40B4-BE49-F238E27FC236}">
-                <a16:creationId xmlns:a16="http://schemas.microsoft.com/office/drawing/2014/main" id="{7ABE4657-4F17-A05E-81E4-A140B512FEF2}"/>
-              </a:ext>
-            </a:extLst>
-          </p:cNvPr>
+          <p:cNvPr id="3" name="Content Placeholder 2"/>
           <p:cNvSpPr>
             <a:spLocks noGrp="1"/>
           </p:cNvSpPr>
@@ -13139,67 +13341,223 @@
             <p:ph idx="1"/>
           </p:nvPr>
         </p:nvSpPr>
-        <p:spPr/>
+        <p:spPr>
+          <a:xfrm>
+            <a:off x="762000" y="1825625"/>
+            <a:ext cx="10515600" cy="4351338"/>
+          </a:xfrm>
+        </p:spPr>
         <p:txBody>
           <a:bodyPr>
+            <a:normAutofit fontScale="92500" lnSpcReduction="20000"/>
+          </a:bodyPr>
+          <a:lstStyle/>
+          <a:p>
+            <a:pPr lvl="0">
+              <a:lnSpc>
+                <a:spcPct val="130000"/>
+              </a:lnSpc>
+              <a:defRPr/>
+            </a:pPr>
+            <a:r>
+              <a:rPr lang="en-US" altLang="ko-KR" b="1"/>
+              <a:t>Self-Protecting</a:t>
+            </a:r>
+            <a:endParaRPr lang="en-US" altLang="ko-KR"/>
+          </a:p>
+          <a:p>
+            <a:pPr lvl="1">
+              <a:lnSpc>
+                <a:spcPct val="130000"/>
+              </a:lnSpc>
+              <a:defRPr/>
+            </a:pPr>
+            <a:r>
+              <a:rPr lang="ko-KR" altLang="en-US"/>
+              <a:t>어디서나 무단 액세스로부터 스스로를 보호하도록 설계된 시스템</a:t>
+            </a:r>
+            <a:endParaRPr lang="ko-KR" altLang="en-US"/>
+          </a:p>
+          <a:p>
+            <a:pPr lvl="0">
+              <a:lnSpc>
+                <a:spcPct val="130000"/>
+              </a:lnSpc>
+              <a:defRPr/>
+            </a:pPr>
+            <a:r>
+              <a:rPr lang="en-US" altLang="ko-KR" b="1"/>
+              <a:t>Self-Optimizing</a:t>
+            </a:r>
+            <a:endParaRPr lang="en-US" altLang="ko-KR"/>
+          </a:p>
+          <a:p>
+            <a:pPr lvl="1">
+              <a:lnSpc>
+                <a:spcPct val="130000"/>
+              </a:lnSpc>
+              <a:defRPr/>
+            </a:pPr>
+            <a:r>
+              <a:rPr lang="ko-KR" altLang="en-US"/>
+              <a:t>서버가 기업의 요구를 가장 효율적으로 충족할 수 있도록 리소스를 자동으로 관리하도록 설계된 시스템</a:t>
+            </a:r>
+            <a:endParaRPr lang="ko-KR" altLang="en-US"/>
+          </a:p>
+          <a:p>
+            <a:pPr lvl="0">
+              <a:lnSpc>
+                <a:spcPct val="100000"/>
+              </a:lnSpc>
+              <a:defRPr/>
+            </a:pPr>
+            <a:r>
+              <a:rPr lang="en-US" altLang="ko-KR" b="1"/>
+              <a:t>Self-Configuring</a:t>
+            </a:r>
+            <a:endParaRPr lang="en-US" altLang="ko-KR" b="1"/>
+          </a:p>
+          <a:p>
+            <a:pPr lvl="1">
+              <a:lnSpc>
+                <a:spcPct val="130000"/>
+              </a:lnSpc>
+              <a:defRPr/>
+            </a:pPr>
+            <a:r>
+              <a:rPr lang="ko-KR" altLang="en-US"/>
+              <a:t>즉석에서 스스로를 정의하도록 설계된 시스템</a:t>
+            </a:r>
+            <a:endParaRPr lang="ko-KR" altLang="en-US"/>
+          </a:p>
+          <a:p>
+            <a:pPr lvl="0">
+              <a:lnSpc>
+                <a:spcPct val="130000"/>
+              </a:lnSpc>
+              <a:defRPr/>
+            </a:pPr>
+            <a:r>
+              <a:rPr lang="en-US" altLang="ko-KR" b="1"/>
+              <a:t>Self-Healing</a:t>
+            </a:r>
+            <a:endParaRPr lang="en-US" altLang="ko-KR"/>
+          </a:p>
+          <a:p>
+            <a:pPr lvl="1">
+              <a:lnSpc>
+                <a:spcPct val="130000"/>
+              </a:lnSpc>
+              <a:defRPr/>
+            </a:pPr>
+            <a:r>
+              <a:rPr lang="ko-KR" altLang="en-US"/>
+              <a:t>자율적으로 문제를 결정하고 해결하는 시스템</a:t>
+            </a:r>
+            <a:endParaRPr lang="en-US" altLang="ko-KR"/>
+          </a:p>
+        </p:txBody>
+      </p:sp>
+      <p:pic>
+        <p:nvPicPr>
+          <p:cNvPr id="4" name=""/>
+          <p:cNvPicPr>
+            <a:picLocks noChangeAspect="1"/>
+          </p:cNvPicPr>
+          <p:nvPr/>
+        </p:nvPicPr>
+        <p:blipFill rotWithShape="1">
+          <a:blip r:embed="rId2"/>
+          <a:stretch>
+            <a:fillRect/>
+          </a:stretch>
+        </p:blipFill>
+        <p:spPr>
+          <a:xfrm>
+            <a:off x="7536426" y="4273128"/>
+            <a:ext cx="4492645" cy="2377828"/>
+          </a:xfrm>
+          <a:prstGeom prst="rect">
+            <a:avLst/>
+          </a:prstGeom>
+        </p:spPr>
+      </p:pic>
+      <p:sp>
+        <p:nvSpPr>
+          <p:cNvPr id="6" name="Title 1"/>
+          <p:cNvSpPr>
+            <a:spLocks noGrp="1"/>
+          </p:cNvSpPr>
+          <p:nvPr/>
+        </p:nvSpPr>
+        <p:spPr>
+          <a:xfrm>
+            <a:off x="449679" y="365125"/>
+            <a:ext cx="7958890" cy="1003272"/>
+          </a:xfrm>
+          <a:prstGeom prst="rect">
+            <a:avLst/>
+          </a:prstGeom>
+        </p:spPr>
+        <p:txBody>
+          <a:bodyPr vert="horz" lIns="91440" tIns="45720" rIns="91440" bIns="45720" anchor="ctr">
             <a:normAutofit/>
           </a:bodyPr>
-          <a:lstStyle/>
-          <a:p>
-            <a:r>
-              <a:rPr lang="en-US" altLang="ko-KR" dirty="0"/>
-              <a:t>Self-Protecting</a:t>
-            </a:r>
-          </a:p>
-          <a:p>
-            <a:pPr lvl="1"/>
-            <a:r>
-              <a:rPr lang="ko-KR" altLang="en-US" dirty="0"/>
-              <a:t>어디서나 무단 액세스로부터 스스로를 보호하도록 설계된 시스템</a:t>
-            </a:r>
-            <a:endParaRPr lang="en-US" altLang="ko-KR" dirty="0"/>
-          </a:p>
-          <a:p>
-            <a:r>
-              <a:rPr lang="en-US" altLang="ko-KR" dirty="0"/>
-              <a:t>Self-Optimizing</a:t>
-            </a:r>
-          </a:p>
-          <a:p>
-            <a:pPr lvl="1"/>
-            <a:r>
-              <a:rPr lang="ko-KR" altLang="en-US" dirty="0"/>
-              <a:t>서버가 기업의 요구를 가장 효율적으로 충족할 수 있도록 리소스를 자동으로 관리하도록 설계된 시스템</a:t>
-            </a:r>
-            <a:endParaRPr lang="en-US" altLang="ko-KR" dirty="0"/>
-          </a:p>
-          <a:p>
-            <a:r>
-              <a:rPr lang="en-US" altLang="ko-KR" dirty="0"/>
-              <a:t>Self-configuring</a:t>
-            </a:r>
-          </a:p>
-          <a:p>
-            <a:pPr lvl="1"/>
-            <a:r>
-              <a:rPr lang="ko-KR" altLang="en-US" dirty="0"/>
-              <a:t>즉석에서 스스로를 정의하도록 설계된 시스템</a:t>
-            </a:r>
-            <a:endParaRPr lang="en-US" altLang="ko-KR" dirty="0"/>
-          </a:p>
-          <a:p>
-            <a:r>
-              <a:rPr lang="en-US" altLang="ko-KR" dirty="0"/>
-              <a:t>Self-healing</a:t>
-            </a:r>
-          </a:p>
-          <a:p>
-            <a:pPr lvl="1"/>
-            <a:r>
-              <a:rPr lang="ko-KR" altLang="en-US" dirty="0"/>
-              <a:t>자율적으로 문제를 결정하고 해결하는 시스템</a:t>
-            </a:r>
-            <a:endParaRPr lang="en-US" altLang="ko-KR" dirty="0"/>
+          <a:p>
+            <a:pPr marL="0" indent="0" algn="l" defTabSz="914400" rtl="0" eaLnBrk="1" latinLnBrk="1" hangingPunct="1">
+              <a:lnSpc>
+                <a:spcPct val="90000"/>
+              </a:lnSpc>
+              <a:spcBef>
+                <a:spcPct val="0"/>
+              </a:spcBef>
+              <a:spcAft>
+                <a:spcPts val="0"/>
+              </a:spcAft>
+              <a:buNone/>
+              <a:defRPr/>
+            </a:pPr>
+            <a:r>
+              <a:rPr xmlns:mc="http://schemas.openxmlformats.org/markup-compatibility/2006" xmlns:hp="http://schemas.haansoft.com/office/presentation/8.0" kumimoji="0" lang="ko-KR" altLang="en-US" sz="3000" b="0" i="0" u="none" strike="noStrike" kern="1200" cap="none" spc="0" normalizeH="0" baseline="0" mc:Ignorable="hp" hp:hslEmbossed="0">
+                <a:solidFill>
+                  <a:srgbClr val="000000"/>
+                </a:solidFill>
+                <a:latin typeface="맑은 고딕"/>
+                <a:ea typeface="맑은 고딕"/>
+                <a:cs typeface="맑은 고딕"/>
+              </a:rPr>
+              <a:t>과제 </a:t>
+            </a:r>
+            <a:r>
+              <a:rPr xmlns:mc="http://schemas.openxmlformats.org/markup-compatibility/2006" xmlns:hp="http://schemas.haansoft.com/office/presentation/8.0" kumimoji="0" lang="en-US" altLang="ko-KR" sz="3000" b="0" i="0" u="none" strike="noStrike" kern="1200" cap="none" spc="0" normalizeH="0" baseline="0" mc:Ignorable="hp" hp:hslEmbossed="0">
+                <a:solidFill>
+                  <a:srgbClr val="000000"/>
+                </a:solidFill>
+                <a:latin typeface="맑은 고딕"/>
+                <a:ea typeface="맑은 고딕"/>
+                <a:cs typeface="맑은 고딕"/>
+              </a:rPr>
+              <a:t>1 - </a:t>
+            </a:r>
+            <a:r>
+              <a:rPr xmlns:mc="http://schemas.openxmlformats.org/markup-compatibility/2006" xmlns:hp="http://schemas.haansoft.com/office/presentation/8.0" kumimoji="0" lang="en-US" altLang="ko-KR" sz="3000" b="1" i="0" u="none" strike="noStrike" kern="1200" cap="none" spc="0" normalizeH="0" baseline="0" mc:Ignorable="hp" hp:hslEmbossed="0">
+                <a:solidFill>
+                  <a:srgbClr val="000000"/>
+                </a:solidFill>
+                <a:latin typeface="맑은 고딕"/>
+                <a:ea typeface="맑은 고딕"/>
+                <a:cs typeface="맑은 고딕"/>
+              </a:rPr>
+              <a:t>Autonomic Computing Evaluation</a:t>
+            </a:r>
+            <a:endParaRPr xmlns:mc="http://schemas.openxmlformats.org/markup-compatibility/2006" xmlns:hp="http://schemas.haansoft.com/office/presentation/8.0" kumimoji="0" lang="en-US" altLang="ko-KR" sz="3000" b="1" i="0" u="none" strike="noStrike" kern="1200" cap="none" spc="0" normalizeH="0" baseline="0" mc:Ignorable="hp" hp:hslEmbossed="0">
+              <a:solidFill>
+                <a:srgbClr val="000000"/>
+              </a:solidFill>
+              <a:latin typeface="맑은 고딕"/>
+              <a:ea typeface="맑은 고딕"/>
+              <a:cs typeface="맑은 고딕"/>
+            </a:endParaRPr>
           </a:p>
         </p:txBody>
       </p:sp>
@@ -13213,6 +13571,14 @@
   <p:clrMapOvr>
     <a:masterClrMapping/>
   </p:clrMapOvr>
+  <mc:AlternateContent xmlns:mc="http://schemas.openxmlformats.org/markup-compatibility/2006">
+    <mc:Choice xmlns:p14="http://schemas.microsoft.com/office/powerpoint/2010/main" Requires="p14">
+      <p:transition xmlns:mc="http://schemas.openxmlformats.org/markup-compatibility/2006" xmlns:p14="http://schemas.microsoft.com/office/powerpoint/2010/main" mc:Ignorable="p14" p14:dur="500"/>
+    </mc:Choice>
+    <mc:Fallback>
+      <p:transition/>
+    </mc:Fallback>
+  </mc:AlternateContent>
 </p:sld>
 </file>
 
@@ -13807,7 +14173,7 @@
 </file>
 
 <file path=ppt/slides/slide6.xml><?xml version="1.0" encoding="utf-8"?>
-<p:sld xmlns:a="http://schemas.openxmlformats.org/drawingml/2006/main" xmlns:r="http://schemas.openxmlformats.org/officeDocument/2006/relationships" xmlns:p="http://schemas.openxmlformats.org/presentationml/2006/main">
+<p:sld xmlns:r="http://schemas.openxmlformats.org/officeDocument/2006/relationships" xmlns:c="http://schemas.openxmlformats.org/drawingml/2006/chart" xmlns:a="http://schemas.openxmlformats.org/drawingml/2006/main" xmlns:dgm="http://schemas.openxmlformats.org/drawingml/2006/diagram" xmlns:dsp="http://schemas.microsoft.com/office/drawing/2008/diagram" xmlns:p="http://schemas.openxmlformats.org/presentationml/2006/main">
   <p:cSld>
     <p:spTree>
       <p:nvGrpSpPr>
@@ -13825,48 +14191,7 @@
       </p:grpSpPr>
       <p:sp>
         <p:nvSpPr>
-          <p:cNvPr id="2" name="Title 1">
-            <a:extLst>
-              <a:ext uri="{FF2B5EF4-FFF2-40B4-BE49-F238E27FC236}">
-                <a16:creationId xmlns:a16="http://schemas.microsoft.com/office/drawing/2014/main" id="{FA0DACE6-38E6-E8B1-43D3-0695C8DDDE8C}"/>
-              </a:ext>
-            </a:extLst>
-          </p:cNvPr>
-          <p:cNvSpPr>
-            <a:spLocks noGrp="1"/>
-          </p:cNvSpPr>
-          <p:nvPr>
-            <p:ph type="title"/>
-          </p:nvPr>
-        </p:nvSpPr>
-        <p:spPr/>
-        <p:txBody>
-          <a:bodyPr>
-            <a:normAutofit/>
-          </a:bodyPr>
-          <a:lstStyle/>
-          <a:p>
-            <a:r>
-              <a:rPr lang="ko-KR" altLang="en-US" sz="4000" dirty="0"/>
-              <a:t>과제 </a:t>
-            </a:r>
-            <a:r>
-              <a:rPr lang="en-US" altLang="ko-KR" sz="4000" dirty="0"/>
-              <a:t>1 - Autonomic Computing Evaluation</a:t>
-            </a:r>
-            <a:endParaRPr lang="ko-KR" altLang="en-US" sz="4000" dirty="0"/>
-          </a:p>
-        </p:txBody>
-      </p:sp>
-      <p:sp>
-        <p:nvSpPr>
-          <p:cNvPr id="3" name="Content Placeholder 2">
-            <a:extLst>
-              <a:ext uri="{FF2B5EF4-FFF2-40B4-BE49-F238E27FC236}">
-                <a16:creationId xmlns:a16="http://schemas.microsoft.com/office/drawing/2014/main" id="{D4AA9B74-6C43-DF86-CD34-B1B0CD897AA1}"/>
-              </a:ext>
-            </a:extLst>
-          </p:cNvPr>
+          <p:cNvPr id="3" name="Content Placeholder 2"/>
           <p:cNvSpPr>
             <a:spLocks noGrp="1"/>
           </p:cNvSpPr>
@@ -13874,75 +14199,1881 @@
             <p:ph idx="1"/>
           </p:nvPr>
         </p:nvSpPr>
-        <p:spPr/>
+        <p:spPr>
+          <a:xfrm>
+            <a:off x="446171" y="2503283"/>
+            <a:ext cx="10515600" cy="4351338"/>
+          </a:xfrm>
+        </p:spPr>
         <p:txBody>
-          <a:bodyPr/>
+          <a:bodyPr>
+            <a:normAutofit fontScale="62500" lnSpcReduction="20000"/>
+          </a:bodyPr>
           <a:lstStyle/>
           <a:p>
-            <a:r>
-              <a:rPr lang="ko-KR" altLang="en-US" dirty="0"/>
+            <a:pPr lvl="0">
+              <a:lnSpc>
+                <a:spcPct val="130000"/>
+              </a:lnSpc>
+              <a:defRPr/>
+            </a:pPr>
+            <a:r>
+              <a:rPr lang="ko-KR" altLang="en-US" b="1"/>
               <a:t>혼동행렬</a:t>
             </a:r>
-            <a:endParaRPr lang="en-US" altLang="ko-KR" dirty="0"/>
-          </a:p>
-          <a:p>
-            <a:r>
-              <a:rPr lang="en-US" altLang="ko-KR" dirty="0"/>
+            <a:endParaRPr lang="ko-KR" altLang="en-US"/>
+          </a:p>
+          <a:p>
+            <a:pPr lvl="1">
+              <a:lnSpc>
+                <a:spcPct val="130000"/>
+              </a:lnSpc>
+              <a:defRPr/>
+            </a:pPr>
+            <a:r>
+              <a:rPr lang="ko-KR" altLang="en-US"/>
+              <a:t>어떤 개인이나 모델, 검사도구, 알고리즘의 진단·분류·판별·예측 능력을 평가하기 위하여 고안된 표</a:t>
+            </a:r>
+            <a:endParaRPr lang="ko-KR" altLang="en-US"/>
+          </a:p>
+          <a:p>
+            <a:pPr lvl="0">
+              <a:lnSpc>
+                <a:spcPct val="130000"/>
+              </a:lnSpc>
+              <a:defRPr/>
+            </a:pPr>
+            <a:r>
+              <a:rPr lang="en-US" altLang="ko-KR" b="1"/>
               <a:t>Accuracy(</a:t>
             </a:r>
             <a:r>
-              <a:rPr lang="ko-KR" altLang="en-US" dirty="0"/>
+              <a:rPr lang="ko-KR" altLang="en-US" b="1"/>
               <a:t>정확도</a:t>
             </a:r>
             <a:r>
-              <a:rPr lang="en-US" altLang="ko-KR" dirty="0"/>
+              <a:rPr lang="en-US" altLang="ko-KR" b="1"/>
               <a:t>)</a:t>
             </a:r>
-          </a:p>
-          <a:p>
-            <a:r>
-              <a:rPr lang="en-US" altLang="ko-KR" dirty="0"/>
+            <a:endParaRPr lang="en-US" altLang="ko-KR"/>
+          </a:p>
+          <a:p>
+            <a:pPr lvl="1">
+              <a:lnSpc>
+                <a:spcPct val="130000"/>
+              </a:lnSpc>
+              <a:defRPr/>
+            </a:pPr>
+            <a:r>
+              <a:rPr lang="en-US" altLang="ko-KR"/>
+              <a:t>예측이 현실에 부합할 확률</a:t>
+            </a:r>
+            <a:endParaRPr lang="en-US" altLang="ko-KR"/>
+          </a:p>
+          <a:p>
+            <a:pPr lvl="0">
+              <a:lnSpc>
+                <a:spcPct val="130000"/>
+              </a:lnSpc>
+              <a:defRPr/>
+            </a:pPr>
+            <a:r>
+              <a:rPr lang="en-US" altLang="ko-KR" b="1"/>
               <a:t>Precision(</a:t>
             </a:r>
             <a:r>
-              <a:rPr lang="ko-KR" altLang="en-US" dirty="0"/>
+              <a:rPr lang="ko-KR" altLang="en-US" b="1"/>
               <a:t>정밀도</a:t>
             </a:r>
             <a:r>
-              <a:rPr lang="en-US" altLang="ko-KR" dirty="0"/>
+              <a:rPr lang="en-US" altLang="ko-KR" b="1"/>
               <a:t>)</a:t>
             </a:r>
-          </a:p>
-          <a:p>
-            <a:r>
-              <a:rPr lang="en-US" altLang="ko-KR" dirty="0"/>
+            <a:endParaRPr lang="en-US" altLang="ko-KR"/>
+          </a:p>
+          <a:p>
+            <a:pPr lvl="1">
+              <a:lnSpc>
+                <a:spcPct val="130000"/>
+              </a:lnSpc>
+              <a:defRPr/>
+            </a:pPr>
+            <a:r>
+              <a:rPr lang="en-US" altLang="ko-KR"/>
+              <a:t>예측 결과가 긍정적일 때 현실도 실제로 긍정일 확률</a:t>
+            </a:r>
+            <a:endParaRPr lang="en-US" altLang="ko-KR"/>
+          </a:p>
+          <a:p>
+            <a:pPr lvl="0">
+              <a:lnSpc>
+                <a:spcPct val="130000"/>
+              </a:lnSpc>
+              <a:defRPr/>
+            </a:pPr>
+            <a:r>
+              <a:rPr lang="en-US" altLang="ko-KR" b="1"/>
               <a:t>Recall(</a:t>
             </a:r>
             <a:r>
-              <a:rPr lang="ko-KR" altLang="en-US" dirty="0"/>
+              <a:rPr lang="ko-KR" altLang="en-US" b="1"/>
               <a:t>재현율</a:t>
             </a:r>
             <a:r>
-              <a:rPr lang="en-US" altLang="ko-KR" dirty="0"/>
+              <a:rPr lang="en-US" altLang="ko-KR" b="1"/>
               <a:t>)</a:t>
             </a:r>
-          </a:p>
-          <a:p>
-            <a:r>
-              <a:rPr lang="en-US" altLang="ko-KR" dirty="0"/>
-              <a:t>F1-SCORE(</a:t>
-            </a:r>
-            <a:r>
-              <a:rPr lang="ko-KR" altLang="en-US" dirty="0"/>
+            <a:endParaRPr lang="en-US" altLang="ko-KR"/>
+          </a:p>
+          <a:p>
+            <a:pPr lvl="1">
+              <a:lnSpc>
+                <a:spcPct val="130000"/>
+              </a:lnSpc>
+              <a:defRPr/>
+            </a:pPr>
+            <a:r>
+              <a:rPr lang="en-US" altLang="ko-KR"/>
+              <a:t>현실이 실제로 긍정</a:t>
+            </a:r>
+            <a:r>
+              <a:rPr lang="ko-KR" altLang="en-US"/>
+              <a:t>일</a:t>
+            </a:r>
+            <a:r>
+              <a:rPr lang="en-US" altLang="ko-KR"/>
+              <a:t> 때 예측 결과도 긍정적일 확률</a:t>
+            </a:r>
+            <a:endParaRPr lang="en-US" altLang="ko-KR"/>
+          </a:p>
+          <a:p>
+            <a:pPr lvl="0">
+              <a:lnSpc>
+                <a:spcPct val="130000"/>
+              </a:lnSpc>
+              <a:defRPr/>
+            </a:pPr>
+            <a:r>
+              <a:rPr lang="en-US" altLang="ko-KR" b="1"/>
+              <a:t>F1-score(</a:t>
+            </a:r>
+            <a:r>
+              <a:rPr lang="ko-KR" altLang="en-US" b="1"/>
               <a:t>조화평균</a:t>
             </a:r>
             <a:r>
-              <a:rPr lang="en-US" altLang="ko-KR" dirty="0"/>
+              <a:rPr lang="en-US" altLang="ko-KR" b="1"/>
               <a:t>)</a:t>
             </a:r>
+            <a:endParaRPr lang="ko-KR" altLang="en-US"/>
+          </a:p>
+          <a:p>
+            <a:pPr lvl="1">
+              <a:lnSpc>
+                <a:spcPct val="130000"/>
+              </a:lnSpc>
+              <a:defRPr/>
+            </a:pPr>
+            <a:r>
+              <a:rPr lang="ko-KR" altLang="en-US"/>
+              <a:t>정밀도와 재현율 사이에 하나가 높아지면 다른 하나가 낮아지는 상황이 자주 발생하기에</a:t>
+            </a:r>
+            <a:endParaRPr lang="ko-KR" altLang="en-US"/>
+          </a:p>
+          <a:p>
+            <a:pPr marL="457200" lvl="1" indent="0">
+              <a:lnSpc>
+                <a:spcPct val="130000"/>
+              </a:lnSpc>
+              <a:buNone/>
+              <a:defRPr/>
+            </a:pPr>
+            <a:r>
+              <a:rPr lang="en-US" altLang="ko-KR"/>
+              <a:t>   </a:t>
+            </a:r>
+            <a:r>
+              <a:rPr lang="ko-KR" altLang="en-US"/>
+              <a:t>이를 보정하기 위해 개발된 평가용 지수</a:t>
+            </a:r>
+            <a:endParaRPr lang="ko-KR" altLang="en-US"/>
           </a:p>
         </p:txBody>
       </p:sp>
+      <p:sp>
+        <p:nvSpPr>
+          <p:cNvPr id="4" name="Title 1"/>
+          <p:cNvSpPr>
+            <a:spLocks noGrp="1"/>
+          </p:cNvSpPr>
+          <p:nvPr/>
+        </p:nvSpPr>
+        <p:spPr>
+          <a:xfrm>
+            <a:off x="449679" y="365125"/>
+            <a:ext cx="7958890" cy="1003272"/>
+          </a:xfrm>
+          <a:prstGeom prst="rect">
+            <a:avLst/>
+          </a:prstGeom>
+        </p:spPr>
+        <p:txBody>
+          <a:bodyPr vert="horz" lIns="91440" tIns="45720" rIns="91440" bIns="45720" anchor="ctr">
+            <a:normAutofit/>
+          </a:bodyPr>
+          <a:p>
+            <a:pPr marL="0" indent="0" algn="l" defTabSz="914400" rtl="0" eaLnBrk="1" latinLnBrk="1" hangingPunct="1">
+              <a:lnSpc>
+                <a:spcPct val="90000"/>
+              </a:lnSpc>
+              <a:spcBef>
+                <a:spcPct val="0"/>
+              </a:spcBef>
+              <a:spcAft>
+                <a:spcPts val="0"/>
+              </a:spcAft>
+              <a:buNone/>
+              <a:defRPr/>
+            </a:pPr>
+            <a:r>
+              <a:rPr xmlns:mc="http://schemas.openxmlformats.org/markup-compatibility/2006" xmlns:hp="http://schemas.haansoft.com/office/presentation/8.0" kumimoji="0" lang="ko-KR" altLang="en-US" sz="3000" b="0" i="0" u="none" strike="noStrike" kern="1200" cap="none" spc="0" normalizeH="0" baseline="0" mc:Ignorable="hp" hp:hslEmbossed="0">
+                <a:solidFill>
+                  <a:srgbClr val="000000"/>
+                </a:solidFill>
+                <a:latin typeface="맑은 고딕"/>
+                <a:ea typeface="맑은 고딕"/>
+                <a:cs typeface="맑은 고딕"/>
+              </a:rPr>
+              <a:t>과제 </a:t>
+            </a:r>
+            <a:r>
+              <a:rPr xmlns:mc="http://schemas.openxmlformats.org/markup-compatibility/2006" xmlns:hp="http://schemas.haansoft.com/office/presentation/8.0" kumimoji="0" lang="en-US" altLang="ko-KR" sz="3000" b="0" i="0" u="none" strike="noStrike" kern="1200" cap="none" spc="0" normalizeH="0" baseline="0" mc:Ignorable="hp" hp:hslEmbossed="0">
+                <a:solidFill>
+                  <a:srgbClr val="000000"/>
+                </a:solidFill>
+                <a:latin typeface="맑은 고딕"/>
+                <a:ea typeface="맑은 고딕"/>
+                <a:cs typeface="맑은 고딕"/>
+              </a:rPr>
+              <a:t>1 - </a:t>
+            </a:r>
+            <a:r>
+              <a:rPr xmlns:mc="http://schemas.openxmlformats.org/markup-compatibility/2006" xmlns:hp="http://schemas.haansoft.com/office/presentation/8.0" kumimoji="0" lang="en-US" altLang="ko-KR" sz="3000" b="1" i="0" u="none" strike="noStrike" kern="1200" cap="none" spc="0" normalizeH="0" baseline="0" mc:Ignorable="hp" hp:hslEmbossed="0">
+                <a:solidFill>
+                  <a:srgbClr val="000000"/>
+                </a:solidFill>
+                <a:latin typeface="맑은 고딕"/>
+                <a:ea typeface="맑은 고딕"/>
+                <a:cs typeface="맑은 고딕"/>
+              </a:rPr>
+              <a:t>Autonomic Computing Evaluation</a:t>
+            </a:r>
+            <a:endParaRPr xmlns:mc="http://schemas.openxmlformats.org/markup-compatibility/2006" xmlns:hp="http://schemas.haansoft.com/office/presentation/8.0" kumimoji="0" lang="en-US" altLang="ko-KR" sz="3000" b="1" i="0" u="none" strike="noStrike" kern="1200" cap="none" spc="0" normalizeH="0" baseline="0" mc:Ignorable="hp" hp:hslEmbossed="0">
+              <a:solidFill>
+                <a:srgbClr val="000000"/>
+              </a:solidFill>
+              <a:latin typeface="맑은 고딕"/>
+              <a:ea typeface="맑은 고딕"/>
+              <a:cs typeface="맑은 고딕"/>
+            </a:endParaRPr>
+          </a:p>
+        </p:txBody>
+      </p:sp>
+      <mc:AlternateContent xmlns:mc="http://schemas.openxmlformats.org/markup-compatibility/2006">
+        <mc:Choice xmlns:a14="http://schemas.microsoft.com/office/drawing/2010/main" Requires="a14">
+          <p:sp>
+            <p:nvSpPr>
+              <p:cNvPr id="6" name=""/>
+              <p:cNvSpPr/>
+              <p:nvPr/>
+            </p:nvSpPr>
+            <p:spPr>
+              <a:xfrm>
+                <a:off x="3676649" y="3278290"/>
+                <a:ext cx="2419350" cy="695325"/>
+              </a:xfrm>
+              <a:custGeom>
+                <a:avLst/>
+                <a:gdLst/>
+                <a:cxnLst>
+                  <a:cxn ang="3cd4">
+                    <a:pos x="hc" y="t"/>
+                  </a:cxn>
+                  <a:cxn ang="cd2">
+                    <a:pos x="l" y="vc"/>
+                  </a:cxn>
+                  <a:cxn ang="cd4">
+                    <a:pos x="hc" y="b"/>
+                  </a:cxn>
+                  <a:cxn ang="0">
+                    <a:pos x="r" y="vc"/>
+                  </a:cxn>
+                </a:cxnLst>
+                <a:rect l="l" t="t" r="r" b="b"/>
+                <a:pathLst>
+                  <a:path w="914400" h="914400">
+                    <a:moveTo>
+                      <a:pt x="0" y="0"/>
+                    </a:moveTo>
+                    <a:lnTo>
+                      <a:pt x="914400" y="0"/>
+                    </a:lnTo>
+                    <a:lnTo>
+                      <a:pt x="914400" y="914400"/>
+                    </a:lnTo>
+                    <a:lnTo>
+                      <a:pt x="0" y="914400"/>
+                    </a:lnTo>
+                    <a:close/>
+                  </a:path>
+                </a:pathLst>
+              </a:custGeom>
+            </p:spPr>
+            <p:txBody>
+              <a:bodyPr/>
+              <a:lstStyle/>
+              <a:p>
+                <a:pPr algn="l"/>
+                <a14:m xmlns:m="http://schemas.openxmlformats.org/officeDocument/2006/math" xmlns:mc="http://schemas.openxmlformats.org/markup-compatibility/2006" xmlns:ho="http://schemas.haansoft.com/office/8.0" mc:Ignorable="ho" ho:hncCreate="1">
+                  <m:oMathPara>
+                    <m:oMathParaPr>
+                      <m:jc m:val="left"/>
+                    </m:oMathParaPr>
+                    <m:oMath xmlns:m="http://schemas.openxmlformats.org/officeDocument/2006/math">
+                      <m:f>
+                        <m:fPr>
+                          <m:ctrlPr>
+                            <a:rPr sz="1800" i="1">
+                              <a:latin typeface="Cambria Math"/>
+                              <a:sym typeface="Cambria Math"/>
+                            </a:rPr>
+                          </m:ctrlPr>
+                        </m:fPr>
+                        <m:num>
+                          <m:r>
+                            <a:rPr sz="1800" i="1">
+                              <a:latin typeface="Cambria Math"/>
+                              <a:sym typeface="Cambria Math"/>
+                            </a:rPr>
+                            <m:t>(</m:t>
+                          </m:r>
+                          <m:r>
+                            <a:rPr sz="1800" i="1">
+                              <a:latin typeface="Cambria Math"/>
+                              <a:sym typeface="Cambria Math"/>
+                            </a:rPr>
+                            <m:t>𝑇</m:t>
+                          </m:r>
+                          <m:r>
+                            <a:rPr sz="1800" i="1">
+                              <a:latin typeface="Cambria Math"/>
+                              <a:sym typeface="Cambria Math"/>
+                            </a:rPr>
+                            <m:t>𝑃</m:t>
+                          </m:r>
+                          <m:r>
+                            <a:rPr sz="1800" i="1">
+                              <a:latin typeface="Cambria Math"/>
+                              <a:sym typeface="Cambria Math"/>
+                            </a:rPr>
+                            <m:t>+</m:t>
+                          </m:r>
+                          <m:r>
+                            <a:rPr sz="1800" i="1">
+                              <a:latin typeface="Cambria Math"/>
+                              <a:sym typeface="Cambria Math"/>
+                            </a:rPr>
+                            <m:t>𝑇</m:t>
+                          </m:r>
+                          <m:r>
+                            <a:rPr sz="1800" i="1">
+                              <a:latin typeface="Cambria Math"/>
+                              <a:sym typeface="Cambria Math"/>
+                            </a:rPr>
+                            <m:t>𝑁</m:t>
+                          </m:r>
+                          <m:r>
+                            <a:rPr sz="1800" i="1">
+                              <a:latin typeface="Cambria Math"/>
+                              <a:sym typeface="Cambria Math"/>
+                            </a:rPr>
+                            <m:t>)</m:t>
+                          </m:r>
+                        </m:num>
+                        <m:den>
+                          <m:r>
+                            <a:rPr sz="1800" i="1">
+                              <a:latin typeface="Cambria Math"/>
+                              <a:sym typeface="Cambria Math"/>
+                            </a:rPr>
+                            <m:t>(</m:t>
+                          </m:r>
+                          <m:r>
+                            <a:rPr sz="1800" i="1">
+                              <a:latin typeface="Cambria Math"/>
+                              <a:sym typeface="Cambria Math"/>
+                            </a:rPr>
+                            <m:t>𝑇</m:t>
+                          </m:r>
+                          <m:r>
+                            <a:rPr sz="1800" i="1">
+                              <a:latin typeface="Cambria Math"/>
+                              <a:sym typeface="Cambria Math"/>
+                            </a:rPr>
+                            <m:t>𝑃</m:t>
+                          </m:r>
+                          <m:r>
+                            <a:rPr sz="1800" i="1">
+                              <a:latin typeface="Cambria Math"/>
+                              <a:sym typeface="Cambria Math"/>
+                            </a:rPr>
+                            <m:t>+</m:t>
+                          </m:r>
+                          <m:r>
+                            <a:rPr sz="1800" i="1">
+                              <a:latin typeface="Cambria Math"/>
+                              <a:sym typeface="Cambria Math"/>
+                            </a:rPr>
+                            <m:t>𝑇</m:t>
+                          </m:r>
+                          <m:r>
+                            <a:rPr sz="1800" i="1">
+                              <a:latin typeface="Cambria Math"/>
+                              <a:sym typeface="Cambria Math"/>
+                            </a:rPr>
+                            <m:t>𝑁</m:t>
+                          </m:r>
+                          <m:r>
+                            <a:rPr sz="1800" i="1">
+                              <a:latin typeface="Cambria Math"/>
+                              <a:sym typeface="Cambria Math"/>
+                            </a:rPr>
+                            <m:t>+</m:t>
+                          </m:r>
+                          <m:r>
+                            <a:rPr sz="1800" i="1">
+                              <a:latin typeface="Cambria Math"/>
+                              <a:sym typeface="Cambria Math"/>
+                            </a:rPr>
+                            <m:t>𝐹</m:t>
+                          </m:r>
+                          <m:r>
+                            <a:rPr sz="1800" i="1">
+                              <a:latin typeface="Cambria Math"/>
+                              <a:sym typeface="Cambria Math"/>
+                            </a:rPr>
+                            <m:t>𝑃</m:t>
+                          </m:r>
+                          <m:r>
+                            <a:rPr sz="1800" i="1">
+                              <a:latin typeface="Cambria Math"/>
+                              <a:sym typeface="Cambria Math"/>
+                            </a:rPr>
+                            <m:t>+</m:t>
+                          </m:r>
+                          <m:r>
+                            <a:rPr sz="1800" i="1">
+                              <a:latin typeface="Cambria Math"/>
+                              <a:sym typeface="Cambria Math"/>
+                            </a:rPr>
+                            <m:t>𝐹</m:t>
+                          </m:r>
+                          <m:r>
+                            <a:rPr sz="1800" i="1">
+                              <a:latin typeface="Cambria Math"/>
+                              <a:sym typeface="Cambria Math"/>
+                            </a:rPr>
+                            <m:t>𝑁</m:t>
+                          </m:r>
+                          <m:r>
+                            <a:rPr sz="1800" i="1">
+                              <a:latin typeface="Cambria Math"/>
+                              <a:sym typeface="Cambria Math"/>
+                            </a:rPr>
+                            <m:t>)</m:t>
+                          </m:r>
+                        </m:den>
+                      </m:f>
+                    </m:oMath>
+                  </m:oMathPara>
+                </a14:m>
+              </a:p>
+            </p:txBody>
+          </p:sp>
+        </mc:Choice>
+        <mc:Fallback>
+          <p:sp>
+            <p:nvSpPr>
+              <p:cNvPr id="6" name=""/>
+              <p:cNvSpPr txBox="1"/>
+              <p:nvPr/>
+            </p:nvSpPr>
+            <p:spPr>
+              <a:xfrm>
+                <a:off x="3676649" y="3278290"/>
+                <a:ext cx="2419350" cy="695325"/>
+              </a:xfrm>
+              <a:prstGeom prst="rect">
+                <a:avLst/>
+              </a:prstGeom>
+              <a:blipFill rotWithShape="1">
+                <a:blip r:embed="rId2"/>
+                <a:stretch>
+                  <a:fillRect/>
+                </a:stretch>
+              </a:blipFill>
+            </p:spPr>
+          </p:sp>
+        </mc:Fallback>
+      </mc:AlternateContent>
+      <mc:AlternateContent xmlns:mc="http://schemas.openxmlformats.org/markup-compatibility/2006">
+        <mc:Choice xmlns:a14="http://schemas.microsoft.com/office/drawing/2010/main" Requires="a14">
+          <p:sp>
+            <p:nvSpPr>
+              <p:cNvPr id="7" name=""/>
+              <p:cNvSpPr/>
+              <p:nvPr/>
+            </p:nvSpPr>
+            <p:spPr>
+              <a:xfrm>
+                <a:off x="5940592" y="4118334"/>
+                <a:ext cx="1295400" cy="695325"/>
+              </a:xfrm>
+              <a:custGeom>
+                <a:avLst/>
+                <a:gdLst/>
+                <a:cxnLst>
+                  <a:cxn ang="3cd4">
+                    <a:pos x="hc" y="t"/>
+                  </a:cxn>
+                  <a:cxn ang="cd2">
+                    <a:pos x="l" y="vc"/>
+                  </a:cxn>
+                  <a:cxn ang="cd4">
+                    <a:pos x="hc" y="b"/>
+                  </a:cxn>
+                  <a:cxn ang="0">
+                    <a:pos x="r" y="vc"/>
+                  </a:cxn>
+                </a:cxnLst>
+                <a:rect l="l" t="t" r="r" b="b"/>
+                <a:pathLst>
+                  <a:path w="914400" h="914400">
+                    <a:moveTo>
+                      <a:pt x="0" y="0"/>
+                    </a:moveTo>
+                    <a:lnTo>
+                      <a:pt x="914400" y="0"/>
+                    </a:lnTo>
+                    <a:lnTo>
+                      <a:pt x="914400" y="914400"/>
+                    </a:lnTo>
+                    <a:lnTo>
+                      <a:pt x="0" y="914400"/>
+                    </a:lnTo>
+                    <a:close/>
+                  </a:path>
+                </a:pathLst>
+              </a:custGeom>
+            </p:spPr>
+            <p:txBody>
+              <a:bodyPr/>
+              <a:lstStyle/>
+              <a:p>
+                <a:pPr algn="l"/>
+                <a14:m xmlns:m="http://schemas.openxmlformats.org/officeDocument/2006/math" xmlns:mc="http://schemas.openxmlformats.org/markup-compatibility/2006" xmlns:ho="http://schemas.haansoft.com/office/8.0" mc:Ignorable="ho" ho:hncCreate="1">
+                  <m:oMathPara>
+                    <m:oMathParaPr>
+                      <m:jc m:val="left"/>
+                    </m:oMathParaPr>
+                    <m:oMath xmlns:m="http://schemas.openxmlformats.org/officeDocument/2006/math">
+                      <m:f>
+                        <m:fPr>
+                          <m:ctrlPr>
+                            <a:rPr sz="1800" i="1">
+                              <a:latin typeface="Cambria Math"/>
+                              <a:sym typeface="Cambria Math"/>
+                            </a:rPr>
+                          </m:ctrlPr>
+                        </m:fPr>
+                        <m:num>
+                          <m:r>
+                            <a:rPr sz="1800" i="1">
+                              <a:latin typeface="Cambria Math"/>
+                              <a:sym typeface="Cambria Math"/>
+                            </a:rPr>
+                            <m:t>𝑇</m:t>
+                          </m:r>
+                          <m:r>
+                            <a:rPr sz="1800" i="1">
+                              <a:latin typeface="Cambria Math"/>
+                              <a:sym typeface="Cambria Math"/>
+                            </a:rPr>
+                            <m:t>𝑃</m:t>
+                          </m:r>
+                        </m:num>
+                        <m:den>
+                          <m:r>
+                            <a:rPr sz="1800" i="1">
+                              <a:latin typeface="Cambria Math"/>
+                              <a:sym typeface="Cambria Math"/>
+                            </a:rPr>
+                            <m:t>(</m:t>
+                          </m:r>
+                          <m:r>
+                            <a:rPr sz="1800" i="1">
+                              <a:latin typeface="Cambria Math"/>
+                              <a:sym typeface="Cambria Math"/>
+                            </a:rPr>
+                            <m:t>𝑇</m:t>
+                          </m:r>
+                          <m:r>
+                            <a:rPr sz="1800" i="1">
+                              <a:latin typeface="Cambria Math"/>
+                              <a:sym typeface="Cambria Math"/>
+                            </a:rPr>
+                            <m:t>𝑃</m:t>
+                          </m:r>
+                          <m:r>
+                            <a:rPr sz="1800" i="1">
+                              <a:latin typeface="Cambria Math"/>
+                              <a:sym typeface="Cambria Math"/>
+                            </a:rPr>
+                            <m:t>+</m:t>
+                          </m:r>
+                          <m:r>
+                            <a:rPr sz="1800" i="1">
+                              <a:latin typeface="Cambria Math"/>
+                              <a:sym typeface="Cambria Math"/>
+                            </a:rPr>
+                            <m:t>𝐹</m:t>
+                          </m:r>
+                          <m:r>
+                            <a:rPr sz="1800" i="1">
+                              <a:latin typeface="Cambria Math"/>
+                              <a:sym typeface="Cambria Math"/>
+                            </a:rPr>
+                            <m:t>𝑃</m:t>
+                          </m:r>
+                          <m:r>
+                            <a:rPr sz="1800" i="1">
+                              <a:latin typeface="Cambria Math"/>
+                              <a:sym typeface="Cambria Math"/>
+                            </a:rPr>
+                            <m:t>)</m:t>
+                          </m:r>
+                        </m:den>
+                      </m:f>
+                    </m:oMath>
+                  </m:oMathPara>
+                </a14:m>
+              </a:p>
+            </p:txBody>
+          </p:sp>
+        </mc:Choice>
+        <mc:Fallback>
+          <p:sp>
+            <p:nvSpPr>
+              <p:cNvPr id="7" name=""/>
+              <p:cNvSpPr txBox="1"/>
+              <p:nvPr/>
+            </p:nvSpPr>
+            <p:spPr>
+              <a:xfrm>
+                <a:off x="5940592" y="4118334"/>
+                <a:ext cx="1295400" cy="695325"/>
+              </a:xfrm>
+              <a:prstGeom prst="rect">
+                <a:avLst/>
+              </a:prstGeom>
+              <a:blipFill rotWithShape="1">
+                <a:blip r:embed="rId3"/>
+                <a:stretch>
+                  <a:fillRect/>
+                </a:stretch>
+              </a:blipFill>
+            </p:spPr>
+          </p:sp>
+        </mc:Fallback>
+      </mc:AlternateContent>
+      <mc:AlternateContent xmlns:mc="http://schemas.openxmlformats.org/markup-compatibility/2006">
+        <mc:Choice xmlns:a14="http://schemas.microsoft.com/office/drawing/2010/main" Requires="a14">
+          <p:sp>
+            <p:nvSpPr>
+              <p:cNvPr id="8" name=""/>
+              <p:cNvSpPr/>
+              <p:nvPr/>
+            </p:nvSpPr>
+            <p:spPr>
+              <a:xfrm>
+                <a:off x="5963903" y="4918038"/>
+                <a:ext cx="1323975" cy="695325"/>
+              </a:xfrm>
+              <a:custGeom>
+                <a:avLst/>
+                <a:gdLst/>
+                <a:cxnLst>
+                  <a:cxn ang="3cd4">
+                    <a:pos x="hc" y="t"/>
+                  </a:cxn>
+                  <a:cxn ang="cd2">
+                    <a:pos x="l" y="vc"/>
+                  </a:cxn>
+                  <a:cxn ang="cd4">
+                    <a:pos x="hc" y="b"/>
+                  </a:cxn>
+                  <a:cxn ang="0">
+                    <a:pos x="r" y="vc"/>
+                  </a:cxn>
+                </a:cxnLst>
+                <a:rect l="l" t="t" r="r" b="b"/>
+                <a:pathLst>
+                  <a:path w="914400" h="914400">
+                    <a:moveTo>
+                      <a:pt x="0" y="0"/>
+                    </a:moveTo>
+                    <a:lnTo>
+                      <a:pt x="914400" y="0"/>
+                    </a:lnTo>
+                    <a:lnTo>
+                      <a:pt x="914400" y="914400"/>
+                    </a:lnTo>
+                    <a:lnTo>
+                      <a:pt x="0" y="914400"/>
+                    </a:lnTo>
+                    <a:close/>
+                  </a:path>
+                </a:pathLst>
+              </a:custGeom>
+            </p:spPr>
+            <p:txBody>
+              <a:bodyPr/>
+              <a:lstStyle/>
+              <a:p>
+                <a:pPr algn="l"/>
+                <a14:m xmlns:m="http://schemas.openxmlformats.org/officeDocument/2006/math" xmlns:mc="http://schemas.openxmlformats.org/markup-compatibility/2006" xmlns:ho="http://schemas.haansoft.com/office/8.0" mc:Ignorable="ho" ho:hncCreate="1">
+                  <m:oMathPara>
+                    <m:oMathParaPr>
+                      <m:jc m:val="left"/>
+                    </m:oMathParaPr>
+                    <m:oMath xmlns:m="http://schemas.openxmlformats.org/officeDocument/2006/math">
+                      <m:f>
+                        <m:fPr>
+                          <m:ctrlPr>
+                            <a:rPr sz="1800" i="1">
+                              <a:latin typeface="Cambria Math"/>
+                              <a:sym typeface="Cambria Math"/>
+                            </a:rPr>
+                          </m:ctrlPr>
+                        </m:fPr>
+                        <m:num>
+                          <m:r>
+                            <a:rPr sz="1800" i="1">
+                              <a:latin typeface="Cambria Math"/>
+                              <a:sym typeface="Cambria Math"/>
+                            </a:rPr>
+                            <m:t>𝑇</m:t>
+                          </m:r>
+                          <m:r>
+                            <a:rPr sz="1800" i="1">
+                              <a:latin typeface="Cambria Math"/>
+                              <a:sym typeface="Cambria Math"/>
+                            </a:rPr>
+                            <m:t>𝑃</m:t>
+                          </m:r>
+                        </m:num>
+                        <m:den>
+                          <m:r>
+                            <a:rPr sz="1800" i="1">
+                              <a:latin typeface="Cambria Math"/>
+                              <a:sym typeface="Cambria Math"/>
+                            </a:rPr>
+                            <m:t>(</m:t>
+                          </m:r>
+                          <m:r>
+                            <a:rPr sz="1800" i="1">
+                              <a:latin typeface="Cambria Math"/>
+                              <a:sym typeface="Cambria Math"/>
+                            </a:rPr>
+                            <m:t>𝑇</m:t>
+                          </m:r>
+                          <m:r>
+                            <a:rPr sz="1800" i="1">
+                              <a:latin typeface="Cambria Math"/>
+                              <a:sym typeface="Cambria Math"/>
+                            </a:rPr>
+                            <m:t>𝑃</m:t>
+                          </m:r>
+                          <m:r>
+                            <a:rPr sz="1800" i="1">
+                              <a:latin typeface="Cambria Math"/>
+                              <a:sym typeface="Cambria Math"/>
+                            </a:rPr>
+                            <m:t>+</m:t>
+                          </m:r>
+                          <m:r>
+                            <a:rPr sz="1800" i="1">
+                              <a:latin typeface="Cambria Math"/>
+                              <a:sym typeface="Cambria Math"/>
+                            </a:rPr>
+                            <m:t>𝐹</m:t>
+                          </m:r>
+                          <m:r>
+                            <a:rPr sz="1800" i="1">
+                              <a:latin typeface="Cambria Math"/>
+                              <a:sym typeface="Cambria Math"/>
+                            </a:rPr>
+                            <m:t>𝑁</m:t>
+                          </m:r>
+                          <m:r>
+                            <a:rPr sz="1800" i="1">
+                              <a:latin typeface="Cambria Math"/>
+                              <a:sym typeface="Cambria Math"/>
+                            </a:rPr>
+                            <m:t>)</m:t>
+                          </m:r>
+                        </m:den>
+                      </m:f>
+                    </m:oMath>
+                  </m:oMathPara>
+                </a14:m>
+              </a:p>
+            </p:txBody>
+          </p:sp>
+        </mc:Choice>
+        <mc:Fallback>
+          <p:sp>
+            <p:nvSpPr>
+              <p:cNvPr id="8" name=""/>
+              <p:cNvSpPr txBox="1"/>
+              <p:nvPr/>
+            </p:nvSpPr>
+            <p:spPr>
+              <a:xfrm>
+                <a:off x="5963903" y="4918038"/>
+                <a:ext cx="1323975" cy="695325"/>
+              </a:xfrm>
+              <a:prstGeom prst="rect">
+                <a:avLst/>
+              </a:prstGeom>
+              <a:blipFill rotWithShape="1">
+                <a:blip r:embed="rId4"/>
+                <a:stretch>
+                  <a:fillRect/>
+                </a:stretch>
+              </a:blipFill>
+            </p:spPr>
+          </p:sp>
+        </mc:Fallback>
+      </mc:AlternateContent>
+      <mc:AlternateContent xmlns:mc="http://schemas.openxmlformats.org/markup-compatibility/2006">
+        <mc:Choice xmlns:a14="http://schemas.microsoft.com/office/drawing/2010/main" Requires="a14">
+          <p:sp>
+            <p:nvSpPr>
+              <p:cNvPr id="9" name=""/>
+              <p:cNvSpPr/>
+              <p:nvPr/>
+            </p:nvSpPr>
+            <p:spPr>
+              <a:xfrm>
+                <a:off x="9002708" y="5727824"/>
+                <a:ext cx="2209800" cy="695325"/>
+              </a:xfrm>
+              <a:custGeom>
+                <a:avLst/>
+                <a:gdLst/>
+                <a:cxnLst>
+                  <a:cxn ang="3cd4">
+                    <a:pos x="hc" y="t"/>
+                  </a:cxn>
+                  <a:cxn ang="cd2">
+                    <a:pos x="l" y="vc"/>
+                  </a:cxn>
+                  <a:cxn ang="cd4">
+                    <a:pos x="hc" y="b"/>
+                  </a:cxn>
+                  <a:cxn ang="0">
+                    <a:pos x="r" y="vc"/>
+                  </a:cxn>
+                </a:cxnLst>
+                <a:rect l="l" t="t" r="r" b="b"/>
+                <a:pathLst>
+                  <a:path w="914400" h="914400">
+                    <a:moveTo>
+                      <a:pt x="0" y="0"/>
+                    </a:moveTo>
+                    <a:lnTo>
+                      <a:pt x="914400" y="0"/>
+                    </a:lnTo>
+                    <a:lnTo>
+                      <a:pt x="914400" y="914400"/>
+                    </a:lnTo>
+                    <a:lnTo>
+                      <a:pt x="0" y="914400"/>
+                    </a:lnTo>
+                    <a:close/>
+                  </a:path>
+                </a:pathLst>
+              </a:custGeom>
+            </p:spPr>
+            <p:txBody>
+              <a:bodyPr/>
+              <a:lstStyle/>
+              <a:p>
+                <a:pPr algn="l"/>
+                <a14:m xmlns:m="http://schemas.openxmlformats.org/officeDocument/2006/math" xmlns:mc="http://schemas.openxmlformats.org/markup-compatibility/2006" xmlns:ho="http://schemas.haansoft.com/office/8.0" mc:Ignorable="ho" ho:hncCreate="1">
+                  <m:oMathPara>
+                    <m:oMathParaPr>
+                      <m:jc m:val="left"/>
+                    </m:oMathParaPr>
+                    <m:oMath xmlns:m="http://schemas.openxmlformats.org/officeDocument/2006/math">
+                      <m:f>
+                        <m:fPr>
+                          <m:ctrlPr>
+                            <a:rPr sz="1800" i="1">
+                              <a:latin typeface="Cambria Math"/>
+                              <a:sym typeface="Cambria Math"/>
+                            </a:rPr>
+                          </m:ctrlPr>
+                        </m:fPr>
+                        <m:num>
+                          <m:r>
+                            <a:rPr sz="1800" i="1">
+                              <a:latin typeface="Cambria Math"/>
+                              <a:sym typeface="Cambria Math"/>
+                            </a:rPr>
+                            <m:t>2*정밀도*재현율</m:t>
+                          </m:r>
+                        </m:num>
+                        <m:den>
+                          <m:r>
+                            <a:rPr sz="1800" i="1">
+                              <a:latin typeface="Cambria Math"/>
+                              <a:sym typeface="Cambria Math"/>
+                            </a:rPr>
+                            <m:t>정밀도+재현율</m:t>
+                          </m:r>
+                        </m:den>
+                      </m:f>
+                    </m:oMath>
+                  </m:oMathPara>
+                </a14:m>
+              </a:p>
+            </p:txBody>
+          </p:sp>
+        </mc:Choice>
+        <mc:Fallback>
+          <p:sp>
+            <p:nvSpPr>
+              <p:cNvPr id="9" name=""/>
+              <p:cNvSpPr txBox="1"/>
+              <p:nvPr/>
+            </p:nvSpPr>
+            <p:spPr>
+              <a:xfrm>
+                <a:off x="9002708" y="5727824"/>
+                <a:ext cx="2209800" cy="695325"/>
+              </a:xfrm>
+              <a:prstGeom prst="rect">
+                <a:avLst/>
+              </a:prstGeom>
+              <a:blipFill rotWithShape="1">
+                <a:blip r:embed="rId5"/>
+                <a:stretch>
+                  <a:fillRect/>
+                </a:stretch>
+              </a:blipFill>
+            </p:spPr>
+          </p:sp>
+        </mc:Fallback>
+      </mc:AlternateContent>
+      <p:graphicFrame>
+        <p:nvGraphicFramePr>
+          <p:cNvPr id="12" name=""/>
+          <p:cNvGraphicFramePr>
+            <a:graphicFrameLocks noGrp="1"/>
+          </p:cNvGraphicFramePr>
+          <p:nvPr/>
+        </p:nvGraphicFramePr>
+        <p:xfrm>
+          <a:off x="4290161" y="1254909"/>
+          <a:ext cx="3611678" cy="1403985"/>
+        </p:xfrm>
+        <a:graphic>
+          <a:graphicData uri="http://schemas.openxmlformats.org/drawingml/2006/table">
+            <a:tbl>
+              <a:tblPr firstRow="1" bandRow="1">
+                <a:tableStyle styleId="{26EB75EC-ACF4-43F1-940C-6C9C5489C1DE}" styleName="Normal Style 4 - Body/Background 4">
+                  <a:wholeTbl>
+                    <a:tcTxStyle>
+                      <a:fontRef idx="minor">
+                        <a:scrgbClr r="0" g="0" b="0"/>
+                      </a:fontRef>
+                      <a:schemeClr val="dk1"/>
+                    </a:tcTxStyle>
+                    <a:tcStyle>
+                      <a:tcBdr>
+                        <a:left>
+                          <a:ln w="40000" cmpd="sng">
+                            <a:solidFill>
+                              <a:schemeClr val="dk1"/>
+                            </a:solidFill>
+                          </a:ln>
+                        </a:left>
+                        <a:right>
+                          <a:ln w="40000" cmpd="sng">
+                            <a:solidFill>
+                              <a:schemeClr val="dk1"/>
+                            </a:solidFill>
+                          </a:ln>
+                        </a:right>
+                        <a:top>
+                          <a:ln w="40000" cmpd="sng">
+                            <a:solidFill>
+                              <a:schemeClr val="dk1"/>
+                            </a:solidFill>
+                          </a:ln>
+                        </a:top>
+                        <a:bottom>
+                          <a:ln w="40000" cmpd="sng">
+                            <a:solidFill>
+                              <a:schemeClr val="dk1"/>
+                            </a:solidFill>
+                          </a:ln>
+                        </a:bottom>
+                        <a:insideH>
+                          <a:ln w="12700" cmpd="sng">
+                            <a:solidFill>
+                              <a:schemeClr val="dk1"/>
+                            </a:solidFill>
+                          </a:ln>
+                        </a:insideH>
+                        <a:insideV>
+                          <a:ln w="12700" cmpd="sng">
+                            <a:solidFill>
+                              <a:schemeClr val="dk1"/>
+                            </a:solidFill>
+                          </a:ln>
+                        </a:insideV>
+                      </a:tcBdr>
+                      <a:fill>
+                        <a:solidFill>
+                          <a:schemeClr val="dk1">
+                            <a:lum val="90000"/>
+                          </a:schemeClr>
+                        </a:solidFill>
+                      </a:fill>
+                    </a:tcStyle>
+                  </a:wholeTbl>
+                  <a:band1H>
+                    <a:tcTxStyle/>
+                    <a:tcStyle>
+                      <a:tcBdr/>
+                      <a:fill>
+                        <a:solidFill>
+                          <a:schemeClr val="dk1">
+                            <a:tint val="50000"/>
+                          </a:schemeClr>
+                        </a:solidFill>
+                      </a:fill>
+                    </a:tcStyle>
+                  </a:band1H>
+                  <a:band1V>
+                    <a:tcTxStyle/>
+                    <a:tcStyle>
+                      <a:tcBdr/>
+                      <a:fill>
+                        <a:solidFill>
+                          <a:schemeClr val="dk1">
+                            <a:tint val="50000"/>
+                          </a:schemeClr>
+                        </a:solidFill>
+                      </a:fill>
+                    </a:tcStyle>
+                  </a:band1V>
+                  <a:lastCol>
+                    <a:tcTxStyle b="on"/>
+                    <a:tcStyle>
+                      <a:tcBdr/>
+                    </a:tcStyle>
+                  </a:lastCol>
+                  <a:firstCol>
+                    <a:tcTxStyle b="on"/>
+                    <a:tcStyle>
+                      <a:tcBdr/>
+                    </a:tcStyle>
+                  </a:firstCol>
+                  <a:lastRow>
+                    <a:tcTxStyle b="on"/>
+                    <a:tcStyle>
+                      <a:tcBdr>
+                        <a:top>
+                          <a:ln w="25400" cmpd="sng">
+                            <a:solidFill>
+                              <a:schemeClr val="dk1"/>
+                            </a:solidFill>
+                          </a:ln>
+                        </a:top>
+                      </a:tcBdr>
+                      <a:fill>
+                        <a:solidFill>
+                          <a:schemeClr val="dk1">
+                            <a:tint val="20000"/>
+                          </a:schemeClr>
+                        </a:solidFill>
+                      </a:fill>
+                    </a:tcStyle>
+                  </a:lastRow>
+                  <a:firstRow>
+                    <a:tcTxStyle b="on">
+                      <a:fontRef idx="minor">
+                        <a:scrgbClr r="0" g="0" b="0"/>
+                      </a:fontRef>
+                      <a:schemeClr val="dk1">
+                        <a:shade val="80000"/>
+                      </a:schemeClr>
+                    </a:tcTxStyle>
+                    <a:tcStyle>
+                      <a:tcBdr>
+                        <a:bottom>
+                          <a:ln w="35400" cmpd="sng">
+                            <a:solidFill>
+                              <a:schemeClr val="dk1">
+                                <a:shade val="80000"/>
+                              </a:schemeClr>
+                            </a:solidFill>
+                          </a:ln>
+                        </a:bottom>
+                      </a:tcBdr>
+                      <a:fill>
+                        <a:solidFill>
+                          <a:schemeClr val="dk1">
+                            <a:tint val="20000"/>
+                          </a:schemeClr>
+                        </a:solidFill>
+                      </a:fill>
+                    </a:tcStyle>
+                  </a:firstRow>
+                </a:tableStyle>
+              </a:tblPr>
+              <a:tblGrid>
+                <a:gridCol w="662738"/>
+                <a:gridCol w="982980"/>
+                <a:gridCol w="992505"/>
+                <a:gridCol w="973455"/>
+              </a:tblGrid>
+              <a:tr h="292105">
+                <a:tc rowSpan="2" gridSpan="2">
+                  <a:txBody>
+                    <a:bodyPr vert="horz" wrap="square" lIns="91440" tIns="45720" rIns="91440" bIns="45720" anchor="ctr" anchorCtr="0">
+                      <a:spAutoFit/>
+                    </a:bodyPr>
+                    <a:p>
+                      <a:pPr algn="ctr">
+                        <a:defRPr/>
+                      </a:pPr>
+                      <a:endParaRPr lang="en-US" altLang="ko-KR"/>
+                    </a:p>
+                  </a:txBody>
+                  <a:tcPr marL="91440" marR="91440" anchor="ctr">
+                    <a:lnL w="25400" cap="flat" cmpd="sng" algn="ctr">
+                      <a:solidFill>
+                        <a:schemeClr val="dk1"/>
+                      </a:solidFill>
+                      <a:prstDash val="solid"/>
+                      <a:round/>
+                      <a:headEnd w="med" len="med"/>
+                      <a:tailEnd w="med" len="med"/>
+                    </a:lnL>
+                    <a:lnR w="25400" cap="flat" cmpd="sng" algn="ctr">
+                      <a:solidFill>
+                        <a:schemeClr val="dk1"/>
+                      </a:solidFill>
+                      <a:prstDash val="solid"/>
+                      <a:round/>
+                      <a:headEnd w="med" len="med"/>
+                      <a:tailEnd w="med" len="med"/>
+                    </a:lnR>
+                    <a:lnT w="25400" cap="flat" cmpd="sng" algn="ctr">
+                      <a:solidFill>
+                        <a:schemeClr val="dk1"/>
+                      </a:solidFill>
+                      <a:prstDash val="solid"/>
+                      <a:round/>
+                      <a:headEnd w="med" len="med"/>
+                      <a:tailEnd w="med" len="med"/>
+                    </a:lnT>
+                    <a:lnB w="25400" cap="flat" cmpd="sng" algn="ctr">
+                      <a:solidFill>
+                        <a:schemeClr val="dk1"/>
+                      </a:solidFill>
+                      <a:prstDash val="solid"/>
+                      <a:round/>
+                      <a:headEnd w="med" len="med"/>
+                      <a:tailEnd w="med" len="med"/>
+                    </a:lnB>
+                    <a:solidFill>
+                      <a:srgbClr val="808080"/>
+                    </a:solidFill>
+                  </a:tcPr>
+                </a:tc>
+                <a:tc rowSpan="2" hMerge="1">
+                  <a:txBody>
+                    <a:bodyPr vert="horz" wrap="square" lIns="91440" tIns="45720" rIns="91440" bIns="45720" anchor="t" anchorCtr="0">
+                      <a:spAutoFit/>
+                    </a:bodyPr>
+                    <a:p>
+                      <a:pPr>
+                        <a:defRPr/>
+                      </a:pPr>
+                      <a:endParaRPr lang="en-US" altLang="ko-KR"/>
+                    </a:p>
+                  </a:txBody>
+                  <a:tcPr marL="91440" marR="91440"/>
+                </a:tc>
+                <a:tc gridSpan="2">
+                  <a:txBody>
+                    <a:bodyPr vert="horz" wrap="square" lIns="91440" tIns="45720" rIns="91440" bIns="45720" anchor="ctr" anchorCtr="0">
+                      <a:spAutoFit/>
+                    </a:bodyPr>
+                    <a:p>
+                      <a:pPr algn="ctr">
+                        <a:defRPr/>
+                      </a:pPr>
+                      <a:r>
+                        <a:rPr lang="en-US" altLang="ko-KR"/>
+                        <a:t>Knowledge</a:t>
+                      </a:r>
+                      <a:endParaRPr lang="en-US" altLang="ko-KR"/>
+                    </a:p>
+                  </a:txBody>
+                  <a:tcPr marL="91440" marR="91440" anchor="ctr">
+                    <a:lnL w="25400" cap="flat" cmpd="sng" algn="ctr">
+                      <a:solidFill>
+                        <a:schemeClr val="dk1"/>
+                      </a:solidFill>
+                      <a:prstDash val="solid"/>
+                      <a:round/>
+                      <a:headEnd w="med" len="med"/>
+                      <a:tailEnd w="med" len="med"/>
+                    </a:lnL>
+                    <a:lnR w="25400" cap="flat" cmpd="sng" algn="ctr">
+                      <a:solidFill>
+                        <a:schemeClr val="dk1"/>
+                      </a:solidFill>
+                      <a:prstDash val="solid"/>
+                      <a:round/>
+                      <a:headEnd w="med" len="med"/>
+                      <a:tailEnd w="med" len="med"/>
+                    </a:lnR>
+                    <a:lnT w="25400" cap="flat" cmpd="sng" algn="ctr">
+                      <a:solidFill>
+                        <a:schemeClr val="dk1"/>
+                      </a:solidFill>
+                      <a:prstDash val="solid"/>
+                      <a:round/>
+                      <a:headEnd w="med" len="med"/>
+                      <a:tailEnd w="med" len="med"/>
+                    </a:lnT>
+                    <a:lnB w="25400" cap="flat" cmpd="sng" algn="ctr">
+                      <a:solidFill>
+                        <a:schemeClr val="dk1"/>
+                      </a:solidFill>
+                      <a:prstDash val="solid"/>
+                      <a:round/>
+                      <a:headEnd w="med" len="med"/>
+                      <a:tailEnd w="med" len="med"/>
+                    </a:lnB>
+                    <a:solidFill>
+                      <a:srgbClr val="a6a6a6"/>
+                    </a:solidFill>
+                  </a:tcPr>
+                </a:tc>
+                <a:tc hMerge="1">
+                  <a:txBody>
+                    <a:bodyPr vert="horz" wrap="square" lIns="91440" tIns="45720" rIns="91440" bIns="45720" anchor="t" anchorCtr="0">
+                      <a:spAutoFit/>
+                    </a:bodyPr>
+                    <a:p>
+                      <a:pPr>
+                        <a:defRPr/>
+                      </a:pPr>
+                      <a:endParaRPr lang="en-US" altLang="ko-KR"/>
+                    </a:p>
+                  </a:txBody>
+                  <a:tcPr marL="91440" marR="91440"/>
+                </a:tc>
+              </a:tr>
+              <a:tr h="292105">
+                <a:tc gridSpan="2" vMerge="1">
+                  <a:txBody>
+                    <a:bodyPr vert="horz" wrap="square" lIns="91440" tIns="45720" rIns="91440" bIns="45720" anchor="t" anchorCtr="0">
+                      <a:spAutoFit/>
+                    </a:bodyPr>
+                    <a:p>
+                      <a:pPr>
+                        <a:defRPr/>
+                      </a:pPr>
+                      <a:endParaRPr lang="en-US" altLang="ko-KR"/>
+                    </a:p>
+                  </a:txBody>
+                  <a:tcPr marL="91440" marR="91440"/>
+                </a:tc>
+                <a:tc hMerge="1" vMerge="1">
+                  <a:txBody>
+                    <a:bodyPr vert="horz" wrap="square" lIns="91440" tIns="45720" rIns="91440" bIns="45720" anchor="t" anchorCtr="0">
+                      <a:spAutoFit/>
+                    </a:bodyPr>
+                    <a:p>
+                      <a:pPr>
+                        <a:defRPr/>
+                      </a:pPr>
+                      <a:endParaRPr lang="en-US" altLang="ko-KR"/>
+                    </a:p>
+                  </a:txBody>
+                  <a:tcPr marL="91440" marR="91440"/>
+                </a:tc>
+                <a:tc>
+                  <a:txBody>
+                    <a:bodyPr vert="horz" wrap="square" lIns="91440" tIns="45720" rIns="91440" bIns="45720" anchor="ctr" anchorCtr="0">
+                      <a:spAutoFit/>
+                    </a:bodyPr>
+                    <a:p>
+                      <a:pPr algn="ctr">
+                        <a:defRPr/>
+                      </a:pPr>
+                      <a:r>
+                        <a:rPr lang="en-US" altLang="ko-KR" sz="1400" b="1"/>
+                        <a:t>Positive</a:t>
+                      </a:r>
+                      <a:endParaRPr lang="en-US" altLang="ko-KR" sz="1400" b="1"/>
+                    </a:p>
+                  </a:txBody>
+                  <a:tcPr marL="91440" marR="91440" anchor="ctr">
+                    <a:lnL w="25400" cap="flat" cmpd="sng" algn="ctr">
+                      <a:solidFill>
+                        <a:schemeClr val="dk1"/>
+                      </a:solidFill>
+                      <a:prstDash val="solid"/>
+                      <a:round/>
+                      <a:headEnd w="med" len="med"/>
+                      <a:tailEnd w="med" len="med"/>
+                    </a:lnL>
+                    <a:lnR w="25400" cap="flat" cmpd="sng" algn="ctr">
+                      <a:solidFill>
+                        <a:schemeClr val="dk1"/>
+                      </a:solidFill>
+                      <a:prstDash val="solid"/>
+                      <a:round/>
+                      <a:headEnd w="med" len="med"/>
+                      <a:tailEnd w="med" len="med"/>
+                    </a:lnR>
+                    <a:lnT w="25400" cap="flat" cmpd="sng" algn="ctr">
+                      <a:solidFill>
+                        <a:schemeClr val="dk1"/>
+                      </a:solidFill>
+                      <a:prstDash val="solid"/>
+                      <a:round/>
+                      <a:headEnd w="med" len="med"/>
+                      <a:tailEnd w="med" len="med"/>
+                    </a:lnT>
+                    <a:lnB w="25400" cap="flat" cmpd="sng" algn="ctr">
+                      <a:solidFill>
+                        <a:schemeClr val="dk1"/>
+                      </a:solidFill>
+                      <a:prstDash val="solid"/>
+                      <a:round/>
+                      <a:headEnd w="med" len="med"/>
+                      <a:tailEnd w="med" len="med"/>
+                    </a:lnB>
+                    <a:solidFill>
+                      <a:srgbClr val="bfbfbf"/>
+                    </a:solidFill>
+                  </a:tcPr>
+                </a:tc>
+                <a:tc>
+                  <a:txBody>
+                    <a:bodyPr vert="horz" wrap="square" lIns="91440" tIns="45720" rIns="91440" bIns="45720" anchor="ctr" anchorCtr="0">
+                      <a:spAutoFit/>
+                    </a:bodyPr>
+                    <a:p>
+                      <a:pPr algn="ctr">
+                        <a:defRPr/>
+                      </a:pPr>
+                      <a:r>
+                        <a:rPr lang="en-US" altLang="ko-KR" sz="1400" b="1"/>
+                        <a:t>Negative</a:t>
+                      </a:r>
+                      <a:endParaRPr lang="en-US" altLang="ko-KR" sz="1400" b="1"/>
+                    </a:p>
+                  </a:txBody>
+                  <a:tcPr marL="91440" marR="91440" anchor="ctr">
+                    <a:lnL w="25400" cap="flat" cmpd="sng" algn="ctr">
+                      <a:solidFill>
+                        <a:schemeClr val="dk1"/>
+                      </a:solidFill>
+                      <a:prstDash val="solid"/>
+                      <a:round/>
+                      <a:headEnd w="med" len="med"/>
+                      <a:tailEnd w="med" len="med"/>
+                    </a:lnL>
+                    <a:lnR w="25400" cap="flat" cmpd="sng" algn="ctr">
+                      <a:solidFill>
+                        <a:schemeClr val="dk1"/>
+                      </a:solidFill>
+                      <a:prstDash val="solid"/>
+                      <a:round/>
+                      <a:headEnd w="med" len="med"/>
+                      <a:tailEnd w="med" len="med"/>
+                    </a:lnR>
+                    <a:lnT w="25400" cap="flat" cmpd="sng" algn="ctr">
+                      <a:solidFill>
+                        <a:schemeClr val="dk1"/>
+                      </a:solidFill>
+                      <a:prstDash val="solid"/>
+                      <a:round/>
+                      <a:headEnd w="med" len="med"/>
+                      <a:tailEnd w="med" len="med"/>
+                    </a:lnT>
+                    <a:lnB w="25400" cap="flat" cmpd="sng" algn="ctr">
+                      <a:solidFill>
+                        <a:schemeClr val="dk1"/>
+                      </a:solidFill>
+                      <a:prstDash val="solid"/>
+                      <a:round/>
+                      <a:headEnd w="med" len="med"/>
+                      <a:tailEnd w="med" len="med"/>
+                    </a:lnB>
+                    <a:solidFill>
+                      <a:srgbClr val="bfbfbf"/>
+                    </a:solidFill>
+                  </a:tcPr>
+                </a:tc>
+              </a:tr>
+              <a:tr h="292105">
+                <a:tc rowSpan="2">
+                  <a:txBody>
+                    <a:bodyPr vert="horz" wrap="square" lIns="91440" tIns="45720" rIns="91440" bIns="45720" anchor="ctr" anchorCtr="0">
+                      <a:spAutoFit/>
+                    </a:bodyPr>
+                    <a:p>
+                      <a:pPr algn="ctr">
+                        <a:defRPr/>
+                      </a:pPr>
+                      <a:r>
+                        <a:rPr lang="en-US" altLang="ko-KR" b="1"/>
+                        <a:t>MA</a:t>
+                      </a:r>
+                      <a:endParaRPr lang="en-US" altLang="ko-KR" b="1"/>
+                    </a:p>
+                  </a:txBody>
+                  <a:tcPr marL="91440" marR="91440" anchor="ctr">
+                    <a:lnL w="25400" cap="flat" cmpd="sng" algn="ctr">
+                      <a:solidFill>
+                        <a:schemeClr val="dk1"/>
+                      </a:solidFill>
+                      <a:prstDash val="solid"/>
+                      <a:round/>
+                      <a:headEnd w="med" len="med"/>
+                      <a:tailEnd w="med" len="med"/>
+                    </a:lnL>
+                    <a:lnR w="25400" cap="flat" cmpd="sng" algn="ctr">
+                      <a:solidFill>
+                        <a:schemeClr val="dk1"/>
+                      </a:solidFill>
+                      <a:prstDash val="solid"/>
+                      <a:round/>
+                      <a:headEnd w="med" len="med"/>
+                      <a:tailEnd w="med" len="med"/>
+                    </a:lnR>
+                    <a:lnT w="25400" cap="flat" cmpd="sng" algn="ctr">
+                      <a:solidFill>
+                        <a:schemeClr val="dk1"/>
+                      </a:solidFill>
+                      <a:prstDash val="solid"/>
+                      <a:round/>
+                      <a:headEnd w="med" len="med"/>
+                      <a:tailEnd w="med" len="med"/>
+                    </a:lnT>
+                    <a:lnB w="25400" cap="flat" cmpd="sng" algn="ctr">
+                      <a:solidFill>
+                        <a:schemeClr val="dk1"/>
+                      </a:solidFill>
+                      <a:prstDash val="solid"/>
+                      <a:round/>
+                      <a:headEnd w="med" len="med"/>
+                      <a:tailEnd w="med" len="med"/>
+                    </a:lnB>
+                    <a:solidFill>
+                      <a:srgbClr val="a6a6a6"/>
+                    </a:solidFill>
+                  </a:tcPr>
+                </a:tc>
+                <a:tc>
+                  <a:txBody>
+                    <a:bodyPr vert="horz" wrap="square" lIns="91440" tIns="45720" rIns="91440" bIns="45720" anchor="ctr" anchorCtr="0">
+                      <a:spAutoFit/>
+                    </a:bodyPr>
+                    <a:p>
+                      <a:pPr algn="ctr">
+                        <a:defRPr/>
+                      </a:pPr>
+                      <a:r>
+                        <a:rPr lang="en-US" altLang="ko-KR" sz="1400" b="1"/>
+                        <a:t>Positive</a:t>
+                      </a:r>
+                      <a:endParaRPr lang="en-US" altLang="ko-KR" sz="1400" b="1"/>
+                    </a:p>
+                  </a:txBody>
+                  <a:tcPr marL="91440" marR="91440" anchor="ctr">
+                    <a:lnL w="25400" cap="flat" cmpd="sng" algn="ctr">
+                      <a:solidFill>
+                        <a:schemeClr val="dk1"/>
+                      </a:solidFill>
+                      <a:prstDash val="solid"/>
+                      <a:round/>
+                      <a:headEnd w="med" len="med"/>
+                      <a:tailEnd w="med" len="med"/>
+                    </a:lnL>
+                    <a:lnR w="25400" cap="flat" cmpd="sng" algn="ctr">
+                      <a:solidFill>
+                        <a:schemeClr val="dk1"/>
+                      </a:solidFill>
+                      <a:prstDash val="solid"/>
+                      <a:round/>
+                      <a:headEnd w="med" len="med"/>
+                      <a:tailEnd w="med" len="med"/>
+                    </a:lnR>
+                    <a:lnT w="25400" cap="flat" cmpd="sng" algn="ctr">
+                      <a:solidFill>
+                        <a:schemeClr val="dk1"/>
+                      </a:solidFill>
+                      <a:prstDash val="solid"/>
+                      <a:round/>
+                      <a:headEnd w="med" len="med"/>
+                      <a:tailEnd w="med" len="med"/>
+                    </a:lnT>
+                    <a:lnB w="25400" cap="flat" cmpd="sng" algn="ctr">
+                      <a:solidFill>
+                        <a:schemeClr val="dk1"/>
+                      </a:solidFill>
+                      <a:prstDash val="solid"/>
+                      <a:round/>
+                      <a:headEnd w="med" len="med"/>
+                      <a:tailEnd w="med" len="med"/>
+                    </a:lnB>
+                    <a:solidFill>
+                      <a:srgbClr val="bfbfbf"/>
+                    </a:solidFill>
+                  </a:tcPr>
+                </a:tc>
+                <a:tc>
+                  <a:txBody>
+                    <a:bodyPr vert="horz" wrap="square" lIns="91440" tIns="45720" rIns="91440" bIns="45720" anchor="ctr" anchorCtr="0">
+                      <a:spAutoFit/>
+                    </a:bodyPr>
+                    <a:p>
+                      <a:pPr algn="ctr">
+                        <a:defRPr/>
+                      </a:pPr>
+                      <a:r>
+                        <a:rPr lang="en-US" altLang="ko-KR" b="1"/>
+                        <a:t>TP</a:t>
+                      </a:r>
+                      <a:endParaRPr lang="en-US" altLang="ko-KR" b="1"/>
+                    </a:p>
+                  </a:txBody>
+                  <a:tcPr marL="91440" marR="91440" anchor="ctr">
+                    <a:lnL w="25400" cap="flat" cmpd="sng" algn="ctr">
+                      <a:solidFill>
+                        <a:schemeClr val="dk1"/>
+                      </a:solidFill>
+                      <a:prstDash val="solid"/>
+                      <a:round/>
+                      <a:headEnd w="med" len="med"/>
+                      <a:tailEnd w="med" len="med"/>
+                    </a:lnL>
+                    <a:lnR w="25400" cap="flat" cmpd="sng" algn="ctr">
+                      <a:solidFill>
+                        <a:schemeClr val="dk1"/>
+                      </a:solidFill>
+                      <a:prstDash val="solid"/>
+                      <a:round/>
+                      <a:headEnd w="med" len="med"/>
+                      <a:tailEnd w="med" len="med"/>
+                    </a:lnR>
+                    <a:lnT w="25400" cap="flat" cmpd="sng" algn="ctr">
+                      <a:solidFill>
+                        <a:schemeClr val="dk1"/>
+                      </a:solidFill>
+                      <a:prstDash val="solid"/>
+                      <a:round/>
+                      <a:headEnd w="med" len="med"/>
+                      <a:tailEnd w="med" len="med"/>
+                    </a:lnT>
+                    <a:lnB w="25400" cap="flat" cmpd="sng" algn="ctr">
+                      <a:solidFill>
+                        <a:schemeClr val="dk1"/>
+                      </a:solidFill>
+                      <a:prstDash val="solid"/>
+                      <a:round/>
+                      <a:headEnd w="med" len="med"/>
+                      <a:tailEnd w="med" len="med"/>
+                    </a:lnB>
+                    <a:noFill/>
+                  </a:tcPr>
+                </a:tc>
+                <a:tc>
+                  <a:txBody>
+                    <a:bodyPr vert="horz" wrap="square" lIns="91440" tIns="45720" rIns="91440" bIns="45720" anchor="ctr" anchorCtr="0">
+                      <a:spAutoFit/>
+                    </a:bodyPr>
+                    <a:p>
+                      <a:pPr algn="ctr">
+                        <a:defRPr/>
+                      </a:pPr>
+                      <a:r>
+                        <a:rPr lang="en-US" altLang="ko-KR" b="1"/>
+                        <a:t>FP</a:t>
+                      </a:r>
+                      <a:endParaRPr lang="en-US" altLang="ko-KR" b="1"/>
+                    </a:p>
+                  </a:txBody>
+                  <a:tcPr marL="91440" marR="91440" anchor="ctr">
+                    <a:lnL w="25400" cap="flat" cmpd="sng" algn="ctr">
+                      <a:solidFill>
+                        <a:schemeClr val="dk1"/>
+                      </a:solidFill>
+                      <a:prstDash val="solid"/>
+                      <a:round/>
+                      <a:headEnd w="med" len="med"/>
+                      <a:tailEnd w="med" len="med"/>
+                    </a:lnL>
+                    <a:lnR w="25400" cap="flat" cmpd="sng" algn="ctr">
+                      <a:solidFill>
+                        <a:schemeClr val="dk1"/>
+                      </a:solidFill>
+                      <a:prstDash val="solid"/>
+                      <a:round/>
+                      <a:headEnd w="med" len="med"/>
+                      <a:tailEnd w="med" len="med"/>
+                    </a:lnR>
+                    <a:lnT w="25400" cap="flat" cmpd="sng" algn="ctr">
+                      <a:solidFill>
+                        <a:schemeClr val="dk1"/>
+                      </a:solidFill>
+                      <a:prstDash val="solid"/>
+                      <a:round/>
+                      <a:headEnd w="med" len="med"/>
+                      <a:tailEnd w="med" len="med"/>
+                    </a:lnT>
+                    <a:lnB w="25400" cap="flat" cmpd="sng" algn="ctr">
+                      <a:solidFill>
+                        <a:schemeClr val="dk1"/>
+                      </a:solidFill>
+                      <a:prstDash val="solid"/>
+                      <a:round/>
+                      <a:headEnd w="med" len="med"/>
+                      <a:tailEnd w="med" len="med"/>
+                    </a:lnB>
+                    <a:solidFill>
+                      <a:srgbClr val="d9d9d9"/>
+                    </a:solidFill>
+                  </a:tcPr>
+                </a:tc>
+              </a:tr>
+              <a:tr h="292105">
+                <a:tc vMerge="1">
+                  <a:txBody>
+                    <a:bodyPr vert="horz" wrap="square" lIns="91440" tIns="45720" rIns="91440" bIns="45720" anchor="t" anchorCtr="0">
+                      <a:spAutoFit/>
+                    </a:bodyPr>
+                    <a:p>
+                      <a:pPr>
+                        <a:defRPr/>
+                      </a:pPr>
+                      <a:endParaRPr lang="en-US" altLang="ko-KR"/>
+                    </a:p>
+                  </a:txBody>
+                  <a:tcPr marL="91440" marR="91440"/>
+                </a:tc>
+                <a:tc>
+                  <a:txBody>
+                    <a:bodyPr vert="horz" wrap="square" lIns="91440" tIns="45720" rIns="91440" bIns="45720" anchor="ctr" anchorCtr="0">
+                      <a:spAutoFit/>
+                    </a:bodyPr>
+                    <a:p>
+                      <a:pPr algn="ctr">
+                        <a:defRPr/>
+                      </a:pPr>
+                      <a:r>
+                        <a:rPr lang="en-US" altLang="ko-KR" sz="1400" b="1"/>
+                        <a:t>Negative</a:t>
+                      </a:r>
+                      <a:endParaRPr lang="en-US" altLang="ko-KR" sz="1400" b="1"/>
+                    </a:p>
+                  </a:txBody>
+                  <a:tcPr marL="91440" marR="91440" anchor="ctr">
+                    <a:lnL w="25400" cap="flat" cmpd="sng" algn="ctr">
+                      <a:solidFill>
+                        <a:schemeClr val="dk1"/>
+                      </a:solidFill>
+                      <a:prstDash val="solid"/>
+                      <a:round/>
+                      <a:headEnd w="med" len="med"/>
+                      <a:tailEnd w="med" len="med"/>
+                    </a:lnL>
+                    <a:lnR w="25400" cap="flat" cmpd="sng" algn="ctr">
+                      <a:solidFill>
+                        <a:schemeClr val="dk1"/>
+                      </a:solidFill>
+                      <a:prstDash val="solid"/>
+                      <a:round/>
+                      <a:headEnd w="med" len="med"/>
+                      <a:tailEnd w="med" len="med"/>
+                    </a:lnR>
+                    <a:lnT w="25400" cap="flat" cmpd="sng" algn="ctr">
+                      <a:solidFill>
+                        <a:schemeClr val="dk1"/>
+                      </a:solidFill>
+                      <a:prstDash val="solid"/>
+                      <a:round/>
+                      <a:headEnd w="med" len="med"/>
+                      <a:tailEnd w="med" len="med"/>
+                    </a:lnT>
+                    <a:lnB w="25400" cap="flat" cmpd="sng" algn="ctr">
+                      <a:solidFill>
+                        <a:schemeClr val="dk1"/>
+                      </a:solidFill>
+                      <a:prstDash val="solid"/>
+                      <a:round/>
+                      <a:headEnd w="med" len="med"/>
+                      <a:tailEnd w="med" len="med"/>
+                    </a:lnB>
+                    <a:solidFill>
+                      <a:srgbClr val="bfbfbf"/>
+                    </a:solidFill>
+                  </a:tcPr>
+                </a:tc>
+                <a:tc>
+                  <a:txBody>
+                    <a:bodyPr vert="horz" wrap="square" lIns="91440" tIns="45720" rIns="91440" bIns="45720" anchor="ctr" anchorCtr="0">
+                      <a:spAutoFit/>
+                    </a:bodyPr>
+                    <a:p>
+                      <a:pPr algn="ctr">
+                        <a:defRPr/>
+                      </a:pPr>
+                      <a:r>
+                        <a:rPr lang="en-US" altLang="ko-KR" b="1"/>
+                        <a:t>FN</a:t>
+                      </a:r>
+                      <a:endParaRPr lang="en-US" altLang="ko-KR" b="1"/>
+                    </a:p>
+                  </a:txBody>
+                  <a:tcPr marL="91440" marR="91440" anchor="ctr">
+                    <a:lnL w="25400" cap="flat" cmpd="sng" algn="ctr">
+                      <a:solidFill>
+                        <a:schemeClr val="dk1"/>
+                      </a:solidFill>
+                      <a:prstDash val="solid"/>
+                      <a:round/>
+                      <a:headEnd w="med" len="med"/>
+                      <a:tailEnd w="med" len="med"/>
+                    </a:lnL>
+                    <a:lnR w="25400" cap="flat" cmpd="sng" algn="ctr">
+                      <a:solidFill>
+                        <a:schemeClr val="dk1"/>
+                      </a:solidFill>
+                      <a:prstDash val="solid"/>
+                      <a:round/>
+                      <a:headEnd w="med" len="med"/>
+                      <a:tailEnd w="med" len="med"/>
+                    </a:lnR>
+                    <a:lnT w="25400" cap="flat" cmpd="sng" algn="ctr">
+                      <a:solidFill>
+                        <a:schemeClr val="dk1"/>
+                      </a:solidFill>
+                      <a:prstDash val="solid"/>
+                      <a:round/>
+                      <a:headEnd w="med" len="med"/>
+                      <a:tailEnd w="med" len="med"/>
+                    </a:lnT>
+                    <a:lnB w="25400" cap="flat" cmpd="sng" algn="ctr">
+                      <a:solidFill>
+                        <a:schemeClr val="dk1"/>
+                      </a:solidFill>
+                      <a:prstDash val="solid"/>
+                      <a:round/>
+                      <a:headEnd w="med" len="med"/>
+                      <a:tailEnd w="med" len="med"/>
+                    </a:lnB>
+                    <a:solidFill>
+                      <a:srgbClr val="d9d9d9"/>
+                    </a:solidFill>
+                  </a:tcPr>
+                </a:tc>
+                <a:tc>
+                  <a:txBody>
+                    <a:bodyPr vert="horz" wrap="square" lIns="91440" tIns="45720" rIns="91440" bIns="45720" anchor="ctr" anchorCtr="0">
+                      <a:spAutoFit/>
+                    </a:bodyPr>
+                    <a:p>
+                      <a:pPr algn="ctr">
+                        <a:defRPr/>
+                      </a:pPr>
+                      <a:r>
+                        <a:rPr lang="en-US" altLang="ko-KR" b="1"/>
+                        <a:t>TN</a:t>
+                      </a:r>
+                      <a:endParaRPr lang="en-US" altLang="ko-KR" b="1"/>
+                    </a:p>
+                  </a:txBody>
+                  <a:tcPr marL="91440" marR="91440" anchor="ctr">
+                    <a:lnL w="25400" cap="flat" cmpd="sng" algn="ctr">
+                      <a:solidFill>
+                        <a:schemeClr val="dk1"/>
+                      </a:solidFill>
+                      <a:prstDash val="solid"/>
+                      <a:round/>
+                      <a:headEnd w="med" len="med"/>
+                      <a:tailEnd w="med" len="med"/>
+                    </a:lnL>
+                    <a:lnR w="25400" cap="flat" cmpd="sng" algn="ctr">
+                      <a:solidFill>
+                        <a:schemeClr val="dk1"/>
+                      </a:solidFill>
+                      <a:prstDash val="solid"/>
+                      <a:round/>
+                      <a:headEnd w="med" len="med"/>
+                      <a:tailEnd w="med" len="med"/>
+                    </a:lnR>
+                    <a:lnT w="25400" cap="flat" cmpd="sng" algn="ctr">
+                      <a:solidFill>
+                        <a:schemeClr val="dk1"/>
+                      </a:solidFill>
+                      <a:prstDash val="solid"/>
+                      <a:round/>
+                      <a:headEnd w="med" len="med"/>
+                      <a:tailEnd w="med" len="med"/>
+                    </a:lnT>
+                    <a:lnB w="25400" cap="flat" cmpd="sng" algn="ctr">
+                      <a:solidFill>
+                        <a:schemeClr val="dk1"/>
+                      </a:solidFill>
+                      <a:prstDash val="solid"/>
+                      <a:round/>
+                      <a:headEnd w="med" len="med"/>
+                      <a:tailEnd w="med" len="med"/>
+                    </a:lnB>
+                    <a:noFill/>
+                  </a:tcPr>
+                </a:tc>
+              </a:tr>
+            </a:tbl>
+          </a:graphicData>
+        </a:graphic>
+      </p:graphicFrame>
     </p:spTree>
     <p:extLst>
       <p:ext uri="{BB962C8B-B14F-4D97-AF65-F5344CB8AC3E}">
@@ -13953,21 +16084,23 @@
   <p:clrMapOvr>
     <a:masterClrMapping/>
   </p:clrMapOvr>
+  <mc:AlternateContent xmlns:mc="http://schemas.openxmlformats.org/markup-compatibility/2006">
+    <mc:Choice xmlns:p14="http://schemas.microsoft.com/office/powerpoint/2010/main" Requires="p14">
+      <p:transition xmlns:mc="http://schemas.openxmlformats.org/markup-compatibility/2006" xmlns:p14="http://schemas.microsoft.com/office/powerpoint/2010/main" mc:Ignorable="p14" p14:dur="500"/>
+    </mc:Choice>
+    <mc:Fallback>
+      <p:transition/>
+    </mc:Fallback>
+  </mc:AlternateContent>
 </p:sld>
 </file>
 
 <file path=ppt/slides/slide7.xml><?xml version="1.0" encoding="utf-8"?>
-<p:sld xmlns:a="http://schemas.openxmlformats.org/drawingml/2006/main" xmlns:r="http://schemas.openxmlformats.org/officeDocument/2006/relationships" xmlns:p="http://schemas.openxmlformats.org/presentationml/2006/main">
+<p:sld xmlns:r="http://schemas.openxmlformats.org/officeDocument/2006/relationships" xmlns:c="http://schemas.openxmlformats.org/drawingml/2006/chart" xmlns:a="http://schemas.openxmlformats.org/drawingml/2006/main" xmlns:dgm="http://schemas.openxmlformats.org/drawingml/2006/diagram" xmlns:dsp="http://schemas.microsoft.com/office/drawing/2008/diagram" xmlns:p="http://schemas.openxmlformats.org/presentationml/2006/main">
   <p:cSld>
     <p:spTree>
       <p:nvGrpSpPr>
-        <p:cNvPr id="1" name="">
-          <a:extLst>
-            <a:ext uri="{FF2B5EF4-FFF2-40B4-BE49-F238E27FC236}">
-              <a16:creationId xmlns:a16="http://schemas.microsoft.com/office/drawing/2014/main" id="{FDB02C89-078C-44B9-48A8-424A85DC6CA4}"/>
-            </a:ext>
-          </a:extLst>
-        </p:cNvPr>
+        <p:cNvPr id="1" name=""/>
         <p:cNvGrpSpPr/>
         <p:nvPr/>
       </p:nvGrpSpPr>
@@ -13981,48 +16114,7 @@
       </p:grpSpPr>
       <p:sp>
         <p:nvSpPr>
-          <p:cNvPr id="2" name="Title 1">
-            <a:extLst>
-              <a:ext uri="{FF2B5EF4-FFF2-40B4-BE49-F238E27FC236}">
-                <a16:creationId xmlns:a16="http://schemas.microsoft.com/office/drawing/2014/main" id="{F0B5D36C-7AF7-08EE-1D16-A9FC9F72FBD9}"/>
-              </a:ext>
-            </a:extLst>
-          </p:cNvPr>
-          <p:cNvSpPr>
-            <a:spLocks noGrp="1"/>
-          </p:cNvSpPr>
-          <p:nvPr>
-            <p:ph type="title"/>
-          </p:nvPr>
-        </p:nvSpPr>
-        <p:spPr/>
-        <p:txBody>
-          <a:bodyPr>
-            <a:normAutofit/>
-          </a:bodyPr>
-          <a:lstStyle/>
-          <a:p>
-            <a:r>
-              <a:rPr lang="ko-KR" altLang="en-US" sz="4000" dirty="0"/>
-              <a:t>과제 </a:t>
-            </a:r>
-            <a:r>
-              <a:rPr lang="en-US" altLang="ko-KR" sz="4000" dirty="0"/>
-              <a:t>1 - Autonomic Computing Evaluation</a:t>
-            </a:r>
-            <a:endParaRPr lang="ko-KR" altLang="en-US" sz="4000" dirty="0"/>
-          </a:p>
-        </p:txBody>
-      </p:sp>
-      <p:sp>
-        <p:nvSpPr>
-          <p:cNvPr id="3" name="Content Placeholder 2">
-            <a:extLst>
-              <a:ext uri="{FF2B5EF4-FFF2-40B4-BE49-F238E27FC236}">
-                <a16:creationId xmlns:a16="http://schemas.microsoft.com/office/drawing/2014/main" id="{0F0E49DA-E63B-79C2-F1FF-2FB7F65ADDF8}"/>
-              </a:ext>
-            </a:extLst>
-          </p:cNvPr>
+          <p:cNvPr id="3" name="Content Placeholder 2"/>
           <p:cNvSpPr>
             <a:spLocks noGrp="1"/>
           </p:cNvSpPr>
@@ -14030,1505 +16122,1485 @@
             <p:ph idx="1"/>
           </p:nvPr>
         </p:nvSpPr>
-        <p:spPr/>
+        <p:spPr>
+          <a:xfrm>
+            <a:off x="827933" y="3681899"/>
+            <a:ext cx="4658049" cy="3295165"/>
+          </a:xfrm>
+        </p:spPr>
         <p:txBody>
           <a:bodyPr>
-            <a:normAutofit fontScale="40000" lnSpcReduction="20000"/>
+            <a:normAutofit lnSpcReduction="10000"/>
           </a:bodyPr>
           <a:lstStyle/>
           <a:p>
-            <a:r>
-              <a:rPr lang="ko-KR" altLang="en-US" dirty="0"/>
-              <a:t>혼동행렬</a:t>
-            </a:r>
-            <a:endParaRPr lang="en-US" altLang="ko-KR" dirty="0"/>
-          </a:p>
-          <a:p>
-            <a:r>
-              <a:rPr lang="en-US" altLang="ko-KR" dirty="0"/>
+            <a:pPr>
+              <a:lnSpc>
+                <a:spcPct val="130000"/>
+              </a:lnSpc>
+              <a:defRPr/>
+            </a:pPr>
+            <a:r>
+              <a:rPr lang="en-US" altLang="ko-KR" sz="1900" b="1"/>
+              <a:t>1. Accuracy(</a:t>
+            </a:r>
+            <a:r>
+              <a:rPr lang="ko-KR" altLang="en-US" sz="1900" b="1"/>
+              <a:t>정확도</a:t>
+            </a:r>
+            <a:r>
+              <a:rPr lang="en-US" altLang="ko-KR" sz="1900" b="1"/>
+              <a:t>)</a:t>
+            </a:r>
+            <a:endParaRPr lang="en-US" altLang="ko-KR" sz="1900" b="1"/>
+          </a:p>
+          <a:p>
+            <a:pPr lvl="1">
+              <a:lnSpc>
+                <a:spcPct val="130000"/>
+              </a:lnSpc>
+              <a:defRPr/>
+            </a:pPr>
+            <a:r>
+              <a:rPr lang="ko-KR" altLang="en-US" sz="1500"/>
+              <a:t>해당 시스템의 예측성공 비율</a:t>
+            </a:r>
+            <a:endParaRPr lang="en-US" altLang="ko-KR" sz="1500"/>
+          </a:p>
+          <a:p>
+            <a:pPr lvl="1">
+              <a:lnSpc>
+                <a:spcPct val="130000"/>
+              </a:lnSpc>
+              <a:defRPr/>
+            </a:pPr>
+            <a:r>
+              <a:rPr lang="en-US" altLang="ko-KR" sz="1500"/>
+              <a:t>(130 + 600) / 800 * 100(%) = 91.25(%)</a:t>
+            </a:r>
+            <a:endParaRPr lang="en-US" altLang="ko-KR" sz="1500"/>
+          </a:p>
+          <a:p>
+            <a:pPr>
+              <a:lnSpc>
+                <a:spcPct val="130000"/>
+              </a:lnSpc>
+              <a:defRPr/>
+            </a:pPr>
+            <a:r>
+              <a:rPr lang="en-US" altLang="ko-KR" sz="1900" b="1"/>
+              <a:t>2. Precision(</a:t>
+            </a:r>
+            <a:r>
+              <a:rPr lang="ko-KR" altLang="en-US" sz="1900" b="1"/>
+              <a:t>정밀도</a:t>
+            </a:r>
+            <a:r>
+              <a:rPr lang="en-US" altLang="ko-KR" sz="1900" b="1"/>
+              <a:t>)</a:t>
+            </a:r>
+            <a:endParaRPr lang="en-US" altLang="ko-KR" sz="1900" b="1"/>
+          </a:p>
+          <a:p>
+            <a:pPr lvl="1">
+              <a:lnSpc>
+                <a:spcPct val="130000"/>
+              </a:lnSpc>
+              <a:defRPr/>
+            </a:pPr>
+            <a:r>
+              <a:rPr lang="en-US" altLang="ko-KR" sz="1500"/>
               <a:t>API </a:t>
             </a:r>
             <a:r>
-              <a:rPr lang="ko-KR" altLang="en-US" dirty="0"/>
-              <a:t>호출의 경우</a:t>
-            </a:r>
-            <a:endParaRPr lang="en-US" altLang="ko-KR" dirty="0"/>
-          </a:p>
-          <a:p>
-            <a:r>
-              <a:rPr lang="ko-KR" altLang="en-US" dirty="0"/>
-              <a:t>총 </a:t>
-            </a:r>
-            <a:r>
-              <a:rPr lang="en-US" altLang="ko-KR" dirty="0"/>
-              <a:t>800</a:t>
-            </a:r>
-            <a:r>
-              <a:rPr lang="ko-KR" altLang="en-US" dirty="0"/>
-              <a:t>건의 </a:t>
-            </a:r>
-            <a:r>
-              <a:rPr lang="en-US" altLang="ko-KR" dirty="0"/>
-              <a:t>API </a:t>
-            </a:r>
-            <a:r>
-              <a:rPr lang="ko-KR" altLang="en-US" dirty="0"/>
-              <a:t>호출 중 실제 비정상 호출</a:t>
-            </a:r>
-            <a:r>
-              <a:rPr lang="en-US" altLang="ko-KR" dirty="0"/>
-              <a:t>(</a:t>
-            </a:r>
-            <a:r>
-              <a:rPr lang="ko-KR" altLang="en-US" dirty="0"/>
-              <a:t>봇</a:t>
-            </a:r>
-            <a:r>
-              <a:rPr lang="en-US" altLang="ko-KR" dirty="0"/>
-              <a:t>, DoS </a:t>
-            </a:r>
-            <a:r>
-              <a:rPr lang="ko-KR" altLang="en-US" dirty="0"/>
-              <a:t>등</a:t>
-            </a:r>
-            <a:r>
-              <a:rPr lang="en-US" altLang="ko-KR" dirty="0"/>
-              <a:t>)</a:t>
-            </a:r>
-            <a:r>
-              <a:rPr lang="ko-KR" altLang="en-US" dirty="0"/>
-              <a:t>은 </a:t>
-            </a:r>
-            <a:r>
-              <a:rPr lang="en-US" altLang="ko-KR" dirty="0"/>
-              <a:t>150</a:t>
-            </a:r>
-            <a:r>
-              <a:rPr lang="ko-KR" altLang="en-US" dirty="0"/>
-              <a:t>건</a:t>
-            </a:r>
-            <a:r>
-              <a:rPr lang="en-US" altLang="ko-KR" dirty="0"/>
+              <a:rPr lang="ko-KR" altLang="en-US" sz="1500"/>
+              <a:t>호출이 비정상이라고 예측했을 때</a:t>
+            </a:r>
+            <a:r>
+              <a:rPr lang="en-US" altLang="ko-KR" sz="1500"/>
               <a:t>, </a:t>
             </a:r>
             <a:r>
-              <a:rPr lang="ko-KR" altLang="en-US" dirty="0"/>
-              <a:t>정상 호출은 </a:t>
-            </a:r>
-            <a:r>
-              <a:rPr lang="en-US" altLang="ko-KR" dirty="0"/>
-              <a:t>650</a:t>
-            </a:r>
-            <a:r>
-              <a:rPr lang="ko-KR" altLang="en-US" dirty="0"/>
-              <a:t>건이었다</a:t>
-            </a:r>
-            <a:r>
-              <a:rPr lang="en-US" altLang="ko-KR" dirty="0"/>
-              <a:t>. </a:t>
-            </a:r>
-            <a:r>
-              <a:rPr lang="ko-KR" altLang="en-US" dirty="0"/>
-              <a:t>시스템은 </a:t>
-            </a:r>
-            <a:r>
-              <a:rPr lang="en-US" altLang="ko-KR" dirty="0"/>
-              <a:t>180</a:t>
-            </a:r>
-            <a:r>
-              <a:rPr lang="ko-KR" altLang="en-US" dirty="0"/>
-              <a:t>건을 비정상 호출로 판정했는데</a:t>
-            </a:r>
-            <a:r>
-              <a:rPr lang="en-US" altLang="ko-KR" dirty="0"/>
-              <a:t>, </a:t>
-            </a:r>
-            <a:r>
-              <a:rPr lang="ko-KR" altLang="en-US" dirty="0"/>
-              <a:t>이 중 </a:t>
-            </a:r>
-            <a:r>
-              <a:rPr lang="en-US" altLang="ko-KR" dirty="0"/>
-              <a:t>130</a:t>
-            </a:r>
-            <a:r>
-              <a:rPr lang="ko-KR" altLang="en-US" dirty="0"/>
-              <a:t>건은 실제 비정상이었고 </a:t>
-            </a:r>
-            <a:r>
-              <a:rPr lang="en-US" altLang="ko-KR" dirty="0"/>
-              <a:t>50</a:t>
-            </a:r>
-            <a:r>
-              <a:rPr lang="ko-KR" altLang="en-US" dirty="0"/>
-              <a:t>건은 정상 요청을 잘못 탐지했다</a:t>
-            </a:r>
-            <a:r>
-              <a:rPr lang="en-US" altLang="ko-KR" dirty="0"/>
-              <a:t>. </a:t>
-            </a:r>
-            <a:r>
-              <a:rPr lang="ko-KR" altLang="en-US" dirty="0"/>
-              <a:t>또 </a:t>
-            </a:r>
-            <a:r>
-              <a:rPr lang="en-US" altLang="ko-KR" dirty="0"/>
-              <a:t>20</a:t>
-            </a:r>
-            <a:r>
-              <a:rPr lang="ko-KR" altLang="en-US" dirty="0"/>
-              <a:t>건의 비정상 호출은 정상으로 놓쳤다</a:t>
-            </a:r>
-            <a:r>
-              <a:rPr lang="en-US" altLang="ko-KR" dirty="0"/>
-              <a:t>.</a:t>
-            </a:r>
-          </a:p>
-          <a:p>
-            <a:pPr fontAlgn="base"/>
-            <a:r>
-              <a:rPr lang="en-US" altLang="ko-KR" b="1" dirty="0"/>
-              <a:t>1. Accuracy(</a:t>
-            </a:r>
-            <a:r>
-              <a:rPr lang="ko-KR" altLang="en-US" b="1" dirty="0"/>
-              <a:t>정확도</a:t>
-            </a:r>
-            <a:r>
-              <a:rPr lang="en-US" altLang="ko-KR" b="1" dirty="0"/>
-              <a:t>)</a:t>
-            </a:r>
-            <a:endParaRPr lang="ko-KR" altLang="en-US" dirty="0"/>
-          </a:p>
-          <a:p>
-            <a:pPr fontAlgn="base"/>
-            <a:r>
-              <a:rPr lang="ko-KR" altLang="en-US" dirty="0"/>
-              <a:t>정확도는 해당 시스템의 예측성공 비율을 나타낸다</a:t>
-            </a:r>
-            <a:r>
-              <a:rPr lang="en-US" altLang="ko-KR" dirty="0"/>
-              <a:t>. </a:t>
-            </a:r>
-            <a:r>
-              <a:rPr lang="ko-KR" altLang="en-US" dirty="0"/>
-              <a:t>즉</a:t>
-            </a:r>
-            <a:r>
-              <a:rPr lang="en-US" altLang="ko-KR" dirty="0"/>
-              <a:t>, </a:t>
-            </a:r>
-            <a:r>
-              <a:rPr lang="ko-KR" altLang="en-US" dirty="0"/>
-              <a:t>전체 건수 중에 예측이 맞은 비율이기 때문에 </a:t>
-            </a:r>
-            <a:r>
-              <a:rPr lang="en-US" altLang="ko-KR" dirty="0"/>
-              <a:t>(130 + 600) / 800 * 100(%) = 91.25(%) </a:t>
-            </a:r>
-            <a:r>
-              <a:rPr lang="ko-KR" altLang="en-US" dirty="0"/>
-              <a:t>이다</a:t>
-            </a:r>
-            <a:r>
-              <a:rPr lang="en-US" altLang="ko-KR" dirty="0"/>
-              <a:t>.</a:t>
-            </a:r>
-            <a:endParaRPr lang="ko-KR" altLang="en-US" dirty="0"/>
-          </a:p>
-          <a:p>
-            <a:pPr fontAlgn="base"/>
-            <a:r>
-              <a:rPr lang="en-US" altLang="ko-KR" b="1" dirty="0"/>
-              <a:t>2. Precision(</a:t>
-            </a:r>
-            <a:r>
-              <a:rPr lang="ko-KR" altLang="en-US" b="1" dirty="0"/>
-              <a:t>정밀도</a:t>
-            </a:r>
-            <a:r>
-              <a:rPr lang="en-US" altLang="ko-KR" b="1" dirty="0"/>
-              <a:t>)</a:t>
-            </a:r>
-            <a:endParaRPr lang="ko-KR" altLang="en-US" dirty="0"/>
-          </a:p>
-          <a:p>
-            <a:pPr fontAlgn="base"/>
-            <a:r>
-              <a:rPr lang="ko-KR" altLang="en-US" dirty="0"/>
-              <a:t>정확도는 </a:t>
-            </a:r>
-            <a:r>
-              <a:rPr lang="en-US" altLang="ko-KR" dirty="0"/>
-              <a:t>API </a:t>
-            </a:r>
-            <a:r>
-              <a:rPr lang="ko-KR" altLang="en-US" dirty="0"/>
-              <a:t>호출이 비정상이라고 예측했을 때</a:t>
-            </a:r>
-            <a:r>
-              <a:rPr lang="en-US" altLang="ko-KR" dirty="0"/>
-              <a:t>, </a:t>
-            </a:r>
-            <a:r>
-              <a:rPr lang="ko-KR" altLang="en-US" dirty="0"/>
-              <a:t>실제 비정상인 비율을 나타낸다</a:t>
-            </a:r>
-            <a:r>
-              <a:rPr lang="en-US" altLang="ko-KR" dirty="0"/>
-              <a:t>. </a:t>
-            </a:r>
-            <a:r>
-              <a:rPr lang="ko-KR" altLang="en-US" dirty="0"/>
-              <a:t>즉</a:t>
-            </a:r>
-            <a:r>
-              <a:rPr lang="en-US" altLang="ko-KR" dirty="0"/>
-              <a:t>, </a:t>
-            </a:r>
-            <a:r>
-              <a:rPr lang="ko-KR" altLang="en-US" dirty="0"/>
-              <a:t>비정상이라고 예측한 수는 </a:t>
-            </a:r>
-            <a:r>
-              <a:rPr lang="en-US" altLang="ko-KR" dirty="0"/>
-              <a:t>180</a:t>
-            </a:r>
-            <a:r>
-              <a:rPr lang="ko-KR" altLang="en-US" dirty="0"/>
-              <a:t>건</a:t>
-            </a:r>
-            <a:r>
-              <a:rPr lang="en-US" altLang="ko-KR" dirty="0"/>
-              <a:t>, </a:t>
-            </a:r>
-            <a:r>
-              <a:rPr lang="ko-KR" altLang="en-US" dirty="0"/>
-              <a:t>그 중 실제 비정상인 건은 </a:t>
-            </a:r>
-            <a:r>
-              <a:rPr lang="en-US" altLang="ko-KR" dirty="0"/>
-              <a:t>130</a:t>
-            </a:r>
-            <a:r>
-              <a:rPr lang="ko-KR" altLang="en-US" dirty="0"/>
-              <a:t>이다</a:t>
-            </a:r>
-            <a:r>
-              <a:rPr lang="en-US" altLang="ko-KR" dirty="0"/>
-              <a:t>. </a:t>
-            </a:r>
-            <a:endParaRPr lang="ko-KR" altLang="en-US" dirty="0"/>
-          </a:p>
-          <a:p>
-            <a:pPr fontAlgn="base"/>
-            <a:r>
-              <a:rPr lang="ko-KR" altLang="en-US" dirty="0"/>
-              <a:t>그렇다면 정확도는 </a:t>
-            </a:r>
-            <a:r>
-              <a:rPr lang="en-US" altLang="ko-KR" dirty="0"/>
-              <a:t>130/180 * 100(%) = 72.22(%) </a:t>
-            </a:r>
-            <a:r>
-              <a:rPr lang="ko-KR" altLang="en-US" dirty="0"/>
-              <a:t>이다</a:t>
-            </a:r>
-            <a:r>
-              <a:rPr lang="en-US" altLang="ko-KR" dirty="0"/>
-              <a:t>..</a:t>
-            </a:r>
-            <a:endParaRPr lang="ko-KR" altLang="en-US" dirty="0"/>
-          </a:p>
-          <a:p>
-            <a:pPr fontAlgn="base"/>
-            <a:r>
-              <a:rPr lang="en-US" altLang="ko-KR" b="1" dirty="0"/>
-              <a:t>3. Recall(</a:t>
-            </a:r>
-            <a:r>
-              <a:rPr lang="ko-KR" altLang="en-US" b="1" dirty="0"/>
-              <a:t>재현율</a:t>
-            </a:r>
-            <a:r>
-              <a:rPr lang="en-US" altLang="ko-KR" b="1" dirty="0"/>
-              <a:t>)</a:t>
-            </a:r>
-            <a:endParaRPr lang="ko-KR" altLang="en-US" dirty="0"/>
-          </a:p>
-          <a:p>
-            <a:pPr fontAlgn="base"/>
-            <a:r>
-              <a:rPr lang="ko-KR" altLang="en-US" dirty="0"/>
-              <a:t>재현율은 실제 호출이 비정상일 때</a:t>
-            </a:r>
-            <a:r>
-              <a:rPr lang="en-US" altLang="ko-KR" dirty="0"/>
-              <a:t>, </a:t>
-            </a:r>
-            <a:r>
-              <a:rPr lang="ko-KR" altLang="en-US" dirty="0"/>
-              <a:t>그것을 시스템이 비정상이라고 예측한 비율을 나타낸다</a:t>
-            </a:r>
-            <a:r>
-              <a:rPr lang="en-US" altLang="ko-KR" dirty="0"/>
-              <a:t>. </a:t>
-            </a:r>
-            <a:endParaRPr lang="ko-KR" altLang="en-US" dirty="0"/>
-          </a:p>
-          <a:p>
-            <a:pPr fontAlgn="base"/>
-            <a:r>
-              <a:rPr lang="ko-KR" altLang="en-US" dirty="0"/>
-              <a:t>실제 비정상인 건수는 </a:t>
-            </a:r>
-            <a:r>
-              <a:rPr lang="en-US" altLang="ko-KR" dirty="0"/>
-              <a:t>150</a:t>
-            </a:r>
-            <a:r>
-              <a:rPr lang="ko-KR" altLang="en-US" dirty="0"/>
-              <a:t>건이고 실제와 예측 모두 비정상인 건은 </a:t>
-            </a:r>
-            <a:r>
-              <a:rPr lang="en-US" altLang="ko-KR" dirty="0"/>
-              <a:t>130</a:t>
-            </a:r>
-            <a:r>
-              <a:rPr lang="ko-KR" altLang="en-US" dirty="0"/>
-              <a:t>건이다</a:t>
-            </a:r>
-            <a:r>
-              <a:rPr lang="en-US" altLang="ko-KR" dirty="0"/>
-              <a:t>.</a:t>
-            </a:r>
-            <a:endParaRPr lang="ko-KR" altLang="en-US" dirty="0"/>
-          </a:p>
-          <a:p>
-            <a:pPr fontAlgn="base"/>
-            <a:r>
-              <a:rPr lang="ko-KR" altLang="en-US" dirty="0"/>
-              <a:t>그러므로 재현율은 </a:t>
-            </a:r>
-            <a:r>
-              <a:rPr lang="en-US" altLang="ko-KR" dirty="0"/>
-              <a:t>130 / 150 * 100(%) = 86.67(%) </a:t>
-            </a:r>
-            <a:r>
-              <a:rPr lang="ko-KR" altLang="en-US" dirty="0"/>
-              <a:t>이다</a:t>
-            </a:r>
-            <a:r>
-              <a:rPr lang="en-US" altLang="ko-KR" dirty="0"/>
-              <a:t>.</a:t>
-            </a:r>
-            <a:endParaRPr lang="ko-KR" altLang="en-US" dirty="0"/>
-          </a:p>
-          <a:p>
-            <a:pPr fontAlgn="base"/>
-            <a:r>
-              <a:rPr lang="en-US" altLang="ko-KR" b="1" dirty="0"/>
-              <a:t>4. F1-SCORE(</a:t>
-            </a:r>
-            <a:r>
-              <a:rPr lang="ko-KR" altLang="en-US" b="1" dirty="0"/>
-              <a:t>조화평균</a:t>
-            </a:r>
-            <a:r>
-              <a:rPr lang="en-US" altLang="ko-KR" b="1" dirty="0"/>
-              <a:t>)</a:t>
-            </a:r>
-            <a:endParaRPr lang="ko-KR" altLang="en-US" dirty="0"/>
-          </a:p>
-          <a:p>
-            <a:pPr fontAlgn="base"/>
-            <a:r>
-              <a:rPr lang="ko-KR" altLang="en-US" dirty="0"/>
-              <a:t>조화평균은 </a:t>
-            </a:r>
-            <a:r>
-              <a:rPr lang="en-US" altLang="ko-KR" dirty="0"/>
-              <a:t>2 * (</a:t>
-            </a:r>
-            <a:r>
-              <a:rPr lang="ko-KR" altLang="en-US" dirty="0"/>
-              <a:t>정밀도 * 재현율</a:t>
-            </a:r>
-            <a:r>
-              <a:rPr lang="en-US" altLang="ko-KR" dirty="0"/>
-              <a:t>) / (</a:t>
-            </a:r>
-            <a:r>
-              <a:rPr lang="ko-KR" altLang="en-US" dirty="0"/>
-              <a:t>정밀도 </a:t>
-            </a:r>
-            <a:r>
-              <a:rPr lang="en-US" altLang="ko-KR" dirty="0"/>
-              <a:t>+ </a:t>
-            </a:r>
-            <a:r>
-              <a:rPr lang="ko-KR" altLang="en-US" dirty="0"/>
-              <a:t>재현율</a:t>
-            </a:r>
-            <a:r>
-              <a:rPr lang="en-US" altLang="ko-KR" dirty="0"/>
-              <a:t>) </a:t>
-            </a:r>
-            <a:r>
-              <a:rPr lang="ko-KR" altLang="en-US" dirty="0"/>
-              <a:t>이므로</a:t>
-            </a:r>
-            <a:r>
-              <a:rPr lang="en-US" altLang="ko-KR" dirty="0"/>
-              <a:t>,</a:t>
-            </a:r>
-            <a:endParaRPr lang="ko-KR" altLang="en-US" dirty="0"/>
-          </a:p>
-          <a:p>
-            <a:pPr fontAlgn="base"/>
-            <a:r>
-              <a:rPr lang="ko-KR" altLang="en-US" dirty="0"/>
-              <a:t>조화평균은 </a:t>
-            </a:r>
-            <a:r>
-              <a:rPr lang="en-US" altLang="ko-KR" dirty="0"/>
-              <a:t>2 * (0.7222 * 0.8667) / (0.7222 + 0.8667) * 100(%) = 78.78(%) </a:t>
-            </a:r>
-            <a:r>
-              <a:rPr lang="ko-KR" altLang="en-US" dirty="0"/>
-              <a:t>이다</a:t>
-            </a:r>
-            <a:r>
-              <a:rPr lang="en-US" altLang="ko-KR" dirty="0"/>
-              <a:t>.</a:t>
-            </a:r>
-            <a:endParaRPr lang="ko-KR" altLang="en-US" dirty="0"/>
-          </a:p>
-          <a:p>
-            <a:endParaRPr lang="en-US" altLang="ko-KR" dirty="0"/>
+              <a:rPr lang="ko-KR" altLang="en-US" sz="1500"/>
+              <a:t>실제 비정상인 비율</a:t>
+            </a:r>
+            <a:endParaRPr lang="en-US" altLang="ko-KR" sz="1500"/>
+          </a:p>
+          <a:p>
+            <a:pPr lvl="1">
+              <a:lnSpc>
+                <a:spcPct val="130000"/>
+              </a:lnSpc>
+              <a:defRPr/>
+            </a:pPr>
+            <a:r>
+              <a:rPr lang="en-US" altLang="ko-KR" sz="1500"/>
+              <a:t>130/180 * 100(%) = 72.22(%)</a:t>
+            </a:r>
+            <a:endParaRPr lang="en-US" altLang="ko-KR" sz="1500"/>
+          </a:p>
+        </p:txBody>
+      </p:sp>
+      <p:sp>
+        <p:nvSpPr>
+          <p:cNvPr id="5" name="Title 1"/>
+          <p:cNvSpPr>
+            <a:spLocks noGrp="1"/>
+          </p:cNvSpPr>
+          <p:nvPr/>
+        </p:nvSpPr>
+        <p:spPr>
+          <a:xfrm>
+            <a:off x="449679" y="365125"/>
+            <a:ext cx="7958890" cy="1003272"/>
+          </a:xfrm>
+          <a:prstGeom prst="rect">
+            <a:avLst/>
+          </a:prstGeom>
+        </p:spPr>
+        <p:txBody>
+          <a:bodyPr vert="horz" lIns="91440" tIns="45720" rIns="91440" bIns="45720" anchor="ctr">
+            <a:normAutofit/>
+          </a:bodyPr>
+          <a:p>
+            <a:pPr marL="0" indent="0" algn="l" defTabSz="914400" rtl="0" eaLnBrk="1" latinLnBrk="1" hangingPunct="1">
+              <a:lnSpc>
+                <a:spcPct val="90000"/>
+              </a:lnSpc>
+              <a:spcBef>
+                <a:spcPct val="0"/>
+              </a:spcBef>
+              <a:spcAft>
+                <a:spcPts val="0"/>
+              </a:spcAft>
+              <a:buNone/>
+              <a:defRPr/>
+            </a:pPr>
+            <a:r>
+              <a:rPr xmlns:mc="http://schemas.openxmlformats.org/markup-compatibility/2006" xmlns:hp="http://schemas.haansoft.com/office/presentation/8.0" kumimoji="0" lang="ko-KR" altLang="en-US" sz="3000" b="0" i="0" u="none" strike="noStrike" kern="1200" cap="none" spc="0" normalizeH="0" baseline="0" mc:Ignorable="hp" hp:hslEmbossed="0">
+                <a:solidFill>
+                  <a:srgbClr val="000000"/>
+                </a:solidFill>
+                <a:latin typeface="맑은 고딕"/>
+                <a:ea typeface="맑은 고딕"/>
+                <a:cs typeface="맑은 고딕"/>
+              </a:rPr>
+              <a:t>과제 </a:t>
+            </a:r>
+            <a:r>
+              <a:rPr xmlns:mc="http://schemas.openxmlformats.org/markup-compatibility/2006" xmlns:hp="http://schemas.haansoft.com/office/presentation/8.0" kumimoji="0" lang="en-US" altLang="ko-KR" sz="3000" b="0" i="0" u="none" strike="noStrike" kern="1200" cap="none" spc="0" normalizeH="0" baseline="0" mc:Ignorable="hp" hp:hslEmbossed="0">
+                <a:solidFill>
+                  <a:srgbClr val="000000"/>
+                </a:solidFill>
+                <a:latin typeface="맑은 고딕"/>
+                <a:ea typeface="맑은 고딕"/>
+                <a:cs typeface="맑은 고딕"/>
+              </a:rPr>
+              <a:t>1 - </a:t>
+            </a:r>
+            <a:r>
+              <a:rPr xmlns:mc="http://schemas.openxmlformats.org/markup-compatibility/2006" xmlns:hp="http://schemas.haansoft.com/office/presentation/8.0" kumimoji="0" lang="en-US" altLang="ko-KR" sz="3000" b="1" i="0" u="none" strike="noStrike" kern="1200" cap="none" spc="0" normalizeH="0" baseline="0" mc:Ignorable="hp" hp:hslEmbossed="0">
+                <a:solidFill>
+                  <a:srgbClr val="000000"/>
+                </a:solidFill>
+                <a:latin typeface="맑은 고딕"/>
+                <a:ea typeface="맑은 고딕"/>
+                <a:cs typeface="맑은 고딕"/>
+              </a:rPr>
+              <a:t>Autonomic Computing Evaluation</a:t>
+            </a:r>
+            <a:endParaRPr xmlns:mc="http://schemas.openxmlformats.org/markup-compatibility/2006" xmlns:hp="http://schemas.haansoft.com/office/presentation/8.0" kumimoji="0" lang="en-US" altLang="ko-KR" sz="3000" b="1" i="0" u="none" strike="noStrike" kern="1200" cap="none" spc="0" normalizeH="0" baseline="0" mc:Ignorable="hp" hp:hslEmbossed="0">
+              <a:solidFill>
+                <a:srgbClr val="000000"/>
+              </a:solidFill>
+              <a:latin typeface="맑은 고딕"/>
+              <a:ea typeface="맑은 고딕"/>
+              <a:cs typeface="맑은 고딕"/>
+            </a:endParaRPr>
           </a:p>
         </p:txBody>
       </p:sp>
       <p:graphicFrame>
         <p:nvGraphicFramePr>
-          <p:cNvPr id="4" name="Table 3">
-            <a:extLst>
-              <a:ext uri="{FF2B5EF4-FFF2-40B4-BE49-F238E27FC236}">
-                <a16:creationId xmlns:a16="http://schemas.microsoft.com/office/drawing/2014/main" id="{FC82645C-377E-8DA0-41E7-8D940AB05612}"/>
-              </a:ext>
-            </a:extLst>
-          </p:cNvPr>
+          <p:cNvPr id="7" name=""/>
           <p:cNvGraphicFramePr>
             <a:graphicFrameLocks noGrp="1"/>
           </p:cNvGraphicFramePr>
-          <p:nvPr>
-            <p:extLst>
-              <p:ext uri="{D42A27DB-BD31-4B8C-83A1-F6EECF244321}">
-                <p14:modId xmlns:p14="http://schemas.microsoft.com/office/powerpoint/2010/main" val="4157938352"/>
-              </p:ext>
-            </p:extLst>
-          </p:nvPr>
+          <p:nvPr/>
         </p:nvGraphicFramePr>
         <p:xfrm>
-          <a:off x="4689770" y="1197258"/>
-          <a:ext cx="7158990" cy="1850263"/>
+          <a:off x="7374444" y="1488174"/>
+          <a:ext cx="3611677" cy="1403985"/>
         </p:xfrm>
         <a:graphic>
           <a:graphicData uri="http://schemas.openxmlformats.org/drawingml/2006/table">
             <a:tbl>
-              <a:tblPr/>
+              <a:tblPr firstRow="1" bandRow="1">
+                <a:tableStyle styleId="{26EB75EC-ACF4-43F1-940C-6C9C5489C1DE}" styleName="Normal Style 4 - Body/Background 4">
+                  <a:wholeTbl>
+                    <a:tcTxStyle>
+                      <a:fontRef idx="minor">
+                        <a:scrgbClr r="0" g="0" b="0"/>
+                      </a:fontRef>
+                      <a:schemeClr val="dk1"/>
+                    </a:tcTxStyle>
+                    <a:tcStyle>
+                      <a:tcBdr>
+                        <a:left>
+                          <a:ln w="40000" cmpd="sng">
+                            <a:solidFill>
+                              <a:schemeClr val="dk1"/>
+                            </a:solidFill>
+                          </a:ln>
+                        </a:left>
+                        <a:right>
+                          <a:ln w="40000" cmpd="sng">
+                            <a:solidFill>
+                              <a:schemeClr val="dk1"/>
+                            </a:solidFill>
+                          </a:ln>
+                        </a:right>
+                        <a:top>
+                          <a:ln w="40000" cmpd="sng">
+                            <a:solidFill>
+                              <a:schemeClr val="dk1"/>
+                            </a:solidFill>
+                          </a:ln>
+                        </a:top>
+                        <a:bottom>
+                          <a:ln w="40000" cmpd="sng">
+                            <a:solidFill>
+                              <a:schemeClr val="dk1"/>
+                            </a:solidFill>
+                          </a:ln>
+                        </a:bottom>
+                        <a:insideH>
+                          <a:ln w="12700" cmpd="sng">
+                            <a:solidFill>
+                              <a:schemeClr val="dk1"/>
+                            </a:solidFill>
+                          </a:ln>
+                        </a:insideH>
+                        <a:insideV>
+                          <a:ln w="12700" cmpd="sng">
+                            <a:solidFill>
+                              <a:schemeClr val="dk1"/>
+                            </a:solidFill>
+                          </a:ln>
+                        </a:insideV>
+                      </a:tcBdr>
+                      <a:fill>
+                        <a:solidFill>
+                          <a:schemeClr val="dk1">
+                            <a:lum val="90000"/>
+                          </a:schemeClr>
+                        </a:solidFill>
+                      </a:fill>
+                    </a:tcStyle>
+                  </a:wholeTbl>
+                  <a:band1H>
+                    <a:tcTxStyle/>
+                    <a:tcStyle>
+                      <a:tcBdr/>
+                      <a:fill>
+                        <a:solidFill>
+                          <a:schemeClr val="dk1">
+                            <a:tint val="50000"/>
+                          </a:schemeClr>
+                        </a:solidFill>
+                      </a:fill>
+                    </a:tcStyle>
+                  </a:band1H>
+                  <a:band1V>
+                    <a:tcTxStyle/>
+                    <a:tcStyle>
+                      <a:tcBdr/>
+                      <a:fill>
+                        <a:solidFill>
+                          <a:schemeClr val="dk1">
+                            <a:tint val="50000"/>
+                          </a:schemeClr>
+                        </a:solidFill>
+                      </a:fill>
+                    </a:tcStyle>
+                  </a:band1V>
+                  <a:lastCol>
+                    <a:tcTxStyle b="on"/>
+                    <a:tcStyle>
+                      <a:tcBdr/>
+                    </a:tcStyle>
+                  </a:lastCol>
+                  <a:firstCol>
+                    <a:tcTxStyle b="on"/>
+                    <a:tcStyle>
+                      <a:tcBdr/>
+                    </a:tcStyle>
+                  </a:firstCol>
+                  <a:lastRow>
+                    <a:tcTxStyle b="on"/>
+                    <a:tcStyle>
+                      <a:tcBdr>
+                        <a:top>
+                          <a:ln w="25400" cmpd="sng">
+                            <a:solidFill>
+                              <a:schemeClr val="dk1"/>
+                            </a:solidFill>
+                          </a:ln>
+                        </a:top>
+                      </a:tcBdr>
+                      <a:fill>
+                        <a:solidFill>
+                          <a:schemeClr val="dk1">
+                            <a:tint val="20000"/>
+                          </a:schemeClr>
+                        </a:solidFill>
+                      </a:fill>
+                    </a:tcStyle>
+                  </a:lastRow>
+                  <a:firstRow>
+                    <a:tcTxStyle b="on">
+                      <a:fontRef idx="minor">
+                        <a:scrgbClr r="0" g="0" b="0"/>
+                      </a:fontRef>
+                      <a:schemeClr val="dk1">
+                        <a:shade val="80000"/>
+                      </a:schemeClr>
+                    </a:tcTxStyle>
+                    <a:tcStyle>
+                      <a:tcBdr>
+                        <a:bottom>
+                          <a:ln w="35400" cmpd="sng">
+                            <a:solidFill>
+                              <a:schemeClr val="dk1">
+                                <a:shade val="80000"/>
+                              </a:schemeClr>
+                            </a:solidFill>
+                          </a:ln>
+                        </a:bottom>
+                      </a:tcBdr>
+                      <a:fill>
+                        <a:solidFill>
+                          <a:schemeClr val="dk1">
+                            <a:tint val="20000"/>
+                          </a:schemeClr>
+                        </a:solidFill>
+                      </a:fill>
+                    </a:tcStyle>
+                  </a:firstRow>
+                </a:tableStyle>
+              </a:tblPr>
               <a:tblGrid>
-                <a:gridCol w="2338324">
-                  <a:extLst>
-                    <a:ext uri="{9D8B030D-6E8A-4147-A177-3AD203B41FA5}">
-                      <a16:colId xmlns:a16="http://schemas.microsoft.com/office/drawing/2014/main" val="1502180516"/>
-                    </a:ext>
-                  </a:extLst>
-                </a:gridCol>
-                <a:gridCol w="2410333">
-                  <a:extLst>
-                    <a:ext uri="{9D8B030D-6E8A-4147-A177-3AD203B41FA5}">
-                      <a16:colId xmlns:a16="http://schemas.microsoft.com/office/drawing/2014/main" val="2877821815"/>
-                    </a:ext>
-                  </a:extLst>
-                </a:gridCol>
-                <a:gridCol w="2410333">
-                  <a:extLst>
-                    <a:ext uri="{9D8B030D-6E8A-4147-A177-3AD203B41FA5}">
-                      <a16:colId xmlns:a16="http://schemas.microsoft.com/office/drawing/2014/main" val="3253088219"/>
-                    </a:ext>
-                  </a:extLst>
-                </a:gridCol>
+                <a:gridCol w="662738"/>
+                <a:gridCol w="982980"/>
+                <a:gridCol w="992505"/>
+                <a:gridCol w="973454"/>
               </a:tblGrid>
-              <a:tr h="342519">
-                <a:tc rowSpan="2">
+              <a:tr h="292105">
+                <a:tc rowSpan="2" gridSpan="2">
                   <a:txBody>
-                    <a:bodyPr/>
-                    <a:lstStyle/>
+                    <a:bodyPr vert="horz" wrap="square" lIns="91440" tIns="45720" rIns="91440" bIns="45720" anchor="ctr" anchorCtr="0">
+                      <a:spAutoFit/>
+                    </a:bodyPr>
                     <a:p>
-                      <a:pPr marL="0" marR="0" indent="0" algn="ctr" fontAlgn="base" latinLnBrk="0">
-                        <a:lnSpc>
-                          <a:spcPct val="160000"/>
-                        </a:lnSpc>
-                        <a:buNone/>
+                      <a:pPr algn="ctr">
+                        <a:defRPr/>
                       </a:pPr>
-                      <a:r>
-                        <a:rPr lang="ko-KR" altLang="en-US" sz="1000" b="1" kern="0" spc="0" dirty="0">
-                          <a:solidFill>
-                            <a:srgbClr val="000000"/>
-                          </a:solidFill>
-                          <a:effectLst/>
-                          <a:latin typeface="HY견고딕"/>
-                          <a:ea typeface="HY견고딕"/>
-                        </a:rPr>
-                        <a:t>실제</a:t>
-                      </a:r>
-                      <a:endParaRPr lang="ko-KR" altLang="en-US" sz="1000" kern="0" spc="0" dirty="0">
-                        <a:solidFill>
-                          <a:srgbClr val="000000"/>
-                        </a:solidFill>
-                        <a:effectLst/>
-                        <a:latin typeface="함초롬바탕" panose="02030604000101010101" pitchFamily="18" charset="-128"/>
-                      </a:endParaRPr>
-                    </a:p>
-                    <a:p>
-                      <a:pPr marL="0" marR="0" indent="0" algn="ctr" fontAlgn="base" latinLnBrk="0">
-                        <a:lnSpc>
-                          <a:spcPct val="160000"/>
-                        </a:lnSpc>
-                        <a:buNone/>
-                      </a:pPr>
-                      <a:r>
-                        <a:rPr lang="ko-KR" altLang="en-US" sz="1000" b="1" kern="0" spc="0" dirty="0">
-                          <a:solidFill>
-                            <a:srgbClr val="000000"/>
-                          </a:solidFill>
-                          <a:effectLst/>
-                          <a:latin typeface="HY견고딕"/>
-                          <a:ea typeface="HY견고딕"/>
-                        </a:rPr>
-                        <a:t>와</a:t>
-                      </a:r>
-                      <a:endParaRPr lang="ko-KR" altLang="en-US" sz="1000" kern="0" spc="0" dirty="0">
-                        <a:solidFill>
-                          <a:srgbClr val="000000"/>
-                        </a:solidFill>
-                        <a:effectLst/>
-                        <a:latin typeface="함초롬바탕" panose="02030604000101010101" pitchFamily="18" charset="-128"/>
-                      </a:endParaRPr>
-                    </a:p>
-                    <a:p>
-                      <a:pPr marL="0" marR="0" indent="0" algn="ctr" fontAlgn="base" latinLnBrk="0">
-                        <a:lnSpc>
-                          <a:spcPct val="160000"/>
-                        </a:lnSpc>
-                        <a:buNone/>
-                      </a:pPr>
-                      <a:r>
-                        <a:rPr lang="ko-KR" altLang="en-US" sz="1000" b="1" kern="0" spc="0" dirty="0">
-                          <a:solidFill>
-                            <a:srgbClr val="000000"/>
-                          </a:solidFill>
-                          <a:effectLst/>
-                          <a:latin typeface="HY견고딕"/>
-                          <a:ea typeface="HY견고딕"/>
-                        </a:rPr>
-                        <a:t>예측</a:t>
-                      </a:r>
-                      <a:endParaRPr lang="ko-KR" altLang="en-US" sz="1000" kern="0" spc="0" dirty="0">
-                        <a:solidFill>
-                          <a:srgbClr val="000000"/>
-                        </a:solidFill>
-                        <a:effectLst/>
-                        <a:latin typeface="함초롬바탕" panose="02030604000101010101" pitchFamily="18" charset="-128"/>
-                      </a:endParaRPr>
+                      <a:endParaRPr lang="en-US" altLang="ko-KR"/>
                     </a:p>
                   </a:txBody>
-                  <a:tcPr marL="64770" marR="64770" marT="17907" marB="17907" anchor="ctr">
-                    <a:lnL w="21590" cap="flat" cmpd="sng" algn="ctr">
+                  <a:tcPr marL="91440" marR="91440" anchor="ctr">
+                    <a:lnL w="25400" cap="flat" cmpd="sng" algn="ctr">
                       <a:solidFill>
-                        <a:srgbClr val="000000"/>
+                        <a:schemeClr val="dk1"/>
                       </a:solidFill>
                       <a:prstDash val="solid"/>
                       <a:round/>
-                      <a:headEnd type="none" w="med" len="med"/>
-                      <a:tailEnd type="none" w="med" len="med"/>
+                      <a:headEnd w="med" len="med"/>
+                      <a:tailEnd w="med" len="med"/>
                     </a:lnL>
-                    <a:lnR w="3556" cap="flat" cmpd="sng" algn="ctr">
+                    <a:lnR w="25400" cap="flat" cmpd="sng" algn="ctr">
                       <a:solidFill>
-                        <a:srgbClr val="000000"/>
+                        <a:schemeClr val="dk1"/>
                       </a:solidFill>
                       <a:prstDash val="solid"/>
                       <a:round/>
-                      <a:headEnd type="none" w="med" len="med"/>
-                      <a:tailEnd type="none" w="med" len="med"/>
+                      <a:headEnd w="med" len="med"/>
+                      <a:tailEnd w="med" len="med"/>
                     </a:lnR>
-                    <a:lnT w="21590" cap="flat" cmpd="sng" algn="ctr">
+                    <a:lnT w="25400" cap="flat" cmpd="sng" algn="ctr">
                       <a:solidFill>
-                        <a:srgbClr val="000000"/>
+                        <a:schemeClr val="dk1"/>
                       </a:solidFill>
                       <a:prstDash val="solid"/>
                       <a:round/>
-                      <a:headEnd type="none" w="med" len="med"/>
-                      <a:tailEnd type="none" w="med" len="med"/>
+                      <a:headEnd w="med" len="med"/>
+                      <a:tailEnd w="med" len="med"/>
                     </a:lnT>
-                    <a:lnB w="3556" cap="flat" cmpd="sng" algn="ctr">
+                    <a:lnB w="25400" cap="flat" cmpd="sng" algn="ctr">
                       <a:solidFill>
-                        <a:srgbClr val="000000"/>
+                        <a:schemeClr val="dk1"/>
                       </a:solidFill>
                       <a:prstDash val="solid"/>
                       <a:round/>
-                      <a:headEnd type="none" w="med" len="med"/>
-                      <a:tailEnd type="none" w="med" len="med"/>
+                      <a:headEnd w="med" len="med"/>
+                      <a:tailEnd w="med" len="med"/>
                     </a:lnB>
-                    <a:noFill/>
+                    <a:solidFill>
+                      <a:srgbClr val="808080"/>
+                    </a:solidFill>
                   </a:tcPr>
+                </a:tc>
+                <a:tc rowSpan="2" hMerge="1">
+                  <a:txBody>
+                    <a:bodyPr vert="horz" wrap="square" lIns="91440" tIns="45720" rIns="91440" bIns="45720" anchor="t" anchorCtr="0">
+                      <a:spAutoFit/>
+                    </a:bodyPr>
+                    <a:p>
+                      <a:pPr>
+                        <a:defRPr/>
+                      </a:pPr>
+                      <a:endParaRPr lang="en-US" altLang="ko-KR"/>
+                    </a:p>
+                  </a:txBody>
+                  <a:tcPr marL="91440" marR="91440"/>
                 </a:tc>
                 <a:tc gridSpan="2">
                   <a:txBody>
-                    <a:bodyPr/>
-                    <a:lstStyle/>
+                    <a:bodyPr vert="horz" wrap="square" lIns="91440" tIns="45720" rIns="91440" bIns="45720" anchor="ctr" anchorCtr="0">
+                      <a:spAutoFit/>
+                    </a:bodyPr>
                     <a:p>
-                      <a:pPr marL="0" marR="0" indent="0" algn="ctr" fontAlgn="base" latinLnBrk="0">
-                        <a:lnSpc>
-                          <a:spcPct val="160000"/>
-                        </a:lnSpc>
-                        <a:buNone/>
+                      <a:pPr algn="ctr">
+                        <a:defRPr/>
                       </a:pPr>
                       <a:r>
-                        <a:rPr lang="ko-KR" altLang="en-US" sz="1000" b="1" kern="0" spc="0">
-                          <a:solidFill>
-                            <a:srgbClr val="000000"/>
-                          </a:solidFill>
-                          <a:effectLst/>
-                          <a:latin typeface="HY견고딕"/>
-                          <a:ea typeface="HY견고딕"/>
-                        </a:rPr>
-                        <a:t>실제 </a:t>
+                        <a:rPr lang="en-US" altLang="ko-KR"/>
+                        <a:t>Knowledge</a:t>
                       </a:r>
-                      <a:r>
-                        <a:rPr lang="en-US" altLang="ko-KR" sz="1000" b="1" kern="0" spc="0">
-                          <a:solidFill>
-                            <a:srgbClr val="000000"/>
-                          </a:solidFill>
-                          <a:effectLst/>
-                          <a:latin typeface="HY견고딕"/>
-                          <a:ea typeface="HY견고딕"/>
-                        </a:rPr>
-                        <a:t>(</a:t>
-                      </a:r>
-                      <a:r>
-                        <a:rPr lang="en-US" sz="1000" b="1" kern="0" spc="0">
-                          <a:solidFill>
-                            <a:srgbClr val="000000"/>
-                          </a:solidFill>
-                          <a:effectLst/>
-                          <a:latin typeface="HY견고딕"/>
-                          <a:ea typeface="HY견고딕"/>
-                        </a:rPr>
-                        <a:t>Knowledge)</a:t>
-                      </a:r>
-                      <a:endParaRPr lang="en-US" sz="1000" kern="0" spc="0">
-                        <a:solidFill>
-                          <a:srgbClr val="000000"/>
-                        </a:solidFill>
-                        <a:effectLst/>
-                        <a:latin typeface="함초롬바탕" panose="02030604000101010101" pitchFamily="18" charset="-128"/>
-                      </a:endParaRPr>
+                      <a:endParaRPr lang="en-US" altLang="ko-KR"/>
                     </a:p>
                   </a:txBody>
-                  <a:tcPr marL="64770" marR="64770" marT="17907" marB="17907" anchor="ctr">
-                    <a:lnL w="3556" cap="flat" cmpd="sng" algn="ctr">
+                  <a:tcPr marL="91440" marR="91440" anchor="ctr">
+                    <a:lnL w="25400" cap="flat" cmpd="sng" algn="ctr">
                       <a:solidFill>
-                        <a:srgbClr val="000000"/>
+                        <a:schemeClr val="dk1"/>
                       </a:solidFill>
                       <a:prstDash val="solid"/>
                       <a:round/>
-                      <a:headEnd type="none" w="med" len="med"/>
-                      <a:tailEnd type="none" w="med" len="med"/>
+                      <a:headEnd w="med" len="med"/>
+                      <a:tailEnd w="med" len="med"/>
                     </a:lnL>
-                    <a:lnR w="21590" cap="flat" cmpd="sng" algn="ctr">
+                    <a:lnR w="25400" cap="flat" cmpd="sng" algn="ctr">
                       <a:solidFill>
-                        <a:srgbClr val="000000"/>
+                        <a:schemeClr val="dk1"/>
                       </a:solidFill>
                       <a:prstDash val="solid"/>
                       <a:round/>
-                      <a:headEnd type="none" w="med" len="med"/>
-                      <a:tailEnd type="none" w="med" len="med"/>
+                      <a:headEnd w="med" len="med"/>
+                      <a:tailEnd w="med" len="med"/>
                     </a:lnR>
-                    <a:lnT w="21590" cap="flat" cmpd="sng" algn="ctr">
+                    <a:lnT w="25400" cap="flat" cmpd="sng" algn="ctr">
                       <a:solidFill>
-                        <a:srgbClr val="000000"/>
+                        <a:schemeClr val="dk1"/>
                       </a:solidFill>
                       <a:prstDash val="solid"/>
                       <a:round/>
-                      <a:headEnd type="none" w="med" len="med"/>
-                      <a:tailEnd type="none" w="med" len="med"/>
+                      <a:headEnd w="med" len="med"/>
+                      <a:tailEnd w="med" len="med"/>
                     </a:lnT>
-                    <a:lnB w="3556" cap="flat" cmpd="sng" algn="ctr">
+                    <a:lnB w="25400" cap="flat" cmpd="sng" algn="ctr">
                       <a:solidFill>
-                        <a:srgbClr val="000000"/>
+                        <a:schemeClr val="dk1"/>
                       </a:solidFill>
                       <a:prstDash val="solid"/>
                       <a:round/>
-                      <a:headEnd type="none" w="med" len="med"/>
-                      <a:tailEnd type="none" w="med" len="med"/>
+                      <a:headEnd w="med" len="med"/>
+                      <a:tailEnd w="med" len="med"/>
                     </a:lnB>
-                    <a:noFill/>
+                    <a:solidFill>
+                      <a:srgbClr val="a6a6a6"/>
+                    </a:solidFill>
                   </a:tcPr>
                 </a:tc>
                 <a:tc hMerge="1">
                   <a:txBody>
-                    <a:bodyPr/>
-                    <a:lstStyle/>
+                    <a:bodyPr vert="horz" wrap="square" lIns="91440" tIns="45720" rIns="91440" bIns="45720" anchor="t" anchorCtr="0">
+                      <a:spAutoFit/>
+                    </a:bodyPr>
                     <a:p>
-                      <a:pPr latinLnBrk="1"/>
-                      <a:endParaRPr lang="ko-KR" altLang="en-US"/>
+                      <a:pPr>
+                        <a:defRPr/>
+                      </a:pPr>
+                      <a:endParaRPr lang="en-US" altLang="ko-KR"/>
                     </a:p>
                   </a:txBody>
-                  <a:tcPr/>
+                  <a:tcPr marL="91440" marR="91440"/>
                 </a:tc>
-                <a:extLst>
-                  <a:ext uri="{0D108BD9-81ED-4DB2-BD59-A6C34878D82A}">
-                    <a16:rowId xmlns:a16="http://schemas.microsoft.com/office/drawing/2014/main" val="140264402"/>
-                  </a:ext>
-                </a:extLst>
               </a:tr>
-              <a:tr h="323469">
-                <a:tc vMerge="1">
+              <a:tr h="292105">
+                <a:tc gridSpan="2" vMerge="1">
                   <a:txBody>
-                    <a:bodyPr/>
-                    <a:lstStyle/>
+                    <a:bodyPr vert="horz" wrap="square" lIns="91440" tIns="45720" rIns="91440" bIns="45720" anchor="t" anchorCtr="0">
+                      <a:spAutoFit/>
+                    </a:bodyPr>
                     <a:p>
-                      <a:pPr latinLnBrk="1"/>
-                      <a:endParaRPr lang="ko-KR" altLang="en-US"/>
+                      <a:pPr>
+                        <a:defRPr/>
+                      </a:pPr>
+                      <a:endParaRPr lang="en-US" altLang="ko-KR"/>
                     </a:p>
                   </a:txBody>
-                  <a:tcPr/>
+                  <a:tcPr marL="91440" marR="91440"/>
+                </a:tc>
+                <a:tc hMerge="1" vMerge="1">
+                  <a:txBody>
+                    <a:bodyPr vert="horz" wrap="square" lIns="91440" tIns="45720" rIns="91440" bIns="45720" anchor="t" anchorCtr="0">
+                      <a:spAutoFit/>
+                    </a:bodyPr>
+                    <a:p>
+                      <a:pPr>
+                        <a:defRPr/>
+                      </a:pPr>
+                      <a:endParaRPr lang="en-US" altLang="ko-KR"/>
+                    </a:p>
+                  </a:txBody>
+                  <a:tcPr marL="91440" marR="91440"/>
                 </a:tc>
                 <a:tc>
                   <a:txBody>
-                    <a:bodyPr/>
-                    <a:lstStyle/>
+                    <a:bodyPr vert="horz" wrap="square" lIns="91440" tIns="45720" rIns="91440" bIns="45720" anchor="ctr" anchorCtr="0">
+                      <a:spAutoFit/>
+                    </a:bodyPr>
                     <a:p>
-                      <a:pPr marL="0" marR="0" indent="0" algn="ctr" fontAlgn="base" latinLnBrk="0">
-                        <a:lnSpc>
-                          <a:spcPct val="160000"/>
-                        </a:lnSpc>
-                        <a:buNone/>
+                      <a:pPr algn="ctr">
+                        <a:defRPr/>
                       </a:pPr>
                       <a:r>
-                        <a:rPr lang="ko-KR" altLang="en-US" sz="1000" b="1" kern="0" spc="0">
-                          <a:solidFill>
-                            <a:srgbClr val="000000"/>
-                          </a:solidFill>
-                          <a:effectLst/>
-                          <a:latin typeface="HY견고딕"/>
-                          <a:ea typeface="HY견고딕"/>
-                        </a:rPr>
-                        <a:t>비정상</a:t>
+                        <a:rPr lang="en-US" altLang="ko-KR" sz="1400" b="1"/>
+                        <a:t>Positive</a:t>
                       </a:r>
-                      <a:r>
-                        <a:rPr lang="en-US" altLang="ko-KR" sz="1000" b="1" kern="0" spc="0">
-                          <a:solidFill>
-                            <a:srgbClr val="000000"/>
-                          </a:solidFill>
-                          <a:effectLst/>
-                          <a:latin typeface="HY견고딕"/>
-                          <a:ea typeface="HY견고딕"/>
-                        </a:rPr>
-                        <a:t>(150</a:t>
-                      </a:r>
-                      <a:r>
-                        <a:rPr lang="ko-KR" altLang="en-US" sz="1000" b="1" kern="0" spc="0">
-                          <a:solidFill>
-                            <a:srgbClr val="000000"/>
-                          </a:solidFill>
-                          <a:effectLst/>
-                          <a:latin typeface="HY견고딕"/>
-                          <a:ea typeface="HY견고딕"/>
-                        </a:rPr>
-                        <a:t>건</a:t>
-                      </a:r>
-                      <a:r>
-                        <a:rPr lang="en-US" altLang="ko-KR" sz="1000" b="1" kern="0" spc="0">
-                          <a:solidFill>
-                            <a:srgbClr val="000000"/>
-                          </a:solidFill>
-                          <a:effectLst/>
-                          <a:latin typeface="HY견고딕"/>
-                          <a:ea typeface="HY견고딕"/>
-                        </a:rPr>
-                        <a:t>)</a:t>
-                      </a:r>
-                      <a:endParaRPr lang="ko-KR" altLang="en-US" sz="1000" kern="0" spc="0">
-                        <a:solidFill>
-                          <a:srgbClr val="000000"/>
-                        </a:solidFill>
-                        <a:effectLst/>
-                        <a:latin typeface="함초롬바탕" panose="02030604000101010101" pitchFamily="18" charset="-128"/>
-                      </a:endParaRPr>
+                      <a:endParaRPr lang="en-US" altLang="ko-KR" sz="1400" b="1"/>
                     </a:p>
                   </a:txBody>
-                  <a:tcPr marL="64770" marR="64770" marT="17907" marB="17907" anchor="ctr">
-                    <a:lnL w="3556" cap="flat" cmpd="sng" algn="ctr">
+                  <a:tcPr marL="91440" marR="91440" anchor="ctr">
+                    <a:lnL w="25400" cap="flat" cmpd="sng" algn="ctr">
                       <a:solidFill>
-                        <a:srgbClr val="000000"/>
+                        <a:schemeClr val="dk1"/>
                       </a:solidFill>
                       <a:prstDash val="solid"/>
                       <a:round/>
-                      <a:headEnd type="none" w="med" len="med"/>
-                      <a:tailEnd type="none" w="med" len="med"/>
+                      <a:headEnd w="med" len="med"/>
+                      <a:tailEnd w="med" len="med"/>
                     </a:lnL>
-                    <a:lnR w="3556" cap="flat" cmpd="sng" algn="ctr">
+                    <a:lnR w="25400" cap="flat" cmpd="sng" algn="ctr">
                       <a:solidFill>
-                        <a:srgbClr val="000000"/>
+                        <a:schemeClr val="dk1"/>
                       </a:solidFill>
                       <a:prstDash val="solid"/>
                       <a:round/>
-                      <a:headEnd type="none" w="med" len="med"/>
-                      <a:tailEnd type="none" w="med" len="med"/>
+                      <a:headEnd w="med" len="med"/>
+                      <a:tailEnd w="med" len="med"/>
                     </a:lnR>
-                    <a:lnT w="3556" cap="flat" cmpd="sng" algn="ctr">
+                    <a:lnT w="25400" cap="flat" cmpd="sng" algn="ctr">
                       <a:solidFill>
-                        <a:srgbClr val="000000"/>
+                        <a:schemeClr val="dk1"/>
                       </a:solidFill>
                       <a:prstDash val="solid"/>
                       <a:round/>
-                      <a:headEnd type="none" w="med" len="med"/>
-                      <a:tailEnd type="none" w="med" len="med"/>
+                      <a:headEnd w="med" len="med"/>
+                      <a:tailEnd w="med" len="med"/>
                     </a:lnT>
-                    <a:lnB w="3556" cap="flat" cmpd="sng" algn="ctr">
+                    <a:lnB w="25400" cap="flat" cmpd="sng" algn="ctr">
                       <a:solidFill>
-                        <a:srgbClr val="000000"/>
+                        <a:schemeClr val="dk1"/>
                       </a:solidFill>
                       <a:prstDash val="solid"/>
                       <a:round/>
-                      <a:headEnd type="none" w="med" len="med"/>
-                      <a:tailEnd type="none" w="med" len="med"/>
+                      <a:headEnd w="med" len="med"/>
+                      <a:tailEnd w="med" len="med"/>
+                    </a:lnB>
+                    <a:solidFill>
+                      <a:srgbClr val="bfbfbf"/>
+                    </a:solidFill>
+                  </a:tcPr>
+                </a:tc>
+                <a:tc>
+                  <a:txBody>
+                    <a:bodyPr vert="horz" wrap="square" lIns="91440" tIns="45720" rIns="91440" bIns="45720" anchor="ctr" anchorCtr="0">
+                      <a:spAutoFit/>
+                    </a:bodyPr>
+                    <a:p>
+                      <a:pPr algn="ctr">
+                        <a:defRPr/>
+                      </a:pPr>
+                      <a:r>
+                        <a:rPr lang="en-US" altLang="ko-KR" sz="1400" b="1"/>
+                        <a:t>Negative</a:t>
+                      </a:r>
+                      <a:endParaRPr lang="en-US" altLang="ko-KR" sz="1400" b="1"/>
+                    </a:p>
+                  </a:txBody>
+                  <a:tcPr marL="91440" marR="91440" anchor="ctr">
+                    <a:lnL w="25400" cap="flat" cmpd="sng" algn="ctr">
+                      <a:solidFill>
+                        <a:schemeClr val="dk1"/>
+                      </a:solidFill>
+                      <a:prstDash val="solid"/>
+                      <a:round/>
+                      <a:headEnd w="med" len="med"/>
+                      <a:tailEnd w="med" len="med"/>
+                    </a:lnL>
+                    <a:lnR w="25400" cap="flat" cmpd="sng" algn="ctr">
+                      <a:solidFill>
+                        <a:schemeClr val="dk1"/>
+                      </a:solidFill>
+                      <a:prstDash val="solid"/>
+                      <a:round/>
+                      <a:headEnd w="med" len="med"/>
+                      <a:tailEnd w="med" len="med"/>
+                    </a:lnR>
+                    <a:lnT w="25400" cap="flat" cmpd="sng" algn="ctr">
+                      <a:solidFill>
+                        <a:schemeClr val="dk1"/>
+                      </a:solidFill>
+                      <a:prstDash val="solid"/>
+                      <a:round/>
+                      <a:headEnd w="med" len="med"/>
+                      <a:tailEnd w="med" len="med"/>
+                    </a:lnT>
+                    <a:lnB w="25400" cap="flat" cmpd="sng" algn="ctr">
+                      <a:solidFill>
+                        <a:schemeClr val="dk1"/>
+                      </a:solidFill>
+                      <a:prstDash val="solid"/>
+                      <a:round/>
+                      <a:headEnd w="med" len="med"/>
+                      <a:tailEnd w="med" len="med"/>
+                    </a:lnB>
+                    <a:solidFill>
+                      <a:srgbClr val="bfbfbf"/>
+                    </a:solidFill>
+                  </a:tcPr>
+                </a:tc>
+              </a:tr>
+              <a:tr h="292105">
+                <a:tc rowSpan="2">
+                  <a:txBody>
+                    <a:bodyPr vert="horz" wrap="square" lIns="91440" tIns="45720" rIns="91440" bIns="45720" anchor="ctr" anchorCtr="0">
+                      <a:spAutoFit/>
+                    </a:bodyPr>
+                    <a:p>
+                      <a:pPr algn="ctr">
+                        <a:defRPr/>
+                      </a:pPr>
+                      <a:r>
+                        <a:rPr lang="en-US" altLang="ko-KR" b="1"/>
+                        <a:t>MA</a:t>
+                      </a:r>
+                      <a:endParaRPr lang="en-US" altLang="ko-KR" b="1"/>
+                    </a:p>
+                  </a:txBody>
+                  <a:tcPr marL="91440" marR="91440" anchor="ctr">
+                    <a:lnL w="25400" cap="flat" cmpd="sng" algn="ctr">
+                      <a:solidFill>
+                        <a:schemeClr val="dk1"/>
+                      </a:solidFill>
+                      <a:prstDash val="solid"/>
+                      <a:round/>
+                      <a:headEnd w="med" len="med"/>
+                      <a:tailEnd w="med" len="med"/>
+                    </a:lnL>
+                    <a:lnR w="25400" cap="flat" cmpd="sng" algn="ctr">
+                      <a:solidFill>
+                        <a:schemeClr val="dk1"/>
+                      </a:solidFill>
+                      <a:prstDash val="solid"/>
+                      <a:round/>
+                      <a:headEnd w="med" len="med"/>
+                      <a:tailEnd w="med" len="med"/>
+                    </a:lnR>
+                    <a:lnT w="25400" cap="flat" cmpd="sng" algn="ctr">
+                      <a:solidFill>
+                        <a:schemeClr val="dk1"/>
+                      </a:solidFill>
+                      <a:prstDash val="solid"/>
+                      <a:round/>
+                      <a:headEnd w="med" len="med"/>
+                      <a:tailEnd w="med" len="med"/>
+                    </a:lnT>
+                    <a:lnB w="25400" cap="flat" cmpd="sng" algn="ctr">
+                      <a:solidFill>
+                        <a:schemeClr val="dk1"/>
+                      </a:solidFill>
+                      <a:prstDash val="solid"/>
+                      <a:round/>
+                      <a:headEnd w="med" len="med"/>
+                      <a:tailEnd w="med" len="med"/>
+                    </a:lnB>
+                    <a:solidFill>
+                      <a:srgbClr val="a6a6a6"/>
+                    </a:solidFill>
+                  </a:tcPr>
+                </a:tc>
+                <a:tc>
+                  <a:txBody>
+                    <a:bodyPr vert="horz" wrap="square" lIns="91440" tIns="45720" rIns="91440" bIns="45720" anchor="ctr" anchorCtr="0">
+                      <a:spAutoFit/>
+                    </a:bodyPr>
+                    <a:p>
+                      <a:pPr algn="ctr">
+                        <a:defRPr/>
+                      </a:pPr>
+                      <a:r>
+                        <a:rPr lang="en-US" altLang="ko-KR" sz="1400" b="1"/>
+                        <a:t>Positive</a:t>
+                      </a:r>
+                      <a:endParaRPr lang="en-US" altLang="ko-KR" sz="1400" b="1"/>
+                    </a:p>
+                  </a:txBody>
+                  <a:tcPr marL="91440" marR="91440" anchor="ctr">
+                    <a:lnL w="25400" cap="flat" cmpd="sng" algn="ctr">
+                      <a:solidFill>
+                        <a:schemeClr val="dk1"/>
+                      </a:solidFill>
+                      <a:prstDash val="solid"/>
+                      <a:round/>
+                      <a:headEnd w="med" len="med"/>
+                      <a:tailEnd w="med" len="med"/>
+                    </a:lnL>
+                    <a:lnR w="25400" cap="flat" cmpd="sng" algn="ctr">
+                      <a:solidFill>
+                        <a:schemeClr val="dk1"/>
+                      </a:solidFill>
+                      <a:prstDash val="solid"/>
+                      <a:round/>
+                      <a:headEnd w="med" len="med"/>
+                      <a:tailEnd w="med" len="med"/>
+                    </a:lnR>
+                    <a:lnT w="25400" cap="flat" cmpd="sng" algn="ctr">
+                      <a:solidFill>
+                        <a:schemeClr val="dk1"/>
+                      </a:solidFill>
+                      <a:prstDash val="solid"/>
+                      <a:round/>
+                      <a:headEnd w="med" len="med"/>
+                      <a:tailEnd w="med" len="med"/>
+                    </a:lnT>
+                    <a:lnB w="25400" cap="flat" cmpd="sng" algn="ctr">
+                      <a:solidFill>
+                        <a:schemeClr val="dk1"/>
+                      </a:solidFill>
+                      <a:prstDash val="solid"/>
+                      <a:round/>
+                      <a:headEnd w="med" len="med"/>
+                      <a:tailEnd w="med" len="med"/>
+                    </a:lnB>
+                    <a:solidFill>
+                      <a:srgbClr val="bfbfbf"/>
+                    </a:solidFill>
+                  </a:tcPr>
+                </a:tc>
+                <a:tc>
+                  <a:txBody>
+                    <a:bodyPr vert="horz" wrap="square" lIns="91440" tIns="45720" rIns="91440" bIns="45720" anchor="ctr" anchorCtr="0">
+                      <a:spAutoFit/>
+                    </a:bodyPr>
+                    <a:p>
+                      <a:pPr algn="ctr">
+                        <a:defRPr/>
+                      </a:pPr>
+                      <a:r>
+                        <a:rPr lang="en-US" altLang="ko-KR" b="1"/>
+                        <a:t>TP(130)</a:t>
+                      </a:r>
+                      <a:endParaRPr lang="en-US" altLang="ko-KR" b="1"/>
+                    </a:p>
+                  </a:txBody>
+                  <a:tcPr marL="91440" marR="91440" anchor="ctr">
+                    <a:lnL w="25400" cap="flat" cmpd="sng" algn="ctr">
+                      <a:solidFill>
+                        <a:schemeClr val="dk1"/>
+                      </a:solidFill>
+                      <a:prstDash val="solid"/>
+                      <a:round/>
+                      <a:headEnd w="med" len="med"/>
+                      <a:tailEnd w="med" len="med"/>
+                    </a:lnL>
+                    <a:lnR w="25400" cap="flat" cmpd="sng" algn="ctr">
+                      <a:solidFill>
+                        <a:schemeClr val="dk1"/>
+                      </a:solidFill>
+                      <a:prstDash val="solid"/>
+                      <a:round/>
+                      <a:headEnd w="med" len="med"/>
+                      <a:tailEnd w="med" len="med"/>
+                    </a:lnR>
+                    <a:lnT w="25400" cap="flat" cmpd="sng" algn="ctr">
+                      <a:solidFill>
+                        <a:schemeClr val="dk1"/>
+                      </a:solidFill>
+                      <a:prstDash val="solid"/>
+                      <a:round/>
+                      <a:headEnd w="med" len="med"/>
+                      <a:tailEnd w="med" len="med"/>
+                    </a:lnT>
+                    <a:lnB w="25400" cap="flat" cmpd="sng" algn="ctr">
+                      <a:solidFill>
+                        <a:schemeClr val="dk1"/>
+                      </a:solidFill>
+                      <a:prstDash val="solid"/>
+                      <a:round/>
+                      <a:headEnd w="med" len="med"/>
+                      <a:tailEnd w="med" len="med"/>
                     </a:lnB>
                     <a:noFill/>
                   </a:tcPr>
                 </a:tc>
                 <a:tc>
                   <a:txBody>
-                    <a:bodyPr/>
-                    <a:lstStyle/>
+                    <a:bodyPr vert="horz" wrap="square" lIns="91440" tIns="45720" rIns="91440" bIns="45720" anchor="ctr" anchorCtr="0">
+                      <a:spAutoFit/>
+                    </a:bodyPr>
                     <a:p>
-                      <a:pPr marL="0" marR="0" indent="0" algn="ctr" fontAlgn="base" latinLnBrk="0">
-                        <a:lnSpc>
-                          <a:spcPct val="160000"/>
-                        </a:lnSpc>
-                        <a:buNone/>
+                      <a:pPr algn="ctr">
+                        <a:defRPr/>
                       </a:pPr>
                       <a:r>
-                        <a:rPr lang="ko-KR" altLang="en-US" sz="1000" b="1" kern="0" spc="0">
-                          <a:solidFill>
-                            <a:srgbClr val="000000"/>
-                          </a:solidFill>
-                          <a:effectLst/>
-                          <a:latin typeface="HY견고딕"/>
-                          <a:ea typeface="HY견고딕"/>
-                        </a:rPr>
-                        <a:t>정상</a:t>
+                        <a:rPr lang="en-US" altLang="ko-KR" b="1"/>
+                        <a:t>FP(50)</a:t>
                       </a:r>
-                      <a:r>
-                        <a:rPr lang="en-US" altLang="ko-KR" sz="1000" b="1" kern="0" spc="0">
-                          <a:solidFill>
-                            <a:srgbClr val="000000"/>
-                          </a:solidFill>
-                          <a:effectLst/>
-                          <a:latin typeface="HY견고딕"/>
-                          <a:ea typeface="HY견고딕"/>
-                        </a:rPr>
-                        <a:t>(650</a:t>
-                      </a:r>
-                      <a:r>
-                        <a:rPr lang="ko-KR" altLang="en-US" sz="1000" b="1" kern="0" spc="0">
-                          <a:solidFill>
-                            <a:srgbClr val="000000"/>
-                          </a:solidFill>
-                          <a:effectLst/>
-                          <a:latin typeface="HY견고딕"/>
-                          <a:ea typeface="HY견고딕"/>
-                        </a:rPr>
-                        <a:t>건</a:t>
-                      </a:r>
-                      <a:r>
-                        <a:rPr lang="en-US" altLang="ko-KR" sz="1000" b="1" kern="0" spc="0">
-                          <a:solidFill>
-                            <a:srgbClr val="000000"/>
-                          </a:solidFill>
-                          <a:effectLst/>
-                          <a:latin typeface="HY견고딕"/>
-                          <a:ea typeface="HY견고딕"/>
-                        </a:rPr>
-                        <a:t>)</a:t>
-                      </a:r>
-                      <a:endParaRPr lang="ko-KR" altLang="en-US" sz="1000" kern="0" spc="0">
-                        <a:solidFill>
-                          <a:srgbClr val="000000"/>
-                        </a:solidFill>
-                        <a:effectLst/>
-                        <a:latin typeface="함초롬바탕" panose="02030604000101010101" pitchFamily="18" charset="-128"/>
-                      </a:endParaRPr>
+                      <a:endParaRPr lang="en-US" altLang="ko-KR" b="1"/>
                     </a:p>
                   </a:txBody>
-                  <a:tcPr marL="64770" marR="64770" marT="17907" marB="17907" anchor="ctr">
-                    <a:lnL w="3556" cap="flat" cmpd="sng" algn="ctr">
+                  <a:tcPr marL="91440" marR="91440" anchor="ctr">
+                    <a:lnL w="25400" cap="flat" cmpd="sng" algn="ctr">
                       <a:solidFill>
-                        <a:srgbClr val="000000"/>
+                        <a:schemeClr val="dk1"/>
                       </a:solidFill>
                       <a:prstDash val="solid"/>
                       <a:round/>
-                      <a:headEnd type="none" w="med" len="med"/>
-                      <a:tailEnd type="none" w="med" len="med"/>
+                      <a:headEnd w="med" len="med"/>
+                      <a:tailEnd w="med" len="med"/>
                     </a:lnL>
-                    <a:lnR w="21590" cap="flat" cmpd="sng" algn="ctr">
+                    <a:lnR w="25400" cap="flat" cmpd="sng" algn="ctr">
                       <a:solidFill>
-                        <a:srgbClr val="000000"/>
+                        <a:schemeClr val="dk1"/>
                       </a:solidFill>
                       <a:prstDash val="solid"/>
                       <a:round/>
-                      <a:headEnd type="none" w="med" len="med"/>
-                      <a:tailEnd type="none" w="med" len="med"/>
+                      <a:headEnd w="med" len="med"/>
+                      <a:tailEnd w="med" len="med"/>
                     </a:lnR>
-                    <a:lnT w="3556" cap="flat" cmpd="sng" algn="ctr">
+                    <a:lnT w="25400" cap="flat" cmpd="sng" algn="ctr">
                       <a:solidFill>
-                        <a:srgbClr val="000000"/>
+                        <a:schemeClr val="dk1"/>
                       </a:solidFill>
                       <a:prstDash val="solid"/>
                       <a:round/>
-                      <a:headEnd type="none" w="med" len="med"/>
-                      <a:tailEnd type="none" w="med" len="med"/>
+                      <a:headEnd w="med" len="med"/>
+                      <a:tailEnd w="med" len="med"/>
                     </a:lnT>
-                    <a:lnB w="3556" cap="flat" cmpd="sng" algn="ctr">
+                    <a:lnB w="25400" cap="flat" cmpd="sng" algn="ctr">
                       <a:solidFill>
-                        <a:srgbClr val="000000"/>
+                        <a:schemeClr val="dk1"/>
                       </a:solidFill>
                       <a:prstDash val="solid"/>
                       <a:round/>
-                      <a:headEnd type="none" w="med" len="med"/>
-                      <a:tailEnd type="none" w="med" len="med"/>
+                      <a:headEnd w="med" len="med"/>
+                      <a:tailEnd w="med" len="med"/>
+                    </a:lnB>
+                    <a:solidFill>
+                      <a:srgbClr val="d9d9d9"/>
+                    </a:solidFill>
+                  </a:tcPr>
+                </a:tc>
+              </a:tr>
+              <a:tr h="292105">
+                <a:tc vMerge="1">
+                  <a:txBody>
+                    <a:bodyPr vert="horz" wrap="square" lIns="91440" tIns="45720" rIns="91440" bIns="45720" anchor="t" anchorCtr="0">
+                      <a:spAutoFit/>
+                    </a:bodyPr>
+                    <a:p>
+                      <a:pPr>
+                        <a:defRPr/>
+                      </a:pPr>
+                      <a:endParaRPr lang="en-US" altLang="ko-KR"/>
+                    </a:p>
+                  </a:txBody>
+                  <a:tcPr marL="91440" marR="91440"/>
+                </a:tc>
+                <a:tc>
+                  <a:txBody>
+                    <a:bodyPr vert="horz" wrap="square" lIns="91440" tIns="45720" rIns="91440" bIns="45720" anchor="ctr" anchorCtr="0">
+                      <a:spAutoFit/>
+                    </a:bodyPr>
+                    <a:p>
+                      <a:pPr algn="ctr">
+                        <a:defRPr/>
+                      </a:pPr>
+                      <a:r>
+                        <a:rPr lang="en-US" altLang="ko-KR" sz="1400" b="1"/>
+                        <a:t>Negative</a:t>
+                      </a:r>
+                      <a:endParaRPr lang="en-US" altLang="ko-KR" sz="1400" b="1"/>
+                    </a:p>
+                  </a:txBody>
+                  <a:tcPr marL="91440" marR="91440" anchor="ctr">
+                    <a:lnL w="25400" cap="flat" cmpd="sng" algn="ctr">
+                      <a:solidFill>
+                        <a:schemeClr val="dk1"/>
+                      </a:solidFill>
+                      <a:prstDash val="solid"/>
+                      <a:round/>
+                      <a:headEnd w="med" len="med"/>
+                      <a:tailEnd w="med" len="med"/>
+                    </a:lnL>
+                    <a:lnR w="25400" cap="flat" cmpd="sng" algn="ctr">
+                      <a:solidFill>
+                        <a:schemeClr val="dk1"/>
+                      </a:solidFill>
+                      <a:prstDash val="solid"/>
+                      <a:round/>
+                      <a:headEnd w="med" len="med"/>
+                      <a:tailEnd w="med" len="med"/>
+                    </a:lnR>
+                    <a:lnT w="25400" cap="flat" cmpd="sng" algn="ctr">
+                      <a:solidFill>
+                        <a:schemeClr val="dk1"/>
+                      </a:solidFill>
+                      <a:prstDash val="solid"/>
+                      <a:round/>
+                      <a:headEnd w="med" len="med"/>
+                      <a:tailEnd w="med" len="med"/>
+                    </a:lnT>
+                    <a:lnB w="25400" cap="flat" cmpd="sng" algn="ctr">
+                      <a:solidFill>
+                        <a:schemeClr val="dk1"/>
+                      </a:solidFill>
+                      <a:prstDash val="solid"/>
+                      <a:round/>
+                      <a:headEnd w="med" len="med"/>
+                      <a:tailEnd w="med" len="med"/>
+                    </a:lnB>
+                    <a:solidFill>
+                      <a:srgbClr val="bfbfbf"/>
+                    </a:solidFill>
+                  </a:tcPr>
+                </a:tc>
+                <a:tc>
+                  <a:txBody>
+                    <a:bodyPr vert="horz" wrap="square" lIns="91440" tIns="45720" rIns="91440" bIns="45720" anchor="ctr" anchorCtr="0">
+                      <a:spAutoFit/>
+                    </a:bodyPr>
+                    <a:p>
+                      <a:pPr algn="ctr">
+                        <a:defRPr/>
+                      </a:pPr>
+                      <a:r>
+                        <a:rPr lang="en-US" altLang="ko-KR" b="1"/>
+                        <a:t>FN(20)</a:t>
+                      </a:r>
+                      <a:endParaRPr lang="en-US" altLang="ko-KR" b="1"/>
+                    </a:p>
+                  </a:txBody>
+                  <a:tcPr marL="91440" marR="91440" anchor="ctr">
+                    <a:lnL w="25400" cap="flat" cmpd="sng" algn="ctr">
+                      <a:solidFill>
+                        <a:schemeClr val="dk1"/>
+                      </a:solidFill>
+                      <a:prstDash val="solid"/>
+                      <a:round/>
+                      <a:headEnd w="med" len="med"/>
+                      <a:tailEnd w="med" len="med"/>
+                    </a:lnL>
+                    <a:lnR w="25400" cap="flat" cmpd="sng" algn="ctr">
+                      <a:solidFill>
+                        <a:schemeClr val="dk1"/>
+                      </a:solidFill>
+                      <a:prstDash val="solid"/>
+                      <a:round/>
+                      <a:headEnd w="med" len="med"/>
+                      <a:tailEnd w="med" len="med"/>
+                    </a:lnR>
+                    <a:lnT w="25400" cap="flat" cmpd="sng" algn="ctr">
+                      <a:solidFill>
+                        <a:schemeClr val="dk1"/>
+                      </a:solidFill>
+                      <a:prstDash val="solid"/>
+                      <a:round/>
+                      <a:headEnd w="med" len="med"/>
+                      <a:tailEnd w="med" len="med"/>
+                    </a:lnT>
+                    <a:lnB w="25400" cap="flat" cmpd="sng" algn="ctr">
+                      <a:solidFill>
+                        <a:schemeClr val="dk1"/>
+                      </a:solidFill>
+                      <a:prstDash val="solid"/>
+                      <a:round/>
+                      <a:headEnd w="med" len="med"/>
+                      <a:tailEnd w="med" len="med"/>
+                    </a:lnB>
+                    <a:solidFill>
+                      <a:srgbClr val="d9d9d9"/>
+                    </a:solidFill>
+                  </a:tcPr>
+                </a:tc>
+                <a:tc>
+                  <a:txBody>
+                    <a:bodyPr vert="horz" wrap="square" lIns="91440" tIns="45720" rIns="91440" bIns="45720" anchor="ctr" anchorCtr="0">
+                      <a:spAutoFit/>
+                    </a:bodyPr>
+                    <a:p>
+                      <a:pPr algn="ctr">
+                        <a:defRPr/>
+                      </a:pPr>
+                      <a:r>
+                        <a:rPr lang="en-US" altLang="ko-KR" sz="1500" b="1"/>
+                        <a:t>TN(600)</a:t>
+                      </a:r>
+                      <a:endParaRPr lang="en-US" altLang="ko-KR" sz="1500" b="1"/>
+                    </a:p>
+                  </a:txBody>
+                  <a:tcPr marL="91440" marR="91440" anchor="ctr">
+                    <a:lnL w="25400" cap="flat" cmpd="sng" algn="ctr">
+                      <a:solidFill>
+                        <a:schemeClr val="dk1"/>
+                      </a:solidFill>
+                      <a:prstDash val="solid"/>
+                      <a:round/>
+                      <a:headEnd w="med" len="med"/>
+                      <a:tailEnd w="med" len="med"/>
+                    </a:lnL>
+                    <a:lnR w="25400" cap="flat" cmpd="sng" algn="ctr">
+                      <a:solidFill>
+                        <a:schemeClr val="dk1"/>
+                      </a:solidFill>
+                      <a:prstDash val="solid"/>
+                      <a:round/>
+                      <a:headEnd w="med" len="med"/>
+                      <a:tailEnd w="med" len="med"/>
+                    </a:lnR>
+                    <a:lnT w="25400" cap="flat" cmpd="sng" algn="ctr">
+                      <a:solidFill>
+                        <a:schemeClr val="dk1"/>
+                      </a:solidFill>
+                      <a:prstDash val="solid"/>
+                      <a:round/>
+                      <a:headEnd w="med" len="med"/>
+                      <a:tailEnd w="med" len="med"/>
+                    </a:lnT>
+                    <a:lnB w="25400" cap="flat" cmpd="sng" algn="ctr">
+                      <a:solidFill>
+                        <a:schemeClr val="dk1"/>
+                      </a:solidFill>
+                      <a:prstDash val="solid"/>
+                      <a:round/>
+                      <a:headEnd w="med" len="med"/>
+                      <a:tailEnd w="med" len="med"/>
                     </a:lnB>
                     <a:noFill/>
                   </a:tcPr>
                 </a:tc>
-                <a:extLst>
-                  <a:ext uri="{0D108BD9-81ED-4DB2-BD59-A6C34878D82A}">
-                    <a16:rowId xmlns:a16="http://schemas.microsoft.com/office/drawing/2014/main" val="3341458611"/>
-                  </a:ext>
-                </a:extLst>
-              </a:tr>
-              <a:tr h="558165">
-                <a:tc rowSpan="2">
-                  <a:txBody>
-                    <a:bodyPr/>
-                    <a:lstStyle/>
-                    <a:p>
-                      <a:pPr marL="0" marR="0" indent="0" algn="ctr" fontAlgn="base" latinLnBrk="0">
-                        <a:lnSpc>
-                          <a:spcPct val="160000"/>
-                        </a:lnSpc>
-                        <a:buNone/>
-                      </a:pPr>
-                      <a:r>
-                        <a:rPr lang="ko-KR" altLang="en-US" sz="1000" b="1" kern="0" spc="0">
-                          <a:solidFill>
-                            <a:srgbClr val="000000"/>
-                          </a:solidFill>
-                          <a:effectLst/>
-                          <a:latin typeface="HY견고딕"/>
-                          <a:ea typeface="HY견고딕"/>
-                        </a:rPr>
-                        <a:t>예측</a:t>
-                      </a:r>
-                      <a:endParaRPr lang="ko-KR" altLang="en-US" sz="1000" kern="0" spc="0">
-                        <a:solidFill>
-                          <a:srgbClr val="000000"/>
-                        </a:solidFill>
-                        <a:effectLst/>
-                        <a:latin typeface="함초롬바탕" panose="02030604000101010101" pitchFamily="18" charset="-128"/>
-                      </a:endParaRPr>
-                    </a:p>
-                    <a:p>
-                      <a:pPr marL="0" marR="0" indent="0" algn="ctr" fontAlgn="base" latinLnBrk="0">
-                        <a:lnSpc>
-                          <a:spcPct val="160000"/>
-                        </a:lnSpc>
-                        <a:buNone/>
-                      </a:pPr>
-                      <a:r>
-                        <a:rPr lang="en-US" altLang="ko-KR" sz="1000" b="1" kern="0" spc="0">
-                          <a:solidFill>
-                            <a:srgbClr val="000000"/>
-                          </a:solidFill>
-                          <a:effectLst/>
-                          <a:latin typeface="HY견고딕"/>
-                          <a:ea typeface="HY견고딕"/>
-                        </a:rPr>
-                        <a:t>(</a:t>
-                      </a:r>
-                      <a:r>
-                        <a:rPr lang="en-US" sz="1000" b="1" kern="0" spc="0">
-                          <a:solidFill>
-                            <a:srgbClr val="000000"/>
-                          </a:solidFill>
-                          <a:effectLst/>
-                          <a:latin typeface="HY견고딕"/>
-                          <a:ea typeface="HY견고딕"/>
-                        </a:rPr>
-                        <a:t>MA)</a:t>
-                      </a:r>
-                      <a:endParaRPr lang="en-US" sz="1000" kern="0" spc="0">
-                        <a:solidFill>
-                          <a:srgbClr val="000000"/>
-                        </a:solidFill>
-                        <a:effectLst/>
-                        <a:latin typeface="함초롬바탕" panose="02030604000101010101" pitchFamily="18" charset="-128"/>
-                      </a:endParaRPr>
-                    </a:p>
-                  </a:txBody>
-                  <a:tcPr marL="64770" marR="64770" marT="17907" marB="17907" anchor="ctr">
-                    <a:lnL w="21590" cap="flat" cmpd="sng" algn="ctr">
-                      <a:solidFill>
-                        <a:srgbClr val="000000"/>
-                      </a:solidFill>
-                      <a:prstDash val="solid"/>
-                      <a:round/>
-                      <a:headEnd type="none" w="med" len="med"/>
-                      <a:tailEnd type="none" w="med" len="med"/>
-                    </a:lnL>
-                    <a:lnR w="3556" cap="flat" cmpd="sng" algn="ctr">
-                      <a:solidFill>
-                        <a:srgbClr val="000000"/>
-                      </a:solidFill>
-                      <a:prstDash val="solid"/>
-                      <a:round/>
-                      <a:headEnd type="none" w="med" len="med"/>
-                      <a:tailEnd type="none" w="med" len="med"/>
-                    </a:lnR>
-                    <a:lnT w="3556" cap="flat" cmpd="sng" algn="ctr">
-                      <a:solidFill>
-                        <a:srgbClr val="000000"/>
-                      </a:solidFill>
-                      <a:prstDash val="solid"/>
-                      <a:round/>
-                      <a:headEnd type="none" w="med" len="med"/>
-                      <a:tailEnd type="none" w="med" len="med"/>
-                    </a:lnT>
-                    <a:lnB w="21590" cap="flat" cmpd="sng" algn="ctr">
-                      <a:solidFill>
-                        <a:srgbClr val="000000"/>
-                      </a:solidFill>
-                      <a:prstDash val="solid"/>
-                      <a:round/>
-                      <a:headEnd type="none" w="med" len="med"/>
-                      <a:tailEnd type="none" w="med" len="med"/>
-                    </a:lnB>
-                    <a:noFill/>
-                  </a:tcPr>
-                </a:tc>
-                <a:tc>
-                  <a:txBody>
-                    <a:bodyPr/>
-                    <a:lstStyle/>
-                    <a:p>
-                      <a:pPr marL="0" marR="0" indent="0" algn="ctr" fontAlgn="base" latinLnBrk="0">
-                        <a:lnSpc>
-                          <a:spcPct val="160000"/>
-                        </a:lnSpc>
-                        <a:buNone/>
-                      </a:pPr>
-                      <a:r>
-                        <a:rPr lang="en-US" sz="1000" b="1" kern="0" spc="0">
-                          <a:solidFill>
-                            <a:srgbClr val="000000"/>
-                          </a:solidFill>
-                          <a:effectLst/>
-                          <a:latin typeface="HY견고딕"/>
-                          <a:ea typeface="HY견고딕"/>
-                        </a:rPr>
-                        <a:t>TP(130</a:t>
-                      </a:r>
-                      <a:r>
-                        <a:rPr lang="ko-KR" altLang="en-US" sz="1000" b="1" kern="0" spc="0">
-                          <a:solidFill>
-                            <a:srgbClr val="000000"/>
-                          </a:solidFill>
-                          <a:effectLst/>
-                          <a:latin typeface="HY견고딕"/>
-                          <a:ea typeface="HY견고딕"/>
-                        </a:rPr>
-                        <a:t>건</a:t>
-                      </a:r>
-                      <a:r>
-                        <a:rPr lang="en-US" altLang="ko-KR" sz="1000" b="1" kern="0" spc="0">
-                          <a:solidFill>
-                            <a:srgbClr val="000000"/>
-                          </a:solidFill>
-                          <a:effectLst/>
-                          <a:latin typeface="HY견고딕"/>
-                          <a:ea typeface="HY견고딕"/>
-                        </a:rPr>
-                        <a:t>)</a:t>
-                      </a:r>
-                      <a:endParaRPr lang="ko-KR" altLang="en-US" sz="1000" kern="0" spc="0">
-                        <a:solidFill>
-                          <a:srgbClr val="000000"/>
-                        </a:solidFill>
-                        <a:effectLst/>
-                        <a:latin typeface="함초롬바탕" panose="02030604000101010101" pitchFamily="18" charset="-128"/>
-                      </a:endParaRPr>
-                    </a:p>
-                  </a:txBody>
-                  <a:tcPr marL="64770" marR="64770" marT="17907" marB="17907" anchor="ctr">
-                    <a:lnL w="3556" cap="flat" cmpd="sng" algn="ctr">
-                      <a:solidFill>
-                        <a:srgbClr val="000000"/>
-                      </a:solidFill>
-                      <a:prstDash val="solid"/>
-                      <a:round/>
-                      <a:headEnd type="none" w="med" len="med"/>
-                      <a:tailEnd type="none" w="med" len="med"/>
-                    </a:lnL>
-                    <a:lnR w="3556" cap="flat" cmpd="sng" algn="ctr">
-                      <a:solidFill>
-                        <a:srgbClr val="000000"/>
-                      </a:solidFill>
-                      <a:prstDash val="solid"/>
-                      <a:round/>
-                      <a:headEnd type="none" w="med" len="med"/>
-                      <a:tailEnd type="none" w="med" len="med"/>
-                    </a:lnR>
-                    <a:lnT w="3556" cap="flat" cmpd="sng" algn="ctr">
-                      <a:solidFill>
-                        <a:srgbClr val="000000"/>
-                      </a:solidFill>
-                      <a:prstDash val="solid"/>
-                      <a:round/>
-                      <a:headEnd type="none" w="med" len="med"/>
-                      <a:tailEnd type="none" w="med" len="med"/>
-                    </a:lnT>
-                    <a:lnB w="3556" cap="flat" cmpd="sng" algn="ctr">
-                      <a:solidFill>
-                        <a:srgbClr val="000000"/>
-                      </a:solidFill>
-                      <a:prstDash val="solid"/>
-                      <a:round/>
-                      <a:headEnd type="none" w="med" len="med"/>
-                      <a:tailEnd type="none" w="med" len="med"/>
-                    </a:lnB>
-                    <a:noFill/>
-                  </a:tcPr>
-                </a:tc>
-                <a:tc>
-                  <a:txBody>
-                    <a:bodyPr/>
-                    <a:lstStyle/>
-                    <a:p>
-                      <a:pPr marL="0" marR="0" indent="0" algn="ctr" fontAlgn="base" latinLnBrk="0">
-                        <a:lnSpc>
-                          <a:spcPct val="160000"/>
-                        </a:lnSpc>
-                        <a:buNone/>
-                      </a:pPr>
-                      <a:r>
-                        <a:rPr lang="en-US" sz="1000" b="1" kern="0" spc="0">
-                          <a:solidFill>
-                            <a:srgbClr val="000000"/>
-                          </a:solidFill>
-                          <a:effectLst/>
-                          <a:latin typeface="HY견고딕"/>
-                          <a:ea typeface="HY견고딕"/>
-                        </a:rPr>
-                        <a:t>FP(50</a:t>
-                      </a:r>
-                      <a:r>
-                        <a:rPr lang="ko-KR" altLang="en-US" sz="1000" b="1" kern="0" spc="0">
-                          <a:solidFill>
-                            <a:srgbClr val="000000"/>
-                          </a:solidFill>
-                          <a:effectLst/>
-                          <a:latin typeface="HY견고딕"/>
-                          <a:ea typeface="HY견고딕"/>
-                        </a:rPr>
-                        <a:t>건</a:t>
-                      </a:r>
-                      <a:r>
-                        <a:rPr lang="en-US" altLang="ko-KR" sz="1000" b="1" kern="0" spc="0">
-                          <a:solidFill>
-                            <a:srgbClr val="000000"/>
-                          </a:solidFill>
-                          <a:effectLst/>
-                          <a:latin typeface="HY견고딕"/>
-                          <a:ea typeface="HY견고딕"/>
-                        </a:rPr>
-                        <a:t>)</a:t>
-                      </a:r>
-                      <a:endParaRPr lang="ko-KR" altLang="en-US" sz="1000" kern="0" spc="0">
-                        <a:solidFill>
-                          <a:srgbClr val="000000"/>
-                        </a:solidFill>
-                        <a:effectLst/>
-                        <a:latin typeface="함초롬바탕" panose="02030604000101010101" pitchFamily="18" charset="-128"/>
-                      </a:endParaRPr>
-                    </a:p>
-                  </a:txBody>
-                  <a:tcPr marL="64770" marR="64770" marT="17907" marB="17907" anchor="ctr">
-                    <a:lnL w="3556" cap="flat" cmpd="sng" algn="ctr">
-                      <a:solidFill>
-                        <a:srgbClr val="000000"/>
-                      </a:solidFill>
-                      <a:prstDash val="solid"/>
-                      <a:round/>
-                      <a:headEnd type="none" w="med" len="med"/>
-                      <a:tailEnd type="none" w="med" len="med"/>
-                    </a:lnL>
-                    <a:lnR w="21590" cap="flat" cmpd="sng" algn="ctr">
-                      <a:solidFill>
-                        <a:srgbClr val="000000"/>
-                      </a:solidFill>
-                      <a:prstDash val="solid"/>
-                      <a:round/>
-                      <a:headEnd type="none" w="med" len="med"/>
-                      <a:tailEnd type="none" w="med" len="med"/>
-                    </a:lnR>
-                    <a:lnT w="3556" cap="flat" cmpd="sng" algn="ctr">
-                      <a:solidFill>
-                        <a:srgbClr val="000000"/>
-                      </a:solidFill>
-                      <a:prstDash val="solid"/>
-                      <a:round/>
-                      <a:headEnd type="none" w="med" len="med"/>
-                      <a:tailEnd type="none" w="med" len="med"/>
-                    </a:lnT>
-                    <a:lnB w="3556" cap="flat" cmpd="sng" algn="ctr">
-                      <a:solidFill>
-                        <a:srgbClr val="000000"/>
-                      </a:solidFill>
-                      <a:prstDash val="solid"/>
-                      <a:round/>
-                      <a:headEnd type="none" w="med" len="med"/>
-                      <a:tailEnd type="none" w="med" len="med"/>
-                    </a:lnB>
-                    <a:noFill/>
-                  </a:tcPr>
-                </a:tc>
-                <a:extLst>
-                  <a:ext uri="{0D108BD9-81ED-4DB2-BD59-A6C34878D82A}">
-                    <a16:rowId xmlns:a16="http://schemas.microsoft.com/office/drawing/2014/main" val="455557528"/>
-                  </a:ext>
-                </a:extLst>
-              </a:tr>
-              <a:tr h="558165">
-                <a:tc vMerge="1">
-                  <a:txBody>
-                    <a:bodyPr/>
-                    <a:lstStyle/>
-                    <a:p>
-                      <a:pPr latinLnBrk="1"/>
-                      <a:endParaRPr lang="ko-KR" altLang="en-US"/>
-                    </a:p>
-                  </a:txBody>
-                  <a:tcPr/>
-                </a:tc>
-                <a:tc>
-                  <a:txBody>
-                    <a:bodyPr/>
-                    <a:lstStyle/>
-                    <a:p>
-                      <a:pPr marL="0" marR="0" indent="0" algn="ctr" fontAlgn="base" latinLnBrk="0">
-                        <a:lnSpc>
-                          <a:spcPct val="160000"/>
-                        </a:lnSpc>
-                        <a:buNone/>
-                      </a:pPr>
-                      <a:r>
-                        <a:rPr lang="en-US" sz="1000" b="1" kern="0" spc="0">
-                          <a:solidFill>
-                            <a:srgbClr val="000000"/>
-                          </a:solidFill>
-                          <a:effectLst/>
-                          <a:latin typeface="HY견고딕"/>
-                          <a:ea typeface="HY견고딕"/>
-                        </a:rPr>
-                        <a:t>FN(20</a:t>
-                      </a:r>
-                      <a:r>
-                        <a:rPr lang="ko-KR" altLang="en-US" sz="1000" b="1" kern="0" spc="0">
-                          <a:solidFill>
-                            <a:srgbClr val="000000"/>
-                          </a:solidFill>
-                          <a:effectLst/>
-                          <a:latin typeface="HY견고딕"/>
-                          <a:ea typeface="HY견고딕"/>
-                        </a:rPr>
-                        <a:t>건</a:t>
-                      </a:r>
-                      <a:r>
-                        <a:rPr lang="en-US" altLang="ko-KR" sz="1000" b="1" kern="0" spc="0">
-                          <a:solidFill>
-                            <a:srgbClr val="000000"/>
-                          </a:solidFill>
-                          <a:effectLst/>
-                          <a:latin typeface="HY견고딕"/>
-                          <a:ea typeface="HY견고딕"/>
-                        </a:rPr>
-                        <a:t>)</a:t>
-                      </a:r>
-                      <a:endParaRPr lang="ko-KR" altLang="en-US" sz="1000" kern="0" spc="0">
-                        <a:solidFill>
-                          <a:srgbClr val="000000"/>
-                        </a:solidFill>
-                        <a:effectLst/>
-                        <a:latin typeface="함초롬바탕" panose="02030604000101010101" pitchFamily="18" charset="-128"/>
-                      </a:endParaRPr>
-                    </a:p>
-                  </a:txBody>
-                  <a:tcPr marL="64770" marR="64770" marT="17907" marB="17907" anchor="ctr">
-                    <a:lnL w="3556" cap="flat" cmpd="sng" algn="ctr">
-                      <a:solidFill>
-                        <a:srgbClr val="000000"/>
-                      </a:solidFill>
-                      <a:prstDash val="solid"/>
-                      <a:round/>
-                      <a:headEnd type="none" w="med" len="med"/>
-                      <a:tailEnd type="none" w="med" len="med"/>
-                    </a:lnL>
-                    <a:lnR w="3556" cap="flat" cmpd="sng" algn="ctr">
-                      <a:solidFill>
-                        <a:srgbClr val="000000"/>
-                      </a:solidFill>
-                      <a:prstDash val="solid"/>
-                      <a:round/>
-                      <a:headEnd type="none" w="med" len="med"/>
-                      <a:tailEnd type="none" w="med" len="med"/>
-                    </a:lnR>
-                    <a:lnT w="3556" cap="flat" cmpd="sng" algn="ctr">
-                      <a:solidFill>
-                        <a:srgbClr val="000000"/>
-                      </a:solidFill>
-                      <a:prstDash val="solid"/>
-                      <a:round/>
-                      <a:headEnd type="none" w="med" len="med"/>
-                      <a:tailEnd type="none" w="med" len="med"/>
-                    </a:lnT>
-                    <a:lnB w="21590" cap="flat" cmpd="sng" algn="ctr">
-                      <a:solidFill>
-                        <a:srgbClr val="000000"/>
-                      </a:solidFill>
-                      <a:prstDash val="solid"/>
-                      <a:round/>
-                      <a:headEnd type="none" w="med" len="med"/>
-                      <a:tailEnd type="none" w="med" len="med"/>
-                    </a:lnB>
-                    <a:noFill/>
-                  </a:tcPr>
-                </a:tc>
-                <a:tc>
-                  <a:txBody>
-                    <a:bodyPr/>
-                    <a:lstStyle/>
-                    <a:p>
-                      <a:pPr marL="0" marR="0" indent="0" algn="ctr" fontAlgn="base" latinLnBrk="0">
-                        <a:lnSpc>
-                          <a:spcPct val="160000"/>
-                        </a:lnSpc>
-                        <a:buNone/>
-                      </a:pPr>
-                      <a:r>
-                        <a:rPr lang="en-US" sz="1000" b="1" kern="0" spc="0" dirty="0">
-                          <a:solidFill>
-                            <a:srgbClr val="000000"/>
-                          </a:solidFill>
-                          <a:effectLst/>
-                          <a:latin typeface="HY견고딕"/>
-                          <a:ea typeface="HY견고딕"/>
-                        </a:rPr>
-                        <a:t>TN(600</a:t>
-                      </a:r>
-                      <a:r>
-                        <a:rPr lang="ko-KR" altLang="en-US" sz="1000" b="1" kern="0" spc="0" dirty="0">
-                          <a:solidFill>
-                            <a:srgbClr val="000000"/>
-                          </a:solidFill>
-                          <a:effectLst/>
-                          <a:latin typeface="HY견고딕"/>
-                          <a:ea typeface="HY견고딕"/>
-                        </a:rPr>
-                        <a:t>건</a:t>
-                      </a:r>
-                      <a:r>
-                        <a:rPr lang="en-US" altLang="ko-KR" sz="1000" b="1" kern="0" spc="0" dirty="0">
-                          <a:solidFill>
-                            <a:srgbClr val="000000"/>
-                          </a:solidFill>
-                          <a:effectLst/>
-                          <a:latin typeface="HY견고딕"/>
-                          <a:ea typeface="HY견고딕"/>
-                        </a:rPr>
-                        <a:t>)</a:t>
-                      </a:r>
-                      <a:endParaRPr lang="ko-KR" altLang="en-US" sz="1000" kern="0" spc="0" dirty="0">
-                        <a:solidFill>
-                          <a:srgbClr val="000000"/>
-                        </a:solidFill>
-                        <a:effectLst/>
-                        <a:latin typeface="함초롬바탕" panose="02030604000101010101" pitchFamily="18" charset="-128"/>
-                      </a:endParaRPr>
-                    </a:p>
-                  </a:txBody>
-                  <a:tcPr marL="64770" marR="64770" marT="17907" marB="17907" anchor="ctr">
-                    <a:lnL w="3556" cap="flat" cmpd="sng" algn="ctr">
-                      <a:solidFill>
-                        <a:srgbClr val="000000"/>
-                      </a:solidFill>
-                      <a:prstDash val="solid"/>
-                      <a:round/>
-                      <a:headEnd type="none" w="med" len="med"/>
-                      <a:tailEnd type="none" w="med" len="med"/>
-                    </a:lnL>
-                    <a:lnR w="21590" cap="flat" cmpd="sng" algn="ctr">
-                      <a:solidFill>
-                        <a:srgbClr val="000000"/>
-                      </a:solidFill>
-                      <a:prstDash val="solid"/>
-                      <a:round/>
-                      <a:headEnd type="none" w="med" len="med"/>
-                      <a:tailEnd type="none" w="med" len="med"/>
-                    </a:lnR>
-                    <a:lnT w="3556" cap="flat" cmpd="sng" algn="ctr">
-                      <a:solidFill>
-                        <a:srgbClr val="000000"/>
-                      </a:solidFill>
-                      <a:prstDash val="solid"/>
-                      <a:round/>
-                      <a:headEnd type="none" w="med" len="med"/>
-                      <a:tailEnd type="none" w="med" len="med"/>
-                    </a:lnT>
-                    <a:lnB w="21590" cap="flat" cmpd="sng" algn="ctr">
-                      <a:solidFill>
-                        <a:srgbClr val="000000"/>
-                      </a:solidFill>
-                      <a:prstDash val="solid"/>
-                      <a:round/>
-                      <a:headEnd type="none" w="med" len="med"/>
-                      <a:tailEnd type="none" w="med" len="med"/>
-                    </a:lnB>
-                    <a:noFill/>
-                  </a:tcPr>
-                </a:tc>
-                <a:extLst>
-                  <a:ext uri="{0D108BD9-81ED-4DB2-BD59-A6C34878D82A}">
-                    <a16:rowId xmlns:a16="http://schemas.microsoft.com/office/drawing/2014/main" val="3377241268"/>
-                  </a:ext>
-                </a:extLst>
               </a:tr>
             </a:tbl>
           </a:graphicData>
         </a:graphic>
       </p:graphicFrame>
+      <p:sp>
+        <p:nvSpPr>
+          <p:cNvPr id="8" name=""/>
+          <p:cNvSpPr txBox="1"/>
+          <p:nvPr/>
+        </p:nvSpPr>
+        <p:spPr>
+          <a:xfrm>
+            <a:off x="438610" y="1301236"/>
+            <a:ext cx="7134840" cy="2363984"/>
+          </a:xfrm>
+          <a:prstGeom prst="rect">
+            <a:avLst/>
+          </a:prstGeom>
+        </p:spPr>
+        <p:txBody>
+          <a:bodyPr wrap="square">
+            <a:spAutoFit/>
+          </a:bodyPr>
+          <a:p>
+            <a:pPr>
+              <a:lnSpc>
+                <a:spcPct val="130000"/>
+              </a:lnSpc>
+              <a:defRPr/>
+            </a:pPr>
+            <a:r>
+              <a:rPr lang="ko-KR" altLang="en-US" sz="1500"/>
+              <a:t>예제</a:t>
+            </a:r>
+            <a:r>
+              <a:rPr lang="en-US" altLang="ko-KR" sz="1500"/>
+              <a:t>)</a:t>
+            </a:r>
+            <a:r>
+              <a:rPr lang="ko-KR" altLang="en-US" sz="1500"/>
+              <a:t> </a:t>
+            </a:r>
+            <a:r>
+              <a:rPr lang="en-US" altLang="ko-KR" b="1"/>
+              <a:t>API</a:t>
+            </a:r>
+            <a:r>
+              <a:rPr lang="ko-KR" altLang="en-US" b="1"/>
+              <a:t> 호출의 경우</a:t>
+            </a:r>
+            <a:endParaRPr lang="ko-KR" altLang="en-US" b="1"/>
+          </a:p>
+          <a:p>
+            <a:pPr>
+              <a:lnSpc>
+                <a:spcPct val="50000"/>
+              </a:lnSpc>
+              <a:defRPr/>
+            </a:pPr>
+            <a:endParaRPr lang="ko-KR" altLang="en-US" b="1"/>
+          </a:p>
+          <a:p>
+            <a:pPr lvl="0">
+              <a:lnSpc>
+                <a:spcPct val="130000"/>
+              </a:lnSpc>
+              <a:defRPr/>
+            </a:pPr>
+            <a:r>
+              <a:rPr lang="ko-KR" altLang="en-US" sz="1500" b="1"/>
+              <a:t>총 </a:t>
+            </a:r>
+            <a:r>
+              <a:rPr lang="en-US" altLang="ko-KR" sz="1500" b="1"/>
+              <a:t>800</a:t>
+            </a:r>
+            <a:r>
+              <a:rPr lang="ko-KR" altLang="en-US" sz="1500" b="1"/>
+              <a:t>건</a:t>
+            </a:r>
+            <a:r>
+              <a:rPr lang="ko-KR" altLang="en-US" sz="1500"/>
+              <a:t>의 </a:t>
+            </a:r>
+            <a:r>
+              <a:rPr lang="en-US" altLang="ko-KR" sz="1500"/>
+              <a:t>API </a:t>
+            </a:r>
+            <a:r>
+              <a:rPr lang="ko-KR" altLang="en-US" sz="1500"/>
+              <a:t>호출 중 </a:t>
+            </a:r>
+            <a:endParaRPr lang="ko-KR" altLang="en-US" sz="1500"/>
+          </a:p>
+          <a:p>
+            <a:pPr lvl="0">
+              <a:lnSpc>
+                <a:spcPct val="130000"/>
+              </a:lnSpc>
+              <a:defRPr/>
+            </a:pPr>
+            <a:r>
+              <a:rPr lang="ko-KR" altLang="en-US" sz="1500" b="1"/>
+              <a:t>실제 비정상 호출</a:t>
+            </a:r>
+            <a:r>
+              <a:rPr lang="en-US" altLang="ko-KR" sz="1500" b="1"/>
+              <a:t>(</a:t>
+            </a:r>
+            <a:r>
+              <a:rPr lang="ko-KR" altLang="en-US" sz="1500" b="1"/>
+              <a:t>봇</a:t>
+            </a:r>
+            <a:r>
+              <a:rPr lang="en-US" altLang="ko-KR" sz="1500" b="1"/>
+              <a:t>, DoS </a:t>
+            </a:r>
+            <a:r>
+              <a:rPr lang="ko-KR" altLang="en-US" sz="1500" b="1"/>
+              <a:t>등</a:t>
+            </a:r>
+            <a:r>
+              <a:rPr lang="en-US" altLang="ko-KR" sz="1500" b="1"/>
+              <a:t>)</a:t>
+            </a:r>
+            <a:r>
+              <a:rPr lang="ko-KR" altLang="en-US" sz="1500" b="1"/>
+              <a:t>은 </a:t>
+            </a:r>
+            <a:r>
+              <a:rPr lang="en-US" altLang="ko-KR" sz="1500" b="1"/>
+              <a:t>150</a:t>
+            </a:r>
+            <a:r>
+              <a:rPr lang="ko-KR" altLang="en-US" sz="1500" b="1"/>
+              <a:t>건</a:t>
+            </a:r>
+            <a:r>
+              <a:rPr lang="en-US" altLang="ko-KR" sz="1500"/>
+              <a:t>, </a:t>
+            </a:r>
+            <a:r>
+              <a:rPr lang="ko-KR" altLang="en-US" sz="1500" b="1"/>
+              <a:t>정상 호출은 </a:t>
+            </a:r>
+            <a:r>
+              <a:rPr lang="en-US" altLang="ko-KR" sz="1500" b="1"/>
+              <a:t>650</a:t>
+            </a:r>
+            <a:r>
+              <a:rPr lang="ko-KR" altLang="en-US" sz="1500" b="1"/>
+              <a:t>건</a:t>
+            </a:r>
+            <a:r>
+              <a:rPr lang="ko-KR" altLang="en-US" sz="1500"/>
+              <a:t>이었다</a:t>
+            </a:r>
+            <a:r>
+              <a:rPr lang="en-US" altLang="ko-KR" sz="1500"/>
+              <a:t>. </a:t>
+            </a:r>
+            <a:endParaRPr lang="en-US" altLang="ko-KR" sz="1500"/>
+          </a:p>
+          <a:p>
+            <a:pPr lvl="0">
+              <a:lnSpc>
+                <a:spcPct val="130000"/>
+              </a:lnSpc>
+              <a:defRPr/>
+            </a:pPr>
+            <a:r>
+              <a:rPr lang="ko-KR" altLang="en-US" sz="1500"/>
+              <a:t>시스템은 </a:t>
+            </a:r>
+            <a:r>
+              <a:rPr lang="en-US" altLang="ko-KR" sz="1500" b="1"/>
+              <a:t>180</a:t>
+            </a:r>
+            <a:r>
+              <a:rPr lang="ko-KR" altLang="en-US" sz="1500" b="1"/>
+              <a:t>건을 비정상 호출로 판정</a:t>
+            </a:r>
+            <a:r>
+              <a:rPr lang="ko-KR" altLang="en-US" sz="1500"/>
+              <a:t>했는데</a:t>
+            </a:r>
+            <a:r>
+              <a:rPr lang="en-US" altLang="ko-KR" sz="1500"/>
+              <a:t>, </a:t>
+            </a:r>
+            <a:endParaRPr lang="ko-KR" altLang="en-US" sz="1500"/>
+          </a:p>
+          <a:p>
+            <a:pPr lvl="0">
+              <a:lnSpc>
+                <a:spcPct val="130000"/>
+              </a:lnSpc>
+              <a:defRPr/>
+            </a:pPr>
+            <a:r>
+              <a:rPr lang="ko-KR" altLang="en-US" sz="1500"/>
+              <a:t>이 중 </a:t>
+            </a:r>
+            <a:r>
+              <a:rPr lang="en-US" altLang="ko-KR" sz="1500" b="1"/>
+              <a:t>130</a:t>
+            </a:r>
+            <a:r>
+              <a:rPr lang="ko-KR" altLang="en-US" sz="1500" b="1"/>
+              <a:t>건은 실제 비정상</a:t>
+            </a:r>
+            <a:r>
+              <a:rPr lang="ko-KR" altLang="en-US" sz="1500"/>
+              <a:t>이었고 </a:t>
+            </a:r>
+            <a:r>
+              <a:rPr lang="en-US" altLang="ko-KR" sz="1500" b="1"/>
+              <a:t>50</a:t>
+            </a:r>
+            <a:r>
+              <a:rPr lang="ko-KR" altLang="en-US" sz="1500" b="1"/>
+              <a:t>건은 정상 요청을 잘못 탐지</a:t>
+            </a:r>
+            <a:r>
+              <a:rPr lang="ko-KR" altLang="en-US" sz="1500"/>
+              <a:t>했다</a:t>
+            </a:r>
+            <a:r>
+              <a:rPr lang="en-US" altLang="ko-KR" sz="1500"/>
+              <a:t>. </a:t>
+            </a:r>
+            <a:endParaRPr lang="ko-KR" altLang="en-US" sz="1500"/>
+          </a:p>
+          <a:p>
+            <a:pPr lvl="0">
+              <a:lnSpc>
+                <a:spcPct val="130000"/>
+              </a:lnSpc>
+              <a:defRPr/>
+            </a:pPr>
+            <a:r>
+              <a:rPr lang="ko-KR" altLang="en-US" sz="1500"/>
+              <a:t>또 </a:t>
+            </a:r>
+            <a:r>
+              <a:rPr lang="en-US" altLang="ko-KR" sz="1500" b="1"/>
+              <a:t>20</a:t>
+            </a:r>
+            <a:r>
+              <a:rPr lang="ko-KR" altLang="en-US" sz="1500" b="1"/>
+              <a:t>건의 비정상 호출은 정상으로 놓쳤다</a:t>
+            </a:r>
+            <a:r>
+              <a:rPr lang="en-US" altLang="ko-KR" sz="1500" b="1"/>
+              <a:t>.</a:t>
+            </a:r>
+            <a:endParaRPr lang="ko-KR" altLang="en-US" sz="1500"/>
+          </a:p>
+          <a:p>
+            <a:pPr>
+              <a:lnSpc>
+                <a:spcPct val="130000"/>
+              </a:lnSpc>
+              <a:defRPr/>
+            </a:pPr>
+            <a:endParaRPr lang="ko-KR" altLang="en-US" sz="1500"/>
+          </a:p>
+        </p:txBody>
+      </p:sp>
+      <p:sp>
+        <p:nvSpPr>
+          <p:cNvPr id="10" name="Content Placeholder 2"/>
+          <p:cNvSpPr>
+            <a:spLocks noGrp="1"/>
+          </p:cNvSpPr>
+          <p:nvPr/>
+        </p:nvSpPr>
+        <p:spPr>
+          <a:xfrm>
+            <a:off x="6593632" y="3655137"/>
+            <a:ext cx="4658049" cy="3295165"/>
+          </a:xfrm>
+          <a:prstGeom prst="rect">
+            <a:avLst/>
+          </a:prstGeom>
+        </p:spPr>
+        <p:txBody>
+          <a:bodyPr vert="horz" lIns="91440" tIns="45720" rIns="91440" bIns="45720">
+            <a:normAutofit lnSpcReduction="10000"/>
+          </a:bodyPr>
+          <a:p>
+            <a:pPr>
+              <a:lnSpc>
+                <a:spcPct val="130000"/>
+              </a:lnSpc>
+              <a:defRPr/>
+            </a:pPr>
+            <a:r>
+              <a:rPr lang="en-US" altLang="ko-KR" sz="1900" b="1"/>
+              <a:t>3. Recall(</a:t>
+            </a:r>
+            <a:r>
+              <a:rPr lang="ko-KR" altLang="en-US" sz="1900" b="1"/>
+              <a:t>재현율</a:t>
+            </a:r>
+            <a:r>
+              <a:rPr lang="en-US" altLang="ko-KR" sz="1900" b="1"/>
+              <a:t>)</a:t>
+            </a:r>
+            <a:endParaRPr lang="en-US" altLang="ko-KR" sz="1900" b="1"/>
+          </a:p>
+          <a:p>
+            <a:pPr marL="728520" lvl="1" indent="-271320">
+              <a:lnSpc>
+                <a:spcPct val="130000"/>
+              </a:lnSpc>
+              <a:buFont typeface="Arial"/>
+              <a:buChar char="•"/>
+              <a:defRPr/>
+            </a:pPr>
+            <a:r>
+              <a:rPr lang="ko-KR" altLang="en-US" sz="1500"/>
+              <a:t>실제 호출이 비정상일 때</a:t>
+            </a:r>
+            <a:r>
+              <a:rPr lang="en-US" altLang="ko-KR" sz="1500"/>
+              <a:t>, </a:t>
+            </a:r>
+            <a:r>
+              <a:rPr lang="ko-KR" altLang="en-US" sz="1500"/>
+              <a:t>그것을 시스템이 비정상이라고 예측한 비율</a:t>
+            </a:r>
+            <a:r>
+              <a:rPr lang="en-US" altLang="ko-KR" sz="1500"/>
+              <a:t> </a:t>
+            </a:r>
+            <a:endParaRPr lang="en-US" altLang="ko-KR" sz="1500"/>
+          </a:p>
+          <a:p>
+            <a:pPr marL="728520" lvl="1" indent="-271320">
+              <a:lnSpc>
+                <a:spcPct val="130000"/>
+              </a:lnSpc>
+              <a:buFont typeface="Arial"/>
+              <a:buChar char="•"/>
+              <a:defRPr/>
+            </a:pPr>
+            <a:r>
+              <a:rPr lang="en-US" altLang="ko-KR" sz="1500"/>
+              <a:t>130 / 150 * 100(%) = 86.67(%)</a:t>
+            </a:r>
+            <a:endParaRPr lang="en-US" altLang="ko-KR" sz="1900"/>
+          </a:p>
+          <a:p>
+            <a:pPr>
+              <a:lnSpc>
+                <a:spcPct val="130000"/>
+              </a:lnSpc>
+              <a:defRPr/>
+            </a:pPr>
+            <a:r>
+              <a:rPr lang="en-US" altLang="ko-KR" sz="1900" b="1"/>
+              <a:t>4. F1-SCORE(</a:t>
+            </a:r>
+            <a:r>
+              <a:rPr lang="ko-KR" altLang="en-US" sz="1900" b="1"/>
+              <a:t>조화평균</a:t>
+            </a:r>
+            <a:r>
+              <a:rPr lang="en-US" altLang="ko-KR" sz="1900" b="1"/>
+              <a:t>)</a:t>
+            </a:r>
+            <a:endParaRPr lang="en-US" altLang="ko-KR" sz="1900" b="1"/>
+          </a:p>
+          <a:p>
+            <a:pPr marL="728520" lvl="1" indent="-271320">
+              <a:lnSpc>
+                <a:spcPct val="130000"/>
+              </a:lnSpc>
+              <a:buFont typeface="Arial"/>
+              <a:buChar char="•"/>
+              <a:defRPr/>
+            </a:pPr>
+            <a:r>
+              <a:rPr lang="en-US" altLang="ko-KR" sz="1500"/>
+              <a:t>2 * (0.7222 * 0.8667) / (0.7222 + 0.8667) * 100(%) = 78.78(%)</a:t>
+            </a:r>
+            <a:endParaRPr xmlns:mc="http://schemas.openxmlformats.org/markup-compatibility/2006" xmlns:hp="http://schemas.haansoft.com/office/presentation/8.0" kumimoji="0" lang="en-US" altLang="ko-KR" sz="1500" b="0" i="0" u="none" strike="noStrike" kern="1200" cap="none" spc="0" normalizeH="0" baseline="0" mc:Ignorable="hp" hp:hslEmbossed="0">
+              <a:solidFill>
+                <a:srgbClr val="000000"/>
+              </a:solidFill>
+              <a:latin typeface="맑은 고딕"/>
+              <a:ea typeface="맑은 고딕"/>
+              <a:cs typeface="맑은 고딕"/>
+            </a:endParaRPr>
+          </a:p>
+        </p:txBody>
+      </p:sp>
     </p:spTree>
     <p:extLst>
       <p:ext uri="{BB962C8B-B14F-4D97-AF65-F5344CB8AC3E}">
@@ -15539,21 +17611,23 @@
   <p:clrMapOvr>
     <a:masterClrMapping/>
   </p:clrMapOvr>
+  <mc:AlternateContent xmlns:mc="http://schemas.openxmlformats.org/markup-compatibility/2006">
+    <mc:Choice xmlns:p14="http://schemas.microsoft.com/office/powerpoint/2010/main" Requires="p14">
+      <p:transition xmlns:mc="http://schemas.openxmlformats.org/markup-compatibility/2006" xmlns:p14="http://schemas.microsoft.com/office/powerpoint/2010/main" mc:Ignorable="p14" p14:dur="500"/>
+    </mc:Choice>
+    <mc:Fallback>
+      <p:transition/>
+    </mc:Fallback>
+  </mc:AlternateContent>
 </p:sld>
 </file>
 
 <file path=ppt/slides/slide8.xml><?xml version="1.0" encoding="utf-8"?>
-<p:sld xmlns:a="http://schemas.openxmlformats.org/drawingml/2006/main" xmlns:r="http://schemas.openxmlformats.org/officeDocument/2006/relationships" xmlns:p="http://schemas.openxmlformats.org/presentationml/2006/main">
+<p:sld xmlns:r="http://schemas.openxmlformats.org/officeDocument/2006/relationships" xmlns:c="http://schemas.openxmlformats.org/drawingml/2006/chart" xmlns:a="http://schemas.openxmlformats.org/drawingml/2006/main" xmlns:dgm="http://schemas.openxmlformats.org/drawingml/2006/diagram" xmlns:dsp="http://schemas.microsoft.com/office/drawing/2008/diagram" xmlns:p="http://schemas.openxmlformats.org/presentationml/2006/main">
   <p:cSld>
     <p:spTree>
       <p:nvGrpSpPr>
-        <p:cNvPr id="1" name="">
-          <a:extLst>
-            <a:ext uri="{FF2B5EF4-FFF2-40B4-BE49-F238E27FC236}">
-              <a16:creationId xmlns:a16="http://schemas.microsoft.com/office/drawing/2014/main" id="{5D506A5C-F4AE-EF93-4CD1-16870B56B06A}"/>
-            </a:ext>
-          </a:extLst>
-        </p:cNvPr>
+        <p:cNvPr id="1" name=""/>
         <p:cNvGrpSpPr/>
         <p:nvPr/>
       </p:nvGrpSpPr>
@@ -15567,48 +17641,361 @@
       </p:grpSpPr>
       <p:sp>
         <p:nvSpPr>
-          <p:cNvPr id="2" name="Title 1">
-            <a:extLst>
-              <a:ext uri="{FF2B5EF4-FFF2-40B4-BE49-F238E27FC236}">
-                <a16:creationId xmlns:a16="http://schemas.microsoft.com/office/drawing/2014/main" id="{6DC01158-2973-A3A7-A1E1-37B74B025B3D}"/>
-              </a:ext>
-            </a:extLst>
-          </p:cNvPr>
+          <p:cNvPr id="3" name="Content Placeholder 2"/>
           <p:cNvSpPr>
             <a:spLocks noGrp="1"/>
           </p:cNvSpPr>
           <p:nvPr>
-            <p:ph type="title"/>
+            <p:ph idx="1"/>
           </p:nvPr>
         </p:nvSpPr>
         <p:spPr/>
         <p:txBody>
           <a:bodyPr>
-            <a:normAutofit/>
+            <a:normAutofit fontScale="92500" lnSpcReduction="20000"/>
           </a:bodyPr>
           <a:lstStyle/>
           <a:p>
-            <a:r>
-              <a:rPr lang="ko-KR" altLang="en-US" sz="4000" dirty="0"/>
-              <a:t>과제 </a:t>
-            </a:r>
-            <a:r>
-              <a:rPr lang="en-US" altLang="ko-KR" sz="4000" dirty="0"/>
-              <a:t>1 - Autonomic Computing Evaluation</a:t>
-            </a:r>
-            <a:endParaRPr lang="ko-KR" altLang="en-US" sz="4000" dirty="0"/>
+            <a:pPr marL="0" indent="0">
+              <a:lnSpc>
+                <a:spcPct val="150000"/>
+              </a:lnSpc>
+              <a:buNone/>
+              <a:defRPr/>
+            </a:pPr>
+            <a:r>
+              <a:rPr lang="en-US" altLang="ko-KR" sz="3500" b="1">
+                <a:solidFill>
+                  <a:srgbClr val="ff0000"/>
+                </a:solidFill>
+              </a:rPr>
+              <a:t>?</a:t>
+            </a:r>
+            <a:r>
+              <a:rPr lang="ko-KR" altLang="en-US" sz="3500" b="1"/>
+              <a:t> </a:t>
+            </a:r>
+            <a:r>
+              <a:rPr lang="en-US" altLang="ko-KR"/>
+              <a:t>Autonomic Computing</a:t>
+            </a:r>
+            <a:r>
+              <a:rPr lang="ko-KR" altLang="en-US"/>
+              <a:t>에서 중요한 점</a:t>
+            </a:r>
+            <a:endParaRPr lang="ko-KR" altLang="en-US" b="1"/>
+          </a:p>
+          <a:p>
+            <a:pPr marL="0" indent="0">
+              <a:lnSpc>
+                <a:spcPct val="100000"/>
+              </a:lnSpc>
+              <a:buNone/>
+              <a:defRPr/>
+            </a:pPr>
+            <a:endParaRPr lang="ko-KR" altLang="en-US" b="1"/>
+          </a:p>
+          <a:p>
+            <a:pPr marL="518000" indent="-518000">
+              <a:lnSpc>
+                <a:spcPct val="150000"/>
+              </a:lnSpc>
+              <a:buAutoNum type="romanUcPeriod"/>
+              <a:defRPr/>
+            </a:pPr>
+            <a:r>
+              <a:rPr lang="ko-KR" altLang="en-US" b="1"/>
+              <a:t>목표</a:t>
+            </a:r>
+            <a:r>
+              <a:rPr lang="en-US" altLang="ko-KR" b="1"/>
+              <a:t>(</a:t>
+            </a:r>
+            <a:r>
+              <a:rPr lang="en-US" altLang="ko-KR" b="1">
+                <a:solidFill>
+                  <a:srgbClr val="ff0000"/>
+                </a:solidFill>
+              </a:rPr>
+              <a:t>Goal</a:t>
+            </a:r>
+            <a:r>
+              <a:rPr lang="en-US" altLang="ko-KR" b="1"/>
+              <a:t>)</a:t>
+            </a:r>
+            <a:r>
+              <a:rPr lang="ko-KR" altLang="en-US"/>
+              <a:t>와 그것을 달성하기 위한 </a:t>
+            </a:r>
+            <a:r>
+              <a:rPr lang="en-US" altLang="ko-KR" b="1">
+                <a:solidFill>
+                  <a:srgbClr val="ff0000"/>
+                </a:solidFill>
+              </a:rPr>
+              <a:t>MAPE</a:t>
+            </a:r>
+            <a:r>
+              <a:rPr lang="ko-KR" altLang="en-US"/>
+              <a:t> 과정</a:t>
+            </a:r>
+            <a:endParaRPr lang="ko-KR" altLang="en-US"/>
+          </a:p>
+          <a:p>
+            <a:pPr marL="518000" indent="-518000">
+              <a:lnSpc>
+                <a:spcPct val="150000"/>
+              </a:lnSpc>
+              <a:buAutoNum type="romanUcPeriod"/>
+              <a:defRPr/>
+            </a:pPr>
+            <a:r>
+              <a:rPr lang="ko-KR" altLang="en-US" b="1"/>
+              <a:t>신뢰성</a:t>
+            </a:r>
+            <a:r>
+              <a:rPr lang="ko-KR" altLang="en-US"/>
+              <a:t>과 </a:t>
+            </a:r>
+            <a:r>
+              <a:rPr lang="ko-KR" altLang="en-US" b="1"/>
+              <a:t>성능</a:t>
+            </a:r>
+            <a:r>
+              <a:rPr lang="ko-KR" altLang="en-US"/>
+              <a:t> 측면에서 </a:t>
+            </a:r>
+            <a:r>
+              <a:rPr lang="en-US" altLang="ko-KR" b="1">
+                <a:solidFill>
+                  <a:srgbClr val="ff0000"/>
+                </a:solidFill>
+              </a:rPr>
+              <a:t>Self-Optimizing</a:t>
+            </a:r>
+            <a:r>
+              <a:rPr lang="ko-KR" altLang="en-US"/>
+              <a:t>이 중요</a:t>
+            </a:r>
+            <a:endParaRPr lang="ko-KR" altLang="en-US"/>
+          </a:p>
+          <a:p>
+            <a:pPr marL="518000" indent="-518000">
+              <a:lnSpc>
+                <a:spcPct val="150000"/>
+              </a:lnSpc>
+              <a:buAutoNum type="romanUcPeriod"/>
+              <a:defRPr/>
+            </a:pPr>
+            <a:r>
+              <a:rPr lang="en-US" altLang="ko-KR" b="1"/>
+              <a:t>Self-Optimizing</a:t>
+            </a:r>
+            <a:r>
+              <a:rPr lang="ko-KR" altLang="en-US"/>
+              <a:t>이 잘 되면 </a:t>
+            </a:r>
+            <a:r>
+              <a:rPr lang="ko-KR" altLang="en-US" b="1"/>
+              <a:t>성능</a:t>
+            </a:r>
+            <a:r>
+              <a:rPr lang="ko-KR" altLang="en-US"/>
+              <a:t>이 일정하게 </a:t>
+            </a:r>
+            <a:r>
+              <a:rPr lang="ko-KR" altLang="en-US" b="1"/>
+              <a:t>유지</a:t>
+            </a:r>
+            <a:r>
+              <a:rPr lang="ko-KR" altLang="en-US"/>
+              <a:t>되기 쉽고</a:t>
+            </a:r>
+            <a:r>
+              <a:rPr lang="en-US" altLang="ko-KR"/>
+              <a:t>, </a:t>
+            </a:r>
+            <a:r>
+              <a:rPr lang="ko-KR" altLang="en-US" b="1"/>
+              <a:t>비용</a:t>
+            </a:r>
+            <a:r>
+              <a:rPr lang="ko-KR" altLang="en-US"/>
+              <a:t>을 줄일 수 있으며</a:t>
+            </a:r>
+            <a:r>
+              <a:rPr lang="en-US" altLang="ko-KR"/>
+              <a:t>, </a:t>
+            </a:r>
+            <a:r>
+              <a:rPr lang="ko-KR" altLang="en-US"/>
+              <a:t>관리자가 </a:t>
+            </a:r>
+            <a:r>
+              <a:rPr lang="ko-KR" altLang="en-US" b="1"/>
+              <a:t>임계값</a:t>
+            </a:r>
+            <a:r>
+              <a:rPr lang="ko-KR" altLang="en-US"/>
+              <a:t>을 일일이 맞추는 부담이 줄어들기 때문</a:t>
+            </a:r>
+            <a:endParaRPr lang="ko-KR" altLang="en-US"/>
+          </a:p>
+          <a:p>
+            <a:pPr lvl="0">
+              <a:lnSpc>
+                <a:spcPct val="150000"/>
+              </a:lnSpc>
+              <a:defRPr/>
+            </a:pPr>
+            <a:endParaRPr lang="en-US" altLang="ko-KR"/>
           </a:p>
         </p:txBody>
       </p:sp>
       <p:sp>
         <p:nvSpPr>
-          <p:cNvPr id="3" name="Content Placeholder 2">
-            <a:extLst>
-              <a:ext uri="{FF2B5EF4-FFF2-40B4-BE49-F238E27FC236}">
-                <a16:creationId xmlns:a16="http://schemas.microsoft.com/office/drawing/2014/main" id="{9D730549-9721-03DC-488E-7DBF994182A3}"/>
-              </a:ext>
-            </a:extLst>
-          </p:cNvPr>
+          <p:cNvPr id="4" name="Title 1"/>
+          <p:cNvSpPr>
+            <a:spLocks noGrp="1"/>
+          </p:cNvSpPr>
+          <p:nvPr/>
+        </p:nvSpPr>
+        <p:spPr>
+          <a:xfrm>
+            <a:off x="449679" y="365125"/>
+            <a:ext cx="7958890" cy="1003272"/>
+          </a:xfrm>
+          <a:prstGeom prst="rect">
+            <a:avLst/>
+          </a:prstGeom>
+        </p:spPr>
+        <p:txBody>
+          <a:bodyPr vert="horz" lIns="91440" tIns="45720" rIns="91440" bIns="45720" anchor="ctr">
+            <a:normAutofit/>
+          </a:bodyPr>
+          <a:p>
+            <a:pPr marL="0" indent="0" algn="l" defTabSz="914400" rtl="0" eaLnBrk="1" latinLnBrk="1" hangingPunct="1">
+              <a:lnSpc>
+                <a:spcPct val="90000"/>
+              </a:lnSpc>
+              <a:spcBef>
+                <a:spcPct val="0"/>
+              </a:spcBef>
+              <a:spcAft>
+                <a:spcPts val="0"/>
+              </a:spcAft>
+              <a:buNone/>
+              <a:defRPr/>
+            </a:pPr>
+            <a:r>
+              <a:rPr xmlns:mc="http://schemas.openxmlformats.org/markup-compatibility/2006" xmlns:hp="http://schemas.haansoft.com/office/presentation/8.0" kumimoji="0" lang="ko-KR" altLang="en-US" sz="3000" b="0" i="0" u="none" strike="noStrike" kern="1200" cap="none" spc="0" normalizeH="0" baseline="0" mc:Ignorable="hp" hp:hslEmbossed="0">
+                <a:solidFill>
+                  <a:srgbClr val="000000"/>
+                </a:solidFill>
+                <a:latin typeface="맑은 고딕"/>
+                <a:ea typeface="맑은 고딕"/>
+                <a:cs typeface="맑은 고딕"/>
+              </a:rPr>
+              <a:t>과제 </a:t>
+            </a:r>
+            <a:r>
+              <a:rPr xmlns:mc="http://schemas.openxmlformats.org/markup-compatibility/2006" xmlns:hp="http://schemas.haansoft.com/office/presentation/8.0" kumimoji="0" lang="en-US" altLang="ko-KR" sz="3000" b="0" i="0" u="none" strike="noStrike" kern="1200" cap="none" spc="0" normalizeH="0" baseline="0" mc:Ignorable="hp" hp:hslEmbossed="0">
+                <a:solidFill>
+                  <a:srgbClr val="000000"/>
+                </a:solidFill>
+                <a:latin typeface="맑은 고딕"/>
+                <a:ea typeface="맑은 고딕"/>
+                <a:cs typeface="맑은 고딕"/>
+              </a:rPr>
+              <a:t>1 - </a:t>
+            </a:r>
+            <a:r>
+              <a:rPr xmlns:mc="http://schemas.openxmlformats.org/markup-compatibility/2006" xmlns:hp="http://schemas.haansoft.com/office/presentation/8.0" kumimoji="0" lang="en-US" altLang="ko-KR" sz="3000" b="1" i="0" u="none" strike="noStrike" kern="1200" cap="none" spc="0" normalizeH="0" baseline="0" mc:Ignorable="hp" hp:hslEmbossed="0">
+                <a:solidFill>
+                  <a:srgbClr val="000000"/>
+                </a:solidFill>
+                <a:latin typeface="맑은 고딕"/>
+                <a:ea typeface="맑은 고딕"/>
+                <a:cs typeface="맑은 고딕"/>
+              </a:rPr>
+              <a:t>Autonomic Computing Evaluation</a:t>
+            </a:r>
+            <a:endParaRPr xmlns:mc="http://schemas.openxmlformats.org/markup-compatibility/2006" xmlns:hp="http://schemas.haansoft.com/office/presentation/8.0" kumimoji="0" lang="en-US" altLang="ko-KR" sz="3000" b="1" i="0" u="none" strike="noStrike" kern="1200" cap="none" spc="0" normalizeH="0" baseline="0" mc:Ignorable="hp" hp:hslEmbossed="0">
+              <a:solidFill>
+                <a:srgbClr val="000000"/>
+              </a:solidFill>
+              <a:latin typeface="맑은 고딕"/>
+              <a:ea typeface="맑은 고딕"/>
+              <a:cs typeface="맑은 고딕"/>
+            </a:endParaRPr>
+          </a:p>
+        </p:txBody>
+      </p:sp>
+      <p:pic>
+        <p:nvPicPr>
+          <p:cNvPr id="6" name=""/>
+          <p:cNvPicPr>
+            <a:picLocks noChangeAspect="1"/>
+          </p:cNvPicPr>
+          <p:nvPr/>
+        </p:nvPicPr>
+        <p:blipFill rotWithShape="1">
+          <a:blip r:embed="rId2"/>
+          <a:stretch>
+            <a:fillRect/>
+          </a:stretch>
+        </p:blipFill>
+        <p:spPr>
+          <a:xfrm>
+            <a:off x="7962448" y="5832359"/>
+            <a:ext cx="3999715" cy="794464"/>
+          </a:xfrm>
+          <a:prstGeom prst="rect">
+            <a:avLst/>
+          </a:prstGeom>
+        </p:spPr>
+      </p:pic>
+    </p:spTree>
+    <p:extLst>
+      <p:ext uri="{BB962C8B-B14F-4D97-AF65-F5344CB8AC3E}">
+        <p14:creationId xmlns:p14="http://schemas.microsoft.com/office/powerpoint/2010/main" val="4245321113"/>
+      </p:ext>
+    </p:extLst>
+  </p:cSld>
+  <p:clrMapOvr>
+    <a:masterClrMapping/>
+  </p:clrMapOvr>
+  <mc:AlternateContent xmlns:mc="http://schemas.openxmlformats.org/markup-compatibility/2006">
+    <mc:Choice xmlns:p14="http://schemas.microsoft.com/office/powerpoint/2010/main" Requires="p14">
+      <p:transition xmlns:mc="http://schemas.openxmlformats.org/markup-compatibility/2006" xmlns:p14="http://schemas.microsoft.com/office/powerpoint/2010/main" mc:Ignorable="p14" p14:dur="500"/>
+    </mc:Choice>
+    <mc:Fallback>
+      <p:transition/>
+    </mc:Fallback>
+  </mc:AlternateContent>
+</p:sld>
+</file>
+
+<file path=ppt/slides/slide9.xml><?xml version="1.0" encoding="utf-8"?>
+<p:sld xmlns:r="http://schemas.openxmlformats.org/officeDocument/2006/relationships" xmlns:c="http://schemas.openxmlformats.org/drawingml/2006/chart" xmlns:a="http://schemas.openxmlformats.org/drawingml/2006/main" xmlns:dgm="http://schemas.openxmlformats.org/drawingml/2006/diagram" xmlns:dsp="http://schemas.microsoft.com/office/drawing/2008/diagram" xmlns:p="http://schemas.openxmlformats.org/presentationml/2006/main">
+  <p:cSld>
+    <p:spTree>
+      <p:nvGrpSpPr>
+        <p:cNvPr id="1" name=""/>
+        <p:cNvGrpSpPr/>
+        <p:nvPr/>
+      </p:nvGrpSpPr>
+      <p:grpSpPr>
+        <a:xfrm>
+          <a:off x="0" y="0"/>
+          <a:ext cx="0" cy="0"/>
+          <a:chOff x="0" y="0"/>
+          <a:chExt cx="0" cy="0"/>
+        </a:xfrm>
+      </p:grpSpPr>
+      <p:sp>
+        <p:nvSpPr>
+          <p:cNvPr id="3" name="Content Placeholder 2"/>
           <p:cNvSpPr>
             <a:spLocks noGrp="1"/>
           </p:cNvSpPr>
@@ -15623,276 +18010,267 @@
           </a:bodyPr>
           <a:lstStyle/>
           <a:p>
-            <a:pPr fontAlgn="base"/>
-            <a:r>
-              <a:rPr lang="en-US" altLang="ko-KR" b="1" dirty="0"/>
-              <a:t>6. Autonomic Computing</a:t>
-            </a:r>
-            <a:r>
-              <a:rPr lang="ko-KR" altLang="en-US" b="1" dirty="0"/>
-              <a:t>에서 중요한 점을 서술하세요</a:t>
-            </a:r>
-            <a:r>
-              <a:rPr lang="en-US" altLang="ko-KR" b="1" dirty="0"/>
+            <a:pPr marL="0" indent="0">
+              <a:buNone/>
+              <a:defRPr/>
+            </a:pPr>
+            <a:r>
+              <a:rPr lang="en-US" altLang="ko-KR" sz="3500" b="1"/>
+              <a:t>?</a:t>
+            </a:r>
+            <a:r>
+              <a:rPr lang="en-US" altLang="ko-KR" b="1"/>
+              <a:t> </a:t>
+            </a:r>
+            <a:r>
+              <a:rPr lang="ko-KR" altLang="en-US" sz="2600"/>
+              <a:t>어떤 </a:t>
+            </a:r>
+            <a:r>
+              <a:rPr lang="en-US" altLang="ko-KR" sz="2600"/>
+              <a:t>SW</a:t>
+            </a:r>
+            <a:r>
+              <a:rPr lang="ko-KR" altLang="en-US" sz="2600"/>
+              <a:t>응용 시스템을 제안할 것인지 작성</a:t>
+            </a:r>
+            <a:endParaRPr lang="ko-KR" altLang="en-US" sz="2600"/>
+          </a:p>
+          <a:p>
+            <a:pPr marL="0" indent="0">
+              <a:buNone/>
+              <a:defRPr/>
+            </a:pPr>
+            <a:r>
+              <a:rPr lang="en-US" altLang="ko-KR" sz="3500" b="1"/>
+              <a:t>?</a:t>
+            </a:r>
+            <a:r>
+              <a:rPr lang="en-US" altLang="ko-KR"/>
+              <a:t> </a:t>
+            </a:r>
+            <a:r>
+              <a:rPr lang="ko-KR" altLang="en-US" sz="2600"/>
+              <a:t>목표</a:t>
+            </a:r>
+            <a:r>
+              <a:rPr lang="en-US" altLang="ko-KR" sz="2600"/>
+              <a:t>(Goal)</a:t>
+            </a:r>
+            <a:r>
+              <a:rPr lang="ko-KR" altLang="en-US" sz="2600"/>
+              <a:t>가 무엇인지를 작성</a:t>
+            </a:r>
+            <a:r>
+              <a:rPr lang="en-US" altLang="ko-KR" sz="2600"/>
+              <a:t> </a:t>
+            </a:r>
+            <a:endParaRPr lang="en-US" altLang="ko-KR" sz="2600"/>
+          </a:p>
+          <a:p>
+            <a:pPr marL="0" indent="0">
+              <a:buNone/>
+              <a:defRPr/>
+            </a:pPr>
+            <a:endParaRPr lang="ko-KR" altLang="en-US"/>
+          </a:p>
+          <a:p>
+            <a:pPr marL="0" indent="0">
+              <a:buNone/>
+              <a:defRPr/>
+            </a:pPr>
+            <a:r>
+              <a:rPr lang="en-US" altLang="ko-KR" sz="3500" b="1"/>
+              <a:t>A. </a:t>
+            </a:r>
+            <a:r>
+              <a:rPr lang="ko-KR" altLang="en-US" sz="2600" b="1"/>
+              <a:t>가계부 기반 자율 예산 관리 시스템</a:t>
+            </a:r>
+            <a:endParaRPr lang="ko-KR" altLang="en-US"/>
+          </a:p>
+          <a:p>
+            <a:pPr marL="0" indent="0">
+              <a:lnSpc>
+                <a:spcPct val="0"/>
+              </a:lnSpc>
+              <a:buNone/>
+              <a:defRPr/>
+            </a:pPr>
+            <a:endParaRPr lang="ko-KR" altLang="en-US" sz="2000"/>
+          </a:p>
+          <a:p>
+            <a:pPr marL="0" indent="0">
+              <a:lnSpc>
+                <a:spcPct val="130000"/>
+              </a:lnSpc>
+              <a:buNone/>
+              <a:defRPr/>
+            </a:pPr>
+            <a:r>
+              <a:rPr lang="en-US" altLang="ko-KR"/>
+              <a:t>	</a:t>
+            </a:r>
+            <a:r>
+              <a:rPr lang="ko-KR" altLang="en-US" sz="2000"/>
+              <a:t>사용자의 </a:t>
+            </a:r>
+            <a:r>
+              <a:rPr lang="ko-KR" altLang="en-US" sz="2000" b="1"/>
+              <a:t>수입</a:t>
+            </a:r>
+            <a:r>
+              <a:rPr lang="en-US" altLang="ko-KR" sz="2000" b="1"/>
+              <a:t>, </a:t>
+            </a:r>
+            <a:r>
+              <a:rPr lang="ko-KR" altLang="en-US" sz="2000" b="1"/>
+              <a:t>소비 패턴을 기반</a:t>
+            </a:r>
+            <a:r>
+              <a:rPr lang="ko-KR" altLang="en-US" sz="2000"/>
+              <a:t>으로 </a:t>
+            </a:r>
+            <a:endParaRPr lang="ko-KR" altLang="en-US" sz="2000"/>
+          </a:p>
+          <a:p>
+            <a:pPr marL="0" indent="0">
+              <a:lnSpc>
+                <a:spcPct val="130000"/>
+              </a:lnSpc>
+              <a:buNone/>
+              <a:defRPr/>
+            </a:pPr>
+            <a:r>
+              <a:rPr lang="en-US" altLang="ko-KR" sz="2000"/>
+              <a:t>	</a:t>
+            </a:r>
+            <a:r>
+              <a:rPr lang="ko-KR" altLang="en-US" sz="2000"/>
+              <a:t>한 달의 예산과 하루의 </a:t>
+            </a:r>
+            <a:r>
+              <a:rPr lang="ko-KR" altLang="en-US" sz="2000" b="1"/>
+              <a:t>권장 지출액을 제안</a:t>
+            </a:r>
+            <a:r>
+              <a:rPr lang="ko-KR" altLang="en-US" sz="2000"/>
+              <a:t>해준다</a:t>
+            </a:r>
+            <a:r>
+              <a:rPr lang="en-US" altLang="ko-KR" sz="2000"/>
               <a:t>. </a:t>
             </a:r>
-            <a:endParaRPr lang="ko-KR" altLang="en-US" dirty="0"/>
-          </a:p>
-          <a:p>
-            <a:pPr fontAlgn="base"/>
-            <a:r>
-              <a:rPr lang="en-US" altLang="ko-KR" dirty="0"/>
-              <a:t>Autonomic Computing</a:t>
-            </a:r>
-            <a:r>
-              <a:rPr lang="ko-KR" altLang="en-US" dirty="0"/>
-              <a:t>에서 중요한 점은 결국은 </a:t>
-            </a:r>
-            <a:r>
-              <a:rPr lang="en-US" altLang="ko-KR" dirty="0"/>
-              <a:t>Goal</a:t>
-            </a:r>
-            <a:r>
-              <a:rPr lang="ko-KR" altLang="en-US" dirty="0"/>
-              <a:t>과 그것을 달성하기 위한 </a:t>
-            </a:r>
-            <a:r>
-              <a:rPr lang="en-US" altLang="ko-KR" dirty="0"/>
-              <a:t>MAPE</a:t>
-            </a:r>
-            <a:r>
-              <a:rPr lang="ko-KR" altLang="en-US" dirty="0"/>
-              <a:t>과정이 제일 중요하다고 생각합니다</a:t>
-            </a:r>
-            <a:r>
-              <a:rPr lang="en-US" altLang="ko-KR" dirty="0"/>
-              <a:t>. </a:t>
-            </a:r>
-            <a:r>
-              <a:rPr lang="ko-KR" altLang="en-US" dirty="0"/>
-              <a:t>또한 신뢰성과 성능 측면에서 </a:t>
-            </a:r>
-            <a:r>
-              <a:rPr lang="en-US" altLang="ko-KR" dirty="0"/>
-              <a:t>self-optimizing</a:t>
-            </a:r>
-            <a:r>
-              <a:rPr lang="ko-KR" altLang="en-US" dirty="0"/>
-              <a:t>이 중요하다고 생각합니다</a:t>
-            </a:r>
-            <a:r>
-              <a:rPr lang="en-US" altLang="ko-KR" dirty="0"/>
-              <a:t>. self-optimizing</a:t>
-            </a:r>
-            <a:r>
-              <a:rPr lang="ko-KR" altLang="en-US" dirty="0"/>
-              <a:t>이 잘 되면 성능이 일정하게 유지되기 쉽고</a:t>
-            </a:r>
-            <a:r>
-              <a:rPr lang="en-US" altLang="ko-KR" dirty="0"/>
-              <a:t>, </a:t>
-            </a:r>
-            <a:r>
-              <a:rPr lang="ko-KR" altLang="en-US" dirty="0"/>
-              <a:t>비용을 줄일 수 있으며</a:t>
-            </a:r>
-            <a:r>
-              <a:rPr lang="en-US" altLang="ko-KR" dirty="0"/>
-              <a:t>, </a:t>
-            </a:r>
-            <a:r>
-              <a:rPr lang="ko-KR" altLang="en-US" dirty="0"/>
-              <a:t>관리자가 임계값을 일일이 맞추는 부담이 줄어들기 때문입니다</a:t>
-            </a:r>
-            <a:r>
-              <a:rPr lang="en-US" altLang="ko-KR" dirty="0"/>
+            <a:endParaRPr lang="ko-KR" altLang="en-US" sz="2000"/>
+          </a:p>
+          <a:p>
+            <a:pPr marL="0" indent="0">
+              <a:lnSpc>
+                <a:spcPct val="130000"/>
+              </a:lnSpc>
+              <a:buNone/>
+              <a:defRPr/>
+            </a:pPr>
+            <a:r>
+              <a:rPr lang="en-US" altLang="ko-KR" sz="2000"/>
+              <a:t>	</a:t>
+            </a:r>
+            <a:r>
+              <a:rPr lang="ko-KR" altLang="en-US" sz="2000"/>
+              <a:t>예상 금액 초과 시 </a:t>
+            </a:r>
+            <a:r>
+              <a:rPr lang="ko-KR" altLang="en-US" sz="2000" b="1"/>
+              <a:t>자동으로 예산과 권장 지출액을 조정</a:t>
+            </a:r>
+            <a:r>
+              <a:rPr lang="ko-KR" altLang="en-US" sz="2000"/>
+              <a:t>해준다</a:t>
+            </a:r>
+            <a:r>
+              <a:rPr lang="en-US" altLang="ko-KR" sz="2000"/>
               <a:t>.</a:t>
             </a:r>
-            <a:endParaRPr lang="ko-KR" altLang="en-US" dirty="0"/>
-          </a:p>
-          <a:p>
-            <a:endParaRPr lang="en-US" altLang="ko-KR" dirty="0"/>
-          </a:p>
-        </p:txBody>
-      </p:sp>
-    </p:spTree>
-    <p:extLst>
-      <p:ext uri="{BB962C8B-B14F-4D97-AF65-F5344CB8AC3E}">
-        <p14:creationId xmlns:p14="http://schemas.microsoft.com/office/powerpoint/2010/main" val="4245321113"/>
-      </p:ext>
-    </p:extLst>
-  </p:cSld>
-  <p:clrMapOvr>
-    <a:masterClrMapping/>
-  </p:clrMapOvr>
-</p:sld>
-</file>
-
-<file path=ppt/slides/slide9.xml><?xml version="1.0" encoding="utf-8"?>
-<p:sld xmlns:a="http://schemas.openxmlformats.org/drawingml/2006/main" xmlns:r="http://schemas.openxmlformats.org/officeDocument/2006/relationships" xmlns:p="http://schemas.openxmlformats.org/presentationml/2006/main">
-  <p:cSld>
-    <p:spTree>
-      <p:nvGrpSpPr>
-        <p:cNvPr id="1" name="">
-          <a:extLst>
-            <a:ext uri="{FF2B5EF4-FFF2-40B4-BE49-F238E27FC236}">
-              <a16:creationId xmlns:a16="http://schemas.microsoft.com/office/drawing/2014/main" id="{B84CBA97-B26C-59AF-C94A-1DF3D8A80694}"/>
-            </a:ext>
-          </a:extLst>
-        </p:cNvPr>
-        <p:cNvGrpSpPr/>
-        <p:nvPr/>
-      </p:nvGrpSpPr>
-      <p:grpSpPr>
-        <a:xfrm>
-          <a:off x="0" y="0"/>
-          <a:ext cx="0" cy="0"/>
-          <a:chOff x="0" y="0"/>
-          <a:chExt cx="0" cy="0"/>
-        </a:xfrm>
-      </p:grpSpPr>
-      <p:sp>
-        <p:nvSpPr>
-          <p:cNvPr id="2" name="Title 1">
-            <a:extLst>
-              <a:ext uri="{FF2B5EF4-FFF2-40B4-BE49-F238E27FC236}">
-                <a16:creationId xmlns:a16="http://schemas.microsoft.com/office/drawing/2014/main" id="{E942D82D-C57D-C30D-EB62-9A1F4B05BEA1}"/>
-              </a:ext>
-            </a:extLst>
-          </p:cNvPr>
-          <p:cNvSpPr>
-            <a:spLocks noGrp="1"/>
-          </p:cNvSpPr>
-          <p:nvPr>
-            <p:ph type="title"/>
-          </p:nvPr>
-        </p:nvSpPr>
-        <p:spPr/>
-        <p:txBody>
-          <a:bodyPr>
-            <a:normAutofit/>
-          </a:bodyPr>
-          <a:lstStyle/>
-          <a:p>
-            <a:r>
-              <a:rPr lang="ko-KR" altLang="en-US" sz="4000" dirty="0"/>
-              <a:t>과제 </a:t>
-            </a:r>
-            <a:r>
-              <a:rPr lang="en-US" altLang="ko-KR" sz="4000" dirty="0"/>
-              <a:t>1 - Autonomic Computing Evaluation</a:t>
-            </a:r>
-            <a:endParaRPr lang="ko-KR" altLang="en-US" sz="4000" dirty="0"/>
+            <a:endParaRPr lang="en-US" altLang="ko-KR" sz="2000"/>
           </a:p>
         </p:txBody>
       </p:sp>
       <p:sp>
         <p:nvSpPr>
-          <p:cNvPr id="3" name="Content Placeholder 2">
-            <a:extLst>
-              <a:ext uri="{FF2B5EF4-FFF2-40B4-BE49-F238E27FC236}">
-                <a16:creationId xmlns:a16="http://schemas.microsoft.com/office/drawing/2014/main" id="{4B89DEEF-6DD8-35EB-C7C3-BAB2779FC5B7}"/>
-              </a:ext>
-            </a:extLst>
-          </p:cNvPr>
+          <p:cNvPr id="4" name="Title 1"/>
           <p:cNvSpPr>
             <a:spLocks noGrp="1"/>
           </p:cNvSpPr>
-          <p:nvPr>
-            <p:ph idx="1"/>
-          </p:nvPr>
+          <p:nvPr/>
         </p:nvSpPr>
-        <p:spPr/>
+        <p:spPr>
+          <a:xfrm>
+            <a:off x="449679" y="365125"/>
+            <a:ext cx="7958890" cy="1003272"/>
+          </a:xfrm>
+          <a:prstGeom prst="rect">
+            <a:avLst/>
+          </a:prstGeom>
+        </p:spPr>
         <p:txBody>
-          <a:bodyPr>
+          <a:bodyPr vert="horz" lIns="91440" tIns="45720" rIns="91440" bIns="45720" anchor="ctr">
             <a:normAutofit/>
           </a:bodyPr>
-          <a:lstStyle/>
-          <a:p>
-            <a:pPr fontAlgn="base"/>
-            <a:r>
-              <a:rPr lang="en-US" altLang="ko-KR" b="1" dirty="0"/>
-              <a:t>7. </a:t>
-            </a:r>
-            <a:r>
-              <a:rPr lang="ko-KR" altLang="en-US" b="1" dirty="0"/>
-              <a:t>그룹 활동을 통해 어떤 </a:t>
-            </a:r>
-            <a:r>
-              <a:rPr lang="en-US" altLang="ko-KR" b="1" dirty="0"/>
-              <a:t>1) SW</a:t>
-            </a:r>
-            <a:r>
-              <a:rPr lang="ko-KR" altLang="en-US" b="1" dirty="0"/>
-              <a:t>응용 시스템을 제안할 것인지 작성하고</a:t>
-            </a:r>
-            <a:r>
-              <a:rPr lang="en-US" altLang="ko-KR" b="1" dirty="0"/>
-              <a:t>, 2) </a:t>
-            </a:r>
-            <a:r>
-              <a:rPr lang="ko-KR" altLang="en-US" b="1" dirty="0"/>
-              <a:t>목표</a:t>
-            </a:r>
-            <a:r>
-              <a:rPr lang="en-US" altLang="ko-KR" b="1" dirty="0"/>
-              <a:t>(Goal)</a:t>
-            </a:r>
-            <a:r>
-              <a:rPr lang="ko-KR" altLang="en-US" b="1" dirty="0"/>
-              <a:t>가 무엇인지를 작성하세요</a:t>
-            </a:r>
-            <a:r>
-              <a:rPr lang="en-US" altLang="ko-KR" b="1" dirty="0"/>
-              <a:t>. </a:t>
-            </a:r>
-            <a:endParaRPr lang="ko-KR" altLang="en-US" dirty="0"/>
-          </a:p>
-          <a:p>
-            <a:pPr fontAlgn="base"/>
-            <a:r>
-              <a:rPr lang="en-US" altLang="ko-KR" dirty="0"/>
-              <a:t>1) </a:t>
-            </a:r>
-            <a:r>
-              <a:rPr lang="ko-KR" altLang="en-US" dirty="0"/>
-              <a:t>가계부 기반 자율 예산 관리 시스템</a:t>
-            </a:r>
-          </a:p>
-          <a:p>
-            <a:pPr fontAlgn="base"/>
-            <a:r>
-              <a:rPr lang="en-US" altLang="ko-KR" dirty="0"/>
-              <a:t>2) </a:t>
-            </a:r>
-            <a:r>
-              <a:rPr lang="ko-KR" altLang="en-US" dirty="0"/>
-              <a:t>사용자의 수입</a:t>
-            </a:r>
-            <a:r>
-              <a:rPr lang="en-US" altLang="ko-KR" dirty="0"/>
-              <a:t>, </a:t>
-            </a:r>
-            <a:r>
-              <a:rPr lang="ko-KR" altLang="en-US" dirty="0"/>
-              <a:t>소비 패턴을 기반으로 한 달의 예산과 하루의 권장 지출액을 제안해준다</a:t>
-            </a:r>
-            <a:r>
-              <a:rPr lang="en-US" altLang="ko-KR" dirty="0"/>
-              <a:t>. </a:t>
-            </a:r>
-            <a:r>
-              <a:rPr lang="ko-KR" altLang="en-US" dirty="0"/>
-              <a:t>예상 금액 초과 시 자동으로 예산과 권장 지출액을 조정해준다</a:t>
-            </a:r>
-            <a:r>
-              <a:rPr lang="en-US" altLang="ko-KR" dirty="0"/>
-              <a:t>.</a:t>
-            </a:r>
-            <a:endParaRPr lang="ko-KR" altLang="en-US" dirty="0"/>
-          </a:p>
-          <a:p>
-            <a:endParaRPr lang="en-US" altLang="ko-KR" dirty="0"/>
+          <a:p>
+            <a:pPr marL="0" indent="0" algn="l" defTabSz="914400" rtl="0" eaLnBrk="1" latinLnBrk="1" hangingPunct="1">
+              <a:lnSpc>
+                <a:spcPct val="90000"/>
+              </a:lnSpc>
+              <a:spcBef>
+                <a:spcPct val="0"/>
+              </a:spcBef>
+              <a:spcAft>
+                <a:spcPts val="0"/>
+              </a:spcAft>
+              <a:buNone/>
+              <a:defRPr/>
+            </a:pPr>
+            <a:r>
+              <a:rPr xmlns:mc="http://schemas.openxmlformats.org/markup-compatibility/2006" xmlns:hp="http://schemas.haansoft.com/office/presentation/8.0" kumimoji="0" lang="ko-KR" altLang="en-US" sz="3000" b="0" i="0" u="none" strike="noStrike" kern="1200" cap="none" spc="0" normalizeH="0" baseline="0" mc:Ignorable="hp" hp:hslEmbossed="0">
+                <a:solidFill>
+                  <a:srgbClr val="000000"/>
+                </a:solidFill>
+                <a:latin typeface="맑은 고딕"/>
+                <a:ea typeface="맑은 고딕"/>
+                <a:cs typeface="맑은 고딕"/>
+              </a:rPr>
+              <a:t>과제 </a:t>
+            </a:r>
+            <a:r>
+              <a:rPr xmlns:mc="http://schemas.openxmlformats.org/markup-compatibility/2006" xmlns:hp="http://schemas.haansoft.com/office/presentation/8.0" kumimoji="0" lang="en-US" altLang="ko-KR" sz="3000" b="0" i="0" u="none" strike="noStrike" kern="1200" cap="none" spc="0" normalizeH="0" baseline="0" mc:Ignorable="hp" hp:hslEmbossed="0">
+                <a:solidFill>
+                  <a:srgbClr val="000000"/>
+                </a:solidFill>
+                <a:latin typeface="맑은 고딕"/>
+                <a:ea typeface="맑은 고딕"/>
+                <a:cs typeface="맑은 고딕"/>
+              </a:rPr>
+              <a:t>1 - </a:t>
+            </a:r>
+            <a:r>
+              <a:rPr xmlns:mc="http://schemas.openxmlformats.org/markup-compatibility/2006" xmlns:hp="http://schemas.haansoft.com/office/presentation/8.0" kumimoji="0" lang="en-US" altLang="ko-KR" sz="3000" b="1" i="0" u="none" strike="noStrike" kern="1200" cap="none" spc="0" normalizeH="0" baseline="0" mc:Ignorable="hp" hp:hslEmbossed="0">
+                <a:solidFill>
+                  <a:srgbClr val="000000"/>
+                </a:solidFill>
+                <a:latin typeface="맑은 고딕"/>
+                <a:ea typeface="맑은 고딕"/>
+                <a:cs typeface="맑은 고딕"/>
+              </a:rPr>
+              <a:t>Autonomic Computing Evaluation</a:t>
+            </a:r>
+            <a:endParaRPr xmlns:mc="http://schemas.openxmlformats.org/markup-compatibility/2006" xmlns:hp="http://schemas.haansoft.com/office/presentation/8.0" kumimoji="0" lang="en-US" altLang="ko-KR" sz="3000" b="1" i="0" u="none" strike="noStrike" kern="1200" cap="none" spc="0" normalizeH="0" baseline="0" mc:Ignorable="hp" hp:hslEmbossed="0">
+              <a:solidFill>
+                <a:srgbClr val="000000"/>
+              </a:solidFill>
+              <a:latin typeface="맑은 고딕"/>
+              <a:ea typeface="맑은 고딕"/>
+              <a:cs typeface="맑은 고딕"/>
+            </a:endParaRPr>
           </a:p>
         </p:txBody>
       </p:sp>
@@ -15906,48 +18284,56 @@
   <p:clrMapOvr>
     <a:masterClrMapping/>
   </p:clrMapOvr>
+  <mc:AlternateContent xmlns:mc="http://schemas.openxmlformats.org/markup-compatibility/2006">
+    <mc:Choice xmlns:p14="http://schemas.microsoft.com/office/powerpoint/2010/main" Requires="p14">
+      <p:transition xmlns:mc="http://schemas.openxmlformats.org/markup-compatibility/2006" xmlns:p14="http://schemas.microsoft.com/office/powerpoint/2010/main" mc:Ignorable="p14" p14:dur="500"/>
+    </mc:Choice>
+    <mc:Fallback>
+      <p:transition/>
+    </mc:Fallback>
+  </mc:AlternateContent>
 </p:sld>
 </file>
 
 <file path=ppt/theme/theme1.xml><?xml version="1.0" encoding="utf-8"?>
-<a:theme xmlns:a="http://schemas.openxmlformats.org/drawingml/2006/main" name="Office Theme">
+<a:theme xmlns:r="http://schemas.openxmlformats.org/officeDocument/2006/relationships" xmlns:c="http://schemas.openxmlformats.org/drawingml/2006/chart" xmlns:dgm="http://schemas.openxmlformats.org/drawingml/2006/diagram" xmlns:dsp="http://schemas.microsoft.com/office/drawing/2008/diagram" xmlns:a="http://schemas.openxmlformats.org/drawingml/2006/main" xmlns:pic="http://schemas.openxmlformats.org/drawingml/2006/picture" xmlns:wp="http://schemas.openxmlformats.org/drawingml/2006/wordprocessingDrawing" xmlns:xdr="http://schemas.openxmlformats.org/drawingml/2006/spreadsheetDrawing" xmlns:lc="http://schemas.openxmlformats.org/drawingml/2006/lockedCanvas" xmlns:p="http://schemas.openxmlformats.org/presentationml/2006/main" name="Office Theme">
   <a:themeElements>
     <a:clrScheme name="Office">
       <a:dk1>
         <a:sysClr val="windowText" lastClr="000000"/>
       </a:dk1>
       <a:lt1>
-        <a:sysClr val="window" lastClr="FFFFFF"/>
+        <a:sysClr val="window" lastClr="ffffff"/>
       </a:lt1>
       <a:dk2>
-        <a:srgbClr val="0E2841"/>
+        <a:srgbClr val="0e2841"/>
       </a:dk2>
       <a:lt2>
-        <a:srgbClr val="E8E8E8"/>
+        <a:srgbClr val="e8e8e8"/>
       </a:lt2>
       <a:accent1>
         <a:srgbClr val="156082"/>
       </a:accent1>
       <a:accent2>
-        <a:srgbClr val="E97132"/>
+        <a:srgbClr val="e97132"/>
       </a:accent2>
       <a:accent3>
-        <a:srgbClr val="196B24"/>
+        <a:srgbClr val="196b24"/>
       </a:accent3>
       <a:accent4>
-        <a:srgbClr val="0F9ED5"/>
+        <a:srgbClr val="0f9ed5"/>
       </a:accent4>
       <a:accent5>
-        <a:srgbClr val="A02B93"/>
+        <a:srgbClr val="a02b93"/>
       </a:accent5>
       <a:accent6>
-        <a:srgbClr val="4EA72E"/>
+        <a:srgbClr val="4ea72e"/>
       </a:accent6>
       <a:hlink>
         <a:srgbClr val="467886"/>
       </a:hlink>
       <a:folHlink>
-        <a:srgbClr val="96607D"/>
+        <a:srgbClr val="96607d"/>
       </a:folHlink>
     </a:clrScheme>
     <a:fontScheme name="Office">
@@ -16241,49 +18627,48 @@
       <a:lstStyle/>
     </a:txDef>
   </a:objectDefaults>
-  <a:extraClrSchemeLst/>
 </a:theme>
 </file>
 
 <file path=ppt/theme/theme2.xml><?xml version="1.0" encoding="utf-8"?>
-<a:theme xmlns:a="http://schemas.openxmlformats.org/drawingml/2006/main" name="Office Theme">
+<a:theme xmlns:r="http://schemas.openxmlformats.org/officeDocument/2006/relationships" xmlns:c="http://schemas.openxmlformats.org/drawingml/2006/chart" xmlns:dgm="http://schemas.openxmlformats.org/drawingml/2006/diagram" xmlns:dsp="http://schemas.microsoft.com/office/drawing/2008/diagram" xmlns:a="http://schemas.openxmlformats.org/drawingml/2006/main" xmlns:pic="http://schemas.openxmlformats.org/drawingml/2006/picture" xmlns:wp="http://schemas.openxmlformats.org/drawingml/2006/wordprocessingDrawing" xmlns:xdr="http://schemas.openxmlformats.org/drawingml/2006/spreadsheetDrawing" xmlns:lc="http://schemas.openxmlformats.org/drawingml/2006/lockedCanvas" xmlns:p="http://schemas.openxmlformats.org/presentationml/2006/main" name="Office Theme">
   <a:themeElements>
     <a:clrScheme name="Office">
       <a:dk1>
         <a:sysClr val="windowText" lastClr="000000"/>
       </a:dk1>
       <a:lt1>
-        <a:sysClr val="window" lastClr="FFFFFF"/>
+        <a:sysClr val="window" lastClr="ffffff"/>
       </a:lt1>
       <a:dk2>
-        <a:srgbClr val="0E2841"/>
+        <a:srgbClr val="0e2841"/>
       </a:dk2>
       <a:lt2>
-        <a:srgbClr val="E8E8E8"/>
+        <a:srgbClr val="e8e8e8"/>
       </a:lt2>
       <a:accent1>
         <a:srgbClr val="156082"/>
       </a:accent1>
       <a:accent2>
-        <a:srgbClr val="E97132"/>
+        <a:srgbClr val="e97132"/>
       </a:accent2>
       <a:accent3>
-        <a:srgbClr val="196B24"/>
+        <a:srgbClr val="196b24"/>
       </a:accent3>
       <a:accent4>
-        <a:srgbClr val="0F9ED5"/>
+        <a:srgbClr val="0f9ed5"/>
       </a:accent4>
       <a:accent5>
-        <a:srgbClr val="A02B93"/>
+        <a:srgbClr val="a02b93"/>
       </a:accent5>
       <a:accent6>
-        <a:srgbClr val="4EA72E"/>
+        <a:srgbClr val="4ea72e"/>
       </a:accent6>
       <a:hlink>
         <a:srgbClr val="467886"/>
       </a:hlink>
       <a:folHlink>
-        <a:srgbClr val="96607D"/>
+        <a:srgbClr val="96607d"/>
       </a:folHlink>
     </a:clrScheme>
     <a:fontScheme name="Office">
@@ -16291,7 +18676,7 @@
         <a:latin typeface="맑은 고딕" panose="02110004020202020204"/>
         <a:ea typeface=""/>
         <a:cs typeface=""/>
-        <a:font script="Jpan" typeface="游ゴシック Light"/>
+        <a:font script="Jpan" typeface="Yu Gothic Light"/>
         <a:font script="Hang" typeface="맑은 고딕"/>
         <a:font script="Hans" typeface="等线 Light"/>
         <a:font script="Hant" typeface="新細明體"/>
@@ -16343,7 +18728,7 @@
         <a:latin typeface="맑은 고딕" panose="02110004020202020204"/>
         <a:ea typeface=""/>
         <a:cs typeface=""/>
-        <a:font script="Jpan" typeface="游ゴシック"/>
+        <a:font script="Jpan" typeface="Yu Gothic"/>
         <a:font script="Hang" typeface="맑은 고딕"/>
         <a:font script="Hans" typeface="等线"/>
         <a:font script="Hant" typeface="新細明體"/>
@@ -16456,21 +18841,21 @@
             <a:schemeClr val="phClr"/>
           </a:solidFill>
           <a:prstDash val="solid"/>
-          <a:miter lim="800000"/>
+          <a:miter/>
         </a:ln>
         <a:ln w="19050" cap="flat" cmpd="sng" algn="ctr">
           <a:solidFill>
             <a:schemeClr val="phClr"/>
           </a:solidFill>
           <a:prstDash val="solid"/>
-          <a:miter lim="800000"/>
+          <a:miter/>
         </a:ln>
         <a:ln w="25400" cap="flat" cmpd="sng" algn="ctr">
           <a:solidFill>
             <a:schemeClr val="phClr"/>
           </a:solidFill>
           <a:prstDash val="solid"/>
-          <a:miter lim="800000"/>
+          <a:miter/>
         </a:ln>
       </a:lnStyleLst>
       <a:effectStyleLst>
@@ -16531,6 +18916,27 @@
     </a:fmtScheme>
   </a:themeElements>
   <a:objectDefaults>
+    <a:spDef>
+      <a:spPr/>
+      <a:bodyPr/>
+      <a:lstStyle/>
+      <a:style>
+        <a:lnRef idx="2">
+          <a:schemeClr val="accent1">
+            <a:shade val="20000"/>
+          </a:schemeClr>
+        </a:lnRef>
+        <a:fillRef idx="1">
+          <a:schemeClr val="accent1"/>
+        </a:fillRef>
+        <a:effectRef idx="0">
+          <a:schemeClr val="accent1"/>
+        </a:effectRef>
+        <a:fontRef idx="minor">
+          <a:schemeClr val="lt1"/>
+        </a:fontRef>
+      </a:style>
+    </a:spDef>
     <a:lnDef>
       <a:spPr/>
       <a:bodyPr/>
@@ -16550,12 +18956,11 @@
         </a:fontRef>
       </a:style>
     </a:lnDef>
+    <a:txDef>
+      <a:spPr/>
+      <a:bodyPr/>
+      <a:lstStyle/>
+    </a:txDef>
   </a:objectDefaults>
-  <a:extraClrSchemeLst/>
-  <a:extLst>
-    <a:ext uri="{05A4C25C-085E-4340-85A3-A5531E510DB2}">
-      <thm15:themeFamily xmlns:thm15="http://schemas.microsoft.com/office/thememl/2012/main" name="Office Theme" id="{2E142A2C-CD16-42D6-873A-C26D2A0506FA}" vid="{1BDDFF52-6CD6-40A5-AB3C-68EB2F1E4D0A}"/>
-    </a:ext>
-  </a:extLst>
 </a:theme>
 </file>